--- a/1.1 Learn Git/Recap Git.pptx
+++ b/1.1 Learn Git/Recap Git.pptx
@@ -5,11 +5,19 @@
     <p:sldMasterId id="2147483648" r:id="rId2"/>
     <p:sldMasterId id="2147483661" r:id="rId3"/>
     <p:sldMasterId id="2147483674" r:id="rId4"/>
+    <p:sldMasterId id="2147483687" r:id="rId5"/>
   </p:sldMasterIdLst>
   <p:sldIdLst>
-    <p:sldId id="256" r:id="rId5"/>
-    <p:sldId id="257" r:id="rId6"/>
-    <p:sldId id="258" r:id="rId7"/>
+    <p:sldId id="256" r:id="rId6"/>
+    <p:sldId id="257" r:id="rId7"/>
+    <p:sldId id="258" r:id="rId8"/>
+    <p:sldId id="259" r:id="rId9"/>
+    <p:sldId id="260" r:id="rId10"/>
+    <p:sldId id="261" r:id="rId11"/>
+    <p:sldId id="262" r:id="rId12"/>
+    <p:sldId id="263" r:id="rId13"/>
+    <p:sldId id="264" r:id="rId14"/>
+    <p:sldId id="265" r:id="rId15"/>
   </p:sldIdLst>
   <p:sldSz cx="9144000" cy="5143500"/>
   <p:notesSz cx="6858000" cy="9144000"/>
@@ -3669,6 +3677,202 @@
 </p:sldLayout>
 </file>
 
+<file path=ppt/slideLayouts/slideLayout37.xml><?xml version="1.0" encoding="utf-8"?>
+<p:sldLayout xmlns:a="http://schemas.openxmlformats.org/drawingml/2006/main" xmlns:p="http://schemas.openxmlformats.org/presentationml/2006/main" xmlns:r="http://schemas.openxmlformats.org/officeDocument/2006/relationships" xmlns:p14="http://schemas.microsoft.com/office/powerpoint/2010/main" xmlns:p15="http://schemas.microsoft.com/office/powerpoint/2012/main" xmlns:mc="http://schemas.openxmlformats.org/markup-compatibility/2006" type="blank" preserve="1">
+  <p:cSld name="Blank Slide">
+    <p:spTree>
+      <p:nvGrpSpPr>
+        <p:cNvPr id="1" name=""/>
+        <p:cNvGrpSpPr/>
+        <p:nvPr/>
+      </p:nvGrpSpPr>
+      <p:grpSpPr>
+        <a:xfrm>
+          <a:off x="0" y="0"/>
+          <a:ext cx="0" cy="0"/>
+          <a:chOff x="0" y="0"/>
+          <a:chExt cx="0" cy="0"/>
+        </a:xfrm>
+      </p:grpSpPr>
+    </p:spTree>
+  </p:cSld>
+</p:sldLayout>
+</file>
+
+<file path=ppt/slideLayouts/slideLayout38.xml><?xml version="1.0" encoding="utf-8"?>
+<p:sldLayout xmlns:a="http://schemas.openxmlformats.org/drawingml/2006/main" xmlns:p="http://schemas.openxmlformats.org/presentationml/2006/main" xmlns:r="http://schemas.openxmlformats.org/officeDocument/2006/relationships" xmlns:p14="http://schemas.microsoft.com/office/powerpoint/2010/main" xmlns:p15="http://schemas.microsoft.com/office/powerpoint/2012/main" xmlns:mc="http://schemas.openxmlformats.org/markup-compatibility/2006" type="tx" preserve="1">
+  <p:cSld name="Title Slide">
+    <p:spTree>
+      <p:nvGrpSpPr>
+        <p:cNvPr id="1" name=""/>
+        <p:cNvGrpSpPr/>
+        <p:nvPr/>
+      </p:nvGrpSpPr>
+      <p:grpSpPr>
+        <a:xfrm>
+          <a:off x="0" y="0"/>
+          <a:ext cx="0" cy="0"/>
+          <a:chOff x="0" y="0"/>
+          <a:chExt cx="0" cy="0"/>
+        </a:xfrm>
+      </p:grpSpPr>
+      <p:sp>
+        <p:nvSpPr>
+          <p:cNvPr id="135" name="PlaceHolder 1"/>
+          <p:cNvSpPr>
+            <a:spLocks noGrp="1"/>
+          </p:cNvSpPr>
+          <p:nvPr>
+            <p:ph type="title"/>
+          </p:nvPr>
+        </p:nvSpPr>
+        <p:spPr>
+          <a:xfrm>
+            <a:off x="729360" y="1318680"/>
+            <a:ext cx="7688520" cy="534960"/>
+          </a:xfrm>
+          <a:prstGeom prst="rect">
+            <a:avLst/>
+          </a:prstGeom>
+        </p:spPr>
+        <p:txBody>
+          <a:bodyPr lIns="0" rIns="0" tIns="0" bIns="0" anchor="ctr">
+            <a:noAutofit/>
+          </a:bodyPr>
+          <a:p>
+            <a:endParaRPr b="0" lang="en-US" sz="1400" spc="-1" strike="noStrike">
+              <a:solidFill>
+                <a:srgbClr val="000000"/>
+              </a:solidFill>
+              <a:latin typeface="Arial"/>
+            </a:endParaRPr>
+          </a:p>
+        </p:txBody>
+      </p:sp>
+      <p:sp>
+        <p:nvSpPr>
+          <p:cNvPr id="136" name="PlaceHolder 2"/>
+          <p:cNvSpPr>
+            <a:spLocks noGrp="1"/>
+          </p:cNvSpPr>
+          <p:nvPr>
+            <p:ph type="subTitle"/>
+          </p:nvPr>
+        </p:nvSpPr>
+        <p:spPr>
+          <a:xfrm>
+            <a:off x="729360" y="2079000"/>
+            <a:ext cx="7688520" cy="2260800"/>
+          </a:xfrm>
+          <a:prstGeom prst="rect">
+            <a:avLst/>
+          </a:prstGeom>
+        </p:spPr>
+        <p:txBody>
+          <a:bodyPr lIns="0" rIns="0" tIns="0" bIns="0" anchor="ctr">
+            <a:noAutofit/>
+          </a:bodyPr>
+          <a:p>
+            <a:pPr algn="ctr"/>
+            <a:endParaRPr b="0" lang="en-US" sz="3200" spc="-1" strike="noStrike">
+              <a:latin typeface="Arial"/>
+            </a:endParaRPr>
+          </a:p>
+        </p:txBody>
+      </p:sp>
+    </p:spTree>
+  </p:cSld>
+</p:sldLayout>
+</file>
+
+<file path=ppt/slideLayouts/slideLayout39.xml><?xml version="1.0" encoding="utf-8"?>
+<p:sldLayout xmlns:a="http://schemas.openxmlformats.org/drawingml/2006/main" xmlns:p="http://schemas.openxmlformats.org/presentationml/2006/main" xmlns:r="http://schemas.openxmlformats.org/officeDocument/2006/relationships" xmlns:p14="http://schemas.microsoft.com/office/powerpoint/2010/main" xmlns:p15="http://schemas.microsoft.com/office/powerpoint/2012/main" xmlns:mc="http://schemas.openxmlformats.org/markup-compatibility/2006" type="obj" preserve="1">
+  <p:cSld name="Title, Content">
+    <p:spTree>
+      <p:nvGrpSpPr>
+        <p:cNvPr id="1" name=""/>
+        <p:cNvGrpSpPr/>
+        <p:nvPr/>
+      </p:nvGrpSpPr>
+      <p:grpSpPr>
+        <a:xfrm>
+          <a:off x="0" y="0"/>
+          <a:ext cx="0" cy="0"/>
+          <a:chOff x="0" y="0"/>
+          <a:chExt cx="0" cy="0"/>
+        </a:xfrm>
+      </p:grpSpPr>
+      <p:sp>
+        <p:nvSpPr>
+          <p:cNvPr id="137" name="PlaceHolder 1"/>
+          <p:cNvSpPr>
+            <a:spLocks noGrp="1"/>
+          </p:cNvSpPr>
+          <p:nvPr>
+            <p:ph type="title"/>
+          </p:nvPr>
+        </p:nvSpPr>
+        <p:spPr>
+          <a:xfrm>
+            <a:off x="729360" y="1318680"/>
+            <a:ext cx="7688520" cy="534960"/>
+          </a:xfrm>
+          <a:prstGeom prst="rect">
+            <a:avLst/>
+          </a:prstGeom>
+        </p:spPr>
+        <p:txBody>
+          <a:bodyPr lIns="0" rIns="0" tIns="0" bIns="0" anchor="ctr">
+            <a:noAutofit/>
+          </a:bodyPr>
+          <a:p>
+            <a:endParaRPr b="0" lang="en-US" sz="1400" spc="-1" strike="noStrike">
+              <a:solidFill>
+                <a:srgbClr val="000000"/>
+              </a:solidFill>
+              <a:latin typeface="Arial"/>
+            </a:endParaRPr>
+          </a:p>
+        </p:txBody>
+      </p:sp>
+      <p:sp>
+        <p:nvSpPr>
+          <p:cNvPr id="138" name="PlaceHolder 2"/>
+          <p:cNvSpPr>
+            <a:spLocks noGrp="1"/>
+          </p:cNvSpPr>
+          <p:nvPr>
+            <p:ph type="body"/>
+          </p:nvPr>
+        </p:nvSpPr>
+        <p:spPr>
+          <a:xfrm>
+            <a:off x="729360" y="2079000"/>
+            <a:ext cx="7688520" cy="2260800"/>
+          </a:xfrm>
+          <a:prstGeom prst="rect">
+            <a:avLst/>
+          </a:prstGeom>
+        </p:spPr>
+        <p:txBody>
+          <a:bodyPr lIns="0" rIns="0" tIns="0" bIns="0">
+            <a:normAutofit/>
+          </a:bodyPr>
+          <a:p>
+            <a:endParaRPr b="0" lang="en-US" sz="1400" spc="-1" strike="noStrike">
+              <a:solidFill>
+                <a:srgbClr val="000000"/>
+              </a:solidFill>
+              <a:latin typeface="Arial"/>
+            </a:endParaRPr>
+          </a:p>
+        </p:txBody>
+      </p:sp>
+    </p:spTree>
+  </p:cSld>
+</p:sldLayout>
+</file>
+
 <file path=ppt/slideLayouts/slideLayout4.xml><?xml version="1.0" encoding="utf-8"?>
 <p:sldLayout xmlns:a="http://schemas.openxmlformats.org/drawingml/2006/main" xmlns:p="http://schemas.openxmlformats.org/presentationml/2006/main" xmlns:r="http://schemas.openxmlformats.org/officeDocument/2006/relationships" xmlns:p14="http://schemas.microsoft.com/office/powerpoint/2010/main" xmlns:p15="http://schemas.microsoft.com/office/powerpoint/2012/main" xmlns:mc="http://schemas.openxmlformats.org/markup-compatibility/2006" type="twoObj" preserve="1">
   <p:cSld name="Title, 2 Content">
@@ -3766,6 +3970,1258 @@
           <a:xfrm>
             <a:off x="4669200" y="2079000"/>
             <a:ext cx="3751920" cy="2260800"/>
+          </a:xfrm>
+          <a:prstGeom prst="rect">
+            <a:avLst/>
+          </a:prstGeom>
+        </p:spPr>
+        <p:txBody>
+          <a:bodyPr lIns="0" rIns="0" tIns="0" bIns="0">
+            <a:normAutofit/>
+          </a:bodyPr>
+          <a:p>
+            <a:endParaRPr b="0" lang="en-US" sz="1400" spc="-1" strike="noStrike">
+              <a:solidFill>
+                <a:srgbClr val="000000"/>
+              </a:solidFill>
+              <a:latin typeface="Arial"/>
+            </a:endParaRPr>
+          </a:p>
+        </p:txBody>
+      </p:sp>
+    </p:spTree>
+  </p:cSld>
+</p:sldLayout>
+</file>
+
+<file path=ppt/slideLayouts/slideLayout40.xml><?xml version="1.0" encoding="utf-8"?>
+<p:sldLayout xmlns:a="http://schemas.openxmlformats.org/drawingml/2006/main" xmlns:p="http://schemas.openxmlformats.org/presentationml/2006/main" xmlns:r="http://schemas.openxmlformats.org/officeDocument/2006/relationships" xmlns:p14="http://schemas.microsoft.com/office/powerpoint/2010/main" xmlns:p15="http://schemas.microsoft.com/office/powerpoint/2012/main" xmlns:mc="http://schemas.openxmlformats.org/markup-compatibility/2006" type="twoObj" preserve="1">
+  <p:cSld name="Title, 2 Content">
+    <p:spTree>
+      <p:nvGrpSpPr>
+        <p:cNvPr id="1" name=""/>
+        <p:cNvGrpSpPr/>
+        <p:nvPr/>
+      </p:nvGrpSpPr>
+      <p:grpSpPr>
+        <a:xfrm>
+          <a:off x="0" y="0"/>
+          <a:ext cx="0" cy="0"/>
+          <a:chOff x="0" y="0"/>
+          <a:chExt cx="0" cy="0"/>
+        </a:xfrm>
+      </p:grpSpPr>
+      <p:sp>
+        <p:nvSpPr>
+          <p:cNvPr id="139" name="PlaceHolder 1"/>
+          <p:cNvSpPr>
+            <a:spLocks noGrp="1"/>
+          </p:cNvSpPr>
+          <p:nvPr>
+            <p:ph type="title"/>
+          </p:nvPr>
+        </p:nvSpPr>
+        <p:spPr>
+          <a:xfrm>
+            <a:off x="729360" y="1318680"/>
+            <a:ext cx="7688520" cy="534960"/>
+          </a:xfrm>
+          <a:prstGeom prst="rect">
+            <a:avLst/>
+          </a:prstGeom>
+        </p:spPr>
+        <p:txBody>
+          <a:bodyPr lIns="0" rIns="0" tIns="0" bIns="0" anchor="ctr">
+            <a:noAutofit/>
+          </a:bodyPr>
+          <a:p>
+            <a:endParaRPr b="0" lang="en-US" sz="1400" spc="-1" strike="noStrike">
+              <a:solidFill>
+                <a:srgbClr val="000000"/>
+              </a:solidFill>
+              <a:latin typeface="Arial"/>
+            </a:endParaRPr>
+          </a:p>
+        </p:txBody>
+      </p:sp>
+      <p:sp>
+        <p:nvSpPr>
+          <p:cNvPr id="140" name="PlaceHolder 2"/>
+          <p:cNvSpPr>
+            <a:spLocks noGrp="1"/>
+          </p:cNvSpPr>
+          <p:nvPr>
+            <p:ph type="body"/>
+          </p:nvPr>
+        </p:nvSpPr>
+        <p:spPr>
+          <a:xfrm>
+            <a:off x="729360" y="2079000"/>
+            <a:ext cx="3751920" cy="2260800"/>
+          </a:xfrm>
+          <a:prstGeom prst="rect">
+            <a:avLst/>
+          </a:prstGeom>
+        </p:spPr>
+        <p:txBody>
+          <a:bodyPr lIns="0" rIns="0" tIns="0" bIns="0">
+            <a:normAutofit/>
+          </a:bodyPr>
+          <a:p>
+            <a:endParaRPr b="0" lang="en-US" sz="1400" spc="-1" strike="noStrike">
+              <a:solidFill>
+                <a:srgbClr val="000000"/>
+              </a:solidFill>
+              <a:latin typeface="Arial"/>
+            </a:endParaRPr>
+          </a:p>
+        </p:txBody>
+      </p:sp>
+      <p:sp>
+        <p:nvSpPr>
+          <p:cNvPr id="141" name="PlaceHolder 3"/>
+          <p:cNvSpPr>
+            <a:spLocks noGrp="1"/>
+          </p:cNvSpPr>
+          <p:nvPr>
+            <p:ph type="body"/>
+          </p:nvPr>
+        </p:nvSpPr>
+        <p:spPr>
+          <a:xfrm>
+            <a:off x="4669200" y="2079000"/>
+            <a:ext cx="3751920" cy="2260800"/>
+          </a:xfrm>
+          <a:prstGeom prst="rect">
+            <a:avLst/>
+          </a:prstGeom>
+        </p:spPr>
+        <p:txBody>
+          <a:bodyPr lIns="0" rIns="0" tIns="0" bIns="0">
+            <a:normAutofit/>
+          </a:bodyPr>
+          <a:p>
+            <a:endParaRPr b="0" lang="en-US" sz="1400" spc="-1" strike="noStrike">
+              <a:solidFill>
+                <a:srgbClr val="000000"/>
+              </a:solidFill>
+              <a:latin typeface="Arial"/>
+            </a:endParaRPr>
+          </a:p>
+        </p:txBody>
+      </p:sp>
+    </p:spTree>
+  </p:cSld>
+</p:sldLayout>
+</file>
+
+<file path=ppt/slideLayouts/slideLayout41.xml><?xml version="1.0" encoding="utf-8"?>
+<p:sldLayout xmlns:a="http://schemas.openxmlformats.org/drawingml/2006/main" xmlns:p="http://schemas.openxmlformats.org/presentationml/2006/main" xmlns:r="http://schemas.openxmlformats.org/officeDocument/2006/relationships" xmlns:p14="http://schemas.microsoft.com/office/powerpoint/2010/main" xmlns:p15="http://schemas.microsoft.com/office/powerpoint/2012/main" xmlns:mc="http://schemas.openxmlformats.org/markup-compatibility/2006" type="titleOnly" preserve="1">
+  <p:cSld name="Title Only">
+    <p:spTree>
+      <p:nvGrpSpPr>
+        <p:cNvPr id="1" name=""/>
+        <p:cNvGrpSpPr/>
+        <p:nvPr/>
+      </p:nvGrpSpPr>
+      <p:grpSpPr>
+        <a:xfrm>
+          <a:off x="0" y="0"/>
+          <a:ext cx="0" cy="0"/>
+          <a:chOff x="0" y="0"/>
+          <a:chExt cx="0" cy="0"/>
+        </a:xfrm>
+      </p:grpSpPr>
+      <p:sp>
+        <p:nvSpPr>
+          <p:cNvPr id="142" name="PlaceHolder 1"/>
+          <p:cNvSpPr>
+            <a:spLocks noGrp="1"/>
+          </p:cNvSpPr>
+          <p:nvPr>
+            <p:ph type="title"/>
+          </p:nvPr>
+        </p:nvSpPr>
+        <p:spPr>
+          <a:xfrm>
+            <a:off x="729360" y="1318680"/>
+            <a:ext cx="7688520" cy="534960"/>
+          </a:xfrm>
+          <a:prstGeom prst="rect">
+            <a:avLst/>
+          </a:prstGeom>
+        </p:spPr>
+        <p:txBody>
+          <a:bodyPr lIns="0" rIns="0" tIns="0" bIns="0" anchor="ctr">
+            <a:noAutofit/>
+          </a:bodyPr>
+          <a:p>
+            <a:endParaRPr b="0" lang="en-US" sz="1400" spc="-1" strike="noStrike">
+              <a:solidFill>
+                <a:srgbClr val="000000"/>
+              </a:solidFill>
+              <a:latin typeface="Arial"/>
+            </a:endParaRPr>
+          </a:p>
+        </p:txBody>
+      </p:sp>
+    </p:spTree>
+  </p:cSld>
+</p:sldLayout>
+</file>
+
+<file path=ppt/slideLayouts/slideLayout42.xml><?xml version="1.0" encoding="utf-8"?>
+<p:sldLayout xmlns:a="http://schemas.openxmlformats.org/drawingml/2006/main" xmlns:p="http://schemas.openxmlformats.org/presentationml/2006/main" xmlns:r="http://schemas.openxmlformats.org/officeDocument/2006/relationships" xmlns:p14="http://schemas.microsoft.com/office/powerpoint/2010/main" xmlns:p15="http://schemas.microsoft.com/office/powerpoint/2012/main" xmlns:mc="http://schemas.openxmlformats.org/markup-compatibility/2006" type="objOnly" preserve="1">
+  <p:cSld name="Centered Text">
+    <p:spTree>
+      <p:nvGrpSpPr>
+        <p:cNvPr id="1" name=""/>
+        <p:cNvGrpSpPr/>
+        <p:nvPr/>
+      </p:nvGrpSpPr>
+      <p:grpSpPr>
+        <a:xfrm>
+          <a:off x="0" y="0"/>
+          <a:ext cx="0" cy="0"/>
+          <a:chOff x="0" y="0"/>
+          <a:chExt cx="0" cy="0"/>
+        </a:xfrm>
+      </p:grpSpPr>
+      <p:sp>
+        <p:nvSpPr>
+          <p:cNvPr id="143" name="PlaceHolder 1"/>
+          <p:cNvSpPr>
+            <a:spLocks noGrp="1"/>
+          </p:cNvSpPr>
+          <p:nvPr>
+            <p:ph type="subTitle"/>
+          </p:nvPr>
+        </p:nvSpPr>
+        <p:spPr>
+          <a:xfrm>
+            <a:off x="729360" y="1318680"/>
+            <a:ext cx="7688520" cy="2481120"/>
+          </a:xfrm>
+          <a:prstGeom prst="rect">
+            <a:avLst/>
+          </a:prstGeom>
+        </p:spPr>
+        <p:txBody>
+          <a:bodyPr lIns="0" rIns="0" tIns="0" bIns="0" anchor="ctr">
+            <a:noAutofit/>
+          </a:bodyPr>
+          <a:p>
+            <a:pPr algn="ctr"/>
+            <a:endParaRPr b="0" lang="en-US" sz="3200" spc="-1" strike="noStrike">
+              <a:latin typeface="Arial"/>
+            </a:endParaRPr>
+          </a:p>
+        </p:txBody>
+      </p:sp>
+    </p:spTree>
+  </p:cSld>
+</p:sldLayout>
+</file>
+
+<file path=ppt/slideLayouts/slideLayout43.xml><?xml version="1.0" encoding="utf-8"?>
+<p:sldLayout xmlns:a="http://schemas.openxmlformats.org/drawingml/2006/main" xmlns:p="http://schemas.openxmlformats.org/presentationml/2006/main" xmlns:r="http://schemas.openxmlformats.org/officeDocument/2006/relationships" xmlns:p14="http://schemas.microsoft.com/office/powerpoint/2010/main" xmlns:p15="http://schemas.microsoft.com/office/powerpoint/2012/main" xmlns:mc="http://schemas.openxmlformats.org/markup-compatibility/2006" type="twoObjAndObj" preserve="1">
+  <p:cSld name="Title, 2 Content and Content">
+    <p:spTree>
+      <p:nvGrpSpPr>
+        <p:cNvPr id="1" name=""/>
+        <p:cNvGrpSpPr/>
+        <p:nvPr/>
+      </p:nvGrpSpPr>
+      <p:grpSpPr>
+        <a:xfrm>
+          <a:off x="0" y="0"/>
+          <a:ext cx="0" cy="0"/>
+          <a:chOff x="0" y="0"/>
+          <a:chExt cx="0" cy="0"/>
+        </a:xfrm>
+      </p:grpSpPr>
+      <p:sp>
+        <p:nvSpPr>
+          <p:cNvPr id="144" name="PlaceHolder 1"/>
+          <p:cNvSpPr>
+            <a:spLocks noGrp="1"/>
+          </p:cNvSpPr>
+          <p:nvPr>
+            <p:ph type="title"/>
+          </p:nvPr>
+        </p:nvSpPr>
+        <p:spPr>
+          <a:xfrm>
+            <a:off x="729360" y="1318680"/>
+            <a:ext cx="7688520" cy="534960"/>
+          </a:xfrm>
+          <a:prstGeom prst="rect">
+            <a:avLst/>
+          </a:prstGeom>
+        </p:spPr>
+        <p:txBody>
+          <a:bodyPr lIns="0" rIns="0" tIns="0" bIns="0" anchor="ctr">
+            <a:noAutofit/>
+          </a:bodyPr>
+          <a:p>
+            <a:endParaRPr b="0" lang="en-US" sz="1400" spc="-1" strike="noStrike">
+              <a:solidFill>
+                <a:srgbClr val="000000"/>
+              </a:solidFill>
+              <a:latin typeface="Arial"/>
+            </a:endParaRPr>
+          </a:p>
+        </p:txBody>
+      </p:sp>
+      <p:sp>
+        <p:nvSpPr>
+          <p:cNvPr id="145" name="PlaceHolder 2"/>
+          <p:cNvSpPr>
+            <a:spLocks noGrp="1"/>
+          </p:cNvSpPr>
+          <p:nvPr>
+            <p:ph type="body"/>
+          </p:nvPr>
+        </p:nvSpPr>
+        <p:spPr>
+          <a:xfrm>
+            <a:off x="729360" y="2079000"/>
+            <a:ext cx="3751920" cy="1078200"/>
+          </a:xfrm>
+          <a:prstGeom prst="rect">
+            <a:avLst/>
+          </a:prstGeom>
+        </p:spPr>
+        <p:txBody>
+          <a:bodyPr lIns="0" rIns="0" tIns="0" bIns="0">
+            <a:normAutofit/>
+          </a:bodyPr>
+          <a:p>
+            <a:endParaRPr b="0" lang="en-US" sz="1400" spc="-1" strike="noStrike">
+              <a:solidFill>
+                <a:srgbClr val="000000"/>
+              </a:solidFill>
+              <a:latin typeface="Arial"/>
+            </a:endParaRPr>
+          </a:p>
+        </p:txBody>
+      </p:sp>
+      <p:sp>
+        <p:nvSpPr>
+          <p:cNvPr id="146" name="PlaceHolder 3"/>
+          <p:cNvSpPr>
+            <a:spLocks noGrp="1"/>
+          </p:cNvSpPr>
+          <p:nvPr>
+            <p:ph type="body"/>
+          </p:nvPr>
+        </p:nvSpPr>
+        <p:spPr>
+          <a:xfrm>
+            <a:off x="4669200" y="2079000"/>
+            <a:ext cx="3751920" cy="2260800"/>
+          </a:xfrm>
+          <a:prstGeom prst="rect">
+            <a:avLst/>
+          </a:prstGeom>
+        </p:spPr>
+        <p:txBody>
+          <a:bodyPr lIns="0" rIns="0" tIns="0" bIns="0">
+            <a:normAutofit/>
+          </a:bodyPr>
+          <a:p>
+            <a:endParaRPr b="0" lang="en-US" sz="1400" spc="-1" strike="noStrike">
+              <a:solidFill>
+                <a:srgbClr val="000000"/>
+              </a:solidFill>
+              <a:latin typeface="Arial"/>
+            </a:endParaRPr>
+          </a:p>
+        </p:txBody>
+      </p:sp>
+      <p:sp>
+        <p:nvSpPr>
+          <p:cNvPr id="147" name="PlaceHolder 4"/>
+          <p:cNvSpPr>
+            <a:spLocks noGrp="1"/>
+          </p:cNvSpPr>
+          <p:nvPr>
+            <p:ph type="body"/>
+          </p:nvPr>
+        </p:nvSpPr>
+        <p:spPr>
+          <a:xfrm>
+            <a:off x="729360" y="3260160"/>
+            <a:ext cx="3751920" cy="1078200"/>
+          </a:xfrm>
+          <a:prstGeom prst="rect">
+            <a:avLst/>
+          </a:prstGeom>
+        </p:spPr>
+        <p:txBody>
+          <a:bodyPr lIns="0" rIns="0" tIns="0" bIns="0">
+            <a:normAutofit/>
+          </a:bodyPr>
+          <a:p>
+            <a:endParaRPr b="0" lang="en-US" sz="1400" spc="-1" strike="noStrike">
+              <a:solidFill>
+                <a:srgbClr val="000000"/>
+              </a:solidFill>
+              <a:latin typeface="Arial"/>
+            </a:endParaRPr>
+          </a:p>
+        </p:txBody>
+      </p:sp>
+    </p:spTree>
+  </p:cSld>
+</p:sldLayout>
+</file>
+
+<file path=ppt/slideLayouts/slideLayout44.xml><?xml version="1.0" encoding="utf-8"?>
+<p:sldLayout xmlns:a="http://schemas.openxmlformats.org/drawingml/2006/main" xmlns:p="http://schemas.openxmlformats.org/presentationml/2006/main" xmlns:r="http://schemas.openxmlformats.org/officeDocument/2006/relationships" xmlns:p14="http://schemas.microsoft.com/office/powerpoint/2010/main" xmlns:p15="http://schemas.microsoft.com/office/powerpoint/2012/main" xmlns:mc="http://schemas.openxmlformats.org/markup-compatibility/2006" type="objAndTwoObj" preserve="1">
+  <p:cSld name="Title Content and 2 Content">
+    <p:spTree>
+      <p:nvGrpSpPr>
+        <p:cNvPr id="1" name=""/>
+        <p:cNvGrpSpPr/>
+        <p:nvPr/>
+      </p:nvGrpSpPr>
+      <p:grpSpPr>
+        <a:xfrm>
+          <a:off x="0" y="0"/>
+          <a:ext cx="0" cy="0"/>
+          <a:chOff x="0" y="0"/>
+          <a:chExt cx="0" cy="0"/>
+        </a:xfrm>
+      </p:grpSpPr>
+      <p:sp>
+        <p:nvSpPr>
+          <p:cNvPr id="148" name="PlaceHolder 1"/>
+          <p:cNvSpPr>
+            <a:spLocks noGrp="1"/>
+          </p:cNvSpPr>
+          <p:nvPr>
+            <p:ph type="title"/>
+          </p:nvPr>
+        </p:nvSpPr>
+        <p:spPr>
+          <a:xfrm>
+            <a:off x="729360" y="1318680"/>
+            <a:ext cx="7688520" cy="534960"/>
+          </a:xfrm>
+          <a:prstGeom prst="rect">
+            <a:avLst/>
+          </a:prstGeom>
+        </p:spPr>
+        <p:txBody>
+          <a:bodyPr lIns="0" rIns="0" tIns="0" bIns="0" anchor="ctr">
+            <a:noAutofit/>
+          </a:bodyPr>
+          <a:p>
+            <a:endParaRPr b="0" lang="en-US" sz="1400" spc="-1" strike="noStrike">
+              <a:solidFill>
+                <a:srgbClr val="000000"/>
+              </a:solidFill>
+              <a:latin typeface="Arial"/>
+            </a:endParaRPr>
+          </a:p>
+        </p:txBody>
+      </p:sp>
+      <p:sp>
+        <p:nvSpPr>
+          <p:cNvPr id="149" name="PlaceHolder 2"/>
+          <p:cNvSpPr>
+            <a:spLocks noGrp="1"/>
+          </p:cNvSpPr>
+          <p:nvPr>
+            <p:ph type="body"/>
+          </p:nvPr>
+        </p:nvSpPr>
+        <p:spPr>
+          <a:xfrm>
+            <a:off x="729360" y="2079000"/>
+            <a:ext cx="3751920" cy="2260800"/>
+          </a:xfrm>
+          <a:prstGeom prst="rect">
+            <a:avLst/>
+          </a:prstGeom>
+        </p:spPr>
+        <p:txBody>
+          <a:bodyPr lIns="0" rIns="0" tIns="0" bIns="0">
+            <a:normAutofit/>
+          </a:bodyPr>
+          <a:p>
+            <a:endParaRPr b="0" lang="en-US" sz="1400" spc="-1" strike="noStrike">
+              <a:solidFill>
+                <a:srgbClr val="000000"/>
+              </a:solidFill>
+              <a:latin typeface="Arial"/>
+            </a:endParaRPr>
+          </a:p>
+        </p:txBody>
+      </p:sp>
+      <p:sp>
+        <p:nvSpPr>
+          <p:cNvPr id="150" name="PlaceHolder 3"/>
+          <p:cNvSpPr>
+            <a:spLocks noGrp="1"/>
+          </p:cNvSpPr>
+          <p:nvPr>
+            <p:ph type="body"/>
+          </p:nvPr>
+        </p:nvSpPr>
+        <p:spPr>
+          <a:xfrm>
+            <a:off x="4669200" y="2079000"/>
+            <a:ext cx="3751920" cy="1078200"/>
+          </a:xfrm>
+          <a:prstGeom prst="rect">
+            <a:avLst/>
+          </a:prstGeom>
+        </p:spPr>
+        <p:txBody>
+          <a:bodyPr lIns="0" rIns="0" tIns="0" bIns="0">
+            <a:normAutofit/>
+          </a:bodyPr>
+          <a:p>
+            <a:endParaRPr b="0" lang="en-US" sz="1400" spc="-1" strike="noStrike">
+              <a:solidFill>
+                <a:srgbClr val="000000"/>
+              </a:solidFill>
+              <a:latin typeface="Arial"/>
+            </a:endParaRPr>
+          </a:p>
+        </p:txBody>
+      </p:sp>
+      <p:sp>
+        <p:nvSpPr>
+          <p:cNvPr id="151" name="PlaceHolder 4"/>
+          <p:cNvSpPr>
+            <a:spLocks noGrp="1"/>
+          </p:cNvSpPr>
+          <p:nvPr>
+            <p:ph type="body"/>
+          </p:nvPr>
+        </p:nvSpPr>
+        <p:spPr>
+          <a:xfrm>
+            <a:off x="4669200" y="3260160"/>
+            <a:ext cx="3751920" cy="1078200"/>
+          </a:xfrm>
+          <a:prstGeom prst="rect">
+            <a:avLst/>
+          </a:prstGeom>
+        </p:spPr>
+        <p:txBody>
+          <a:bodyPr lIns="0" rIns="0" tIns="0" bIns="0">
+            <a:normAutofit/>
+          </a:bodyPr>
+          <a:p>
+            <a:endParaRPr b="0" lang="en-US" sz="1400" spc="-1" strike="noStrike">
+              <a:solidFill>
+                <a:srgbClr val="000000"/>
+              </a:solidFill>
+              <a:latin typeface="Arial"/>
+            </a:endParaRPr>
+          </a:p>
+        </p:txBody>
+      </p:sp>
+    </p:spTree>
+  </p:cSld>
+</p:sldLayout>
+</file>
+
+<file path=ppt/slideLayouts/slideLayout45.xml><?xml version="1.0" encoding="utf-8"?>
+<p:sldLayout xmlns:a="http://schemas.openxmlformats.org/drawingml/2006/main" xmlns:p="http://schemas.openxmlformats.org/presentationml/2006/main" xmlns:r="http://schemas.openxmlformats.org/officeDocument/2006/relationships" xmlns:p14="http://schemas.microsoft.com/office/powerpoint/2010/main" xmlns:p15="http://schemas.microsoft.com/office/powerpoint/2012/main" xmlns:mc="http://schemas.openxmlformats.org/markup-compatibility/2006" type="twoObjOverTx" preserve="1">
+  <p:cSld name="Title, 2 Content over Content">
+    <p:spTree>
+      <p:nvGrpSpPr>
+        <p:cNvPr id="1" name=""/>
+        <p:cNvGrpSpPr/>
+        <p:nvPr/>
+      </p:nvGrpSpPr>
+      <p:grpSpPr>
+        <a:xfrm>
+          <a:off x="0" y="0"/>
+          <a:ext cx="0" cy="0"/>
+          <a:chOff x="0" y="0"/>
+          <a:chExt cx="0" cy="0"/>
+        </a:xfrm>
+      </p:grpSpPr>
+      <p:sp>
+        <p:nvSpPr>
+          <p:cNvPr id="152" name="PlaceHolder 1"/>
+          <p:cNvSpPr>
+            <a:spLocks noGrp="1"/>
+          </p:cNvSpPr>
+          <p:nvPr>
+            <p:ph type="title"/>
+          </p:nvPr>
+        </p:nvSpPr>
+        <p:spPr>
+          <a:xfrm>
+            <a:off x="729360" y="1318680"/>
+            <a:ext cx="7688520" cy="534960"/>
+          </a:xfrm>
+          <a:prstGeom prst="rect">
+            <a:avLst/>
+          </a:prstGeom>
+        </p:spPr>
+        <p:txBody>
+          <a:bodyPr lIns="0" rIns="0" tIns="0" bIns="0" anchor="ctr">
+            <a:noAutofit/>
+          </a:bodyPr>
+          <a:p>
+            <a:endParaRPr b="0" lang="en-US" sz="1400" spc="-1" strike="noStrike">
+              <a:solidFill>
+                <a:srgbClr val="000000"/>
+              </a:solidFill>
+              <a:latin typeface="Arial"/>
+            </a:endParaRPr>
+          </a:p>
+        </p:txBody>
+      </p:sp>
+      <p:sp>
+        <p:nvSpPr>
+          <p:cNvPr id="153" name="PlaceHolder 2"/>
+          <p:cNvSpPr>
+            <a:spLocks noGrp="1"/>
+          </p:cNvSpPr>
+          <p:nvPr>
+            <p:ph type="body"/>
+          </p:nvPr>
+        </p:nvSpPr>
+        <p:spPr>
+          <a:xfrm>
+            <a:off x="729360" y="2079000"/>
+            <a:ext cx="3751920" cy="1078200"/>
+          </a:xfrm>
+          <a:prstGeom prst="rect">
+            <a:avLst/>
+          </a:prstGeom>
+        </p:spPr>
+        <p:txBody>
+          <a:bodyPr lIns="0" rIns="0" tIns="0" bIns="0">
+            <a:normAutofit/>
+          </a:bodyPr>
+          <a:p>
+            <a:endParaRPr b="0" lang="en-US" sz="1400" spc="-1" strike="noStrike">
+              <a:solidFill>
+                <a:srgbClr val="000000"/>
+              </a:solidFill>
+              <a:latin typeface="Arial"/>
+            </a:endParaRPr>
+          </a:p>
+        </p:txBody>
+      </p:sp>
+      <p:sp>
+        <p:nvSpPr>
+          <p:cNvPr id="154" name="PlaceHolder 3"/>
+          <p:cNvSpPr>
+            <a:spLocks noGrp="1"/>
+          </p:cNvSpPr>
+          <p:nvPr>
+            <p:ph type="body"/>
+          </p:nvPr>
+        </p:nvSpPr>
+        <p:spPr>
+          <a:xfrm>
+            <a:off x="4669200" y="2079000"/>
+            <a:ext cx="3751920" cy="1078200"/>
+          </a:xfrm>
+          <a:prstGeom prst="rect">
+            <a:avLst/>
+          </a:prstGeom>
+        </p:spPr>
+        <p:txBody>
+          <a:bodyPr lIns="0" rIns="0" tIns="0" bIns="0">
+            <a:normAutofit/>
+          </a:bodyPr>
+          <a:p>
+            <a:endParaRPr b="0" lang="en-US" sz="1400" spc="-1" strike="noStrike">
+              <a:solidFill>
+                <a:srgbClr val="000000"/>
+              </a:solidFill>
+              <a:latin typeface="Arial"/>
+            </a:endParaRPr>
+          </a:p>
+        </p:txBody>
+      </p:sp>
+      <p:sp>
+        <p:nvSpPr>
+          <p:cNvPr id="155" name="PlaceHolder 4"/>
+          <p:cNvSpPr>
+            <a:spLocks noGrp="1"/>
+          </p:cNvSpPr>
+          <p:nvPr>
+            <p:ph type="body"/>
+          </p:nvPr>
+        </p:nvSpPr>
+        <p:spPr>
+          <a:xfrm>
+            <a:off x="729360" y="3260160"/>
+            <a:ext cx="7688520" cy="1078200"/>
+          </a:xfrm>
+          <a:prstGeom prst="rect">
+            <a:avLst/>
+          </a:prstGeom>
+        </p:spPr>
+        <p:txBody>
+          <a:bodyPr lIns="0" rIns="0" tIns="0" bIns="0">
+            <a:normAutofit/>
+          </a:bodyPr>
+          <a:p>
+            <a:endParaRPr b="0" lang="en-US" sz="1400" spc="-1" strike="noStrike">
+              <a:solidFill>
+                <a:srgbClr val="000000"/>
+              </a:solidFill>
+              <a:latin typeface="Arial"/>
+            </a:endParaRPr>
+          </a:p>
+        </p:txBody>
+      </p:sp>
+    </p:spTree>
+  </p:cSld>
+</p:sldLayout>
+</file>
+
+<file path=ppt/slideLayouts/slideLayout46.xml><?xml version="1.0" encoding="utf-8"?>
+<p:sldLayout xmlns:a="http://schemas.openxmlformats.org/drawingml/2006/main" xmlns:p="http://schemas.openxmlformats.org/presentationml/2006/main" xmlns:r="http://schemas.openxmlformats.org/officeDocument/2006/relationships" xmlns:p14="http://schemas.microsoft.com/office/powerpoint/2010/main" xmlns:p15="http://schemas.microsoft.com/office/powerpoint/2012/main" xmlns:mc="http://schemas.openxmlformats.org/markup-compatibility/2006" type="objOverTx" preserve="1">
+  <p:cSld name="Title, Content over Content">
+    <p:spTree>
+      <p:nvGrpSpPr>
+        <p:cNvPr id="1" name=""/>
+        <p:cNvGrpSpPr/>
+        <p:nvPr/>
+      </p:nvGrpSpPr>
+      <p:grpSpPr>
+        <a:xfrm>
+          <a:off x="0" y="0"/>
+          <a:ext cx="0" cy="0"/>
+          <a:chOff x="0" y="0"/>
+          <a:chExt cx="0" cy="0"/>
+        </a:xfrm>
+      </p:grpSpPr>
+      <p:sp>
+        <p:nvSpPr>
+          <p:cNvPr id="156" name="PlaceHolder 1"/>
+          <p:cNvSpPr>
+            <a:spLocks noGrp="1"/>
+          </p:cNvSpPr>
+          <p:nvPr>
+            <p:ph type="title"/>
+          </p:nvPr>
+        </p:nvSpPr>
+        <p:spPr>
+          <a:xfrm>
+            <a:off x="729360" y="1318680"/>
+            <a:ext cx="7688520" cy="534960"/>
+          </a:xfrm>
+          <a:prstGeom prst="rect">
+            <a:avLst/>
+          </a:prstGeom>
+        </p:spPr>
+        <p:txBody>
+          <a:bodyPr lIns="0" rIns="0" tIns="0" bIns="0" anchor="ctr">
+            <a:noAutofit/>
+          </a:bodyPr>
+          <a:p>
+            <a:endParaRPr b="0" lang="en-US" sz="1400" spc="-1" strike="noStrike">
+              <a:solidFill>
+                <a:srgbClr val="000000"/>
+              </a:solidFill>
+              <a:latin typeface="Arial"/>
+            </a:endParaRPr>
+          </a:p>
+        </p:txBody>
+      </p:sp>
+      <p:sp>
+        <p:nvSpPr>
+          <p:cNvPr id="157" name="PlaceHolder 2"/>
+          <p:cNvSpPr>
+            <a:spLocks noGrp="1"/>
+          </p:cNvSpPr>
+          <p:nvPr>
+            <p:ph type="body"/>
+          </p:nvPr>
+        </p:nvSpPr>
+        <p:spPr>
+          <a:xfrm>
+            <a:off x="729360" y="2079000"/>
+            <a:ext cx="7688520" cy="1078200"/>
+          </a:xfrm>
+          <a:prstGeom prst="rect">
+            <a:avLst/>
+          </a:prstGeom>
+        </p:spPr>
+        <p:txBody>
+          <a:bodyPr lIns="0" rIns="0" tIns="0" bIns="0">
+            <a:normAutofit/>
+          </a:bodyPr>
+          <a:p>
+            <a:endParaRPr b="0" lang="en-US" sz="1400" spc="-1" strike="noStrike">
+              <a:solidFill>
+                <a:srgbClr val="000000"/>
+              </a:solidFill>
+              <a:latin typeface="Arial"/>
+            </a:endParaRPr>
+          </a:p>
+        </p:txBody>
+      </p:sp>
+      <p:sp>
+        <p:nvSpPr>
+          <p:cNvPr id="158" name="PlaceHolder 3"/>
+          <p:cNvSpPr>
+            <a:spLocks noGrp="1"/>
+          </p:cNvSpPr>
+          <p:nvPr>
+            <p:ph type="body"/>
+          </p:nvPr>
+        </p:nvSpPr>
+        <p:spPr>
+          <a:xfrm>
+            <a:off x="729360" y="3260160"/>
+            <a:ext cx="7688520" cy="1078200"/>
+          </a:xfrm>
+          <a:prstGeom prst="rect">
+            <a:avLst/>
+          </a:prstGeom>
+        </p:spPr>
+        <p:txBody>
+          <a:bodyPr lIns="0" rIns="0" tIns="0" bIns="0">
+            <a:normAutofit/>
+          </a:bodyPr>
+          <a:p>
+            <a:endParaRPr b="0" lang="en-US" sz="1400" spc="-1" strike="noStrike">
+              <a:solidFill>
+                <a:srgbClr val="000000"/>
+              </a:solidFill>
+              <a:latin typeface="Arial"/>
+            </a:endParaRPr>
+          </a:p>
+        </p:txBody>
+      </p:sp>
+    </p:spTree>
+  </p:cSld>
+</p:sldLayout>
+</file>
+
+<file path=ppt/slideLayouts/slideLayout47.xml><?xml version="1.0" encoding="utf-8"?>
+<p:sldLayout xmlns:a="http://schemas.openxmlformats.org/drawingml/2006/main" xmlns:p="http://schemas.openxmlformats.org/presentationml/2006/main" xmlns:r="http://schemas.openxmlformats.org/officeDocument/2006/relationships" xmlns:p14="http://schemas.microsoft.com/office/powerpoint/2010/main" xmlns:p15="http://schemas.microsoft.com/office/powerpoint/2012/main" xmlns:mc="http://schemas.openxmlformats.org/markup-compatibility/2006" type="fourObj" preserve="1">
+  <p:cSld name="Title, 4 Content">
+    <p:spTree>
+      <p:nvGrpSpPr>
+        <p:cNvPr id="1" name=""/>
+        <p:cNvGrpSpPr/>
+        <p:nvPr/>
+      </p:nvGrpSpPr>
+      <p:grpSpPr>
+        <a:xfrm>
+          <a:off x="0" y="0"/>
+          <a:ext cx="0" cy="0"/>
+          <a:chOff x="0" y="0"/>
+          <a:chExt cx="0" cy="0"/>
+        </a:xfrm>
+      </p:grpSpPr>
+      <p:sp>
+        <p:nvSpPr>
+          <p:cNvPr id="159" name="PlaceHolder 1"/>
+          <p:cNvSpPr>
+            <a:spLocks noGrp="1"/>
+          </p:cNvSpPr>
+          <p:nvPr>
+            <p:ph type="title"/>
+          </p:nvPr>
+        </p:nvSpPr>
+        <p:spPr>
+          <a:xfrm>
+            <a:off x="729360" y="1318680"/>
+            <a:ext cx="7688520" cy="534960"/>
+          </a:xfrm>
+          <a:prstGeom prst="rect">
+            <a:avLst/>
+          </a:prstGeom>
+        </p:spPr>
+        <p:txBody>
+          <a:bodyPr lIns="0" rIns="0" tIns="0" bIns="0" anchor="ctr">
+            <a:noAutofit/>
+          </a:bodyPr>
+          <a:p>
+            <a:endParaRPr b="0" lang="en-US" sz="1400" spc="-1" strike="noStrike">
+              <a:solidFill>
+                <a:srgbClr val="000000"/>
+              </a:solidFill>
+              <a:latin typeface="Arial"/>
+            </a:endParaRPr>
+          </a:p>
+        </p:txBody>
+      </p:sp>
+      <p:sp>
+        <p:nvSpPr>
+          <p:cNvPr id="160" name="PlaceHolder 2"/>
+          <p:cNvSpPr>
+            <a:spLocks noGrp="1"/>
+          </p:cNvSpPr>
+          <p:nvPr>
+            <p:ph type="body"/>
+          </p:nvPr>
+        </p:nvSpPr>
+        <p:spPr>
+          <a:xfrm>
+            <a:off x="729360" y="2079000"/>
+            <a:ext cx="3751920" cy="1078200"/>
+          </a:xfrm>
+          <a:prstGeom prst="rect">
+            <a:avLst/>
+          </a:prstGeom>
+        </p:spPr>
+        <p:txBody>
+          <a:bodyPr lIns="0" rIns="0" tIns="0" bIns="0">
+            <a:normAutofit/>
+          </a:bodyPr>
+          <a:p>
+            <a:endParaRPr b="0" lang="en-US" sz="1400" spc="-1" strike="noStrike">
+              <a:solidFill>
+                <a:srgbClr val="000000"/>
+              </a:solidFill>
+              <a:latin typeface="Arial"/>
+            </a:endParaRPr>
+          </a:p>
+        </p:txBody>
+      </p:sp>
+      <p:sp>
+        <p:nvSpPr>
+          <p:cNvPr id="161" name="PlaceHolder 3"/>
+          <p:cNvSpPr>
+            <a:spLocks noGrp="1"/>
+          </p:cNvSpPr>
+          <p:nvPr>
+            <p:ph type="body"/>
+          </p:nvPr>
+        </p:nvSpPr>
+        <p:spPr>
+          <a:xfrm>
+            <a:off x="4669200" y="2079000"/>
+            <a:ext cx="3751920" cy="1078200"/>
+          </a:xfrm>
+          <a:prstGeom prst="rect">
+            <a:avLst/>
+          </a:prstGeom>
+        </p:spPr>
+        <p:txBody>
+          <a:bodyPr lIns="0" rIns="0" tIns="0" bIns="0">
+            <a:normAutofit/>
+          </a:bodyPr>
+          <a:p>
+            <a:endParaRPr b="0" lang="en-US" sz="1400" spc="-1" strike="noStrike">
+              <a:solidFill>
+                <a:srgbClr val="000000"/>
+              </a:solidFill>
+              <a:latin typeface="Arial"/>
+            </a:endParaRPr>
+          </a:p>
+        </p:txBody>
+      </p:sp>
+      <p:sp>
+        <p:nvSpPr>
+          <p:cNvPr id="162" name="PlaceHolder 4"/>
+          <p:cNvSpPr>
+            <a:spLocks noGrp="1"/>
+          </p:cNvSpPr>
+          <p:nvPr>
+            <p:ph type="body"/>
+          </p:nvPr>
+        </p:nvSpPr>
+        <p:spPr>
+          <a:xfrm>
+            <a:off x="729360" y="3260160"/>
+            <a:ext cx="3751920" cy="1078200"/>
+          </a:xfrm>
+          <a:prstGeom prst="rect">
+            <a:avLst/>
+          </a:prstGeom>
+        </p:spPr>
+        <p:txBody>
+          <a:bodyPr lIns="0" rIns="0" tIns="0" bIns="0">
+            <a:normAutofit/>
+          </a:bodyPr>
+          <a:p>
+            <a:endParaRPr b="0" lang="en-US" sz="1400" spc="-1" strike="noStrike">
+              <a:solidFill>
+                <a:srgbClr val="000000"/>
+              </a:solidFill>
+              <a:latin typeface="Arial"/>
+            </a:endParaRPr>
+          </a:p>
+        </p:txBody>
+      </p:sp>
+      <p:sp>
+        <p:nvSpPr>
+          <p:cNvPr id="163" name="PlaceHolder 5"/>
+          <p:cNvSpPr>
+            <a:spLocks noGrp="1"/>
+          </p:cNvSpPr>
+          <p:nvPr>
+            <p:ph type="body"/>
+          </p:nvPr>
+        </p:nvSpPr>
+        <p:spPr>
+          <a:xfrm>
+            <a:off x="4669200" y="3260160"/>
+            <a:ext cx="3751920" cy="1078200"/>
+          </a:xfrm>
+          <a:prstGeom prst="rect">
+            <a:avLst/>
+          </a:prstGeom>
+        </p:spPr>
+        <p:txBody>
+          <a:bodyPr lIns="0" rIns="0" tIns="0" bIns="0">
+            <a:normAutofit/>
+          </a:bodyPr>
+          <a:p>
+            <a:endParaRPr b="0" lang="en-US" sz="1400" spc="-1" strike="noStrike">
+              <a:solidFill>
+                <a:srgbClr val="000000"/>
+              </a:solidFill>
+              <a:latin typeface="Arial"/>
+            </a:endParaRPr>
+          </a:p>
+        </p:txBody>
+      </p:sp>
+    </p:spTree>
+  </p:cSld>
+</p:sldLayout>
+</file>
+
+<file path=ppt/slideLayouts/slideLayout48.xml><?xml version="1.0" encoding="utf-8"?>
+<p:sldLayout xmlns:a="http://schemas.openxmlformats.org/drawingml/2006/main" xmlns:p="http://schemas.openxmlformats.org/presentationml/2006/main" xmlns:r="http://schemas.openxmlformats.org/officeDocument/2006/relationships" xmlns:p14="http://schemas.microsoft.com/office/powerpoint/2010/main" xmlns:p15="http://schemas.microsoft.com/office/powerpoint/2012/main" xmlns:mc="http://schemas.openxmlformats.org/markup-compatibility/2006" type="blank" preserve="1">
+  <p:cSld name="Title, 6 Content">
+    <p:spTree>
+      <p:nvGrpSpPr>
+        <p:cNvPr id="1" name=""/>
+        <p:cNvGrpSpPr/>
+        <p:nvPr/>
+      </p:nvGrpSpPr>
+      <p:grpSpPr>
+        <a:xfrm>
+          <a:off x="0" y="0"/>
+          <a:ext cx="0" cy="0"/>
+          <a:chOff x="0" y="0"/>
+          <a:chExt cx="0" cy="0"/>
+        </a:xfrm>
+      </p:grpSpPr>
+      <p:sp>
+        <p:nvSpPr>
+          <p:cNvPr id="164" name="PlaceHolder 1"/>
+          <p:cNvSpPr>
+            <a:spLocks noGrp="1"/>
+          </p:cNvSpPr>
+          <p:nvPr>
+            <p:ph type="title"/>
+          </p:nvPr>
+        </p:nvSpPr>
+        <p:spPr>
+          <a:xfrm>
+            <a:off x="729360" y="1318680"/>
+            <a:ext cx="7688520" cy="534960"/>
+          </a:xfrm>
+          <a:prstGeom prst="rect">
+            <a:avLst/>
+          </a:prstGeom>
+        </p:spPr>
+        <p:txBody>
+          <a:bodyPr lIns="0" rIns="0" tIns="0" bIns="0" anchor="ctr">
+            <a:noAutofit/>
+          </a:bodyPr>
+          <a:p>
+            <a:endParaRPr b="0" lang="en-US" sz="1400" spc="-1" strike="noStrike">
+              <a:solidFill>
+                <a:srgbClr val="000000"/>
+              </a:solidFill>
+              <a:latin typeface="Arial"/>
+            </a:endParaRPr>
+          </a:p>
+        </p:txBody>
+      </p:sp>
+      <p:sp>
+        <p:nvSpPr>
+          <p:cNvPr id="165" name="PlaceHolder 2"/>
+          <p:cNvSpPr>
+            <a:spLocks noGrp="1"/>
+          </p:cNvSpPr>
+          <p:nvPr>
+            <p:ph type="body"/>
+          </p:nvPr>
+        </p:nvSpPr>
+        <p:spPr>
+          <a:xfrm>
+            <a:off x="729360" y="2079000"/>
+            <a:ext cx="2475360" cy="1078200"/>
+          </a:xfrm>
+          <a:prstGeom prst="rect">
+            <a:avLst/>
+          </a:prstGeom>
+        </p:spPr>
+        <p:txBody>
+          <a:bodyPr lIns="0" rIns="0" tIns="0" bIns="0">
+            <a:normAutofit/>
+          </a:bodyPr>
+          <a:p>
+            <a:endParaRPr b="0" lang="en-US" sz="1400" spc="-1" strike="noStrike">
+              <a:solidFill>
+                <a:srgbClr val="000000"/>
+              </a:solidFill>
+              <a:latin typeface="Arial"/>
+            </a:endParaRPr>
+          </a:p>
+        </p:txBody>
+      </p:sp>
+      <p:sp>
+        <p:nvSpPr>
+          <p:cNvPr id="166" name="PlaceHolder 3"/>
+          <p:cNvSpPr>
+            <a:spLocks noGrp="1"/>
+          </p:cNvSpPr>
+          <p:nvPr>
+            <p:ph type="body"/>
+          </p:nvPr>
+        </p:nvSpPr>
+        <p:spPr>
+          <a:xfrm>
+            <a:off x="3328920" y="2079000"/>
+            <a:ext cx="2475360" cy="1078200"/>
+          </a:xfrm>
+          <a:prstGeom prst="rect">
+            <a:avLst/>
+          </a:prstGeom>
+        </p:spPr>
+        <p:txBody>
+          <a:bodyPr lIns="0" rIns="0" tIns="0" bIns="0">
+            <a:normAutofit/>
+          </a:bodyPr>
+          <a:p>
+            <a:endParaRPr b="0" lang="en-US" sz="1400" spc="-1" strike="noStrike">
+              <a:solidFill>
+                <a:srgbClr val="000000"/>
+              </a:solidFill>
+              <a:latin typeface="Arial"/>
+            </a:endParaRPr>
+          </a:p>
+        </p:txBody>
+      </p:sp>
+      <p:sp>
+        <p:nvSpPr>
+          <p:cNvPr id="167" name="PlaceHolder 4"/>
+          <p:cNvSpPr>
+            <a:spLocks noGrp="1"/>
+          </p:cNvSpPr>
+          <p:nvPr>
+            <p:ph type="body"/>
+          </p:nvPr>
+        </p:nvSpPr>
+        <p:spPr>
+          <a:xfrm>
+            <a:off x="5928480" y="2079000"/>
+            <a:ext cx="2475360" cy="1078200"/>
+          </a:xfrm>
+          <a:prstGeom prst="rect">
+            <a:avLst/>
+          </a:prstGeom>
+        </p:spPr>
+        <p:txBody>
+          <a:bodyPr lIns="0" rIns="0" tIns="0" bIns="0">
+            <a:normAutofit/>
+          </a:bodyPr>
+          <a:p>
+            <a:endParaRPr b="0" lang="en-US" sz="1400" spc="-1" strike="noStrike">
+              <a:solidFill>
+                <a:srgbClr val="000000"/>
+              </a:solidFill>
+              <a:latin typeface="Arial"/>
+            </a:endParaRPr>
+          </a:p>
+        </p:txBody>
+      </p:sp>
+      <p:sp>
+        <p:nvSpPr>
+          <p:cNvPr id="168" name="PlaceHolder 5"/>
+          <p:cNvSpPr>
+            <a:spLocks noGrp="1"/>
+          </p:cNvSpPr>
+          <p:nvPr>
+            <p:ph type="body"/>
+          </p:nvPr>
+        </p:nvSpPr>
+        <p:spPr>
+          <a:xfrm>
+            <a:off x="729360" y="3260160"/>
+            <a:ext cx="2475360" cy="1078200"/>
+          </a:xfrm>
+          <a:prstGeom prst="rect">
+            <a:avLst/>
+          </a:prstGeom>
+        </p:spPr>
+        <p:txBody>
+          <a:bodyPr lIns="0" rIns="0" tIns="0" bIns="0">
+            <a:normAutofit/>
+          </a:bodyPr>
+          <a:p>
+            <a:endParaRPr b="0" lang="en-US" sz="1400" spc="-1" strike="noStrike">
+              <a:solidFill>
+                <a:srgbClr val="000000"/>
+              </a:solidFill>
+              <a:latin typeface="Arial"/>
+            </a:endParaRPr>
+          </a:p>
+        </p:txBody>
+      </p:sp>
+      <p:sp>
+        <p:nvSpPr>
+          <p:cNvPr id="169" name="PlaceHolder 6"/>
+          <p:cNvSpPr>
+            <a:spLocks noGrp="1"/>
+          </p:cNvSpPr>
+          <p:nvPr>
+            <p:ph type="body"/>
+          </p:nvPr>
+        </p:nvSpPr>
+        <p:spPr>
+          <a:xfrm>
+            <a:off x="3328920" y="3260160"/>
+            <a:ext cx="2475360" cy="1078200"/>
+          </a:xfrm>
+          <a:prstGeom prst="rect">
+            <a:avLst/>
+          </a:prstGeom>
+        </p:spPr>
+        <p:txBody>
+          <a:bodyPr lIns="0" rIns="0" tIns="0" bIns="0">
+            <a:normAutofit/>
+          </a:bodyPr>
+          <a:p>
+            <a:endParaRPr b="0" lang="en-US" sz="1400" spc="-1" strike="noStrike">
+              <a:solidFill>
+                <a:srgbClr val="000000"/>
+              </a:solidFill>
+              <a:latin typeface="Arial"/>
+            </a:endParaRPr>
+          </a:p>
+        </p:txBody>
+      </p:sp>
+      <p:sp>
+        <p:nvSpPr>
+          <p:cNvPr id="170" name="PlaceHolder 7"/>
+          <p:cNvSpPr>
+            <a:spLocks noGrp="1"/>
+          </p:cNvSpPr>
+          <p:nvPr>
+            <p:ph type="body"/>
+          </p:nvPr>
+        </p:nvSpPr>
+        <p:spPr>
+          <a:xfrm>
+            <a:off x="5928480" y="3260160"/>
+            <a:ext cx="2475360" cy="1078200"/>
           </a:xfrm>
           <a:prstGeom prst="rect">
             <a:avLst/>
@@ -4557,7 +6013,7 @@
                 <a:tab algn="l" pos="0"/>
               </a:tabLst>
             </a:pPr>
-            <a:fld id="{5D44DE8E-EBF8-4AD0-89D1-81F809E4DA85}" type="slidenum">
+            <a:fld id="{96A1AFE8-2243-4547-9EF2-42C83730CFD2}" type="slidenum">
               <a:rPr b="0" lang="id" sz="1000" spc="-1" strike="noStrike">
                 <a:solidFill>
                   <a:srgbClr val="595959"/>
@@ -5232,7 +6688,7 @@
                 <a:tab algn="l" pos="0"/>
               </a:tabLst>
             </a:pPr>
-            <a:fld id="{3898FB9D-9266-4BD0-AD20-983844682568}" type="slidenum">
+            <a:fld id="{70ED0C43-98A8-4FA6-BA02-C64FC079ACED}" type="slidenum">
               <a:rPr b="0" lang="id" sz="1000" spc="-1" strike="noStrike">
                 <a:solidFill>
                   <a:srgbClr val="595959"/>
@@ -5437,7 +6893,7 @@
                 <a:tab algn="l" pos="0"/>
               </a:tabLst>
             </a:pPr>
-            <a:fld id="{20013255-C220-48BA-9AFA-89CB7993582D}" type="slidenum">
+            <a:fld id="{E3273675-00A0-48FE-8397-D8AC7F7093D9}" type="slidenum">
               <a:rPr b="0" lang="id" sz="1000" spc="-1" strike="noStrike">
                 <a:solidFill>
                   <a:srgbClr val="ffffff"/>
@@ -5690,6 +7146,460 @@
     <p:sldLayoutId id="2147483684" r:id="rId11"/>
     <p:sldLayoutId id="2147483685" r:id="rId12"/>
     <p:sldLayoutId id="2147483686" r:id="rId13"/>
+  </p:sldLayoutIdLst>
+</p:sldMaster>
+</file>
+
+<file path=ppt/slideMasters/slideMaster4.xml><?xml version="1.0" encoding="utf-8"?>
+<p:sldMaster xmlns:a="http://schemas.openxmlformats.org/drawingml/2006/main" xmlns:p="http://schemas.openxmlformats.org/presentationml/2006/main" xmlns:r="http://schemas.openxmlformats.org/officeDocument/2006/relationships" xmlns:p14="http://schemas.microsoft.com/office/powerpoint/2010/main" xmlns:p15="http://schemas.microsoft.com/office/powerpoint/2012/main" xmlns:mc="http://schemas.openxmlformats.org/markup-compatibility/2006">
+  <p:cSld>
+    <p:bg>
+      <p:bgPr>
+        <a:solidFill>
+          <a:srgbClr val="ffffff"/>
+        </a:solidFill>
+      </p:bgPr>
+    </p:bg>
+    <p:spTree>
+      <p:nvGrpSpPr>
+        <p:cNvPr id="1" name=""/>
+        <p:cNvGrpSpPr/>
+        <p:nvPr/>
+      </p:nvGrpSpPr>
+      <p:grpSpPr>
+        <a:xfrm>
+          <a:off x="0" y="0"/>
+          <a:ext cx="0" cy="0"/>
+          <a:chOff x="0" y="0"/>
+          <a:chExt cx="0" cy="0"/>
+        </a:xfrm>
+      </p:grpSpPr>
+      <p:sp>
+        <p:nvSpPr>
+          <p:cNvPr id="128" name="CustomShape 1"/>
+          <p:cNvSpPr/>
+          <p:nvPr/>
+        </p:nvSpPr>
+        <p:spPr>
+          <a:xfrm>
+            <a:off x="0" y="0"/>
+            <a:ext cx="9143640" cy="487440"/>
+          </a:xfrm>
+          <a:prstGeom prst="rect">
+            <a:avLst/>
+          </a:prstGeom>
+          <a:solidFill>
+            <a:schemeClr val="lt2"/>
+          </a:solidFill>
+          <a:ln>
+            <a:noFill/>
+          </a:ln>
+        </p:spPr>
+        <p:style>
+          <a:lnRef idx="0"/>
+          <a:fillRef idx="0"/>
+          <a:effectRef idx="0"/>
+          <a:fontRef idx="minor"/>
+        </p:style>
+      </p:sp>
+      <p:grpSp>
+        <p:nvGrpSpPr>
+          <p:cNvPr id="129" name="Group 2"/>
+          <p:cNvGrpSpPr/>
+          <p:nvPr/>
+        </p:nvGrpSpPr>
+        <p:grpSpPr>
+          <a:xfrm>
+            <a:off x="830520" y="1191600"/>
+            <a:ext cx="745200" cy="45360"/>
+            <a:chOff x="830520" y="1191600"/>
+            <a:chExt cx="745200" cy="45360"/>
+          </a:xfrm>
+        </p:grpSpPr>
+        <p:sp>
+          <p:nvSpPr>
+            <p:cNvPr id="130" name="CustomShape 3"/>
+            <p:cNvSpPr/>
+            <p:nvPr/>
+          </p:nvSpPr>
+          <p:spPr>
+            <a:xfrm rot="16200000">
+              <a:off x="1366560" y="1027800"/>
+              <a:ext cx="45360" cy="372600"/>
+            </a:xfrm>
+            <a:prstGeom prst="rect">
+              <a:avLst/>
+            </a:prstGeom>
+            <a:solidFill>
+              <a:schemeClr val="accent3"/>
+            </a:solidFill>
+            <a:ln>
+              <a:noFill/>
+            </a:ln>
+          </p:spPr>
+          <p:style>
+            <a:lnRef idx="0"/>
+            <a:fillRef idx="0"/>
+            <a:effectRef idx="0"/>
+            <a:fontRef idx="minor"/>
+          </p:style>
+        </p:sp>
+        <p:sp>
+          <p:nvSpPr>
+            <p:cNvPr id="131" name="CustomShape 4"/>
+            <p:cNvSpPr/>
+            <p:nvPr/>
+          </p:nvSpPr>
+          <p:spPr>
+            <a:xfrm rot="16200000">
+              <a:off x="995400" y="1026360"/>
+              <a:ext cx="45360" cy="375480"/>
+            </a:xfrm>
+            <a:prstGeom prst="rect">
+              <a:avLst/>
+            </a:prstGeom>
+            <a:solidFill>
+              <a:schemeClr val="dk1"/>
+            </a:solidFill>
+            <a:ln>
+              <a:noFill/>
+            </a:ln>
+          </p:spPr>
+          <p:style>
+            <a:lnRef idx="0"/>
+            <a:fillRef idx="0"/>
+            <a:effectRef idx="0"/>
+            <a:fontRef idx="minor"/>
+          </p:style>
+        </p:sp>
+      </p:grpSp>
+      <p:sp>
+        <p:nvSpPr>
+          <p:cNvPr id="132" name="PlaceHolder 5"/>
+          <p:cNvSpPr>
+            <a:spLocks noGrp="1"/>
+          </p:cNvSpPr>
+          <p:nvPr>
+            <p:ph type="title"/>
+          </p:nvPr>
+        </p:nvSpPr>
+        <p:spPr>
+          <a:xfrm>
+            <a:off x="729360" y="1318680"/>
+            <a:ext cx="7688520" cy="534960"/>
+          </a:xfrm>
+          <a:prstGeom prst="rect">
+            <a:avLst/>
+          </a:prstGeom>
+        </p:spPr>
+        <p:txBody>
+          <a:bodyPr tIns="91440" bIns="91440">
+            <a:noAutofit/>
+          </a:bodyPr>
+          <a:p>
+            <a:r>
+              <a:rPr b="0" lang="en-US" sz="2600" spc="-1" strike="noStrike">
+                <a:solidFill>
+                  <a:srgbClr val="000000"/>
+                </a:solidFill>
+                <a:latin typeface="Arial"/>
+              </a:rPr>
+              <a:t>Click to edit the title text format</a:t>
+            </a:r>
+            <a:endParaRPr b="0" lang="en-US" sz="2600" spc="-1" strike="noStrike">
+              <a:solidFill>
+                <a:srgbClr val="000000"/>
+              </a:solidFill>
+              <a:latin typeface="Arial"/>
+            </a:endParaRPr>
+          </a:p>
+        </p:txBody>
+      </p:sp>
+      <p:sp>
+        <p:nvSpPr>
+          <p:cNvPr id="133" name="PlaceHolder 6"/>
+          <p:cNvSpPr>
+            <a:spLocks noGrp="1"/>
+          </p:cNvSpPr>
+          <p:nvPr>
+            <p:ph type="body"/>
+          </p:nvPr>
+        </p:nvSpPr>
+        <p:spPr>
+          <a:xfrm>
+            <a:off x="729360" y="2079000"/>
+            <a:ext cx="7688520" cy="2260800"/>
+          </a:xfrm>
+          <a:prstGeom prst="rect">
+            <a:avLst/>
+          </a:prstGeom>
+        </p:spPr>
+        <p:txBody>
+          <a:bodyPr tIns="91440" bIns="91440">
+            <a:noAutofit/>
+          </a:bodyPr>
+          <a:p>
+            <a:pPr marL="432000" indent="-324000">
+              <a:spcBef>
+                <a:spcPts val="1417"/>
+              </a:spcBef>
+              <a:buClr>
+                <a:srgbClr val="000000"/>
+              </a:buClr>
+              <a:buSzPct val="45000"/>
+              <a:buFont typeface="Wingdings" charset="2"/>
+              <a:buChar char=""/>
+            </a:pPr>
+            <a:r>
+              <a:rPr b="0" lang="en-US" sz="1300" spc="-1" strike="noStrike">
+                <a:solidFill>
+                  <a:srgbClr val="000000"/>
+                </a:solidFill>
+                <a:latin typeface="Arial"/>
+              </a:rPr>
+              <a:t>Click to edit the outline text format</a:t>
+            </a:r>
+            <a:endParaRPr b="0" lang="en-US" sz="1300" spc="-1" strike="noStrike">
+              <a:solidFill>
+                <a:srgbClr val="000000"/>
+              </a:solidFill>
+              <a:latin typeface="Arial"/>
+            </a:endParaRPr>
+          </a:p>
+          <a:p>
+            <a:pPr lvl="1" marL="864000" indent="-324000">
+              <a:spcBef>
+                <a:spcPts val="1134"/>
+              </a:spcBef>
+              <a:buClr>
+                <a:srgbClr val="000000"/>
+              </a:buClr>
+              <a:buSzPct val="75000"/>
+              <a:buFont typeface="Symbol" charset="2"/>
+              <a:buChar char=""/>
+            </a:pPr>
+            <a:r>
+              <a:rPr b="0" lang="en-US" sz="1300" spc="-1" strike="noStrike">
+                <a:solidFill>
+                  <a:srgbClr val="000000"/>
+                </a:solidFill>
+                <a:latin typeface="Arial"/>
+              </a:rPr>
+              <a:t>Second Outline Level</a:t>
+            </a:r>
+            <a:endParaRPr b="0" lang="en-US" sz="1300" spc="-1" strike="noStrike">
+              <a:solidFill>
+                <a:srgbClr val="000000"/>
+              </a:solidFill>
+              <a:latin typeface="Arial"/>
+            </a:endParaRPr>
+          </a:p>
+          <a:p>
+            <a:pPr lvl="2" marL="1296000" indent="-288000">
+              <a:spcBef>
+                <a:spcPts val="850"/>
+              </a:spcBef>
+              <a:buClr>
+                <a:srgbClr val="000000"/>
+              </a:buClr>
+              <a:buSzPct val="45000"/>
+              <a:buFont typeface="Wingdings" charset="2"/>
+              <a:buChar char=""/>
+            </a:pPr>
+            <a:r>
+              <a:rPr b="0" lang="en-US" sz="1300" spc="-1" strike="noStrike">
+                <a:solidFill>
+                  <a:srgbClr val="000000"/>
+                </a:solidFill>
+                <a:latin typeface="Arial"/>
+              </a:rPr>
+              <a:t>Third Outline Level</a:t>
+            </a:r>
+            <a:endParaRPr b="0" lang="en-US" sz="1300" spc="-1" strike="noStrike">
+              <a:solidFill>
+                <a:srgbClr val="000000"/>
+              </a:solidFill>
+              <a:latin typeface="Arial"/>
+            </a:endParaRPr>
+          </a:p>
+          <a:p>
+            <a:pPr lvl="3" marL="1728000" indent="-216000">
+              <a:spcBef>
+                <a:spcPts val="567"/>
+              </a:spcBef>
+              <a:buClr>
+                <a:srgbClr val="000000"/>
+              </a:buClr>
+              <a:buSzPct val="75000"/>
+              <a:buFont typeface="Symbol" charset="2"/>
+              <a:buChar char=""/>
+            </a:pPr>
+            <a:r>
+              <a:rPr b="0" lang="en-US" sz="1300" spc="-1" strike="noStrike">
+                <a:solidFill>
+                  <a:srgbClr val="000000"/>
+                </a:solidFill>
+                <a:latin typeface="Arial"/>
+              </a:rPr>
+              <a:t>Fourth Outline Level</a:t>
+            </a:r>
+            <a:endParaRPr b="0" lang="en-US" sz="1300" spc="-1" strike="noStrike">
+              <a:solidFill>
+                <a:srgbClr val="000000"/>
+              </a:solidFill>
+              <a:latin typeface="Arial"/>
+            </a:endParaRPr>
+          </a:p>
+          <a:p>
+            <a:pPr lvl="4" marL="2160000" indent="-216000">
+              <a:spcBef>
+                <a:spcPts val="283"/>
+              </a:spcBef>
+              <a:buClr>
+                <a:srgbClr val="000000"/>
+              </a:buClr>
+              <a:buSzPct val="45000"/>
+              <a:buFont typeface="Wingdings" charset="2"/>
+              <a:buChar char=""/>
+            </a:pPr>
+            <a:r>
+              <a:rPr b="0" lang="en-US" sz="1300" spc="-1" strike="noStrike">
+                <a:solidFill>
+                  <a:srgbClr val="000000"/>
+                </a:solidFill>
+                <a:latin typeface="Arial"/>
+              </a:rPr>
+              <a:t>Fifth Outline Level</a:t>
+            </a:r>
+            <a:endParaRPr b="0" lang="en-US" sz="1300" spc="-1" strike="noStrike">
+              <a:solidFill>
+                <a:srgbClr val="000000"/>
+              </a:solidFill>
+              <a:latin typeface="Arial"/>
+            </a:endParaRPr>
+          </a:p>
+          <a:p>
+            <a:pPr lvl="5" marL="2592000" indent="-216000">
+              <a:spcBef>
+                <a:spcPts val="283"/>
+              </a:spcBef>
+              <a:buClr>
+                <a:srgbClr val="000000"/>
+              </a:buClr>
+              <a:buSzPct val="45000"/>
+              <a:buFont typeface="Wingdings" charset="2"/>
+              <a:buChar char=""/>
+            </a:pPr>
+            <a:r>
+              <a:rPr b="0" lang="en-US" sz="1300" spc="-1" strike="noStrike">
+                <a:solidFill>
+                  <a:srgbClr val="000000"/>
+                </a:solidFill>
+                <a:latin typeface="Arial"/>
+              </a:rPr>
+              <a:t>Sixth Outline Level</a:t>
+            </a:r>
+            <a:endParaRPr b="0" lang="en-US" sz="1300" spc="-1" strike="noStrike">
+              <a:solidFill>
+                <a:srgbClr val="000000"/>
+              </a:solidFill>
+              <a:latin typeface="Arial"/>
+            </a:endParaRPr>
+          </a:p>
+          <a:p>
+            <a:pPr lvl="6" marL="3024000" indent="-216000">
+              <a:spcBef>
+                <a:spcPts val="283"/>
+              </a:spcBef>
+              <a:buClr>
+                <a:srgbClr val="000000"/>
+              </a:buClr>
+              <a:buSzPct val="45000"/>
+              <a:buFont typeface="Wingdings" charset="2"/>
+              <a:buChar char=""/>
+            </a:pPr>
+            <a:r>
+              <a:rPr b="0" lang="en-US" sz="1300" spc="-1" strike="noStrike">
+                <a:solidFill>
+                  <a:srgbClr val="000000"/>
+                </a:solidFill>
+                <a:latin typeface="Arial"/>
+              </a:rPr>
+              <a:t>Seventh Outline Level</a:t>
+            </a:r>
+            <a:endParaRPr b="0" lang="en-US" sz="1300" spc="-1" strike="noStrike">
+              <a:solidFill>
+                <a:srgbClr val="000000"/>
+              </a:solidFill>
+              <a:latin typeface="Arial"/>
+            </a:endParaRPr>
+          </a:p>
+        </p:txBody>
+      </p:sp>
+      <p:sp>
+        <p:nvSpPr>
+          <p:cNvPr id="134" name="PlaceHolder 7"/>
+          <p:cNvSpPr>
+            <a:spLocks noGrp="1"/>
+          </p:cNvSpPr>
+          <p:nvPr>
+            <p:ph type="sldNum"/>
+          </p:nvPr>
+        </p:nvSpPr>
+        <p:spPr>
+          <a:xfrm>
+            <a:off x="8536320" y="4749840"/>
+            <a:ext cx="548280" cy="393120"/>
+          </a:xfrm>
+          <a:prstGeom prst="rect">
+            <a:avLst/>
+          </a:prstGeom>
+        </p:spPr>
+        <p:txBody>
+          <a:bodyPr tIns="91440" bIns="91440" anchor="ctr">
+            <a:noAutofit/>
+          </a:bodyPr>
+          <a:p>
+            <a:pPr algn="r">
+              <a:lnSpc>
+                <a:spcPct val="100000"/>
+              </a:lnSpc>
+              <a:tabLst>
+                <a:tab algn="l" pos="0"/>
+              </a:tabLst>
+            </a:pPr>
+            <a:fld id="{2DB220A4-9FF9-433A-A57C-2BACC61B2CE6}" type="slidenum">
+              <a:rPr b="0" lang="id" sz="1000" spc="-1" strike="noStrike">
+                <a:solidFill>
+                  <a:srgbClr val="595959"/>
+                </a:solidFill>
+                <a:latin typeface="Lato"/>
+                <a:ea typeface="Lato"/>
+              </a:rPr>
+              <a:t>&lt;number&gt;</a:t>
+            </a:fld>
+            <a:endParaRPr b="0" lang="en-US" sz="1000" spc="-1" strike="noStrike">
+              <a:latin typeface="Times New Roman"/>
+            </a:endParaRPr>
+          </a:p>
+        </p:txBody>
+      </p:sp>
+    </p:spTree>
+  </p:cSld>
+  <p:clrMap bg1="lt1" bg2="lt2" tx1="dk1" tx2="dk2" accent1="accent1" accent2="accent2" accent3="accent3" accent4="accent4" accent5="accent5" accent6="accent6" hlink="hlink" folHlink="folHlink"/>
+  <p:sldLayoutIdLst>
+    <p:sldLayoutId id="2147483688" r:id="rId2"/>
+    <p:sldLayoutId id="2147483689" r:id="rId3"/>
+    <p:sldLayoutId id="2147483690" r:id="rId4"/>
+    <p:sldLayoutId id="2147483691" r:id="rId5"/>
+    <p:sldLayoutId id="2147483692" r:id="rId6"/>
+    <p:sldLayoutId id="2147483693" r:id="rId7"/>
+    <p:sldLayoutId id="2147483694" r:id="rId8"/>
+    <p:sldLayoutId id="2147483695" r:id="rId9"/>
+    <p:sldLayoutId id="2147483696" r:id="rId10"/>
+    <p:sldLayoutId id="2147483697" r:id="rId11"/>
+    <p:sldLayoutId id="2147483698" r:id="rId12"/>
+    <p:sldLayoutId id="2147483699" r:id="rId13"/>
   </p:sldLayoutIdLst>
 </p:sldMaster>
 </file>
@@ -5713,7 +7623,7 @@
       </p:grpSpPr>
       <p:sp>
         <p:nvSpPr>
-          <p:cNvPr id="128" name="TextShape 1"/>
+          <p:cNvPr id="171" name="TextShape 1"/>
           <p:cNvSpPr txBox="1"/>
           <p:nvPr/>
         </p:nvSpPr>
@@ -5764,7 +7674,7 @@
       </p:sp>
       <p:sp>
         <p:nvSpPr>
-          <p:cNvPr id="129" name="TextShape 2"/>
+          <p:cNvPr id="172" name="TextShape 2"/>
           <p:cNvSpPr txBox="1"/>
           <p:nvPr/>
         </p:nvSpPr>
@@ -5805,6 +7715,267 @@
               <a:t>Eko Kurniawan Khannedy</a:t>
             </a:r>
             <a:endParaRPr b="0" lang="en-US" sz="1600" spc="-1" strike="noStrike">
+              <a:latin typeface="Arial"/>
+            </a:endParaRPr>
+          </a:p>
+        </p:txBody>
+      </p:sp>
+    </p:spTree>
+  </p:cSld>
+  <mc:AlternateContent>
+    <mc:Choice Requires="p14">
+      <p:transition spd="slow" p14:dur="2000"/>
+    </mc:Choice>
+    <mc:Fallback>
+      <p:transition spd="slow"/>
+    </mc:Fallback>
+  </mc:AlternateContent>
+</p:sld>
+</file>
+
+<file path=ppt/slides/slide10.xml><?xml version="1.0" encoding="utf-8"?>
+<p:sld xmlns:a="http://schemas.openxmlformats.org/drawingml/2006/main" xmlns:p="http://schemas.openxmlformats.org/presentationml/2006/main" xmlns:r="http://schemas.openxmlformats.org/officeDocument/2006/relationships" xmlns:p14="http://schemas.microsoft.com/office/powerpoint/2010/main" xmlns:p15="http://schemas.microsoft.com/office/powerpoint/2012/main" xmlns:mc="http://schemas.openxmlformats.org/markup-compatibility/2006">
+  <p:cSld>
+    <p:spTree>
+      <p:nvGrpSpPr>
+        <p:cNvPr id="1" name=""/>
+        <p:cNvGrpSpPr/>
+        <p:nvPr/>
+      </p:nvGrpSpPr>
+      <p:grpSpPr>
+        <a:xfrm>
+          <a:off x="0" y="0"/>
+          <a:ext cx="0" cy="0"/>
+          <a:chOff x="0" y="0"/>
+          <a:chExt cx="0" cy="0"/>
+        </a:xfrm>
+      </p:grpSpPr>
+      <p:sp>
+        <p:nvSpPr>
+          <p:cNvPr id="186" name="TextShape 1"/>
+          <p:cNvSpPr txBox="1"/>
+          <p:nvPr/>
+        </p:nvSpPr>
+        <p:spPr>
+          <a:xfrm>
+            <a:off x="729360" y="1318680"/>
+            <a:ext cx="7688520" cy="534960"/>
+          </a:xfrm>
+          <a:prstGeom prst="rect">
+            <a:avLst/>
+          </a:prstGeom>
+          <a:noFill/>
+          <a:ln>
+            <a:noFill/>
+          </a:ln>
+        </p:spPr>
+        <p:txBody>
+          <a:bodyPr tIns="91440" bIns="91440">
+            <a:noAutofit/>
+          </a:bodyPr>
+          <a:p>
+            <a:pPr>
+              <a:lnSpc>
+                <a:spcPct val="100000"/>
+              </a:lnSpc>
+              <a:tabLst>
+                <a:tab algn="l" pos="0"/>
+              </a:tabLst>
+            </a:pPr>
+            <a:r>
+              <a:rPr b="1" lang="id" sz="2600" spc="-1" strike="noStrike">
+                <a:solidFill>
+                  <a:srgbClr val="1a1a1a"/>
+                </a:solidFill>
+                <a:latin typeface="Raleway"/>
+                <a:ea typeface="Raleway"/>
+              </a:rPr>
+              <a:t>Clone Repository</a:t>
+            </a:r>
+            <a:endParaRPr b="0" lang="en-US" sz="2600" spc="-1" strike="noStrike">
+              <a:solidFill>
+                <a:srgbClr val="000000"/>
+              </a:solidFill>
+              <a:latin typeface="Arial"/>
+            </a:endParaRPr>
+          </a:p>
+        </p:txBody>
+      </p:sp>
+      <p:sp>
+        <p:nvSpPr>
+          <p:cNvPr id="187" name="TextShape 2"/>
+          <p:cNvSpPr txBox="1"/>
+          <p:nvPr/>
+        </p:nvSpPr>
+        <p:spPr>
+          <a:xfrm>
+            <a:off x="729360" y="2079000"/>
+            <a:ext cx="7688520" cy="2260800"/>
+          </a:xfrm>
+          <a:prstGeom prst="rect">
+            <a:avLst/>
+          </a:prstGeom>
+          <a:noFill/>
+          <a:ln>
+            <a:noFill/>
+          </a:ln>
+        </p:spPr>
+        <p:txBody>
+          <a:bodyPr tIns="91440" bIns="91440">
+            <a:noAutofit/>
+          </a:bodyPr>
+          <a:p>
+            <a:pPr marL="457200" indent="-310680">
+              <a:lnSpc>
+                <a:spcPct val="115000"/>
+              </a:lnSpc>
+              <a:buClr>
+                <a:srgbClr val="595959"/>
+              </a:buClr>
+              <a:buFont typeface="Lato"/>
+              <a:buChar char="●"/>
+            </a:pPr>
+            <a:r>
+              <a:rPr b="0" lang="id" sz="1200" spc="-1" strike="noStrike">
+                <a:solidFill>
+                  <a:srgbClr val="595959"/>
+                </a:solidFill>
+                <a:latin typeface="Lato"/>
+                <a:ea typeface="Lato"/>
+              </a:rPr>
+              <a:t>Untuk melakukan Colen repository dari GitServer ke Gitlocal</a:t>
+            </a:r>
+            <a:endParaRPr b="0" lang="en-US" sz="1200" spc="-1" strike="noStrike">
+              <a:solidFill>
+                <a:srgbClr val="000000"/>
+              </a:solidFill>
+              <a:latin typeface="Arial"/>
+            </a:endParaRPr>
+          </a:p>
+          <a:p>
+            <a:pPr lvl="1" marL="864000" indent="-324000">
+              <a:spcBef>
+                <a:spcPts val="1134"/>
+              </a:spcBef>
+              <a:buClr>
+                <a:srgbClr val="000000"/>
+              </a:buClr>
+              <a:buSzPct val="75000"/>
+              <a:buFont typeface="Symbol" charset="2"/>
+              <a:buChar char=""/>
+            </a:pPr>
+            <a:r>
+              <a:rPr b="1" lang="id" sz="1200" spc="-1" strike="noStrike">
+                <a:solidFill>
+                  <a:srgbClr val="595959"/>
+                </a:solidFill>
+                <a:latin typeface="Lato"/>
+                <a:ea typeface="Lato"/>
+              </a:rPr>
+              <a:t>git clone [url_repo_git_server]</a:t>
+            </a:r>
+            <a:endParaRPr b="0" lang="en-US" sz="1200" spc="-1" strike="noStrike">
+              <a:solidFill>
+                <a:srgbClr val="000000"/>
+              </a:solidFill>
+              <a:latin typeface="Arial"/>
+            </a:endParaRPr>
+          </a:p>
+          <a:p>
+            <a:pPr lvl="1" marL="864000" indent="-324000">
+              <a:lnSpc>
+                <a:spcPct val="100000"/>
+              </a:lnSpc>
+              <a:spcBef>
+                <a:spcPts val="1134"/>
+              </a:spcBef>
+              <a:buClr>
+                <a:srgbClr val="000000"/>
+              </a:buClr>
+              <a:buSzPct val="75000"/>
+              <a:buFont typeface="Symbol" charset="2"/>
+              <a:buChar char=""/>
+            </a:pPr>
+            <a:r>
+              <a:rPr b="1" lang="id" sz="1200" spc="-1" strike="noStrike">
+                <a:solidFill>
+                  <a:srgbClr val="595959"/>
+                </a:solidFill>
+                <a:latin typeface="Lato"/>
+                <a:ea typeface="Lato"/>
+              </a:rPr>
+              <a:t>Ex: git clone </a:t>
+            </a:r>
+            <a:r>
+              <a:rPr b="1" lang="id" sz="1200" spc="-1" strike="noStrike">
+                <a:solidFill>
+                  <a:srgbClr val="595959"/>
+                </a:solidFill>
+                <a:latin typeface="Lato"/>
+                <a:ea typeface="Lato"/>
+              </a:rPr>
+              <a:t>git@gitlab.com:meaku00000/repo-git.git</a:t>
+            </a:r>
+            <a:endParaRPr b="0" lang="en-US" sz="1200" spc="-1" strike="noStrike">
+              <a:solidFill>
+                <a:srgbClr val="000000"/>
+              </a:solidFill>
+              <a:latin typeface="Arial"/>
+            </a:endParaRPr>
+          </a:p>
+          <a:p>
+            <a:pPr marL="457200" indent="-310680">
+              <a:lnSpc>
+                <a:spcPct val="115000"/>
+              </a:lnSpc>
+              <a:buClr>
+                <a:srgbClr val="595959"/>
+              </a:buClr>
+              <a:buFont typeface="Lato"/>
+              <a:buChar char="●"/>
+            </a:pPr>
+            <a:r>
+              <a:rPr b="0" lang="id" sz="1200" spc="-1" strike="noStrike">
+                <a:solidFill>
+                  <a:srgbClr val="595959"/>
+                </a:solidFill>
+                <a:latin typeface="Lato"/>
+                <a:ea typeface="Lato"/>
+              </a:rPr>
+              <a:t>Bisa menggunakan link SSH atau HTTP</a:t>
+            </a:r>
+            <a:r>
+              <a:rPr b="1" lang="id" sz="1200" spc="-1" strike="noStrike">
+                <a:solidFill>
+                  <a:srgbClr val="595959"/>
+                </a:solidFill>
+                <a:latin typeface="Lato"/>
+                <a:ea typeface="Lato"/>
+              </a:rPr>
+              <a:t> </a:t>
+            </a:r>
+            <a:endParaRPr b="0" lang="en-US" sz="1200" spc="-1" strike="noStrike">
+              <a:solidFill>
+                <a:srgbClr val="000000"/>
+              </a:solidFill>
+              <a:latin typeface="Arial"/>
+            </a:endParaRPr>
+          </a:p>
+          <a:p>
+            <a:pPr marL="457200" indent="-310680">
+              <a:lnSpc>
+                <a:spcPct val="115000"/>
+              </a:lnSpc>
+              <a:buClr>
+                <a:srgbClr val="595959"/>
+              </a:buClr>
+              <a:buFont typeface="Lato"/>
+              <a:buChar char="●"/>
+            </a:pPr>
+            <a:endParaRPr b="0" lang="en-US" sz="1200" spc="-1" strike="noStrike">
+              <a:solidFill>
+                <a:srgbClr val="000000"/>
+              </a:solidFill>
               <a:latin typeface="Arial"/>
             </a:endParaRPr>
           </a:p>
@@ -5842,7 +8013,7 @@
       </p:grpSpPr>
       <p:sp>
         <p:nvSpPr>
-          <p:cNvPr id="130" name="TextShape 1"/>
+          <p:cNvPr id="173" name="TextShape 1"/>
           <p:cNvSpPr txBox="1"/>
           <p:nvPr/>
         </p:nvSpPr>
@@ -5923,7 +8094,7 @@
       </p:grpSpPr>
       <p:sp>
         <p:nvSpPr>
-          <p:cNvPr id="131" name="TextShape 1"/>
+          <p:cNvPr id="174" name="TextShape 1"/>
           <p:cNvSpPr txBox="1"/>
           <p:nvPr/>
         </p:nvSpPr>
@@ -5961,7 +8132,7 @@
                 <a:latin typeface="Raleway"/>
                 <a:ea typeface="Raleway"/>
               </a:rPr>
-              <a:t>Git Remote</a:t>
+              <a:t>Git SSH</a:t>
             </a:r>
             <a:endParaRPr b="0" lang="en-US" sz="2600" spc="-1" strike="noStrike">
               <a:solidFill>
@@ -5974,7 +8145,7 @@
       </p:sp>
       <p:sp>
         <p:nvSpPr>
-          <p:cNvPr id="132" name="TextShape 2"/>
+          <p:cNvPr id="175" name="TextShape 2"/>
           <p:cNvSpPr txBox="1"/>
           <p:nvPr/>
         </p:nvSpPr>
@@ -6007,16 +8178,16 @@
               <a:buChar char="●"/>
             </a:pPr>
             <a:r>
-              <a:rPr b="0" lang="id" sz="1300" spc="-1" strike="noStrike">
+              <a:rPr b="0" lang="id" sz="1200" spc="-1" strike="noStrike">
                 <a:solidFill>
                   <a:srgbClr val="595959"/>
                 </a:solidFill>
                 <a:latin typeface="Lato"/>
                 <a:ea typeface="Lato"/>
               </a:rPr>
-              <a:t>Sebelumnya kita sudah belajar semua fitur yang terdapat di Git</a:t>
+              <a:t>Keuntungan menggunakan SSH kita tidak akan diminta lagi memasukan id dan pass</a:t>
             </a:r>
-            <a:endParaRPr b="0" lang="en-US" sz="1300" spc="-1" strike="noStrike">
+            <a:endParaRPr b="0" lang="en-US" sz="1200" spc="-1" strike="noStrike">
               <a:solidFill>
                 <a:srgbClr val="000000"/>
               </a:solidFill>
@@ -6035,16 +8206,16 @@
               <a:buChar char="●"/>
             </a:pPr>
             <a:r>
-              <a:rPr b="0" lang="id" sz="1300" spc="-1" strike="noStrike">
+              <a:rPr b="0" lang="id" sz="1200" spc="-1" strike="noStrike">
                 <a:solidFill>
                   <a:srgbClr val="595959"/>
                 </a:solidFill>
                 <a:latin typeface="Lato"/>
                 <a:ea typeface="Lato"/>
               </a:rPr>
-              <a:t>Namun semua fitur yang kita bahas, masih kita lakukan di local komputer kita masing-masing</a:t>
+              <a:t>GitHub, GitLab, GitBucket dll. Itu merupakan SSH server, sedangkan SSH clientnya itu leptop kita</a:t>
             </a:r>
-            <a:endParaRPr b="0" lang="en-US" sz="1300" spc="-1" strike="noStrike">
+            <a:endParaRPr b="0" lang="en-US" sz="1200" spc="-1" strike="noStrike">
               <a:solidFill>
                 <a:srgbClr val="000000"/>
               </a:solidFill>
@@ -6063,16 +8234,45 @@
               <a:buChar char="●"/>
             </a:pPr>
             <a:r>
-              <a:rPr b="0" lang="id" sz="1300" spc="-1" strike="noStrike">
+              <a:rPr b="0" lang="id" sz="1200" spc="-1" strike="noStrike">
                 <a:solidFill>
                   <a:srgbClr val="595959"/>
                 </a:solidFill>
                 <a:latin typeface="Lato"/>
                 <a:ea typeface="Lato"/>
               </a:rPr>
-              <a:t>Saat nanti bekerja dengan tim, atau berkolaborasi, kita tidak hanya akan menyimpan git repository pada satu komputer saja</a:t>
+              <a:t>Untuk membuat SSH Key perintahnya di terminalnya:</a:t>
             </a:r>
-            <a:endParaRPr b="0" lang="en-US" sz="1300" spc="-1" strike="noStrike">
+            <a:endParaRPr b="0" lang="en-US" sz="1200" spc="-1" strike="noStrike">
+              <a:solidFill>
+                <a:srgbClr val="000000"/>
+              </a:solidFill>
+              <a:latin typeface="Arial"/>
+            </a:endParaRPr>
+          </a:p>
+          <a:p>
+            <a:pPr lvl="1" marL="864000" indent="-324000">
+              <a:spcBef>
+                <a:spcPts val="1134"/>
+              </a:spcBef>
+              <a:buClr>
+                <a:srgbClr val="000000"/>
+              </a:buClr>
+              <a:buSzPct val="75000"/>
+              <a:buFont typeface="Symbol" charset="2"/>
+              <a:buChar char=""/>
+            </a:pPr>
+            <a:r>
+              <a:rPr b="1" lang="id" sz="1200" spc="-1" strike="noStrike">
+                <a:solidFill>
+                  <a:srgbClr val="595959"/>
+                </a:solidFill>
+                <a:latin typeface="Lato"/>
+                <a:ea typeface="Lato"/>
+              </a:rPr>
+              <a:t>ssh-keygen</a:t>
+            </a:r>
+            <a:endParaRPr b="0" lang="en-US" sz="1200" spc="-1" strike="noStrike">
               <a:solidFill>
                 <a:srgbClr val="000000"/>
               </a:solidFill>
@@ -6091,16 +8291,16 @@
               <a:buChar char="●"/>
             </a:pPr>
             <a:r>
-              <a:rPr b="0" lang="id" sz="1300" spc="-1" strike="noStrike">
+              <a:rPr b="0" lang="id" sz="1200" spc="-1" strike="noStrike">
                 <a:solidFill>
                   <a:srgbClr val="595959"/>
                 </a:solidFill>
                 <a:latin typeface="Lato"/>
                 <a:ea typeface="Lato"/>
               </a:rPr>
-              <a:t>Tiap anggota tim, kemungkinan akan meng-copy git repository yang kita buat, dan juga melakukan kontribusi ke git repository nya</a:t>
+              <a:t>id_rsa adalah private key, sedangkan id_rsa.pub adalah public key</a:t>
             </a:r>
-            <a:endParaRPr b="0" lang="en-US" sz="1300" spc="-1" strike="noStrike">
+            <a:endParaRPr b="0" lang="en-US" sz="1200" spc="-1" strike="noStrike">
               <a:solidFill>
                 <a:srgbClr val="000000"/>
               </a:solidFill>
@@ -6119,16 +8319,16 @@
               <a:buChar char="●"/>
             </a:pPr>
             <a:r>
-              <a:rPr b="0" lang="id" sz="1300" spc="-1" strike="noStrike">
+              <a:rPr b="0" lang="id" sz="1200" spc="-1" strike="noStrike">
                 <a:solidFill>
                   <a:srgbClr val="595959"/>
                 </a:solidFill>
                 <a:latin typeface="Lato"/>
                 <a:ea typeface="Lato"/>
               </a:rPr>
-              <a:t>Git mendukung centralized server, dimana kita bisa menyimpan perubahan git repository di komputer ke Git server</a:t>
+              <a:t>Untuk melihat folder dari SSH-nya biasanya terletak pada /user/home/.shh/</a:t>
             </a:r>
-            <a:endParaRPr b="0" lang="en-US" sz="1300" spc="-1" strike="noStrike">
+            <a:endParaRPr b="0" lang="en-US" sz="1200" spc="-1" strike="noStrike">
               <a:solidFill>
                 <a:srgbClr val="000000"/>
               </a:solidFill>
@@ -6147,16 +8347,16 @@
               <a:buChar char="●"/>
             </a:pPr>
             <a:r>
-              <a:rPr b="0" lang="id" sz="1300" spc="-1" strike="noStrike">
+              <a:rPr b="0" lang="id" sz="1200" spc="-1" strike="noStrike">
                 <a:solidFill>
                   <a:srgbClr val="595959"/>
                 </a:solidFill>
                 <a:latin typeface="Lato"/>
                 <a:ea typeface="Lato"/>
               </a:rPr>
-              <a:t>Karena Git merupakan distributed version control, walaupun kita gunakan Git Server, tapi kita tidak wajib terkoneksi ketika ingin mengelola git repository</a:t>
+              <a:t>Setelah SSH-Key nya terbuat, kita harus meregistrasikan SSH public key ke GitServer</a:t>
             </a:r>
-            <a:endParaRPr b="0" lang="en-US" sz="1300" spc="-1" strike="noStrike">
+            <a:endParaRPr b="0" lang="en-US" sz="1200" spc="-1" strike="noStrike">
               <a:solidFill>
                 <a:srgbClr val="000000"/>
               </a:solidFill>
@@ -6175,16 +8375,1414 @@
               <a:buChar char="●"/>
             </a:pPr>
             <a:r>
-              <a:rPr b="0" lang="id" sz="1300" spc="-1" strike="noStrike">
+              <a:rPr b="0" lang="id" sz="1200" spc="-1" strike="noStrike">
                 <a:solidFill>
                   <a:srgbClr val="595959"/>
                 </a:solidFill>
                 <a:latin typeface="Lato"/>
                 <a:ea typeface="Lato"/>
               </a:rPr>
-              <a:t>Hanya ketika kita ingin mengirim perubahan atau mengambil perubahan, baru kita butuh terkoneksi ke Git Server</a:t>
+              <a:t>Untuk mengecek kita sudah terhubuh ke GitServer printah terminalnya:</a:t>
             </a:r>
-            <a:endParaRPr b="0" lang="en-US" sz="1300" spc="-1" strike="noStrike">
+            <a:endParaRPr b="0" lang="en-US" sz="1200" spc="-1" strike="noStrike">
+              <a:solidFill>
+                <a:srgbClr val="000000"/>
+              </a:solidFill>
+              <a:latin typeface="Arial"/>
+            </a:endParaRPr>
+          </a:p>
+          <a:p>
+            <a:pPr lvl="1" marL="864000" indent="-324000">
+              <a:spcBef>
+                <a:spcPts val="1134"/>
+              </a:spcBef>
+              <a:buClr>
+                <a:srgbClr val="000000"/>
+              </a:buClr>
+              <a:buSzPct val="75000"/>
+              <a:buFont typeface="Symbol" charset="2"/>
+              <a:buChar char=""/>
+            </a:pPr>
+            <a:r>
+              <a:rPr b="1" lang="id" sz="1200" spc="-1" strike="noStrike">
+                <a:solidFill>
+                  <a:srgbClr val="595959"/>
+                </a:solidFill>
+                <a:latin typeface="Lato"/>
+                <a:ea typeface="Lato"/>
+              </a:rPr>
+              <a:t>ssh -T git@github.com</a:t>
+            </a:r>
+            <a:endParaRPr b="0" lang="en-US" sz="1200" spc="-1" strike="noStrike">
+              <a:solidFill>
+                <a:srgbClr val="000000"/>
+              </a:solidFill>
+              <a:latin typeface="Arial"/>
+            </a:endParaRPr>
+          </a:p>
+          <a:p>
+            <a:pPr marL="457200" indent="-310680">
+              <a:lnSpc>
+                <a:spcPct val="115000"/>
+              </a:lnSpc>
+              <a:buClr>
+                <a:srgbClr val="595959"/>
+              </a:buClr>
+              <a:buFont typeface="Lato"/>
+              <a:buChar char="●"/>
+            </a:pPr>
+            <a:endParaRPr b="0" lang="en-US" sz="1200" spc="-1" strike="noStrike">
+              <a:solidFill>
+                <a:srgbClr val="000000"/>
+              </a:solidFill>
+              <a:latin typeface="Arial"/>
+            </a:endParaRPr>
+          </a:p>
+          <a:p>
+            <a:pPr marL="457200" indent="-310680">
+              <a:lnSpc>
+                <a:spcPct val="115000"/>
+              </a:lnSpc>
+              <a:buClr>
+                <a:srgbClr val="595959"/>
+              </a:buClr>
+              <a:buFont typeface="Lato"/>
+              <a:buChar char="●"/>
+            </a:pPr>
+            <a:endParaRPr b="0" lang="en-US" sz="1200" spc="-1" strike="noStrike">
+              <a:solidFill>
+                <a:srgbClr val="000000"/>
+              </a:solidFill>
+              <a:latin typeface="Arial"/>
+            </a:endParaRPr>
+          </a:p>
+          <a:p>
+            <a:pPr>
+              <a:lnSpc>
+                <a:spcPct val="115000"/>
+              </a:lnSpc>
+            </a:pPr>
+            <a:endParaRPr b="0" lang="en-US" sz="1200" spc="-1" strike="noStrike">
+              <a:solidFill>
+                <a:srgbClr val="000000"/>
+              </a:solidFill>
+              <a:latin typeface="Arial"/>
+            </a:endParaRPr>
+          </a:p>
+        </p:txBody>
+      </p:sp>
+    </p:spTree>
+  </p:cSld>
+  <mc:AlternateContent>
+    <mc:Choice Requires="p14">
+      <p:transition spd="slow" p14:dur="2000"/>
+    </mc:Choice>
+    <mc:Fallback>
+      <p:transition spd="slow"/>
+    </mc:Fallback>
+  </mc:AlternateContent>
+</p:sld>
+</file>
+
+<file path=ppt/slides/slide4.xml><?xml version="1.0" encoding="utf-8"?>
+<p:sld xmlns:a="http://schemas.openxmlformats.org/drawingml/2006/main" xmlns:p="http://schemas.openxmlformats.org/presentationml/2006/main" xmlns:r="http://schemas.openxmlformats.org/officeDocument/2006/relationships" xmlns:p14="http://schemas.microsoft.com/office/powerpoint/2010/main" xmlns:p15="http://schemas.microsoft.com/office/powerpoint/2012/main" xmlns:mc="http://schemas.openxmlformats.org/markup-compatibility/2006">
+  <p:cSld>
+    <p:spTree>
+      <p:nvGrpSpPr>
+        <p:cNvPr id="1" name=""/>
+        <p:cNvGrpSpPr/>
+        <p:nvPr/>
+      </p:nvGrpSpPr>
+      <p:grpSpPr>
+        <a:xfrm>
+          <a:off x="0" y="0"/>
+          <a:ext cx="0" cy="0"/>
+          <a:chOff x="0" y="0"/>
+          <a:chExt cx="0" cy="0"/>
+        </a:xfrm>
+      </p:grpSpPr>
+      <p:sp>
+        <p:nvSpPr>
+          <p:cNvPr id="176" name="TextShape 1"/>
+          <p:cNvSpPr txBox="1"/>
+          <p:nvPr/>
+        </p:nvSpPr>
+        <p:spPr>
+          <a:xfrm>
+            <a:off x="729360" y="1318680"/>
+            <a:ext cx="7688520" cy="534960"/>
+          </a:xfrm>
+          <a:prstGeom prst="rect">
+            <a:avLst/>
+          </a:prstGeom>
+          <a:noFill/>
+          <a:ln>
+            <a:noFill/>
+          </a:ln>
+        </p:spPr>
+        <p:txBody>
+          <a:bodyPr tIns="91440" bIns="91440">
+            <a:noAutofit/>
+          </a:bodyPr>
+          <a:p>
+            <a:pPr>
+              <a:lnSpc>
+                <a:spcPct val="100000"/>
+              </a:lnSpc>
+              <a:tabLst>
+                <a:tab algn="l" pos="0"/>
+              </a:tabLst>
+            </a:pPr>
+            <a:r>
+              <a:rPr b="1" lang="id" sz="2600" spc="-1" strike="noStrike">
+                <a:solidFill>
+                  <a:srgbClr val="1a1a1a"/>
+                </a:solidFill>
+                <a:latin typeface="Raleway"/>
+                <a:ea typeface="Raleway"/>
+              </a:rPr>
+              <a:t>Menghubungkan GitLocal dan GitServer</a:t>
+            </a:r>
+            <a:endParaRPr b="0" lang="en-US" sz="2600" spc="-1" strike="noStrike">
+              <a:solidFill>
+                <a:srgbClr val="000000"/>
+              </a:solidFill>
+              <a:latin typeface="Arial"/>
+            </a:endParaRPr>
+          </a:p>
+        </p:txBody>
+      </p:sp>
+      <p:sp>
+        <p:nvSpPr>
+          <p:cNvPr id="177" name="TextShape 2"/>
+          <p:cNvSpPr txBox="1"/>
+          <p:nvPr/>
+        </p:nvSpPr>
+        <p:spPr>
+          <a:xfrm>
+            <a:off x="729360" y="2079000"/>
+            <a:ext cx="7688520" cy="2260800"/>
+          </a:xfrm>
+          <a:prstGeom prst="rect">
+            <a:avLst/>
+          </a:prstGeom>
+          <a:noFill/>
+          <a:ln>
+            <a:noFill/>
+          </a:ln>
+        </p:spPr>
+        <p:txBody>
+          <a:bodyPr tIns="91440" bIns="91440">
+            <a:noAutofit/>
+          </a:bodyPr>
+          <a:p>
+            <a:pPr marL="457200" indent="-310680">
+              <a:lnSpc>
+                <a:spcPct val="115000"/>
+              </a:lnSpc>
+              <a:buClr>
+                <a:srgbClr val="595959"/>
+              </a:buClr>
+              <a:buFont typeface="Lato"/>
+              <a:buChar char="●"/>
+            </a:pPr>
+            <a:r>
+              <a:rPr b="0" lang="id" sz="1200" spc="-1" strike="noStrike">
+                <a:solidFill>
+                  <a:srgbClr val="595959"/>
+                </a:solidFill>
+                <a:latin typeface="Lato"/>
+                <a:ea typeface="Lato"/>
+              </a:rPr>
+              <a:t>Untuk menghubungkan repository local ke gitServer kita bisa menggunakan printah:</a:t>
+            </a:r>
+            <a:endParaRPr b="0" lang="en-US" sz="1200" spc="-1" strike="noStrike">
+              <a:solidFill>
+                <a:srgbClr val="000000"/>
+              </a:solidFill>
+              <a:latin typeface="Arial"/>
+            </a:endParaRPr>
+          </a:p>
+          <a:p>
+            <a:pPr lvl="1" marL="864000" indent="-324000">
+              <a:spcBef>
+                <a:spcPts val="1134"/>
+              </a:spcBef>
+              <a:buClr>
+                <a:srgbClr val="000000"/>
+              </a:buClr>
+              <a:buSzPct val="75000"/>
+              <a:buFont typeface="Symbol" charset="2"/>
+              <a:buChar char=""/>
+            </a:pPr>
+            <a:r>
+              <a:rPr b="1" lang="id" sz="1200" spc="-1" strike="noStrike">
+                <a:solidFill>
+                  <a:srgbClr val="595959"/>
+                </a:solidFill>
+                <a:latin typeface="Lato"/>
+                <a:ea typeface="Lato"/>
+              </a:rPr>
+              <a:t>git remote add [name] [ssh-url]</a:t>
+            </a:r>
+            <a:endParaRPr b="0" lang="en-US" sz="1200" spc="-1" strike="noStrike">
+              <a:solidFill>
+                <a:srgbClr val="000000"/>
+              </a:solidFill>
+              <a:latin typeface="Arial"/>
+            </a:endParaRPr>
+          </a:p>
+          <a:p>
+            <a:pPr lvl="1" marL="864000" indent="-324000">
+              <a:spcBef>
+                <a:spcPts val="1134"/>
+              </a:spcBef>
+              <a:buClr>
+                <a:srgbClr val="000000"/>
+              </a:buClr>
+              <a:buSzPct val="75000"/>
+              <a:buFont typeface="Symbol" charset="2"/>
+              <a:buChar char=""/>
+            </a:pPr>
+            <a:r>
+              <a:rPr b="1" lang="id" sz="1200" spc="-1" strike="noStrike">
+                <a:solidFill>
+                  <a:srgbClr val="595959"/>
+                </a:solidFill>
+                <a:latin typeface="Lato"/>
+                <a:ea typeface="Lato"/>
+              </a:rPr>
+              <a:t>Example : </a:t>
+            </a:r>
+            <a:r>
+              <a:rPr b="0" lang="id" sz="1200" spc="-1" strike="noStrike">
+                <a:solidFill>
+                  <a:srgbClr val="595959"/>
+                </a:solidFill>
+                <a:latin typeface="Lato"/>
+                <a:ea typeface="Lato"/>
+              </a:rPr>
+              <a:t>git remote add origin git@gitlab.com:meaku00000/repo-git.git</a:t>
+            </a:r>
+            <a:endParaRPr b="0" lang="en-US" sz="1200" spc="-1" strike="noStrike">
+              <a:solidFill>
+                <a:srgbClr val="000000"/>
+              </a:solidFill>
+              <a:latin typeface="Arial"/>
+            </a:endParaRPr>
+          </a:p>
+          <a:p>
+            <a:pPr marL="457200" indent="-310680">
+              <a:lnSpc>
+                <a:spcPct val="115000"/>
+              </a:lnSpc>
+              <a:buClr>
+                <a:srgbClr val="595959"/>
+              </a:buClr>
+              <a:buFont typeface="Lato"/>
+              <a:buChar char="●"/>
+            </a:pPr>
+            <a:r>
+              <a:rPr b="0" lang="id" sz="1200" spc="-1" strike="noStrike">
+                <a:solidFill>
+                  <a:srgbClr val="595959"/>
+                </a:solidFill>
+                <a:latin typeface="Lato"/>
+                <a:ea typeface="Lato"/>
+              </a:rPr>
+              <a:t>Untuk mengecek remote yang tersedia:</a:t>
+            </a:r>
+            <a:endParaRPr b="0" lang="en-US" sz="1200" spc="-1" strike="noStrike">
+              <a:solidFill>
+                <a:srgbClr val="000000"/>
+              </a:solidFill>
+              <a:latin typeface="Arial"/>
+            </a:endParaRPr>
+          </a:p>
+          <a:p>
+            <a:pPr lvl="1" marL="864000" indent="-324000">
+              <a:spcBef>
+                <a:spcPts val="1134"/>
+              </a:spcBef>
+              <a:buClr>
+                <a:srgbClr val="000000"/>
+              </a:buClr>
+              <a:buSzPct val="75000"/>
+              <a:buFont typeface="Symbol" charset="2"/>
+              <a:buChar char=""/>
+            </a:pPr>
+            <a:r>
+              <a:rPr b="1" lang="id" sz="1200" spc="-1" strike="noStrike">
+                <a:solidFill>
+                  <a:srgbClr val="595959"/>
+                </a:solidFill>
+                <a:latin typeface="Lato"/>
+                <a:ea typeface="Lato"/>
+              </a:rPr>
+              <a:t>git remote</a:t>
+            </a:r>
+            <a:endParaRPr b="0" lang="en-US" sz="1200" spc="-1" strike="noStrike">
+              <a:solidFill>
+                <a:srgbClr val="000000"/>
+              </a:solidFill>
+              <a:latin typeface="Arial"/>
+            </a:endParaRPr>
+          </a:p>
+          <a:p>
+            <a:pPr marL="457200" indent="-310680">
+              <a:lnSpc>
+                <a:spcPct val="115000"/>
+              </a:lnSpc>
+              <a:buClr>
+                <a:srgbClr val="595959"/>
+              </a:buClr>
+              <a:buFont typeface="Lato"/>
+              <a:buChar char="●"/>
+            </a:pPr>
+            <a:r>
+              <a:rPr b="0" lang="id" sz="1200" spc="-1" strike="noStrike">
+                <a:solidFill>
+                  <a:srgbClr val="595959"/>
+                </a:solidFill>
+                <a:latin typeface="Lato"/>
+                <a:ea typeface="Lato"/>
+              </a:rPr>
+              <a:t>Untuk Mengecek url dari remote local</a:t>
+            </a:r>
+            <a:endParaRPr b="0" lang="en-US" sz="1200" spc="-1" strike="noStrike">
+              <a:solidFill>
+                <a:srgbClr val="000000"/>
+              </a:solidFill>
+              <a:latin typeface="Arial"/>
+            </a:endParaRPr>
+          </a:p>
+          <a:p>
+            <a:pPr lvl="1" marL="864000" indent="-324000">
+              <a:spcBef>
+                <a:spcPts val="1134"/>
+              </a:spcBef>
+              <a:buClr>
+                <a:srgbClr val="000000"/>
+              </a:buClr>
+              <a:buSzPct val="75000"/>
+              <a:buFont typeface="Symbol" charset="2"/>
+              <a:buChar char=""/>
+            </a:pPr>
+            <a:r>
+              <a:rPr b="1" lang="id" sz="1200" spc="-1" strike="noStrike">
+                <a:solidFill>
+                  <a:srgbClr val="595959"/>
+                </a:solidFill>
+                <a:latin typeface="Lato"/>
+                <a:ea typeface="Lato"/>
+              </a:rPr>
+              <a:t>git remote get-url [name-remote]</a:t>
+            </a:r>
+            <a:endParaRPr b="0" lang="en-US" sz="1200" spc="-1" strike="noStrike">
+              <a:solidFill>
+                <a:srgbClr val="000000"/>
+              </a:solidFill>
+              <a:latin typeface="Arial"/>
+            </a:endParaRPr>
+          </a:p>
+          <a:p>
+            <a:pPr marL="457200" indent="-310680">
+              <a:lnSpc>
+                <a:spcPct val="115000"/>
+              </a:lnSpc>
+              <a:buClr>
+                <a:srgbClr val="595959"/>
+              </a:buClr>
+              <a:buFont typeface="Lato"/>
+              <a:buChar char="●"/>
+            </a:pPr>
+            <a:endParaRPr b="0" lang="en-US" sz="1200" spc="-1" strike="noStrike">
+              <a:solidFill>
+                <a:srgbClr val="000000"/>
+              </a:solidFill>
+              <a:latin typeface="Arial"/>
+            </a:endParaRPr>
+          </a:p>
+          <a:p>
+            <a:pPr marL="457200" indent="-310680">
+              <a:lnSpc>
+                <a:spcPct val="115000"/>
+              </a:lnSpc>
+              <a:buClr>
+                <a:srgbClr val="595959"/>
+              </a:buClr>
+              <a:buFont typeface="Lato"/>
+              <a:buChar char="●"/>
+            </a:pPr>
+            <a:endParaRPr b="0" lang="en-US" sz="1200" spc="-1" strike="noStrike">
+              <a:solidFill>
+                <a:srgbClr val="000000"/>
+              </a:solidFill>
+              <a:latin typeface="Arial"/>
+            </a:endParaRPr>
+          </a:p>
+          <a:p>
+            <a:pPr marL="457200" indent="-310680">
+              <a:lnSpc>
+                <a:spcPct val="115000"/>
+              </a:lnSpc>
+              <a:buClr>
+                <a:srgbClr val="595959"/>
+              </a:buClr>
+              <a:buFont typeface="Lato"/>
+              <a:buChar char="●"/>
+            </a:pPr>
+            <a:endParaRPr b="0" lang="en-US" sz="1200" spc="-1" strike="noStrike">
+              <a:solidFill>
+                <a:srgbClr val="000000"/>
+              </a:solidFill>
+              <a:latin typeface="Arial"/>
+            </a:endParaRPr>
+          </a:p>
+          <a:p>
+            <a:pPr>
+              <a:lnSpc>
+                <a:spcPct val="115000"/>
+              </a:lnSpc>
+            </a:pPr>
+            <a:endParaRPr b="0" lang="en-US" sz="1200" spc="-1" strike="noStrike">
+              <a:solidFill>
+                <a:srgbClr val="000000"/>
+              </a:solidFill>
+              <a:latin typeface="Arial"/>
+            </a:endParaRPr>
+          </a:p>
+        </p:txBody>
+      </p:sp>
+    </p:spTree>
+  </p:cSld>
+  <mc:AlternateContent>
+    <mc:Choice Requires="p14">
+      <p:transition spd="slow" p14:dur="2000"/>
+    </mc:Choice>
+    <mc:Fallback>
+      <p:transition spd="slow"/>
+    </mc:Fallback>
+  </mc:AlternateContent>
+</p:sld>
+</file>
+
+<file path=ppt/slides/slide5.xml><?xml version="1.0" encoding="utf-8"?>
+<p:sld xmlns:a="http://schemas.openxmlformats.org/drawingml/2006/main" xmlns:p="http://schemas.openxmlformats.org/presentationml/2006/main" xmlns:r="http://schemas.openxmlformats.org/officeDocument/2006/relationships" xmlns:p14="http://schemas.microsoft.com/office/powerpoint/2010/main" xmlns:p15="http://schemas.microsoft.com/office/powerpoint/2012/main" xmlns:mc="http://schemas.openxmlformats.org/markup-compatibility/2006">
+  <p:cSld>
+    <p:spTree>
+      <p:nvGrpSpPr>
+        <p:cNvPr id="1" name=""/>
+        <p:cNvGrpSpPr/>
+        <p:nvPr/>
+      </p:nvGrpSpPr>
+      <p:grpSpPr>
+        <a:xfrm>
+          <a:off x="0" y="0"/>
+          <a:ext cx="0" cy="0"/>
+          <a:chOff x="0" y="0"/>
+          <a:chExt cx="0" cy="0"/>
+        </a:xfrm>
+      </p:grpSpPr>
+      <p:sp>
+        <p:nvSpPr>
+          <p:cNvPr id="178" name="TextShape 1"/>
+          <p:cNvSpPr txBox="1"/>
+          <p:nvPr/>
+        </p:nvSpPr>
+        <p:spPr>
+          <a:xfrm>
+            <a:off x="729360" y="1318680"/>
+            <a:ext cx="7688520" cy="534960"/>
+          </a:xfrm>
+          <a:prstGeom prst="rect">
+            <a:avLst/>
+          </a:prstGeom>
+          <a:noFill/>
+          <a:ln>
+            <a:noFill/>
+          </a:ln>
+        </p:spPr>
+        <p:txBody>
+          <a:bodyPr tIns="91440" bIns="91440">
+            <a:noAutofit/>
+          </a:bodyPr>
+          <a:p>
+            <a:pPr>
+              <a:lnSpc>
+                <a:spcPct val="100000"/>
+              </a:lnSpc>
+              <a:tabLst>
+                <a:tab algn="l" pos="0"/>
+              </a:tabLst>
+            </a:pPr>
+            <a:r>
+              <a:rPr b="1" lang="id" sz="2600" spc="-1" strike="noStrike">
+                <a:solidFill>
+                  <a:srgbClr val="1a1a1a"/>
+                </a:solidFill>
+                <a:latin typeface="Raleway"/>
+                <a:ea typeface="Raleway"/>
+              </a:rPr>
+              <a:t>Menghapus Remote</a:t>
+            </a:r>
+            <a:endParaRPr b="0" lang="en-US" sz="2600" spc="-1" strike="noStrike">
+              <a:solidFill>
+                <a:srgbClr val="000000"/>
+              </a:solidFill>
+              <a:latin typeface="Arial"/>
+            </a:endParaRPr>
+          </a:p>
+        </p:txBody>
+      </p:sp>
+      <p:sp>
+        <p:nvSpPr>
+          <p:cNvPr id="179" name="TextShape 2"/>
+          <p:cNvSpPr txBox="1"/>
+          <p:nvPr/>
+        </p:nvSpPr>
+        <p:spPr>
+          <a:xfrm>
+            <a:off x="729360" y="2079000"/>
+            <a:ext cx="7688520" cy="2260800"/>
+          </a:xfrm>
+          <a:prstGeom prst="rect">
+            <a:avLst/>
+          </a:prstGeom>
+          <a:noFill/>
+          <a:ln>
+            <a:noFill/>
+          </a:ln>
+        </p:spPr>
+        <p:txBody>
+          <a:bodyPr tIns="91440" bIns="91440">
+            <a:noAutofit/>
+          </a:bodyPr>
+          <a:p>
+            <a:pPr marL="457200" indent="-310680">
+              <a:lnSpc>
+                <a:spcPct val="115000"/>
+              </a:lnSpc>
+              <a:buClr>
+                <a:srgbClr val="595959"/>
+              </a:buClr>
+              <a:buFont typeface="Lato"/>
+              <a:buChar char="●"/>
+            </a:pPr>
+            <a:r>
+              <a:rPr b="0" lang="id" sz="1200" spc="-1" strike="noStrike">
+                <a:solidFill>
+                  <a:srgbClr val="595959"/>
+                </a:solidFill>
+                <a:latin typeface="Lato"/>
+                <a:ea typeface="Lato"/>
+              </a:rPr>
+              <a:t>Untuk menghapus remote</a:t>
+            </a:r>
+            <a:endParaRPr b="0" lang="en-US" sz="1200" spc="-1" strike="noStrike">
+              <a:solidFill>
+                <a:srgbClr val="000000"/>
+              </a:solidFill>
+              <a:latin typeface="Arial"/>
+            </a:endParaRPr>
+          </a:p>
+          <a:p>
+            <a:pPr lvl="1" marL="864000" indent="-324000">
+              <a:spcBef>
+                <a:spcPts val="1134"/>
+              </a:spcBef>
+              <a:buClr>
+                <a:srgbClr val="000000"/>
+              </a:buClr>
+              <a:buSzPct val="75000"/>
+              <a:buFont typeface="Symbol" charset="2"/>
+              <a:buChar char=""/>
+            </a:pPr>
+            <a:r>
+              <a:rPr b="1" lang="id" sz="1200" spc="-1" strike="noStrike">
+                <a:solidFill>
+                  <a:srgbClr val="595959"/>
+                </a:solidFill>
+                <a:latin typeface="Lato"/>
+                <a:ea typeface="Lato"/>
+              </a:rPr>
+              <a:t>git remote rm origin</a:t>
+            </a:r>
+            <a:endParaRPr b="0" lang="en-US" sz="1200" spc="-1" strike="noStrike">
+              <a:solidFill>
+                <a:srgbClr val="000000"/>
+              </a:solidFill>
+              <a:latin typeface="Arial"/>
+            </a:endParaRPr>
+          </a:p>
+          <a:p>
+            <a:pPr marL="457200" indent="-310680">
+              <a:lnSpc>
+                <a:spcPct val="115000"/>
+              </a:lnSpc>
+              <a:buClr>
+                <a:srgbClr val="595959"/>
+              </a:buClr>
+              <a:buFont typeface="Lato"/>
+              <a:buChar char="●"/>
+            </a:pPr>
+            <a:endParaRPr b="0" lang="en-US" sz="1200" spc="-1" strike="noStrike">
+              <a:solidFill>
+                <a:srgbClr val="000000"/>
+              </a:solidFill>
+              <a:latin typeface="Arial"/>
+            </a:endParaRPr>
+          </a:p>
+          <a:p>
+            <a:pPr marL="457200" indent="-310680">
+              <a:lnSpc>
+                <a:spcPct val="115000"/>
+              </a:lnSpc>
+              <a:buClr>
+                <a:srgbClr val="595959"/>
+              </a:buClr>
+              <a:buFont typeface="Lato"/>
+              <a:buChar char="●"/>
+            </a:pPr>
+            <a:endParaRPr b="0" lang="en-US" sz="1200" spc="-1" strike="noStrike">
+              <a:solidFill>
+                <a:srgbClr val="000000"/>
+              </a:solidFill>
+              <a:latin typeface="Arial"/>
+            </a:endParaRPr>
+          </a:p>
+          <a:p>
+            <a:pPr marL="457200" indent="-310680">
+              <a:lnSpc>
+                <a:spcPct val="115000"/>
+              </a:lnSpc>
+              <a:buClr>
+                <a:srgbClr val="595959"/>
+              </a:buClr>
+              <a:buFont typeface="Lato"/>
+              <a:buChar char="●"/>
+            </a:pPr>
+            <a:endParaRPr b="0" lang="en-US" sz="1200" spc="-1" strike="noStrike">
+              <a:solidFill>
+                <a:srgbClr val="000000"/>
+              </a:solidFill>
+              <a:latin typeface="Arial"/>
+            </a:endParaRPr>
+          </a:p>
+          <a:p>
+            <a:pPr>
+              <a:lnSpc>
+                <a:spcPct val="115000"/>
+              </a:lnSpc>
+            </a:pPr>
+            <a:endParaRPr b="0" lang="en-US" sz="1200" spc="-1" strike="noStrike">
+              <a:solidFill>
+                <a:srgbClr val="000000"/>
+              </a:solidFill>
+              <a:latin typeface="Arial"/>
+            </a:endParaRPr>
+          </a:p>
+        </p:txBody>
+      </p:sp>
+    </p:spTree>
+  </p:cSld>
+  <mc:AlternateContent>
+    <mc:Choice Requires="p14">
+      <p:transition spd="slow" p14:dur="2000"/>
+    </mc:Choice>
+    <mc:Fallback>
+      <p:transition spd="slow"/>
+    </mc:Fallback>
+  </mc:AlternateContent>
+</p:sld>
+</file>
+
+<file path=ppt/slides/slide6.xml><?xml version="1.0" encoding="utf-8"?>
+<p:sld xmlns:a="http://schemas.openxmlformats.org/drawingml/2006/main" xmlns:p="http://schemas.openxmlformats.org/presentationml/2006/main" xmlns:r="http://schemas.openxmlformats.org/officeDocument/2006/relationships" xmlns:p14="http://schemas.microsoft.com/office/powerpoint/2010/main" xmlns:p15="http://schemas.microsoft.com/office/powerpoint/2012/main" xmlns:mc="http://schemas.openxmlformats.org/markup-compatibility/2006">
+  <p:cSld>
+    <p:spTree>
+      <p:nvGrpSpPr>
+        <p:cNvPr id="1" name=""/>
+        <p:cNvGrpSpPr/>
+        <p:nvPr/>
+      </p:nvGrpSpPr>
+      <p:grpSpPr>
+        <a:xfrm>
+          <a:off x="0" y="0"/>
+          <a:ext cx="0" cy="0"/>
+          <a:chOff x="0" y="0"/>
+          <a:chExt cx="0" cy="0"/>
+        </a:xfrm>
+      </p:grpSpPr>
+      <p:sp>
+        <p:nvSpPr>
+          <p:cNvPr id="180" name="TextShape 1"/>
+          <p:cNvSpPr txBox="1"/>
+          <p:nvPr/>
+        </p:nvSpPr>
+        <p:spPr>
+          <a:xfrm>
+            <a:off x="729360" y="1322280"/>
+            <a:ext cx="7688160" cy="1518120"/>
+          </a:xfrm>
+          <a:prstGeom prst="rect">
+            <a:avLst/>
+          </a:prstGeom>
+          <a:noFill/>
+          <a:ln>
+            <a:noFill/>
+          </a:ln>
+        </p:spPr>
+        <p:txBody>
+          <a:bodyPr tIns="91440" bIns="91440">
+            <a:noAutofit/>
+          </a:bodyPr>
+          <a:p>
+            <a:pPr>
+              <a:lnSpc>
+                <a:spcPct val="100000"/>
+              </a:lnSpc>
+              <a:tabLst>
+                <a:tab algn="l" pos="0"/>
+              </a:tabLst>
+            </a:pPr>
+            <a:r>
+              <a:rPr b="1" lang="id" sz="3600" spc="-1" strike="noStrike">
+                <a:solidFill>
+                  <a:srgbClr val="ffffff"/>
+                </a:solidFill>
+                <a:latin typeface="Raleway"/>
+                <a:ea typeface="Raleway"/>
+              </a:rPr>
+              <a:t>Git Push</a:t>
+            </a:r>
+            <a:endParaRPr b="0" lang="en-US" sz="3600" spc="-1" strike="noStrike">
+              <a:solidFill>
+                <a:srgbClr val="000000"/>
+              </a:solidFill>
+              <a:latin typeface="Arial"/>
+            </a:endParaRPr>
+          </a:p>
+        </p:txBody>
+      </p:sp>
+    </p:spTree>
+  </p:cSld>
+  <mc:AlternateContent>
+    <mc:Choice Requires="p14">
+      <p:transition spd="slow" p14:dur="2000"/>
+    </mc:Choice>
+    <mc:Fallback>
+      <p:transition spd="slow"/>
+    </mc:Fallback>
+  </mc:AlternateContent>
+</p:sld>
+</file>
+
+<file path=ppt/slides/slide7.xml><?xml version="1.0" encoding="utf-8"?>
+<p:sld xmlns:a="http://schemas.openxmlformats.org/drawingml/2006/main" xmlns:p="http://schemas.openxmlformats.org/presentationml/2006/main" xmlns:r="http://schemas.openxmlformats.org/officeDocument/2006/relationships" xmlns:p14="http://schemas.microsoft.com/office/powerpoint/2010/main" xmlns:p15="http://schemas.microsoft.com/office/powerpoint/2012/main" xmlns:mc="http://schemas.openxmlformats.org/markup-compatibility/2006">
+  <p:cSld>
+    <p:spTree>
+      <p:nvGrpSpPr>
+        <p:cNvPr id="1" name=""/>
+        <p:cNvGrpSpPr/>
+        <p:nvPr/>
+      </p:nvGrpSpPr>
+      <p:grpSpPr>
+        <a:xfrm>
+          <a:off x="0" y="0"/>
+          <a:ext cx="0" cy="0"/>
+          <a:chOff x="0" y="0"/>
+          <a:chExt cx="0" cy="0"/>
+        </a:xfrm>
+      </p:grpSpPr>
+      <p:sp>
+        <p:nvSpPr>
+          <p:cNvPr id="181" name="TextShape 1"/>
+          <p:cNvSpPr txBox="1"/>
+          <p:nvPr/>
+        </p:nvSpPr>
+        <p:spPr>
+          <a:xfrm>
+            <a:off x="729360" y="1318680"/>
+            <a:ext cx="7688520" cy="534960"/>
+          </a:xfrm>
+          <a:prstGeom prst="rect">
+            <a:avLst/>
+          </a:prstGeom>
+          <a:noFill/>
+          <a:ln>
+            <a:noFill/>
+          </a:ln>
+        </p:spPr>
+        <p:txBody>
+          <a:bodyPr tIns="91440" bIns="91440">
+            <a:noAutofit/>
+          </a:bodyPr>
+          <a:p>
+            <a:pPr>
+              <a:lnSpc>
+                <a:spcPct val="100000"/>
+              </a:lnSpc>
+              <a:tabLst>
+                <a:tab algn="l" pos="0"/>
+              </a:tabLst>
+            </a:pPr>
+            <a:r>
+              <a:rPr b="1" lang="id" sz="2600" spc="-1" strike="noStrike">
+                <a:solidFill>
+                  <a:srgbClr val="1a1a1a"/>
+                </a:solidFill>
+                <a:latin typeface="Raleway"/>
+                <a:ea typeface="Raleway"/>
+              </a:rPr>
+              <a:t>Git Push</a:t>
+            </a:r>
+            <a:endParaRPr b="0" lang="en-US" sz="2600" spc="-1" strike="noStrike">
+              <a:solidFill>
+                <a:srgbClr val="000000"/>
+              </a:solidFill>
+              <a:latin typeface="Arial"/>
+            </a:endParaRPr>
+          </a:p>
+        </p:txBody>
+      </p:sp>
+      <p:sp>
+        <p:nvSpPr>
+          <p:cNvPr id="182" name="TextShape 2"/>
+          <p:cNvSpPr txBox="1"/>
+          <p:nvPr/>
+        </p:nvSpPr>
+        <p:spPr>
+          <a:xfrm>
+            <a:off x="729360" y="2079000"/>
+            <a:ext cx="7688520" cy="2260800"/>
+          </a:xfrm>
+          <a:prstGeom prst="rect">
+            <a:avLst/>
+          </a:prstGeom>
+          <a:noFill/>
+          <a:ln>
+            <a:noFill/>
+          </a:ln>
+        </p:spPr>
+        <p:txBody>
+          <a:bodyPr tIns="91440" bIns="91440">
+            <a:noAutofit/>
+          </a:bodyPr>
+          <a:p>
+            <a:pPr marL="457200" indent="-310680">
+              <a:lnSpc>
+                <a:spcPct val="115000"/>
+              </a:lnSpc>
+              <a:buClr>
+                <a:srgbClr val="595959"/>
+              </a:buClr>
+              <a:buFont typeface="Lato"/>
+              <a:buChar char="●"/>
+            </a:pPr>
+            <a:r>
+              <a:rPr b="0" lang="id" sz="1200" spc="-1" strike="noStrike">
+                <a:solidFill>
+                  <a:srgbClr val="595959"/>
+                </a:solidFill>
+                <a:latin typeface="Lato"/>
+                <a:ea typeface="Lato"/>
+              </a:rPr>
+              <a:t>Untuk mengirim perubahan branch ke remote dengan nama branch yang sama</a:t>
+            </a:r>
+            <a:endParaRPr b="0" lang="en-US" sz="1200" spc="-1" strike="noStrike">
+              <a:solidFill>
+                <a:srgbClr val="000000"/>
+              </a:solidFill>
+              <a:latin typeface="Arial"/>
+            </a:endParaRPr>
+          </a:p>
+          <a:p>
+            <a:pPr lvl="1" marL="864000" indent="-324000">
+              <a:spcBef>
+                <a:spcPts val="1134"/>
+              </a:spcBef>
+              <a:buClr>
+                <a:srgbClr val="000000"/>
+              </a:buClr>
+              <a:buSzPct val="75000"/>
+              <a:buFont typeface="Symbol" charset="2"/>
+              <a:buChar char=""/>
+            </a:pPr>
+            <a:r>
+              <a:rPr b="1" lang="id" sz="1200" spc="-1" strike="noStrike">
+                <a:solidFill>
+                  <a:srgbClr val="595959"/>
+                </a:solidFill>
+                <a:latin typeface="Lato"/>
+                <a:ea typeface="Lato"/>
+              </a:rPr>
+              <a:t>git push [nama_remote] [local_branch]</a:t>
+            </a:r>
+            <a:endParaRPr b="0" lang="en-US" sz="1200" spc="-1" strike="noStrike">
+              <a:solidFill>
+                <a:srgbClr val="000000"/>
+              </a:solidFill>
+              <a:latin typeface="Arial"/>
+            </a:endParaRPr>
+          </a:p>
+          <a:p>
+            <a:pPr marL="457200" indent="-310680">
+              <a:lnSpc>
+                <a:spcPct val="115000"/>
+              </a:lnSpc>
+              <a:buClr>
+                <a:srgbClr val="595959"/>
+              </a:buClr>
+              <a:buFont typeface="Lato"/>
+              <a:buChar char="●"/>
+            </a:pPr>
+            <a:r>
+              <a:rPr b="0" lang="id" sz="1200" spc="-1" strike="noStrike">
+                <a:solidFill>
+                  <a:srgbClr val="595959"/>
+                </a:solidFill>
+                <a:latin typeface="Lato"/>
+                <a:ea typeface="Lato"/>
+              </a:rPr>
+              <a:t>Untuk mengirim perubahan branch ke remote dnegnan nama branch yang beda</a:t>
+            </a:r>
+            <a:endParaRPr b="0" lang="en-US" sz="1200" spc="-1" strike="noStrike">
+              <a:solidFill>
+                <a:srgbClr val="000000"/>
+              </a:solidFill>
+              <a:latin typeface="Arial"/>
+            </a:endParaRPr>
+          </a:p>
+          <a:p>
+            <a:pPr lvl="1" marL="864000" indent="-324000">
+              <a:spcBef>
+                <a:spcPts val="1134"/>
+              </a:spcBef>
+              <a:buClr>
+                <a:srgbClr val="000000"/>
+              </a:buClr>
+              <a:buSzPct val="75000"/>
+              <a:buFont typeface="Symbol" charset="2"/>
+              <a:buChar char=""/>
+            </a:pPr>
+            <a:r>
+              <a:rPr b="1" lang="id" sz="1200" spc="-1" strike="noStrike">
+                <a:solidFill>
+                  <a:srgbClr val="595959"/>
+                </a:solidFill>
+                <a:latin typeface="Lato"/>
+                <a:ea typeface="Lato"/>
+              </a:rPr>
+              <a:t>git push [nama_remote] [local_branch]:[nama_branch_baru]</a:t>
+            </a:r>
+            <a:endParaRPr b="0" lang="en-US" sz="1200" spc="-1" strike="noStrike">
+              <a:solidFill>
+                <a:srgbClr val="000000"/>
+              </a:solidFill>
+              <a:latin typeface="Arial"/>
+            </a:endParaRPr>
+          </a:p>
+          <a:p>
+            <a:pPr marL="457200" indent="-310680">
+              <a:lnSpc>
+                <a:spcPct val="115000"/>
+              </a:lnSpc>
+              <a:buClr>
+                <a:srgbClr val="595959"/>
+              </a:buClr>
+              <a:buFont typeface="Lato"/>
+              <a:buChar char="●"/>
+            </a:pPr>
+            <a:r>
+              <a:rPr b="0" lang="id" sz="1200" spc="-1" strike="noStrike">
+                <a:solidFill>
+                  <a:srgbClr val="595959"/>
+                </a:solidFill>
+                <a:latin typeface="Lato"/>
+                <a:ea typeface="Lato"/>
+              </a:rPr>
+              <a:t>Untuk mengirim perubahan semua branch dari local ke server</a:t>
+            </a:r>
+            <a:endParaRPr b="0" lang="en-US" sz="1200" spc="-1" strike="noStrike">
+              <a:solidFill>
+                <a:srgbClr val="000000"/>
+              </a:solidFill>
+              <a:latin typeface="Arial"/>
+            </a:endParaRPr>
+          </a:p>
+          <a:p>
+            <a:pPr lvl="1" marL="864000" indent="-324000">
+              <a:spcBef>
+                <a:spcPts val="1134"/>
+              </a:spcBef>
+              <a:buClr>
+                <a:srgbClr val="000000"/>
+              </a:buClr>
+              <a:buSzPct val="75000"/>
+              <a:buFont typeface="Symbol" charset="2"/>
+              <a:buChar char=""/>
+            </a:pPr>
+            <a:r>
+              <a:rPr b="1" lang="id" sz="1200" spc="-1" strike="noStrike">
+                <a:solidFill>
+                  <a:srgbClr val="595959"/>
+                </a:solidFill>
+                <a:latin typeface="Lato"/>
+                <a:ea typeface="Lato"/>
+              </a:rPr>
+              <a:t>git push [nama_remote] --all</a:t>
+            </a:r>
+            <a:endParaRPr b="0" lang="en-US" sz="1200" spc="-1" strike="noStrike">
+              <a:solidFill>
+                <a:srgbClr val="000000"/>
+              </a:solidFill>
+              <a:latin typeface="Arial"/>
+            </a:endParaRPr>
+          </a:p>
+        </p:txBody>
+      </p:sp>
+    </p:spTree>
+  </p:cSld>
+  <mc:AlternateContent>
+    <mc:Choice Requires="p14">
+      <p:transition spd="slow" p14:dur="2000"/>
+    </mc:Choice>
+    <mc:Fallback>
+      <p:transition spd="slow"/>
+    </mc:Fallback>
+  </mc:AlternateContent>
+</p:sld>
+</file>
+
+<file path=ppt/slides/slide8.xml><?xml version="1.0" encoding="utf-8"?>
+<p:sld xmlns:a="http://schemas.openxmlformats.org/drawingml/2006/main" xmlns:p="http://schemas.openxmlformats.org/presentationml/2006/main" xmlns:r="http://schemas.openxmlformats.org/officeDocument/2006/relationships" xmlns:p14="http://schemas.microsoft.com/office/powerpoint/2010/main" xmlns:p15="http://schemas.microsoft.com/office/powerpoint/2012/main" xmlns:mc="http://schemas.openxmlformats.org/markup-compatibility/2006">
+  <p:cSld>
+    <p:spTree>
+      <p:nvGrpSpPr>
+        <p:cNvPr id="1" name=""/>
+        <p:cNvGrpSpPr/>
+        <p:nvPr/>
+      </p:nvGrpSpPr>
+      <p:grpSpPr>
+        <a:xfrm>
+          <a:off x="0" y="0"/>
+          <a:ext cx="0" cy="0"/>
+          <a:chOff x="0" y="0"/>
+          <a:chExt cx="0" cy="0"/>
+        </a:xfrm>
+      </p:grpSpPr>
+      <p:sp>
+        <p:nvSpPr>
+          <p:cNvPr id="183" name="TextShape 1"/>
+          <p:cNvSpPr txBox="1"/>
+          <p:nvPr/>
+        </p:nvSpPr>
+        <p:spPr>
+          <a:xfrm>
+            <a:off x="729360" y="1318680"/>
+            <a:ext cx="7688520" cy="534960"/>
+          </a:xfrm>
+          <a:prstGeom prst="rect">
+            <a:avLst/>
+          </a:prstGeom>
+          <a:noFill/>
+          <a:ln>
+            <a:noFill/>
+          </a:ln>
+        </p:spPr>
+        <p:txBody>
+          <a:bodyPr tIns="91440" bIns="91440">
+            <a:noAutofit/>
+          </a:bodyPr>
+          <a:p>
+            <a:pPr>
+              <a:lnSpc>
+                <a:spcPct val="100000"/>
+              </a:lnSpc>
+              <a:tabLst>
+                <a:tab algn="l" pos="0"/>
+              </a:tabLst>
+            </a:pPr>
+            <a:r>
+              <a:rPr b="1" lang="id" sz="2600" spc="-1" strike="noStrike">
+                <a:solidFill>
+                  <a:srgbClr val="1a1a1a"/>
+                </a:solidFill>
+                <a:latin typeface="Raleway"/>
+                <a:ea typeface="Raleway"/>
+              </a:rPr>
+              <a:t>Delete Branch di remote repository</a:t>
+            </a:r>
+            <a:endParaRPr b="0" lang="en-US" sz="2600" spc="-1" strike="noStrike">
+              <a:solidFill>
+                <a:srgbClr val="000000"/>
+              </a:solidFill>
+              <a:latin typeface="Arial"/>
+            </a:endParaRPr>
+          </a:p>
+        </p:txBody>
+      </p:sp>
+      <p:sp>
+        <p:nvSpPr>
+          <p:cNvPr id="184" name="TextShape 2"/>
+          <p:cNvSpPr txBox="1"/>
+          <p:nvPr/>
+        </p:nvSpPr>
+        <p:spPr>
+          <a:xfrm>
+            <a:off x="729360" y="2079000"/>
+            <a:ext cx="7688520" cy="2260800"/>
+          </a:xfrm>
+          <a:prstGeom prst="rect">
+            <a:avLst/>
+          </a:prstGeom>
+          <a:noFill/>
+          <a:ln>
+            <a:noFill/>
+          </a:ln>
+        </p:spPr>
+        <p:txBody>
+          <a:bodyPr tIns="91440" bIns="91440">
+            <a:noAutofit/>
+          </a:bodyPr>
+          <a:p>
+            <a:pPr marL="457200" indent="-310680">
+              <a:lnSpc>
+                <a:spcPct val="115000"/>
+              </a:lnSpc>
+              <a:buClr>
+                <a:srgbClr val="595959"/>
+              </a:buClr>
+              <a:buFont typeface="Lato"/>
+              <a:buChar char="●"/>
+            </a:pPr>
+            <a:r>
+              <a:rPr b="0" lang="id" sz="1200" spc="-1" strike="noStrike">
+                <a:solidFill>
+                  <a:srgbClr val="595959"/>
+                </a:solidFill>
+                <a:latin typeface="Lato"/>
+                <a:ea typeface="Lato"/>
+              </a:rPr>
+              <a:t>Untuk menghapus branch dari local ke server menggunakan perintah:</a:t>
+            </a:r>
+            <a:endParaRPr b="0" lang="en-US" sz="1200" spc="-1" strike="noStrike">
+              <a:solidFill>
+                <a:srgbClr val="000000"/>
+              </a:solidFill>
+              <a:latin typeface="Arial"/>
+            </a:endParaRPr>
+          </a:p>
+          <a:p>
+            <a:pPr lvl="1" marL="864000" indent="-324000">
+              <a:spcBef>
+                <a:spcPts val="1134"/>
+              </a:spcBef>
+              <a:buClr>
+                <a:srgbClr val="000000"/>
+              </a:buClr>
+              <a:buSzPct val="75000"/>
+              <a:buFont typeface="Symbol" charset="2"/>
+              <a:buChar char=""/>
+            </a:pPr>
+            <a:r>
+              <a:rPr b="1" lang="id" sz="1200" spc="-1" strike="noStrike">
+                <a:solidFill>
+                  <a:srgbClr val="595959"/>
+                </a:solidFill>
+                <a:latin typeface="Lato"/>
+                <a:ea typeface="Lato"/>
+              </a:rPr>
+              <a:t>git push –-delete [namremote] [nama_branch]</a:t>
+            </a:r>
+            <a:endParaRPr b="0" lang="en-US" sz="1200" spc="-1" strike="noStrike">
+              <a:solidFill>
+                <a:srgbClr val="000000"/>
+              </a:solidFill>
+              <a:latin typeface="Arial"/>
+            </a:endParaRPr>
+          </a:p>
+          <a:p>
+            <a:pPr lvl="1" marL="864000" indent="-324000">
+              <a:spcBef>
+                <a:spcPts val="1134"/>
+              </a:spcBef>
+              <a:buClr>
+                <a:srgbClr val="000000"/>
+              </a:buClr>
+              <a:buSzPct val="75000"/>
+              <a:buFont typeface="Symbol" charset="2"/>
+              <a:buChar char=""/>
+            </a:pPr>
+            <a:r>
+              <a:rPr b="1" lang="id" sz="1200" spc="-1" strike="noStrike">
+                <a:solidFill>
+                  <a:srgbClr val="595959"/>
+                </a:solidFill>
+                <a:latin typeface="Lato"/>
+                <a:ea typeface="Lato"/>
+              </a:rPr>
+              <a:t>Ex: git push –-delete repohub fiture</a:t>
+            </a:r>
+            <a:endParaRPr b="0" lang="en-US" sz="1200" spc="-1" strike="noStrike">
+              <a:solidFill>
+                <a:srgbClr val="000000"/>
+              </a:solidFill>
+              <a:latin typeface="Arial"/>
+            </a:endParaRPr>
+          </a:p>
+          <a:p>
+            <a:pPr marL="457200" indent="-310680">
+              <a:lnSpc>
+                <a:spcPct val="115000"/>
+              </a:lnSpc>
+              <a:buClr>
+                <a:srgbClr val="595959"/>
+              </a:buClr>
+              <a:buFont typeface="Lato"/>
+              <a:buChar char="●"/>
+            </a:pPr>
+            <a:r>
+              <a:rPr b="0" lang="id" sz="1200" spc="-1" strike="noStrike">
+                <a:solidFill>
+                  <a:srgbClr val="595959"/>
+                </a:solidFill>
+                <a:latin typeface="Lato"/>
+                <a:ea typeface="Lato"/>
+              </a:rPr>
+              <a:t>Artinya menghapus branch </a:t>
+            </a:r>
+            <a:r>
+              <a:rPr b="1" lang="id" sz="1200" spc="-1" strike="noStrike">
+                <a:solidFill>
+                  <a:srgbClr val="595959"/>
+                </a:solidFill>
+                <a:latin typeface="Lato"/>
+                <a:ea typeface="Lato"/>
+              </a:rPr>
+              <a:t>fiture </a:t>
+            </a:r>
+            <a:r>
+              <a:rPr b="0" lang="id" sz="1200" spc="-1" strike="noStrike">
+                <a:solidFill>
+                  <a:srgbClr val="595959"/>
+                </a:solidFill>
+                <a:latin typeface="Lato"/>
+                <a:ea typeface="Lato"/>
+              </a:rPr>
+              <a:t>di repository </a:t>
+            </a:r>
+            <a:r>
+              <a:rPr b="1" lang="id" sz="1200" spc="-1" strike="noStrike">
+                <a:solidFill>
+                  <a:srgbClr val="595959"/>
+                </a:solidFill>
+                <a:latin typeface="Lato"/>
+                <a:ea typeface="Lato"/>
+              </a:rPr>
+              <a:t>repohub </a:t>
+            </a:r>
+            <a:endParaRPr b="0" lang="en-US" sz="1200" spc="-1" strike="noStrike">
+              <a:solidFill>
+                <a:srgbClr val="000000"/>
+              </a:solidFill>
+              <a:latin typeface="Arial"/>
+            </a:endParaRPr>
+          </a:p>
+          <a:p>
+            <a:pPr marL="457200" indent="-310680">
+              <a:lnSpc>
+                <a:spcPct val="115000"/>
+              </a:lnSpc>
+              <a:buClr>
+                <a:srgbClr val="595959"/>
+              </a:buClr>
+              <a:buFont typeface="Lato"/>
+              <a:buChar char="●"/>
+            </a:pPr>
+            <a:endParaRPr b="0" lang="en-US" sz="1200" spc="-1" strike="noStrike">
+              <a:solidFill>
+                <a:srgbClr val="000000"/>
+              </a:solidFill>
+              <a:latin typeface="Arial"/>
+            </a:endParaRPr>
+          </a:p>
+        </p:txBody>
+      </p:sp>
+    </p:spTree>
+  </p:cSld>
+  <mc:AlternateContent>
+    <mc:Choice Requires="p14">
+      <p:transition spd="slow" p14:dur="2000"/>
+    </mc:Choice>
+    <mc:Fallback>
+      <p:transition spd="slow"/>
+    </mc:Fallback>
+  </mc:AlternateContent>
+</p:sld>
+</file>
+
+<file path=ppt/slides/slide9.xml><?xml version="1.0" encoding="utf-8"?>
+<p:sld xmlns:a="http://schemas.openxmlformats.org/drawingml/2006/main" xmlns:p="http://schemas.openxmlformats.org/presentationml/2006/main" xmlns:r="http://schemas.openxmlformats.org/officeDocument/2006/relationships" xmlns:p14="http://schemas.microsoft.com/office/powerpoint/2010/main" xmlns:p15="http://schemas.microsoft.com/office/powerpoint/2012/main" xmlns:mc="http://schemas.openxmlformats.org/markup-compatibility/2006">
+  <p:cSld>
+    <p:spTree>
+      <p:nvGrpSpPr>
+        <p:cNvPr id="1" name=""/>
+        <p:cNvGrpSpPr/>
+        <p:nvPr/>
+      </p:nvGrpSpPr>
+      <p:grpSpPr>
+        <a:xfrm>
+          <a:off x="0" y="0"/>
+          <a:ext cx="0" cy="0"/>
+          <a:chOff x="0" y="0"/>
+          <a:chExt cx="0" cy="0"/>
+        </a:xfrm>
+      </p:grpSpPr>
+      <p:sp>
+        <p:nvSpPr>
+          <p:cNvPr id="185" name="TextShape 1"/>
+          <p:cNvSpPr txBox="1"/>
+          <p:nvPr/>
+        </p:nvSpPr>
+        <p:spPr>
+          <a:xfrm>
+            <a:off x="729360" y="1322280"/>
+            <a:ext cx="7688160" cy="1518120"/>
+          </a:xfrm>
+          <a:prstGeom prst="rect">
+            <a:avLst/>
+          </a:prstGeom>
+          <a:noFill/>
+          <a:ln>
+            <a:noFill/>
+          </a:ln>
+        </p:spPr>
+        <p:txBody>
+          <a:bodyPr tIns="91440" bIns="91440">
+            <a:noAutofit/>
+          </a:bodyPr>
+          <a:p>
+            <a:pPr>
+              <a:lnSpc>
+                <a:spcPct val="100000"/>
+              </a:lnSpc>
+              <a:tabLst>
+                <a:tab algn="l" pos="0"/>
+              </a:tabLst>
+            </a:pPr>
+            <a:r>
+              <a:rPr b="1" lang="id" sz="3600" spc="-1" strike="noStrike">
+                <a:solidFill>
+                  <a:srgbClr val="ffffff"/>
+                </a:solidFill>
+                <a:latin typeface="Raleway"/>
+                <a:ea typeface="Raleway"/>
+              </a:rPr>
+              <a:t>Git Clone</a:t>
+            </a:r>
+            <a:endParaRPr b="0" lang="en-US" sz="3600" spc="-1" strike="noStrike">
               <a:solidFill>
                 <a:srgbClr val="000000"/>
               </a:solidFill>
@@ -6882,4 +10480,230 @@
     </a:fmtScheme>
   </a:themeElements>
 </a:theme>
+</file>
+
+<file path=ppt/theme/theme4.xml><?xml version="1.0" encoding="utf-8"?>
+<a:theme xmlns:a="http://schemas.openxmlformats.org/drawingml/2006/main" name="Office Theme">
+  <a:themeElements>
+    <a:clrScheme name="Office">
+      <a:dk1>
+        <a:sysClr val="windowText" lastClr="000000"/>
+      </a:dk1>
+      <a:lt1>
+        <a:sysClr val="window" lastClr="FFFFFF"/>
+      </a:lt1>
+      <a:dk2>
+        <a:srgbClr val="1a1a1a"/>
+      </a:dk2>
+      <a:lt2>
+        <a:srgbClr val="e9edee"/>
+      </a:lt2>
+      <a:accent1>
+        <a:srgbClr val="595959"/>
+      </a:accent1>
+      <a:accent2>
+        <a:srgbClr val="6aa4c8"/>
+      </a:accent2>
+      <a:accent3>
+        <a:srgbClr val="eb5600"/>
+      </a:accent3>
+      <a:accent4>
+        <a:srgbClr val="a2ffe8"/>
+      </a:accent4>
+      <a:accent5>
+        <a:srgbClr val="1c3678"/>
+      </a:accent5>
+      <a:accent6>
+        <a:srgbClr val="ffb8a2"/>
+      </a:accent6>
+      <a:hlink>
+        <a:srgbClr val="1c3678"/>
+      </a:hlink>
+      <a:folHlink>
+        <a:srgbClr val="1c3678"/>
+      </a:folHlink>
+    </a:clrScheme>
+    <a:fontScheme name="Office">
+      <a:majorFont>
+        <a:latin typeface="Arial"/>
+        <a:ea typeface="DejaVu Sans"/>
+        <a:cs typeface="DejaVu Sans"/>
+      </a:majorFont>
+      <a:minorFont>
+        <a:latin typeface="Arial"/>
+        <a:ea typeface="DejaVu Sans"/>
+        <a:cs typeface="DejaVu Sans"/>
+      </a:minorFont>
+    </a:fontScheme>
+    <a:fmtScheme name="Office">
+      <a:fillStyleLst>
+        <a:solidFill>
+          <a:schemeClr val="phClr"/>
+        </a:solidFill>
+        <a:gradFill rotWithShape="1">
+          <a:gsLst>
+            <a:gs pos="0">
+              <a:schemeClr val="phClr">
+                <a:tint val="50000"/>
+                <a:satMod val="300000"/>
+              </a:schemeClr>
+            </a:gs>
+            <a:gs pos="35000">
+              <a:schemeClr val="phClr">
+                <a:tint val="37000"/>
+                <a:satMod val="300000"/>
+              </a:schemeClr>
+            </a:gs>
+            <a:gs pos="100000">
+              <a:schemeClr val="phClr">
+                <a:tint val="15000"/>
+                <a:satMod val="350000"/>
+              </a:schemeClr>
+            </a:gs>
+          </a:gsLst>
+          <a:lin ang="16200000" scaled="1"/>
+        </a:gradFill>
+        <a:gradFill rotWithShape="1">
+          <a:gsLst>
+            <a:gs pos="0">
+              <a:schemeClr val="phClr">
+                <a:shade val="51000"/>
+                <a:satMod val="130000"/>
+              </a:schemeClr>
+            </a:gs>
+            <a:gs pos="80000">
+              <a:schemeClr val="phClr">
+                <a:shade val="93000"/>
+                <a:satMod val="130000"/>
+              </a:schemeClr>
+            </a:gs>
+            <a:gs pos="100000">
+              <a:schemeClr val="phClr">
+                <a:shade val="94000"/>
+                <a:satMod val="135000"/>
+              </a:schemeClr>
+            </a:gs>
+          </a:gsLst>
+          <a:lin ang="16200000" scaled="0"/>
+        </a:gradFill>
+      </a:fillStyleLst>
+      <a:lnStyleLst>
+        <a:ln w="9525" cap="flat" cmpd="sng" algn="ctr">
+          <a:solidFill>
+            <a:schemeClr val="phClr">
+              <a:shade val="95000"/>
+              <a:satMod val="105000"/>
+            </a:schemeClr>
+          </a:solidFill>
+          <a:prstDash val="solid"/>
+          <a:miter/>
+        </a:ln>
+        <a:ln w="25400" cap="flat" cmpd="sng" algn="ctr">
+          <a:solidFill>
+            <a:schemeClr val="phClr"/>
+          </a:solidFill>
+          <a:prstDash val="solid"/>
+          <a:miter/>
+        </a:ln>
+        <a:ln w="38100" cap="flat" cmpd="sng" algn="ctr">
+          <a:solidFill>
+            <a:schemeClr val="phClr"/>
+          </a:solidFill>
+          <a:prstDash val="solid"/>
+          <a:miter/>
+        </a:ln>
+      </a:lnStyleLst>
+      <a:effectStyleLst>
+        <a:effectStyle>
+          <a:effectLst>
+            <a:outerShdw blurRad="40000" dist="20000" dir="5400000" rotWithShape="0">
+              <a:srgbClr val="000000">
+                <a:alpha val="38000"/>
+              </a:srgbClr>
+            </a:outerShdw>
+          </a:effectLst>
+        </a:effectStyle>
+        <a:effectStyle>
+          <a:effectLst>
+            <a:outerShdw blurRad="40000" dist="23000" dir="5400000" rotWithShape="0">
+              <a:srgbClr val="000000">
+                <a:alpha val="35000"/>
+              </a:srgbClr>
+            </a:outerShdw>
+          </a:effectLst>
+        </a:effectStyle>
+        <a:effectStyle>
+          <a:effectLst>
+            <a:outerShdw blurRad="40000" dist="23000" dir="5400000" rotWithShape="0">
+              <a:srgbClr val="000000">
+                <a:alpha val="35000"/>
+              </a:srgbClr>
+            </a:outerShdw>
+          </a:effectLst>
+          <a:scene3d>
+            <a:camera prst="orthographicFront">
+              <a:rot lat="0" lon="0" rev="0"/>
+            </a:camera>
+            <a:lightRig rig="threePt" dir="t">
+              <a:rot lat="0" lon="0" rev="1200000"/>
+            </a:lightRig>
+          </a:scene3d>
+          <a:sp3d>
+            <a:bevelT w="63500" h="25400"/>
+          </a:sp3d>
+        </a:effectStyle>
+      </a:effectStyleLst>
+      <a:bgFillStyleLst>
+        <a:solidFill>
+          <a:schemeClr val="phClr"/>
+        </a:solidFill>
+        <a:gradFill rotWithShape="1">
+          <a:gsLst>
+            <a:gs pos="0">
+              <a:schemeClr val="phClr">
+                <a:tint val="40000"/>
+                <a:satMod val="350000"/>
+              </a:schemeClr>
+            </a:gs>
+            <a:gs pos="40000">
+              <a:schemeClr val="phClr">
+                <a:tint val="45000"/>
+                <a:shade val="99000"/>
+                <a:satMod val="350000"/>
+              </a:schemeClr>
+            </a:gs>
+            <a:gs pos="100000">
+              <a:schemeClr val="phClr">
+                <a:shade val="20000"/>
+                <a:satMod val="255000"/>
+              </a:schemeClr>
+            </a:gs>
+          </a:gsLst>
+          <a:path path="circle">
+            <a:fillToRect l="50000" t="-80000" r="50000" b="180000"/>
+          </a:path>
+        </a:gradFill>
+        <a:gradFill rotWithShape="1">
+          <a:gsLst>
+            <a:gs pos="0">
+              <a:schemeClr val="phClr">
+                <a:tint val="80000"/>
+                <a:satMod val="300000"/>
+              </a:schemeClr>
+            </a:gs>
+            <a:gs pos="100000">
+              <a:schemeClr val="phClr">
+                <a:shade val="30000"/>
+                <a:satMod val="200000"/>
+              </a:schemeClr>
+            </a:gs>
+          </a:gsLst>
+          <a:path path="circle">
+            <a:fillToRect l="50000" t="50000" r="50000" b="50000"/>
+          </a:path>
+        </a:gradFill>
+      </a:bgFillStyleLst>
+    </a:fmtScheme>
+  </a:themeElements>
+</a:theme>
 </file>
--- a/1.1 Learn Git/Recap Git.pptx
+++ b/1.1 Learn Git/Recap Git.pptx
@@ -5,22 +5,21 @@
     <p:sldMasterId id="2147483648" r:id="rId2"/>
     <p:sldMasterId id="2147483661" r:id="rId3"/>
     <p:sldMasterId id="2147483674" r:id="rId4"/>
-    <p:sldMasterId id="2147483687" r:id="rId5"/>
   </p:sldMasterIdLst>
   <p:sldIdLst>
-    <p:sldId id="256" r:id="rId6"/>
-    <p:sldId id="257" r:id="rId7"/>
-    <p:sldId id="258" r:id="rId8"/>
-    <p:sldId id="259" r:id="rId9"/>
-    <p:sldId id="260" r:id="rId10"/>
-    <p:sldId id="261" r:id="rId11"/>
-    <p:sldId id="262" r:id="rId12"/>
-    <p:sldId id="263" r:id="rId13"/>
-    <p:sldId id="264" r:id="rId14"/>
-    <p:sldId id="265" r:id="rId15"/>
+    <p:sldId id="256" r:id="rId5"/>
+    <p:sldId id="257" r:id="rId6"/>
+    <p:sldId id="258" r:id="rId7"/>
+    <p:sldId id="259" r:id="rId8"/>
+    <p:sldId id="260" r:id="rId9"/>
+    <p:sldId id="261" r:id="rId10"/>
+    <p:sldId id="262" r:id="rId11"/>
+    <p:sldId id="263" r:id="rId12"/>
+    <p:sldId id="264" r:id="rId13"/>
+    <p:sldId id="265" r:id="rId14"/>
   </p:sldIdLst>
   <p:sldSz cx="9144000" cy="5143500"/>
-  <p:notesSz cx="6858000" cy="9144000"/>
+  <p:notesSz cx="7772400" cy="10058400"/>
 </p:presentation>
 </file>
 
@@ -65,7 +64,7 @@
       </p:grpSpPr>
       <p:sp>
         <p:nvSpPr>
-          <p:cNvPr id="28" name="PlaceHolder 1"/>
+          <p:cNvPr id="27" name="PlaceHolder 1"/>
           <p:cNvSpPr>
             <a:spLocks noGrp="1"/>
           </p:cNvSpPr>
@@ -75,8 +74,8 @@
         </p:nvSpPr>
         <p:spPr>
           <a:xfrm>
-            <a:off x="729360" y="1318680"/>
-            <a:ext cx="7688520" cy="534960"/>
+            <a:off x="729360" y="1273320"/>
+            <a:ext cx="7688160" cy="625320"/>
           </a:xfrm>
           <a:prstGeom prst="rect">
             <a:avLst/>
@@ -87,18 +86,16 @@
             <a:noAutofit/>
           </a:bodyPr>
           <a:p>
-            <a:endParaRPr b="0" lang="en-US" sz="1400" spc="-1" strike="noStrike">
-              <a:solidFill>
-                <a:srgbClr val="000000"/>
-              </a:solidFill>
-              <a:latin typeface="Arial"/>
-            </a:endParaRPr>
-          </a:p>
-        </p:txBody>
-      </p:sp>
-      <p:sp>
-        <p:nvSpPr>
-          <p:cNvPr id="29" name="PlaceHolder 2"/>
+            <a:pPr algn="ctr"/>
+            <a:endParaRPr b="0" lang="en-US" sz="4400" spc="-1" strike="noStrike">
+              <a:latin typeface="Arial"/>
+            </a:endParaRPr>
+          </a:p>
+        </p:txBody>
+      </p:sp>
+      <p:sp>
+        <p:nvSpPr>
+          <p:cNvPr id="28" name="PlaceHolder 2"/>
           <p:cNvSpPr>
             <a:spLocks noGrp="1"/>
           </p:cNvSpPr>
@@ -109,7 +106,7 @@
         <p:spPr>
           <a:xfrm>
             <a:off x="729360" y="2079000"/>
-            <a:ext cx="7688520" cy="1078200"/>
+            <a:ext cx="7688160" cy="1078200"/>
           </a:xfrm>
           <a:prstGeom prst="rect">
             <a:avLst/>
@@ -120,18 +117,15 @@
             <a:normAutofit/>
           </a:bodyPr>
           <a:p>
-            <a:endParaRPr b="0" lang="en-US" sz="1400" spc="-1" strike="noStrike">
-              <a:solidFill>
-                <a:srgbClr val="000000"/>
-              </a:solidFill>
-              <a:latin typeface="Arial"/>
-            </a:endParaRPr>
-          </a:p>
-        </p:txBody>
-      </p:sp>
-      <p:sp>
-        <p:nvSpPr>
-          <p:cNvPr id="30" name="PlaceHolder 3"/>
+            <a:endParaRPr b="0" lang="en-US" sz="3200" spc="-1" strike="noStrike">
+              <a:latin typeface="Arial"/>
+            </a:endParaRPr>
+          </a:p>
+        </p:txBody>
+      </p:sp>
+      <p:sp>
+        <p:nvSpPr>
+          <p:cNvPr id="29" name="PlaceHolder 3"/>
           <p:cNvSpPr>
             <a:spLocks noGrp="1"/>
           </p:cNvSpPr>
@@ -142,7 +136,7 @@
         <p:spPr>
           <a:xfrm>
             <a:off x="729360" y="3260160"/>
-            <a:ext cx="7688520" cy="1078200"/>
+            <a:ext cx="7688160" cy="1078200"/>
           </a:xfrm>
           <a:prstGeom prst="rect">
             <a:avLst/>
@@ -153,10 +147,7 @@
             <a:normAutofit/>
           </a:bodyPr>
           <a:p>
-            <a:endParaRPr b="0" lang="en-US" sz="1400" spc="-1" strike="noStrike">
-              <a:solidFill>
-                <a:srgbClr val="000000"/>
-              </a:solidFill>
+            <a:endParaRPr b="0" lang="en-US" sz="3200" spc="-1" strike="noStrike">
               <a:latin typeface="Arial"/>
             </a:endParaRPr>
           </a:p>
@@ -186,7 +177,7 @@
       </p:grpSpPr>
       <p:sp>
         <p:nvSpPr>
-          <p:cNvPr id="31" name="PlaceHolder 1"/>
+          <p:cNvPr id="30" name="PlaceHolder 1"/>
           <p:cNvSpPr>
             <a:spLocks noGrp="1"/>
           </p:cNvSpPr>
@@ -196,8 +187,8 @@
         </p:nvSpPr>
         <p:spPr>
           <a:xfrm>
-            <a:off x="729360" y="1318680"/>
-            <a:ext cx="7688520" cy="534960"/>
+            <a:off x="729360" y="1273320"/>
+            <a:ext cx="7688160" cy="625320"/>
           </a:xfrm>
           <a:prstGeom prst="rect">
             <a:avLst/>
@@ -208,18 +199,16 @@
             <a:noAutofit/>
           </a:bodyPr>
           <a:p>
-            <a:endParaRPr b="0" lang="en-US" sz="1400" spc="-1" strike="noStrike">
-              <a:solidFill>
-                <a:srgbClr val="000000"/>
-              </a:solidFill>
-              <a:latin typeface="Arial"/>
-            </a:endParaRPr>
-          </a:p>
-        </p:txBody>
-      </p:sp>
-      <p:sp>
-        <p:nvSpPr>
-          <p:cNvPr id="32" name="PlaceHolder 2"/>
+            <a:pPr algn="ctr"/>
+            <a:endParaRPr b="0" lang="en-US" sz="4400" spc="-1" strike="noStrike">
+              <a:latin typeface="Arial"/>
+            </a:endParaRPr>
+          </a:p>
+        </p:txBody>
+      </p:sp>
+      <p:sp>
+        <p:nvSpPr>
+          <p:cNvPr id="31" name="PlaceHolder 2"/>
           <p:cNvSpPr>
             <a:spLocks noGrp="1"/>
           </p:cNvSpPr>
@@ -230,7 +219,7 @@
         <p:spPr>
           <a:xfrm>
             <a:off x="729360" y="2079000"/>
-            <a:ext cx="3751920" cy="1078200"/>
+            <a:ext cx="3751560" cy="1078200"/>
           </a:xfrm>
           <a:prstGeom prst="rect">
             <a:avLst/>
@@ -241,18 +230,15 @@
             <a:normAutofit/>
           </a:bodyPr>
           <a:p>
-            <a:endParaRPr b="0" lang="en-US" sz="1400" spc="-1" strike="noStrike">
-              <a:solidFill>
-                <a:srgbClr val="000000"/>
-              </a:solidFill>
-              <a:latin typeface="Arial"/>
-            </a:endParaRPr>
-          </a:p>
-        </p:txBody>
-      </p:sp>
-      <p:sp>
-        <p:nvSpPr>
-          <p:cNvPr id="33" name="PlaceHolder 3"/>
+            <a:endParaRPr b="0" lang="en-US" sz="3200" spc="-1" strike="noStrike">
+              <a:latin typeface="Arial"/>
+            </a:endParaRPr>
+          </a:p>
+        </p:txBody>
+      </p:sp>
+      <p:sp>
+        <p:nvSpPr>
+          <p:cNvPr id="32" name="PlaceHolder 3"/>
           <p:cNvSpPr>
             <a:spLocks noGrp="1"/>
           </p:cNvSpPr>
@@ -262,8 +248,8 @@
         </p:nvSpPr>
         <p:spPr>
           <a:xfrm>
-            <a:off x="4669200" y="2079000"/>
-            <a:ext cx="3751920" cy="1078200"/>
+            <a:off x="4668840" y="2079000"/>
+            <a:ext cx="3751560" cy="1078200"/>
           </a:xfrm>
           <a:prstGeom prst="rect">
             <a:avLst/>
@@ -274,18 +260,15 @@
             <a:normAutofit/>
           </a:bodyPr>
           <a:p>
-            <a:endParaRPr b="0" lang="en-US" sz="1400" spc="-1" strike="noStrike">
-              <a:solidFill>
-                <a:srgbClr val="000000"/>
-              </a:solidFill>
-              <a:latin typeface="Arial"/>
-            </a:endParaRPr>
-          </a:p>
-        </p:txBody>
-      </p:sp>
-      <p:sp>
-        <p:nvSpPr>
-          <p:cNvPr id="34" name="PlaceHolder 4"/>
+            <a:endParaRPr b="0" lang="en-US" sz="3200" spc="-1" strike="noStrike">
+              <a:latin typeface="Arial"/>
+            </a:endParaRPr>
+          </a:p>
+        </p:txBody>
+      </p:sp>
+      <p:sp>
+        <p:nvSpPr>
+          <p:cNvPr id="33" name="PlaceHolder 4"/>
           <p:cNvSpPr>
             <a:spLocks noGrp="1"/>
           </p:cNvSpPr>
@@ -296,7 +279,7 @@
         <p:spPr>
           <a:xfrm>
             <a:off x="729360" y="3260160"/>
-            <a:ext cx="3751920" cy="1078200"/>
+            <a:ext cx="3751560" cy="1078200"/>
           </a:xfrm>
           <a:prstGeom prst="rect">
             <a:avLst/>
@@ -307,18 +290,15 @@
             <a:normAutofit/>
           </a:bodyPr>
           <a:p>
-            <a:endParaRPr b="0" lang="en-US" sz="1400" spc="-1" strike="noStrike">
-              <a:solidFill>
-                <a:srgbClr val="000000"/>
-              </a:solidFill>
-              <a:latin typeface="Arial"/>
-            </a:endParaRPr>
-          </a:p>
-        </p:txBody>
-      </p:sp>
-      <p:sp>
-        <p:nvSpPr>
-          <p:cNvPr id="35" name="PlaceHolder 5"/>
+            <a:endParaRPr b="0" lang="en-US" sz="3200" spc="-1" strike="noStrike">
+              <a:latin typeface="Arial"/>
+            </a:endParaRPr>
+          </a:p>
+        </p:txBody>
+      </p:sp>
+      <p:sp>
+        <p:nvSpPr>
+          <p:cNvPr id="34" name="PlaceHolder 5"/>
           <p:cNvSpPr>
             <a:spLocks noGrp="1"/>
           </p:cNvSpPr>
@@ -328,8 +308,8 @@
         </p:nvSpPr>
         <p:spPr>
           <a:xfrm>
-            <a:off x="4669200" y="3260160"/>
-            <a:ext cx="3751920" cy="1078200"/>
+            <a:off x="4668840" y="3260160"/>
+            <a:ext cx="3751560" cy="1078200"/>
           </a:xfrm>
           <a:prstGeom prst="rect">
             <a:avLst/>
@@ -340,10 +320,7 @@
             <a:normAutofit/>
           </a:bodyPr>
           <a:p>
-            <a:endParaRPr b="0" lang="en-US" sz="1400" spc="-1" strike="noStrike">
-              <a:solidFill>
-                <a:srgbClr val="000000"/>
-              </a:solidFill>
+            <a:endParaRPr b="0" lang="en-US" sz="3200" spc="-1" strike="noStrike">
               <a:latin typeface="Arial"/>
             </a:endParaRPr>
           </a:p>
@@ -373,7 +350,7 @@
       </p:grpSpPr>
       <p:sp>
         <p:nvSpPr>
-          <p:cNvPr id="36" name="PlaceHolder 1"/>
+          <p:cNvPr id="35" name="PlaceHolder 1"/>
           <p:cNvSpPr>
             <a:spLocks noGrp="1"/>
           </p:cNvSpPr>
@@ -383,8 +360,8 @@
         </p:nvSpPr>
         <p:spPr>
           <a:xfrm>
-            <a:off x="729360" y="1318680"/>
-            <a:ext cx="7688520" cy="534960"/>
+            <a:off x="729360" y="1273320"/>
+            <a:ext cx="7688160" cy="625320"/>
           </a:xfrm>
           <a:prstGeom prst="rect">
             <a:avLst/>
@@ -395,18 +372,16 @@
             <a:noAutofit/>
           </a:bodyPr>
           <a:p>
-            <a:endParaRPr b="0" lang="en-US" sz="1400" spc="-1" strike="noStrike">
-              <a:solidFill>
-                <a:srgbClr val="000000"/>
-              </a:solidFill>
-              <a:latin typeface="Arial"/>
-            </a:endParaRPr>
-          </a:p>
-        </p:txBody>
-      </p:sp>
-      <p:sp>
-        <p:nvSpPr>
-          <p:cNvPr id="37" name="PlaceHolder 2"/>
+            <a:pPr algn="ctr"/>
+            <a:endParaRPr b="0" lang="en-US" sz="4400" spc="-1" strike="noStrike">
+              <a:latin typeface="Arial"/>
+            </a:endParaRPr>
+          </a:p>
+        </p:txBody>
+      </p:sp>
+      <p:sp>
+        <p:nvSpPr>
+          <p:cNvPr id="36" name="PlaceHolder 2"/>
           <p:cNvSpPr>
             <a:spLocks noGrp="1"/>
           </p:cNvSpPr>
@@ -428,18 +403,15 @@
             <a:normAutofit/>
           </a:bodyPr>
           <a:p>
-            <a:endParaRPr b="0" lang="en-US" sz="1400" spc="-1" strike="noStrike">
-              <a:solidFill>
-                <a:srgbClr val="000000"/>
-              </a:solidFill>
-              <a:latin typeface="Arial"/>
-            </a:endParaRPr>
-          </a:p>
-        </p:txBody>
-      </p:sp>
-      <p:sp>
-        <p:nvSpPr>
-          <p:cNvPr id="38" name="PlaceHolder 3"/>
+            <a:endParaRPr b="0" lang="en-US" sz="3200" spc="-1" strike="noStrike">
+              <a:latin typeface="Arial"/>
+            </a:endParaRPr>
+          </a:p>
+        </p:txBody>
+      </p:sp>
+      <p:sp>
+        <p:nvSpPr>
+          <p:cNvPr id="37" name="PlaceHolder 3"/>
           <p:cNvSpPr>
             <a:spLocks noGrp="1"/>
           </p:cNvSpPr>
@@ -461,18 +433,15 @@
             <a:normAutofit/>
           </a:bodyPr>
           <a:p>
-            <a:endParaRPr b="0" lang="en-US" sz="1400" spc="-1" strike="noStrike">
-              <a:solidFill>
-                <a:srgbClr val="000000"/>
-              </a:solidFill>
-              <a:latin typeface="Arial"/>
-            </a:endParaRPr>
-          </a:p>
-        </p:txBody>
-      </p:sp>
-      <p:sp>
-        <p:nvSpPr>
-          <p:cNvPr id="39" name="PlaceHolder 4"/>
+            <a:endParaRPr b="0" lang="en-US" sz="3200" spc="-1" strike="noStrike">
+              <a:latin typeface="Arial"/>
+            </a:endParaRPr>
+          </a:p>
+        </p:txBody>
+      </p:sp>
+      <p:sp>
+        <p:nvSpPr>
+          <p:cNvPr id="38" name="PlaceHolder 4"/>
           <p:cNvSpPr>
             <a:spLocks noGrp="1"/>
           </p:cNvSpPr>
@@ -494,18 +463,15 @@
             <a:normAutofit/>
           </a:bodyPr>
           <a:p>
-            <a:endParaRPr b="0" lang="en-US" sz="1400" spc="-1" strike="noStrike">
-              <a:solidFill>
-                <a:srgbClr val="000000"/>
-              </a:solidFill>
-              <a:latin typeface="Arial"/>
-            </a:endParaRPr>
-          </a:p>
-        </p:txBody>
-      </p:sp>
-      <p:sp>
-        <p:nvSpPr>
-          <p:cNvPr id="40" name="PlaceHolder 5"/>
+            <a:endParaRPr b="0" lang="en-US" sz="3200" spc="-1" strike="noStrike">
+              <a:latin typeface="Arial"/>
+            </a:endParaRPr>
+          </a:p>
+        </p:txBody>
+      </p:sp>
+      <p:sp>
+        <p:nvSpPr>
+          <p:cNvPr id="39" name="PlaceHolder 5"/>
           <p:cNvSpPr>
             <a:spLocks noGrp="1"/>
           </p:cNvSpPr>
@@ -527,18 +493,15 @@
             <a:normAutofit/>
           </a:bodyPr>
           <a:p>
-            <a:endParaRPr b="0" lang="en-US" sz="1400" spc="-1" strike="noStrike">
-              <a:solidFill>
-                <a:srgbClr val="000000"/>
-              </a:solidFill>
-              <a:latin typeface="Arial"/>
-            </a:endParaRPr>
-          </a:p>
-        </p:txBody>
-      </p:sp>
-      <p:sp>
-        <p:nvSpPr>
-          <p:cNvPr id="41" name="PlaceHolder 6"/>
+            <a:endParaRPr b="0" lang="en-US" sz="3200" spc="-1" strike="noStrike">
+              <a:latin typeface="Arial"/>
+            </a:endParaRPr>
+          </a:p>
+        </p:txBody>
+      </p:sp>
+      <p:sp>
+        <p:nvSpPr>
+          <p:cNvPr id="40" name="PlaceHolder 6"/>
           <p:cNvSpPr>
             <a:spLocks noGrp="1"/>
           </p:cNvSpPr>
@@ -560,18 +523,15 @@
             <a:normAutofit/>
           </a:bodyPr>
           <a:p>
-            <a:endParaRPr b="0" lang="en-US" sz="1400" spc="-1" strike="noStrike">
-              <a:solidFill>
-                <a:srgbClr val="000000"/>
-              </a:solidFill>
-              <a:latin typeface="Arial"/>
-            </a:endParaRPr>
-          </a:p>
-        </p:txBody>
-      </p:sp>
-      <p:sp>
-        <p:nvSpPr>
-          <p:cNvPr id="42" name="PlaceHolder 7"/>
+            <a:endParaRPr b="0" lang="en-US" sz="3200" spc="-1" strike="noStrike">
+              <a:latin typeface="Arial"/>
+            </a:endParaRPr>
+          </a:p>
+        </p:txBody>
+      </p:sp>
+      <p:sp>
+        <p:nvSpPr>
+          <p:cNvPr id="41" name="PlaceHolder 7"/>
           <p:cNvSpPr>
             <a:spLocks noGrp="1"/>
           </p:cNvSpPr>
@@ -593,10 +553,7 @@
             <a:normAutofit/>
           </a:bodyPr>
           <a:p>
-            <a:endParaRPr b="0" lang="en-US" sz="1400" spc="-1" strike="noStrike">
-              <a:solidFill>
-                <a:srgbClr val="000000"/>
-              </a:solidFill>
+            <a:endParaRPr b="0" lang="en-US" sz="3200" spc="-1" strike="noStrike">
               <a:latin typeface="Arial"/>
             </a:endParaRPr>
           </a:p>
@@ -648,7 +605,7 @@
       </p:grpSpPr>
       <p:sp>
         <p:nvSpPr>
-          <p:cNvPr id="50" name="PlaceHolder 1"/>
+          <p:cNvPr id="47" name="PlaceHolder 1"/>
           <p:cNvSpPr>
             <a:spLocks noGrp="1"/>
           </p:cNvSpPr>
@@ -658,8 +615,8 @@
         </p:nvSpPr>
         <p:spPr>
           <a:xfrm>
-            <a:off x="729360" y="1318680"/>
-            <a:ext cx="7688520" cy="534960"/>
+            <a:off x="729360" y="1273320"/>
+            <a:ext cx="7688160" cy="625320"/>
           </a:xfrm>
           <a:prstGeom prst="rect">
             <a:avLst/>
@@ -670,18 +627,16 @@
             <a:noAutofit/>
           </a:bodyPr>
           <a:p>
-            <a:endParaRPr b="0" lang="en-US" sz="1400" spc="-1" strike="noStrike">
-              <a:solidFill>
-                <a:srgbClr val="000000"/>
-              </a:solidFill>
-              <a:latin typeface="Arial"/>
-            </a:endParaRPr>
-          </a:p>
-        </p:txBody>
-      </p:sp>
-      <p:sp>
-        <p:nvSpPr>
-          <p:cNvPr id="51" name="PlaceHolder 2"/>
+            <a:pPr algn="ctr"/>
+            <a:endParaRPr b="0" lang="en-US" sz="4400" spc="-1" strike="noStrike">
+              <a:latin typeface="Arial"/>
+            </a:endParaRPr>
+          </a:p>
+        </p:txBody>
+      </p:sp>
+      <p:sp>
+        <p:nvSpPr>
+          <p:cNvPr id="48" name="PlaceHolder 2"/>
           <p:cNvSpPr>
             <a:spLocks noGrp="1"/>
           </p:cNvSpPr>
@@ -692,7 +647,7 @@
         <p:spPr>
           <a:xfrm>
             <a:off x="729360" y="2079000"/>
-            <a:ext cx="7688520" cy="2260800"/>
+            <a:ext cx="7688160" cy="2260440"/>
           </a:xfrm>
           <a:prstGeom prst="rect">
             <a:avLst/>
@@ -734,7 +689,7 @@
       </p:grpSpPr>
       <p:sp>
         <p:nvSpPr>
-          <p:cNvPr id="52" name="PlaceHolder 1"/>
+          <p:cNvPr id="49" name="PlaceHolder 1"/>
           <p:cNvSpPr>
             <a:spLocks noGrp="1"/>
           </p:cNvSpPr>
@@ -744,8 +699,8 @@
         </p:nvSpPr>
         <p:spPr>
           <a:xfrm>
-            <a:off x="729360" y="1318680"/>
-            <a:ext cx="7688520" cy="534960"/>
+            <a:off x="729360" y="1273320"/>
+            <a:ext cx="7688160" cy="625320"/>
           </a:xfrm>
           <a:prstGeom prst="rect">
             <a:avLst/>
@@ -756,18 +711,16 @@
             <a:noAutofit/>
           </a:bodyPr>
           <a:p>
-            <a:endParaRPr b="0" lang="en-US" sz="1400" spc="-1" strike="noStrike">
-              <a:solidFill>
-                <a:srgbClr val="000000"/>
-              </a:solidFill>
-              <a:latin typeface="Arial"/>
-            </a:endParaRPr>
-          </a:p>
-        </p:txBody>
-      </p:sp>
-      <p:sp>
-        <p:nvSpPr>
-          <p:cNvPr id="53" name="PlaceHolder 2"/>
+            <a:pPr algn="ctr"/>
+            <a:endParaRPr b="0" lang="en-US" sz="4400" spc="-1" strike="noStrike">
+              <a:latin typeface="Arial"/>
+            </a:endParaRPr>
+          </a:p>
+        </p:txBody>
+      </p:sp>
+      <p:sp>
+        <p:nvSpPr>
+          <p:cNvPr id="50" name="PlaceHolder 2"/>
           <p:cNvSpPr>
             <a:spLocks noGrp="1"/>
           </p:cNvSpPr>
@@ -778,7 +731,7 @@
         <p:spPr>
           <a:xfrm>
             <a:off x="729360" y="2079000"/>
-            <a:ext cx="7688520" cy="2260800"/>
+            <a:ext cx="7688160" cy="2260440"/>
           </a:xfrm>
           <a:prstGeom prst="rect">
             <a:avLst/>
@@ -789,10 +742,7 @@
             <a:normAutofit/>
           </a:bodyPr>
           <a:p>
-            <a:endParaRPr b="0" lang="en-US" sz="1400" spc="-1" strike="noStrike">
-              <a:solidFill>
-                <a:srgbClr val="000000"/>
-              </a:solidFill>
+            <a:endParaRPr b="0" lang="en-US" sz="3200" spc="-1" strike="noStrike">
               <a:latin typeface="Arial"/>
             </a:endParaRPr>
           </a:p>
@@ -822,7 +772,7 @@
       </p:grpSpPr>
       <p:sp>
         <p:nvSpPr>
-          <p:cNvPr id="54" name="PlaceHolder 1"/>
+          <p:cNvPr id="51" name="PlaceHolder 1"/>
           <p:cNvSpPr>
             <a:spLocks noGrp="1"/>
           </p:cNvSpPr>
@@ -832,8 +782,8 @@
         </p:nvSpPr>
         <p:spPr>
           <a:xfrm>
-            <a:off x="729360" y="1318680"/>
-            <a:ext cx="7688520" cy="534960"/>
+            <a:off x="729360" y="1273320"/>
+            <a:ext cx="7688160" cy="625320"/>
           </a:xfrm>
           <a:prstGeom prst="rect">
             <a:avLst/>
@@ -844,18 +794,16 @@
             <a:noAutofit/>
           </a:bodyPr>
           <a:p>
-            <a:endParaRPr b="0" lang="en-US" sz="1400" spc="-1" strike="noStrike">
-              <a:solidFill>
-                <a:srgbClr val="000000"/>
-              </a:solidFill>
-              <a:latin typeface="Arial"/>
-            </a:endParaRPr>
-          </a:p>
-        </p:txBody>
-      </p:sp>
-      <p:sp>
-        <p:nvSpPr>
-          <p:cNvPr id="55" name="PlaceHolder 2"/>
+            <a:pPr algn="ctr"/>
+            <a:endParaRPr b="0" lang="en-US" sz="4400" spc="-1" strike="noStrike">
+              <a:latin typeface="Arial"/>
+            </a:endParaRPr>
+          </a:p>
+        </p:txBody>
+      </p:sp>
+      <p:sp>
+        <p:nvSpPr>
+          <p:cNvPr id="52" name="PlaceHolder 2"/>
           <p:cNvSpPr>
             <a:spLocks noGrp="1"/>
           </p:cNvSpPr>
@@ -866,7 +814,7 @@
         <p:spPr>
           <a:xfrm>
             <a:off x="729360" y="2079000"/>
-            <a:ext cx="3751920" cy="2260800"/>
+            <a:ext cx="3751560" cy="2260440"/>
           </a:xfrm>
           <a:prstGeom prst="rect">
             <a:avLst/>
@@ -877,18 +825,15 @@
             <a:normAutofit/>
           </a:bodyPr>
           <a:p>
-            <a:endParaRPr b="0" lang="en-US" sz="1400" spc="-1" strike="noStrike">
-              <a:solidFill>
-                <a:srgbClr val="000000"/>
-              </a:solidFill>
-              <a:latin typeface="Arial"/>
-            </a:endParaRPr>
-          </a:p>
-        </p:txBody>
-      </p:sp>
-      <p:sp>
-        <p:nvSpPr>
-          <p:cNvPr id="56" name="PlaceHolder 3"/>
+            <a:endParaRPr b="0" lang="en-US" sz="3200" spc="-1" strike="noStrike">
+              <a:latin typeface="Arial"/>
+            </a:endParaRPr>
+          </a:p>
+        </p:txBody>
+      </p:sp>
+      <p:sp>
+        <p:nvSpPr>
+          <p:cNvPr id="53" name="PlaceHolder 3"/>
           <p:cNvSpPr>
             <a:spLocks noGrp="1"/>
           </p:cNvSpPr>
@@ -898,8 +843,8 @@
         </p:nvSpPr>
         <p:spPr>
           <a:xfrm>
-            <a:off x="4669200" y="2079000"/>
-            <a:ext cx="3751920" cy="2260800"/>
+            <a:off x="4668840" y="2079000"/>
+            <a:ext cx="3751560" cy="2260440"/>
           </a:xfrm>
           <a:prstGeom prst="rect">
             <a:avLst/>
@@ -910,10 +855,7 @@
             <a:normAutofit/>
           </a:bodyPr>
           <a:p>
-            <a:endParaRPr b="0" lang="en-US" sz="1400" spc="-1" strike="noStrike">
-              <a:solidFill>
-                <a:srgbClr val="000000"/>
-              </a:solidFill>
+            <a:endParaRPr b="0" lang="en-US" sz="3200" spc="-1" strike="noStrike">
               <a:latin typeface="Arial"/>
             </a:endParaRPr>
           </a:p>
@@ -943,7 +885,7 @@
       </p:grpSpPr>
       <p:sp>
         <p:nvSpPr>
-          <p:cNvPr id="57" name="PlaceHolder 1"/>
+          <p:cNvPr id="54" name="PlaceHolder 1"/>
           <p:cNvSpPr>
             <a:spLocks noGrp="1"/>
           </p:cNvSpPr>
@@ -953,8 +895,8 @@
         </p:nvSpPr>
         <p:spPr>
           <a:xfrm>
-            <a:off x="729360" y="1318680"/>
-            <a:ext cx="7688520" cy="534960"/>
+            <a:off x="729360" y="1273320"/>
+            <a:ext cx="7688160" cy="625320"/>
           </a:xfrm>
           <a:prstGeom prst="rect">
             <a:avLst/>
@@ -965,10 +907,8 @@
             <a:noAutofit/>
           </a:bodyPr>
           <a:p>
-            <a:endParaRPr b="0" lang="en-US" sz="1400" spc="-1" strike="noStrike">
-              <a:solidFill>
-                <a:srgbClr val="000000"/>
-              </a:solidFill>
+            <a:pPr algn="ctr"/>
+            <a:endParaRPr b="0" lang="en-US" sz="4400" spc="-1" strike="noStrike">
               <a:latin typeface="Arial"/>
             </a:endParaRPr>
           </a:p>
@@ -998,7 +938,7 @@
       </p:grpSpPr>
       <p:sp>
         <p:nvSpPr>
-          <p:cNvPr id="58" name="PlaceHolder 1"/>
+          <p:cNvPr id="55" name="PlaceHolder 1"/>
           <p:cNvSpPr>
             <a:spLocks noGrp="1"/>
           </p:cNvSpPr>
@@ -1009,7 +949,7 @@
         <p:spPr>
           <a:xfrm>
             <a:off x="729360" y="1318680"/>
-            <a:ext cx="7688520" cy="2481120"/>
+            <a:ext cx="7688160" cy="2479320"/>
           </a:xfrm>
           <a:prstGeom prst="rect">
             <a:avLst/>
@@ -1051,7 +991,7 @@
       </p:grpSpPr>
       <p:sp>
         <p:nvSpPr>
-          <p:cNvPr id="59" name="PlaceHolder 1"/>
+          <p:cNvPr id="56" name="PlaceHolder 1"/>
           <p:cNvSpPr>
             <a:spLocks noGrp="1"/>
           </p:cNvSpPr>
@@ -1061,8 +1001,8 @@
         </p:nvSpPr>
         <p:spPr>
           <a:xfrm>
-            <a:off x="729360" y="1318680"/>
-            <a:ext cx="7688520" cy="534960"/>
+            <a:off x="729360" y="1273320"/>
+            <a:ext cx="7688160" cy="625320"/>
           </a:xfrm>
           <a:prstGeom prst="rect">
             <a:avLst/>
@@ -1073,18 +1013,16 @@
             <a:noAutofit/>
           </a:bodyPr>
           <a:p>
-            <a:endParaRPr b="0" lang="en-US" sz="1400" spc="-1" strike="noStrike">
-              <a:solidFill>
-                <a:srgbClr val="000000"/>
-              </a:solidFill>
-              <a:latin typeface="Arial"/>
-            </a:endParaRPr>
-          </a:p>
-        </p:txBody>
-      </p:sp>
-      <p:sp>
-        <p:nvSpPr>
-          <p:cNvPr id="60" name="PlaceHolder 2"/>
+            <a:pPr algn="ctr"/>
+            <a:endParaRPr b="0" lang="en-US" sz="4400" spc="-1" strike="noStrike">
+              <a:latin typeface="Arial"/>
+            </a:endParaRPr>
+          </a:p>
+        </p:txBody>
+      </p:sp>
+      <p:sp>
+        <p:nvSpPr>
+          <p:cNvPr id="57" name="PlaceHolder 2"/>
           <p:cNvSpPr>
             <a:spLocks noGrp="1"/>
           </p:cNvSpPr>
@@ -1095,7 +1033,7 @@
         <p:spPr>
           <a:xfrm>
             <a:off x="729360" y="2079000"/>
-            <a:ext cx="3751920" cy="1078200"/>
+            <a:ext cx="3751560" cy="1078200"/>
           </a:xfrm>
           <a:prstGeom prst="rect">
             <a:avLst/>
@@ -1106,18 +1044,15 @@
             <a:normAutofit/>
           </a:bodyPr>
           <a:p>
-            <a:endParaRPr b="0" lang="en-US" sz="1400" spc="-1" strike="noStrike">
-              <a:solidFill>
-                <a:srgbClr val="000000"/>
-              </a:solidFill>
-              <a:latin typeface="Arial"/>
-            </a:endParaRPr>
-          </a:p>
-        </p:txBody>
-      </p:sp>
-      <p:sp>
-        <p:nvSpPr>
-          <p:cNvPr id="61" name="PlaceHolder 3"/>
+            <a:endParaRPr b="0" lang="en-US" sz="3200" spc="-1" strike="noStrike">
+              <a:latin typeface="Arial"/>
+            </a:endParaRPr>
+          </a:p>
+        </p:txBody>
+      </p:sp>
+      <p:sp>
+        <p:nvSpPr>
+          <p:cNvPr id="58" name="PlaceHolder 3"/>
           <p:cNvSpPr>
             <a:spLocks noGrp="1"/>
           </p:cNvSpPr>
@@ -1127,8 +1062,8 @@
         </p:nvSpPr>
         <p:spPr>
           <a:xfrm>
-            <a:off x="4669200" y="2079000"/>
-            <a:ext cx="3751920" cy="2260800"/>
+            <a:off x="4668840" y="2079000"/>
+            <a:ext cx="3751560" cy="2260440"/>
           </a:xfrm>
           <a:prstGeom prst="rect">
             <a:avLst/>
@@ -1139,18 +1074,15 @@
             <a:normAutofit/>
           </a:bodyPr>
           <a:p>
-            <a:endParaRPr b="0" lang="en-US" sz="1400" spc="-1" strike="noStrike">
-              <a:solidFill>
-                <a:srgbClr val="000000"/>
-              </a:solidFill>
-              <a:latin typeface="Arial"/>
-            </a:endParaRPr>
-          </a:p>
-        </p:txBody>
-      </p:sp>
-      <p:sp>
-        <p:nvSpPr>
-          <p:cNvPr id="62" name="PlaceHolder 4"/>
+            <a:endParaRPr b="0" lang="en-US" sz="3200" spc="-1" strike="noStrike">
+              <a:latin typeface="Arial"/>
+            </a:endParaRPr>
+          </a:p>
+        </p:txBody>
+      </p:sp>
+      <p:sp>
+        <p:nvSpPr>
+          <p:cNvPr id="59" name="PlaceHolder 4"/>
           <p:cNvSpPr>
             <a:spLocks noGrp="1"/>
           </p:cNvSpPr>
@@ -1161,7 +1093,7 @@
         <p:spPr>
           <a:xfrm>
             <a:off x="729360" y="3260160"/>
-            <a:ext cx="3751920" cy="1078200"/>
+            <a:ext cx="3751560" cy="1078200"/>
           </a:xfrm>
           <a:prstGeom prst="rect">
             <a:avLst/>
@@ -1172,10 +1104,7 @@
             <a:normAutofit/>
           </a:bodyPr>
           <a:p>
-            <a:endParaRPr b="0" lang="en-US" sz="1400" spc="-1" strike="noStrike">
-              <a:solidFill>
-                <a:srgbClr val="000000"/>
-              </a:solidFill>
+            <a:endParaRPr b="0" lang="en-US" sz="3200" spc="-1" strike="noStrike">
               <a:latin typeface="Arial"/>
             </a:endParaRPr>
           </a:p>
@@ -1205,7 +1134,7 @@
       </p:grpSpPr>
       <p:sp>
         <p:nvSpPr>
-          <p:cNvPr id="7" name="PlaceHolder 1"/>
+          <p:cNvPr id="6" name="PlaceHolder 1"/>
           <p:cNvSpPr>
             <a:spLocks noGrp="1"/>
           </p:cNvSpPr>
@@ -1215,8 +1144,8 @@
         </p:nvSpPr>
         <p:spPr>
           <a:xfrm>
-            <a:off x="729360" y="1318680"/>
-            <a:ext cx="7688520" cy="534960"/>
+            <a:off x="729360" y="1273320"/>
+            <a:ext cx="7688160" cy="625320"/>
           </a:xfrm>
           <a:prstGeom prst="rect">
             <a:avLst/>
@@ -1227,18 +1156,16 @@
             <a:noAutofit/>
           </a:bodyPr>
           <a:p>
-            <a:endParaRPr b="0" lang="en-US" sz="1400" spc="-1" strike="noStrike">
-              <a:solidFill>
-                <a:srgbClr val="000000"/>
-              </a:solidFill>
-              <a:latin typeface="Arial"/>
-            </a:endParaRPr>
-          </a:p>
-        </p:txBody>
-      </p:sp>
-      <p:sp>
-        <p:nvSpPr>
-          <p:cNvPr id="8" name="PlaceHolder 2"/>
+            <a:pPr algn="ctr"/>
+            <a:endParaRPr b="0" lang="en-US" sz="4400" spc="-1" strike="noStrike">
+              <a:latin typeface="Arial"/>
+            </a:endParaRPr>
+          </a:p>
+        </p:txBody>
+      </p:sp>
+      <p:sp>
+        <p:nvSpPr>
+          <p:cNvPr id="7" name="PlaceHolder 2"/>
           <p:cNvSpPr>
             <a:spLocks noGrp="1"/>
           </p:cNvSpPr>
@@ -1249,7 +1176,7 @@
         <p:spPr>
           <a:xfrm>
             <a:off x="729360" y="2079000"/>
-            <a:ext cx="7688520" cy="2260800"/>
+            <a:ext cx="7688160" cy="2260440"/>
           </a:xfrm>
           <a:prstGeom prst="rect">
             <a:avLst/>
@@ -1291,7 +1218,7 @@
       </p:grpSpPr>
       <p:sp>
         <p:nvSpPr>
-          <p:cNvPr id="63" name="PlaceHolder 1"/>
+          <p:cNvPr id="60" name="PlaceHolder 1"/>
           <p:cNvSpPr>
             <a:spLocks noGrp="1"/>
           </p:cNvSpPr>
@@ -1301,8 +1228,8 @@
         </p:nvSpPr>
         <p:spPr>
           <a:xfrm>
-            <a:off x="729360" y="1318680"/>
-            <a:ext cx="7688520" cy="534960"/>
+            <a:off x="729360" y="1273320"/>
+            <a:ext cx="7688160" cy="625320"/>
           </a:xfrm>
           <a:prstGeom prst="rect">
             <a:avLst/>
@@ -1313,18 +1240,16 @@
             <a:noAutofit/>
           </a:bodyPr>
           <a:p>
-            <a:endParaRPr b="0" lang="en-US" sz="1400" spc="-1" strike="noStrike">
-              <a:solidFill>
-                <a:srgbClr val="000000"/>
-              </a:solidFill>
-              <a:latin typeface="Arial"/>
-            </a:endParaRPr>
-          </a:p>
-        </p:txBody>
-      </p:sp>
-      <p:sp>
-        <p:nvSpPr>
-          <p:cNvPr id="64" name="PlaceHolder 2"/>
+            <a:pPr algn="ctr"/>
+            <a:endParaRPr b="0" lang="en-US" sz="4400" spc="-1" strike="noStrike">
+              <a:latin typeface="Arial"/>
+            </a:endParaRPr>
+          </a:p>
+        </p:txBody>
+      </p:sp>
+      <p:sp>
+        <p:nvSpPr>
+          <p:cNvPr id="61" name="PlaceHolder 2"/>
           <p:cNvSpPr>
             <a:spLocks noGrp="1"/>
           </p:cNvSpPr>
@@ -1335,7 +1260,7 @@
         <p:spPr>
           <a:xfrm>
             <a:off x="729360" y="2079000"/>
-            <a:ext cx="3751920" cy="2260800"/>
+            <a:ext cx="3751560" cy="2260440"/>
           </a:xfrm>
           <a:prstGeom prst="rect">
             <a:avLst/>
@@ -1346,18 +1271,15 @@
             <a:normAutofit/>
           </a:bodyPr>
           <a:p>
-            <a:endParaRPr b="0" lang="en-US" sz="1400" spc="-1" strike="noStrike">
-              <a:solidFill>
-                <a:srgbClr val="000000"/>
-              </a:solidFill>
-              <a:latin typeface="Arial"/>
-            </a:endParaRPr>
-          </a:p>
-        </p:txBody>
-      </p:sp>
-      <p:sp>
-        <p:nvSpPr>
-          <p:cNvPr id="65" name="PlaceHolder 3"/>
+            <a:endParaRPr b="0" lang="en-US" sz="3200" spc="-1" strike="noStrike">
+              <a:latin typeface="Arial"/>
+            </a:endParaRPr>
+          </a:p>
+        </p:txBody>
+      </p:sp>
+      <p:sp>
+        <p:nvSpPr>
+          <p:cNvPr id="62" name="PlaceHolder 3"/>
           <p:cNvSpPr>
             <a:spLocks noGrp="1"/>
           </p:cNvSpPr>
@@ -1367,8 +1289,8 @@
         </p:nvSpPr>
         <p:spPr>
           <a:xfrm>
-            <a:off x="4669200" y="2079000"/>
-            <a:ext cx="3751920" cy="1078200"/>
+            <a:off x="4668840" y="2079000"/>
+            <a:ext cx="3751560" cy="1078200"/>
           </a:xfrm>
           <a:prstGeom prst="rect">
             <a:avLst/>
@@ -1379,18 +1301,15 @@
             <a:normAutofit/>
           </a:bodyPr>
           <a:p>
-            <a:endParaRPr b="0" lang="en-US" sz="1400" spc="-1" strike="noStrike">
-              <a:solidFill>
-                <a:srgbClr val="000000"/>
-              </a:solidFill>
-              <a:latin typeface="Arial"/>
-            </a:endParaRPr>
-          </a:p>
-        </p:txBody>
-      </p:sp>
-      <p:sp>
-        <p:nvSpPr>
-          <p:cNvPr id="66" name="PlaceHolder 4"/>
+            <a:endParaRPr b="0" lang="en-US" sz="3200" spc="-1" strike="noStrike">
+              <a:latin typeface="Arial"/>
+            </a:endParaRPr>
+          </a:p>
+        </p:txBody>
+      </p:sp>
+      <p:sp>
+        <p:nvSpPr>
+          <p:cNvPr id="63" name="PlaceHolder 4"/>
           <p:cNvSpPr>
             <a:spLocks noGrp="1"/>
           </p:cNvSpPr>
@@ -1400,8 +1319,8 @@
         </p:nvSpPr>
         <p:spPr>
           <a:xfrm>
-            <a:off x="4669200" y="3260160"/>
-            <a:ext cx="3751920" cy="1078200"/>
+            <a:off x="4668840" y="3260160"/>
+            <a:ext cx="3751560" cy="1078200"/>
           </a:xfrm>
           <a:prstGeom prst="rect">
             <a:avLst/>
@@ -1412,10 +1331,7 @@
             <a:normAutofit/>
           </a:bodyPr>
           <a:p>
-            <a:endParaRPr b="0" lang="en-US" sz="1400" spc="-1" strike="noStrike">
-              <a:solidFill>
-                <a:srgbClr val="000000"/>
-              </a:solidFill>
+            <a:endParaRPr b="0" lang="en-US" sz="3200" spc="-1" strike="noStrike">
               <a:latin typeface="Arial"/>
             </a:endParaRPr>
           </a:p>
@@ -1445,7 +1361,7 @@
       </p:grpSpPr>
       <p:sp>
         <p:nvSpPr>
-          <p:cNvPr id="67" name="PlaceHolder 1"/>
+          <p:cNvPr id="64" name="PlaceHolder 1"/>
           <p:cNvSpPr>
             <a:spLocks noGrp="1"/>
           </p:cNvSpPr>
@@ -1455,8 +1371,8 @@
         </p:nvSpPr>
         <p:spPr>
           <a:xfrm>
-            <a:off x="729360" y="1318680"/>
-            <a:ext cx="7688520" cy="534960"/>
+            <a:off x="729360" y="1273320"/>
+            <a:ext cx="7688160" cy="625320"/>
           </a:xfrm>
           <a:prstGeom prst="rect">
             <a:avLst/>
@@ -1467,18 +1383,16 @@
             <a:noAutofit/>
           </a:bodyPr>
           <a:p>
-            <a:endParaRPr b="0" lang="en-US" sz="1400" spc="-1" strike="noStrike">
-              <a:solidFill>
-                <a:srgbClr val="000000"/>
-              </a:solidFill>
-              <a:latin typeface="Arial"/>
-            </a:endParaRPr>
-          </a:p>
-        </p:txBody>
-      </p:sp>
-      <p:sp>
-        <p:nvSpPr>
-          <p:cNvPr id="68" name="PlaceHolder 2"/>
+            <a:pPr algn="ctr"/>
+            <a:endParaRPr b="0" lang="en-US" sz="4400" spc="-1" strike="noStrike">
+              <a:latin typeface="Arial"/>
+            </a:endParaRPr>
+          </a:p>
+        </p:txBody>
+      </p:sp>
+      <p:sp>
+        <p:nvSpPr>
+          <p:cNvPr id="65" name="PlaceHolder 2"/>
           <p:cNvSpPr>
             <a:spLocks noGrp="1"/>
           </p:cNvSpPr>
@@ -1489,7 +1403,7 @@
         <p:spPr>
           <a:xfrm>
             <a:off x="729360" y="2079000"/>
-            <a:ext cx="3751920" cy="1078200"/>
+            <a:ext cx="3751560" cy="1078200"/>
           </a:xfrm>
           <a:prstGeom prst="rect">
             <a:avLst/>
@@ -1500,18 +1414,15 @@
             <a:normAutofit/>
           </a:bodyPr>
           <a:p>
-            <a:endParaRPr b="0" lang="en-US" sz="1400" spc="-1" strike="noStrike">
-              <a:solidFill>
-                <a:srgbClr val="000000"/>
-              </a:solidFill>
-              <a:latin typeface="Arial"/>
-            </a:endParaRPr>
-          </a:p>
-        </p:txBody>
-      </p:sp>
-      <p:sp>
-        <p:nvSpPr>
-          <p:cNvPr id="69" name="PlaceHolder 3"/>
+            <a:endParaRPr b="0" lang="en-US" sz="3200" spc="-1" strike="noStrike">
+              <a:latin typeface="Arial"/>
+            </a:endParaRPr>
+          </a:p>
+        </p:txBody>
+      </p:sp>
+      <p:sp>
+        <p:nvSpPr>
+          <p:cNvPr id="66" name="PlaceHolder 3"/>
           <p:cNvSpPr>
             <a:spLocks noGrp="1"/>
           </p:cNvSpPr>
@@ -1521,8 +1432,8 @@
         </p:nvSpPr>
         <p:spPr>
           <a:xfrm>
-            <a:off x="4669200" y="2079000"/>
-            <a:ext cx="3751920" cy="1078200"/>
+            <a:off x="4668840" y="2079000"/>
+            <a:ext cx="3751560" cy="1078200"/>
           </a:xfrm>
           <a:prstGeom prst="rect">
             <a:avLst/>
@@ -1533,18 +1444,15 @@
             <a:normAutofit/>
           </a:bodyPr>
           <a:p>
-            <a:endParaRPr b="0" lang="en-US" sz="1400" spc="-1" strike="noStrike">
-              <a:solidFill>
-                <a:srgbClr val="000000"/>
-              </a:solidFill>
-              <a:latin typeface="Arial"/>
-            </a:endParaRPr>
-          </a:p>
-        </p:txBody>
-      </p:sp>
-      <p:sp>
-        <p:nvSpPr>
-          <p:cNvPr id="70" name="PlaceHolder 4"/>
+            <a:endParaRPr b="0" lang="en-US" sz="3200" spc="-1" strike="noStrike">
+              <a:latin typeface="Arial"/>
+            </a:endParaRPr>
+          </a:p>
+        </p:txBody>
+      </p:sp>
+      <p:sp>
+        <p:nvSpPr>
+          <p:cNvPr id="67" name="PlaceHolder 4"/>
           <p:cNvSpPr>
             <a:spLocks noGrp="1"/>
           </p:cNvSpPr>
@@ -1555,7 +1463,7 @@
         <p:spPr>
           <a:xfrm>
             <a:off x="729360" y="3260160"/>
-            <a:ext cx="7688520" cy="1078200"/>
+            <a:ext cx="7688160" cy="1078200"/>
           </a:xfrm>
           <a:prstGeom prst="rect">
             <a:avLst/>
@@ -1566,10 +1474,7 @@
             <a:normAutofit/>
           </a:bodyPr>
           <a:p>
-            <a:endParaRPr b="0" lang="en-US" sz="1400" spc="-1" strike="noStrike">
-              <a:solidFill>
-                <a:srgbClr val="000000"/>
-              </a:solidFill>
+            <a:endParaRPr b="0" lang="en-US" sz="3200" spc="-1" strike="noStrike">
               <a:latin typeface="Arial"/>
             </a:endParaRPr>
           </a:p>
@@ -1599,7 +1504,7 @@
       </p:grpSpPr>
       <p:sp>
         <p:nvSpPr>
-          <p:cNvPr id="71" name="PlaceHolder 1"/>
+          <p:cNvPr id="68" name="PlaceHolder 1"/>
           <p:cNvSpPr>
             <a:spLocks noGrp="1"/>
           </p:cNvSpPr>
@@ -1609,8 +1514,8 @@
         </p:nvSpPr>
         <p:spPr>
           <a:xfrm>
-            <a:off x="729360" y="1318680"/>
-            <a:ext cx="7688520" cy="534960"/>
+            <a:off x="729360" y="1273320"/>
+            <a:ext cx="7688160" cy="625320"/>
           </a:xfrm>
           <a:prstGeom prst="rect">
             <a:avLst/>
@@ -1621,18 +1526,16 @@
             <a:noAutofit/>
           </a:bodyPr>
           <a:p>
-            <a:endParaRPr b="0" lang="en-US" sz="1400" spc="-1" strike="noStrike">
-              <a:solidFill>
-                <a:srgbClr val="000000"/>
-              </a:solidFill>
-              <a:latin typeface="Arial"/>
-            </a:endParaRPr>
-          </a:p>
-        </p:txBody>
-      </p:sp>
-      <p:sp>
-        <p:nvSpPr>
-          <p:cNvPr id="72" name="PlaceHolder 2"/>
+            <a:pPr algn="ctr"/>
+            <a:endParaRPr b="0" lang="en-US" sz="4400" spc="-1" strike="noStrike">
+              <a:latin typeface="Arial"/>
+            </a:endParaRPr>
+          </a:p>
+        </p:txBody>
+      </p:sp>
+      <p:sp>
+        <p:nvSpPr>
+          <p:cNvPr id="69" name="PlaceHolder 2"/>
           <p:cNvSpPr>
             <a:spLocks noGrp="1"/>
           </p:cNvSpPr>
@@ -1643,7 +1546,7 @@
         <p:spPr>
           <a:xfrm>
             <a:off x="729360" y="2079000"/>
-            <a:ext cx="7688520" cy="1078200"/>
+            <a:ext cx="7688160" cy="1078200"/>
           </a:xfrm>
           <a:prstGeom prst="rect">
             <a:avLst/>
@@ -1654,18 +1557,15 @@
             <a:normAutofit/>
           </a:bodyPr>
           <a:p>
-            <a:endParaRPr b="0" lang="en-US" sz="1400" spc="-1" strike="noStrike">
-              <a:solidFill>
-                <a:srgbClr val="000000"/>
-              </a:solidFill>
-              <a:latin typeface="Arial"/>
-            </a:endParaRPr>
-          </a:p>
-        </p:txBody>
-      </p:sp>
-      <p:sp>
-        <p:nvSpPr>
-          <p:cNvPr id="73" name="PlaceHolder 3"/>
+            <a:endParaRPr b="0" lang="en-US" sz="3200" spc="-1" strike="noStrike">
+              <a:latin typeface="Arial"/>
+            </a:endParaRPr>
+          </a:p>
+        </p:txBody>
+      </p:sp>
+      <p:sp>
+        <p:nvSpPr>
+          <p:cNvPr id="70" name="PlaceHolder 3"/>
           <p:cNvSpPr>
             <a:spLocks noGrp="1"/>
           </p:cNvSpPr>
@@ -1676,7 +1576,7 @@
         <p:spPr>
           <a:xfrm>
             <a:off x="729360" y="3260160"/>
-            <a:ext cx="7688520" cy="1078200"/>
+            <a:ext cx="7688160" cy="1078200"/>
           </a:xfrm>
           <a:prstGeom prst="rect">
             <a:avLst/>
@@ -1687,10 +1587,7 @@
             <a:normAutofit/>
           </a:bodyPr>
           <a:p>
-            <a:endParaRPr b="0" lang="en-US" sz="1400" spc="-1" strike="noStrike">
-              <a:solidFill>
-                <a:srgbClr val="000000"/>
-              </a:solidFill>
+            <a:endParaRPr b="0" lang="en-US" sz="3200" spc="-1" strike="noStrike">
               <a:latin typeface="Arial"/>
             </a:endParaRPr>
           </a:p>
@@ -1720,7 +1617,7 @@
       </p:grpSpPr>
       <p:sp>
         <p:nvSpPr>
-          <p:cNvPr id="74" name="PlaceHolder 1"/>
+          <p:cNvPr id="71" name="PlaceHolder 1"/>
           <p:cNvSpPr>
             <a:spLocks noGrp="1"/>
           </p:cNvSpPr>
@@ -1730,8 +1627,8 @@
         </p:nvSpPr>
         <p:spPr>
           <a:xfrm>
-            <a:off x="729360" y="1318680"/>
-            <a:ext cx="7688520" cy="534960"/>
+            <a:off x="729360" y="1273320"/>
+            <a:ext cx="7688160" cy="625320"/>
           </a:xfrm>
           <a:prstGeom prst="rect">
             <a:avLst/>
@@ -1742,18 +1639,16 @@
             <a:noAutofit/>
           </a:bodyPr>
           <a:p>
-            <a:endParaRPr b="0" lang="en-US" sz="1400" spc="-1" strike="noStrike">
-              <a:solidFill>
-                <a:srgbClr val="000000"/>
-              </a:solidFill>
-              <a:latin typeface="Arial"/>
-            </a:endParaRPr>
-          </a:p>
-        </p:txBody>
-      </p:sp>
-      <p:sp>
-        <p:nvSpPr>
-          <p:cNvPr id="75" name="PlaceHolder 2"/>
+            <a:pPr algn="ctr"/>
+            <a:endParaRPr b="0" lang="en-US" sz="4400" spc="-1" strike="noStrike">
+              <a:latin typeface="Arial"/>
+            </a:endParaRPr>
+          </a:p>
+        </p:txBody>
+      </p:sp>
+      <p:sp>
+        <p:nvSpPr>
+          <p:cNvPr id="72" name="PlaceHolder 2"/>
           <p:cNvSpPr>
             <a:spLocks noGrp="1"/>
           </p:cNvSpPr>
@@ -1764,7 +1659,7 @@
         <p:spPr>
           <a:xfrm>
             <a:off x="729360" y="2079000"/>
-            <a:ext cx="3751920" cy="1078200"/>
+            <a:ext cx="3751560" cy="1078200"/>
           </a:xfrm>
           <a:prstGeom prst="rect">
             <a:avLst/>
@@ -1775,18 +1670,15 @@
             <a:normAutofit/>
           </a:bodyPr>
           <a:p>
-            <a:endParaRPr b="0" lang="en-US" sz="1400" spc="-1" strike="noStrike">
-              <a:solidFill>
-                <a:srgbClr val="000000"/>
-              </a:solidFill>
-              <a:latin typeface="Arial"/>
-            </a:endParaRPr>
-          </a:p>
-        </p:txBody>
-      </p:sp>
-      <p:sp>
-        <p:nvSpPr>
-          <p:cNvPr id="76" name="PlaceHolder 3"/>
+            <a:endParaRPr b="0" lang="en-US" sz="3200" spc="-1" strike="noStrike">
+              <a:latin typeface="Arial"/>
+            </a:endParaRPr>
+          </a:p>
+        </p:txBody>
+      </p:sp>
+      <p:sp>
+        <p:nvSpPr>
+          <p:cNvPr id="73" name="PlaceHolder 3"/>
           <p:cNvSpPr>
             <a:spLocks noGrp="1"/>
           </p:cNvSpPr>
@@ -1796,8 +1688,8 @@
         </p:nvSpPr>
         <p:spPr>
           <a:xfrm>
-            <a:off x="4669200" y="2079000"/>
-            <a:ext cx="3751920" cy="1078200"/>
+            <a:off x="4668840" y="2079000"/>
+            <a:ext cx="3751560" cy="1078200"/>
           </a:xfrm>
           <a:prstGeom prst="rect">
             <a:avLst/>
@@ -1808,18 +1700,15 @@
             <a:normAutofit/>
           </a:bodyPr>
           <a:p>
-            <a:endParaRPr b="0" lang="en-US" sz="1400" spc="-1" strike="noStrike">
-              <a:solidFill>
-                <a:srgbClr val="000000"/>
-              </a:solidFill>
-              <a:latin typeface="Arial"/>
-            </a:endParaRPr>
-          </a:p>
-        </p:txBody>
-      </p:sp>
-      <p:sp>
-        <p:nvSpPr>
-          <p:cNvPr id="77" name="PlaceHolder 4"/>
+            <a:endParaRPr b="0" lang="en-US" sz="3200" spc="-1" strike="noStrike">
+              <a:latin typeface="Arial"/>
+            </a:endParaRPr>
+          </a:p>
+        </p:txBody>
+      </p:sp>
+      <p:sp>
+        <p:nvSpPr>
+          <p:cNvPr id="74" name="PlaceHolder 4"/>
           <p:cNvSpPr>
             <a:spLocks noGrp="1"/>
           </p:cNvSpPr>
@@ -1830,7 +1719,7 @@
         <p:spPr>
           <a:xfrm>
             <a:off x="729360" y="3260160"/>
-            <a:ext cx="3751920" cy="1078200"/>
+            <a:ext cx="3751560" cy="1078200"/>
           </a:xfrm>
           <a:prstGeom prst="rect">
             <a:avLst/>
@@ -1841,18 +1730,15 @@
             <a:normAutofit/>
           </a:bodyPr>
           <a:p>
-            <a:endParaRPr b="0" lang="en-US" sz="1400" spc="-1" strike="noStrike">
-              <a:solidFill>
-                <a:srgbClr val="000000"/>
-              </a:solidFill>
-              <a:latin typeface="Arial"/>
-            </a:endParaRPr>
-          </a:p>
-        </p:txBody>
-      </p:sp>
-      <p:sp>
-        <p:nvSpPr>
-          <p:cNvPr id="78" name="PlaceHolder 5"/>
+            <a:endParaRPr b="0" lang="en-US" sz="3200" spc="-1" strike="noStrike">
+              <a:latin typeface="Arial"/>
+            </a:endParaRPr>
+          </a:p>
+        </p:txBody>
+      </p:sp>
+      <p:sp>
+        <p:nvSpPr>
+          <p:cNvPr id="75" name="PlaceHolder 5"/>
           <p:cNvSpPr>
             <a:spLocks noGrp="1"/>
           </p:cNvSpPr>
@@ -1862,8 +1748,8 @@
         </p:nvSpPr>
         <p:spPr>
           <a:xfrm>
-            <a:off x="4669200" y="3260160"/>
-            <a:ext cx="3751920" cy="1078200"/>
+            <a:off x="4668840" y="3260160"/>
+            <a:ext cx="3751560" cy="1078200"/>
           </a:xfrm>
           <a:prstGeom prst="rect">
             <a:avLst/>
@@ -1874,10 +1760,7 @@
             <a:normAutofit/>
           </a:bodyPr>
           <a:p>
-            <a:endParaRPr b="0" lang="en-US" sz="1400" spc="-1" strike="noStrike">
-              <a:solidFill>
-                <a:srgbClr val="000000"/>
-              </a:solidFill>
+            <a:endParaRPr b="0" lang="en-US" sz="3200" spc="-1" strike="noStrike">
               <a:latin typeface="Arial"/>
             </a:endParaRPr>
           </a:p>
@@ -1907,7 +1790,7 @@
       </p:grpSpPr>
       <p:sp>
         <p:nvSpPr>
-          <p:cNvPr id="79" name="PlaceHolder 1"/>
+          <p:cNvPr id="76" name="PlaceHolder 1"/>
           <p:cNvSpPr>
             <a:spLocks noGrp="1"/>
           </p:cNvSpPr>
@@ -1917,8 +1800,8 @@
         </p:nvSpPr>
         <p:spPr>
           <a:xfrm>
-            <a:off x="729360" y="1318680"/>
-            <a:ext cx="7688520" cy="534960"/>
+            <a:off x="729360" y="1273320"/>
+            <a:ext cx="7688160" cy="625320"/>
           </a:xfrm>
           <a:prstGeom prst="rect">
             <a:avLst/>
@@ -1929,18 +1812,16 @@
             <a:noAutofit/>
           </a:bodyPr>
           <a:p>
-            <a:endParaRPr b="0" lang="en-US" sz="1400" spc="-1" strike="noStrike">
-              <a:solidFill>
-                <a:srgbClr val="000000"/>
-              </a:solidFill>
-              <a:latin typeface="Arial"/>
-            </a:endParaRPr>
-          </a:p>
-        </p:txBody>
-      </p:sp>
-      <p:sp>
-        <p:nvSpPr>
-          <p:cNvPr id="80" name="PlaceHolder 2"/>
+            <a:pPr algn="ctr"/>
+            <a:endParaRPr b="0" lang="en-US" sz="4400" spc="-1" strike="noStrike">
+              <a:latin typeface="Arial"/>
+            </a:endParaRPr>
+          </a:p>
+        </p:txBody>
+      </p:sp>
+      <p:sp>
+        <p:nvSpPr>
+          <p:cNvPr id="77" name="PlaceHolder 2"/>
           <p:cNvSpPr>
             <a:spLocks noGrp="1"/>
           </p:cNvSpPr>
@@ -1962,18 +1843,15 @@
             <a:normAutofit/>
           </a:bodyPr>
           <a:p>
-            <a:endParaRPr b="0" lang="en-US" sz="1400" spc="-1" strike="noStrike">
-              <a:solidFill>
-                <a:srgbClr val="000000"/>
-              </a:solidFill>
-              <a:latin typeface="Arial"/>
-            </a:endParaRPr>
-          </a:p>
-        </p:txBody>
-      </p:sp>
-      <p:sp>
-        <p:nvSpPr>
-          <p:cNvPr id="81" name="PlaceHolder 3"/>
+            <a:endParaRPr b="0" lang="en-US" sz="3200" spc="-1" strike="noStrike">
+              <a:latin typeface="Arial"/>
+            </a:endParaRPr>
+          </a:p>
+        </p:txBody>
+      </p:sp>
+      <p:sp>
+        <p:nvSpPr>
+          <p:cNvPr id="78" name="PlaceHolder 3"/>
           <p:cNvSpPr>
             <a:spLocks noGrp="1"/>
           </p:cNvSpPr>
@@ -1995,18 +1873,15 @@
             <a:normAutofit/>
           </a:bodyPr>
           <a:p>
-            <a:endParaRPr b="0" lang="en-US" sz="1400" spc="-1" strike="noStrike">
-              <a:solidFill>
-                <a:srgbClr val="000000"/>
-              </a:solidFill>
-              <a:latin typeface="Arial"/>
-            </a:endParaRPr>
-          </a:p>
-        </p:txBody>
-      </p:sp>
-      <p:sp>
-        <p:nvSpPr>
-          <p:cNvPr id="82" name="PlaceHolder 4"/>
+            <a:endParaRPr b="0" lang="en-US" sz="3200" spc="-1" strike="noStrike">
+              <a:latin typeface="Arial"/>
+            </a:endParaRPr>
+          </a:p>
+        </p:txBody>
+      </p:sp>
+      <p:sp>
+        <p:nvSpPr>
+          <p:cNvPr id="79" name="PlaceHolder 4"/>
           <p:cNvSpPr>
             <a:spLocks noGrp="1"/>
           </p:cNvSpPr>
@@ -2028,18 +1903,15 @@
             <a:normAutofit/>
           </a:bodyPr>
           <a:p>
-            <a:endParaRPr b="0" lang="en-US" sz="1400" spc="-1" strike="noStrike">
-              <a:solidFill>
-                <a:srgbClr val="000000"/>
-              </a:solidFill>
-              <a:latin typeface="Arial"/>
-            </a:endParaRPr>
-          </a:p>
-        </p:txBody>
-      </p:sp>
-      <p:sp>
-        <p:nvSpPr>
-          <p:cNvPr id="83" name="PlaceHolder 5"/>
+            <a:endParaRPr b="0" lang="en-US" sz="3200" spc="-1" strike="noStrike">
+              <a:latin typeface="Arial"/>
+            </a:endParaRPr>
+          </a:p>
+        </p:txBody>
+      </p:sp>
+      <p:sp>
+        <p:nvSpPr>
+          <p:cNvPr id="80" name="PlaceHolder 5"/>
           <p:cNvSpPr>
             <a:spLocks noGrp="1"/>
           </p:cNvSpPr>
@@ -2061,18 +1933,15 @@
             <a:normAutofit/>
           </a:bodyPr>
           <a:p>
-            <a:endParaRPr b="0" lang="en-US" sz="1400" spc="-1" strike="noStrike">
-              <a:solidFill>
-                <a:srgbClr val="000000"/>
-              </a:solidFill>
-              <a:latin typeface="Arial"/>
-            </a:endParaRPr>
-          </a:p>
-        </p:txBody>
-      </p:sp>
-      <p:sp>
-        <p:nvSpPr>
-          <p:cNvPr id="84" name="PlaceHolder 6"/>
+            <a:endParaRPr b="0" lang="en-US" sz="3200" spc="-1" strike="noStrike">
+              <a:latin typeface="Arial"/>
+            </a:endParaRPr>
+          </a:p>
+        </p:txBody>
+      </p:sp>
+      <p:sp>
+        <p:nvSpPr>
+          <p:cNvPr id="81" name="PlaceHolder 6"/>
           <p:cNvSpPr>
             <a:spLocks noGrp="1"/>
           </p:cNvSpPr>
@@ -2094,18 +1963,15 @@
             <a:normAutofit/>
           </a:bodyPr>
           <a:p>
-            <a:endParaRPr b="0" lang="en-US" sz="1400" spc="-1" strike="noStrike">
-              <a:solidFill>
-                <a:srgbClr val="000000"/>
-              </a:solidFill>
-              <a:latin typeface="Arial"/>
-            </a:endParaRPr>
-          </a:p>
-        </p:txBody>
-      </p:sp>
-      <p:sp>
-        <p:nvSpPr>
-          <p:cNvPr id="85" name="PlaceHolder 7"/>
+            <a:endParaRPr b="0" lang="en-US" sz="3200" spc="-1" strike="noStrike">
+              <a:latin typeface="Arial"/>
+            </a:endParaRPr>
+          </a:p>
+        </p:txBody>
+      </p:sp>
+      <p:sp>
+        <p:nvSpPr>
+          <p:cNvPr id="82" name="PlaceHolder 7"/>
           <p:cNvSpPr>
             <a:spLocks noGrp="1"/>
           </p:cNvSpPr>
@@ -2127,10 +1993,7 @@
             <a:normAutofit/>
           </a:bodyPr>
           <a:p>
-            <a:endParaRPr b="0" lang="en-US" sz="1400" spc="-1" strike="noStrike">
-              <a:solidFill>
-                <a:srgbClr val="000000"/>
-              </a:solidFill>
+            <a:endParaRPr b="0" lang="en-US" sz="3200" spc="-1" strike="noStrike">
               <a:latin typeface="Arial"/>
             </a:endParaRPr>
           </a:p>
@@ -2182,7 +2045,7 @@
       </p:grpSpPr>
       <p:sp>
         <p:nvSpPr>
-          <p:cNvPr id="92" name="PlaceHolder 1"/>
+          <p:cNvPr id="89" name="PlaceHolder 1"/>
           <p:cNvSpPr>
             <a:spLocks noGrp="1"/>
           </p:cNvSpPr>
@@ -2192,8 +2055,8 @@
         </p:nvSpPr>
         <p:spPr>
           <a:xfrm>
-            <a:off x="729360" y="1318680"/>
-            <a:ext cx="7688520" cy="534960"/>
+            <a:off x="729360" y="1273320"/>
+            <a:ext cx="7688160" cy="625320"/>
           </a:xfrm>
           <a:prstGeom prst="rect">
             <a:avLst/>
@@ -2204,18 +2067,16 @@
             <a:noAutofit/>
           </a:bodyPr>
           <a:p>
-            <a:endParaRPr b="0" lang="en-US" sz="1400" spc="-1" strike="noStrike">
-              <a:solidFill>
-                <a:srgbClr val="000000"/>
-              </a:solidFill>
-              <a:latin typeface="Arial"/>
-            </a:endParaRPr>
-          </a:p>
-        </p:txBody>
-      </p:sp>
-      <p:sp>
-        <p:nvSpPr>
-          <p:cNvPr id="93" name="PlaceHolder 2"/>
+            <a:pPr algn="ctr"/>
+            <a:endParaRPr b="0" lang="en-US" sz="4400" spc="-1" strike="noStrike">
+              <a:latin typeface="Arial"/>
+            </a:endParaRPr>
+          </a:p>
+        </p:txBody>
+      </p:sp>
+      <p:sp>
+        <p:nvSpPr>
+          <p:cNvPr id="90" name="PlaceHolder 2"/>
           <p:cNvSpPr>
             <a:spLocks noGrp="1"/>
           </p:cNvSpPr>
@@ -2226,7 +2087,7 @@
         <p:spPr>
           <a:xfrm>
             <a:off x="729360" y="2079000"/>
-            <a:ext cx="7688520" cy="2260800"/>
+            <a:ext cx="7688160" cy="2260440"/>
           </a:xfrm>
           <a:prstGeom prst="rect">
             <a:avLst/>
@@ -2268,7 +2129,7 @@
       </p:grpSpPr>
       <p:sp>
         <p:nvSpPr>
-          <p:cNvPr id="94" name="PlaceHolder 1"/>
+          <p:cNvPr id="91" name="PlaceHolder 1"/>
           <p:cNvSpPr>
             <a:spLocks noGrp="1"/>
           </p:cNvSpPr>
@@ -2278,8 +2139,8 @@
         </p:nvSpPr>
         <p:spPr>
           <a:xfrm>
-            <a:off x="729360" y="1318680"/>
-            <a:ext cx="7688520" cy="534960"/>
+            <a:off x="729360" y="1273320"/>
+            <a:ext cx="7688160" cy="625320"/>
           </a:xfrm>
           <a:prstGeom prst="rect">
             <a:avLst/>
@@ -2290,18 +2151,16 @@
             <a:noAutofit/>
           </a:bodyPr>
           <a:p>
-            <a:endParaRPr b="0" lang="en-US" sz="1400" spc="-1" strike="noStrike">
-              <a:solidFill>
-                <a:srgbClr val="000000"/>
-              </a:solidFill>
-              <a:latin typeface="Arial"/>
-            </a:endParaRPr>
-          </a:p>
-        </p:txBody>
-      </p:sp>
-      <p:sp>
-        <p:nvSpPr>
-          <p:cNvPr id="95" name="PlaceHolder 2"/>
+            <a:pPr algn="ctr"/>
+            <a:endParaRPr b="0" lang="en-US" sz="4400" spc="-1" strike="noStrike">
+              <a:latin typeface="Arial"/>
+            </a:endParaRPr>
+          </a:p>
+        </p:txBody>
+      </p:sp>
+      <p:sp>
+        <p:nvSpPr>
+          <p:cNvPr id="92" name="PlaceHolder 2"/>
           <p:cNvSpPr>
             <a:spLocks noGrp="1"/>
           </p:cNvSpPr>
@@ -2312,7 +2171,7 @@
         <p:spPr>
           <a:xfrm>
             <a:off x="729360" y="2079000"/>
-            <a:ext cx="7688520" cy="2260800"/>
+            <a:ext cx="7688160" cy="2260440"/>
           </a:xfrm>
           <a:prstGeom prst="rect">
             <a:avLst/>
@@ -2323,10 +2182,7 @@
             <a:normAutofit/>
           </a:bodyPr>
           <a:p>
-            <a:endParaRPr b="0" lang="en-US" sz="1400" spc="-1" strike="noStrike">
-              <a:solidFill>
-                <a:srgbClr val="000000"/>
-              </a:solidFill>
+            <a:endParaRPr b="0" lang="en-US" sz="3200" spc="-1" strike="noStrike">
               <a:latin typeface="Arial"/>
             </a:endParaRPr>
           </a:p>
@@ -2356,7 +2212,7 @@
       </p:grpSpPr>
       <p:sp>
         <p:nvSpPr>
-          <p:cNvPr id="96" name="PlaceHolder 1"/>
+          <p:cNvPr id="93" name="PlaceHolder 1"/>
           <p:cNvSpPr>
             <a:spLocks noGrp="1"/>
           </p:cNvSpPr>
@@ -2366,8 +2222,8 @@
         </p:nvSpPr>
         <p:spPr>
           <a:xfrm>
-            <a:off x="729360" y="1318680"/>
-            <a:ext cx="7688520" cy="534960"/>
+            <a:off x="729360" y="1273320"/>
+            <a:ext cx="7688160" cy="625320"/>
           </a:xfrm>
           <a:prstGeom prst="rect">
             <a:avLst/>
@@ -2378,18 +2234,16 @@
             <a:noAutofit/>
           </a:bodyPr>
           <a:p>
-            <a:endParaRPr b="0" lang="en-US" sz="1400" spc="-1" strike="noStrike">
-              <a:solidFill>
-                <a:srgbClr val="000000"/>
-              </a:solidFill>
-              <a:latin typeface="Arial"/>
-            </a:endParaRPr>
-          </a:p>
-        </p:txBody>
-      </p:sp>
-      <p:sp>
-        <p:nvSpPr>
-          <p:cNvPr id="97" name="PlaceHolder 2"/>
+            <a:pPr algn="ctr"/>
+            <a:endParaRPr b="0" lang="en-US" sz="4400" spc="-1" strike="noStrike">
+              <a:latin typeface="Arial"/>
+            </a:endParaRPr>
+          </a:p>
+        </p:txBody>
+      </p:sp>
+      <p:sp>
+        <p:nvSpPr>
+          <p:cNvPr id="94" name="PlaceHolder 2"/>
           <p:cNvSpPr>
             <a:spLocks noGrp="1"/>
           </p:cNvSpPr>
@@ -2400,7 +2254,7 @@
         <p:spPr>
           <a:xfrm>
             <a:off x="729360" y="2079000"/>
-            <a:ext cx="3751920" cy="2260800"/>
+            <a:ext cx="3751560" cy="2260440"/>
           </a:xfrm>
           <a:prstGeom prst="rect">
             <a:avLst/>
@@ -2411,18 +2265,15 @@
             <a:normAutofit/>
           </a:bodyPr>
           <a:p>
-            <a:endParaRPr b="0" lang="en-US" sz="1400" spc="-1" strike="noStrike">
-              <a:solidFill>
-                <a:srgbClr val="000000"/>
-              </a:solidFill>
-              <a:latin typeface="Arial"/>
-            </a:endParaRPr>
-          </a:p>
-        </p:txBody>
-      </p:sp>
-      <p:sp>
-        <p:nvSpPr>
-          <p:cNvPr id="98" name="PlaceHolder 3"/>
+            <a:endParaRPr b="0" lang="en-US" sz="3200" spc="-1" strike="noStrike">
+              <a:latin typeface="Arial"/>
+            </a:endParaRPr>
+          </a:p>
+        </p:txBody>
+      </p:sp>
+      <p:sp>
+        <p:nvSpPr>
+          <p:cNvPr id="95" name="PlaceHolder 3"/>
           <p:cNvSpPr>
             <a:spLocks noGrp="1"/>
           </p:cNvSpPr>
@@ -2432,8 +2283,8 @@
         </p:nvSpPr>
         <p:spPr>
           <a:xfrm>
-            <a:off x="4669200" y="2079000"/>
-            <a:ext cx="3751920" cy="2260800"/>
+            <a:off x="4668840" y="2079000"/>
+            <a:ext cx="3751560" cy="2260440"/>
           </a:xfrm>
           <a:prstGeom prst="rect">
             <a:avLst/>
@@ -2444,10 +2295,7 @@
             <a:normAutofit/>
           </a:bodyPr>
           <a:p>
-            <a:endParaRPr b="0" lang="en-US" sz="1400" spc="-1" strike="noStrike">
-              <a:solidFill>
-                <a:srgbClr val="000000"/>
-              </a:solidFill>
+            <a:endParaRPr b="0" lang="en-US" sz="3200" spc="-1" strike="noStrike">
               <a:latin typeface="Arial"/>
             </a:endParaRPr>
           </a:p>
@@ -2477,7 +2325,7 @@
       </p:grpSpPr>
       <p:sp>
         <p:nvSpPr>
-          <p:cNvPr id="99" name="PlaceHolder 1"/>
+          <p:cNvPr id="96" name="PlaceHolder 1"/>
           <p:cNvSpPr>
             <a:spLocks noGrp="1"/>
           </p:cNvSpPr>
@@ -2487,8 +2335,8 @@
         </p:nvSpPr>
         <p:spPr>
           <a:xfrm>
-            <a:off x="729360" y="1318680"/>
-            <a:ext cx="7688520" cy="534960"/>
+            <a:off x="729360" y="1273320"/>
+            <a:ext cx="7688160" cy="625320"/>
           </a:xfrm>
           <a:prstGeom prst="rect">
             <a:avLst/>
@@ -2499,10 +2347,8 @@
             <a:noAutofit/>
           </a:bodyPr>
           <a:p>
-            <a:endParaRPr b="0" lang="en-US" sz="1400" spc="-1" strike="noStrike">
-              <a:solidFill>
-                <a:srgbClr val="000000"/>
-              </a:solidFill>
+            <a:pPr algn="ctr"/>
+            <a:endParaRPr b="0" lang="en-US" sz="4400" spc="-1" strike="noStrike">
               <a:latin typeface="Arial"/>
             </a:endParaRPr>
           </a:p>
@@ -2532,7 +2378,7 @@
       </p:grpSpPr>
       <p:sp>
         <p:nvSpPr>
-          <p:cNvPr id="9" name="PlaceHolder 1"/>
+          <p:cNvPr id="8" name="PlaceHolder 1"/>
           <p:cNvSpPr>
             <a:spLocks noGrp="1"/>
           </p:cNvSpPr>
@@ -2542,8 +2388,8 @@
         </p:nvSpPr>
         <p:spPr>
           <a:xfrm>
-            <a:off x="729360" y="1318680"/>
-            <a:ext cx="7688520" cy="534960"/>
+            <a:off x="729360" y="1273320"/>
+            <a:ext cx="7688160" cy="625320"/>
           </a:xfrm>
           <a:prstGeom prst="rect">
             <a:avLst/>
@@ -2554,18 +2400,16 @@
             <a:noAutofit/>
           </a:bodyPr>
           <a:p>
-            <a:endParaRPr b="0" lang="en-US" sz="1400" spc="-1" strike="noStrike">
-              <a:solidFill>
-                <a:srgbClr val="000000"/>
-              </a:solidFill>
-              <a:latin typeface="Arial"/>
-            </a:endParaRPr>
-          </a:p>
-        </p:txBody>
-      </p:sp>
-      <p:sp>
-        <p:nvSpPr>
-          <p:cNvPr id="10" name="PlaceHolder 2"/>
+            <a:pPr algn="ctr"/>
+            <a:endParaRPr b="0" lang="en-US" sz="4400" spc="-1" strike="noStrike">
+              <a:latin typeface="Arial"/>
+            </a:endParaRPr>
+          </a:p>
+        </p:txBody>
+      </p:sp>
+      <p:sp>
+        <p:nvSpPr>
+          <p:cNvPr id="9" name="PlaceHolder 2"/>
           <p:cNvSpPr>
             <a:spLocks noGrp="1"/>
           </p:cNvSpPr>
@@ -2576,7 +2420,7 @@
         <p:spPr>
           <a:xfrm>
             <a:off x="729360" y="2079000"/>
-            <a:ext cx="7688520" cy="2260800"/>
+            <a:ext cx="7688160" cy="2260440"/>
           </a:xfrm>
           <a:prstGeom prst="rect">
             <a:avLst/>
@@ -2587,10 +2431,7 @@
             <a:normAutofit/>
           </a:bodyPr>
           <a:p>
-            <a:endParaRPr b="0" lang="en-US" sz="1400" spc="-1" strike="noStrike">
-              <a:solidFill>
-                <a:srgbClr val="000000"/>
-              </a:solidFill>
+            <a:endParaRPr b="0" lang="en-US" sz="3200" spc="-1" strike="noStrike">
               <a:latin typeface="Arial"/>
             </a:endParaRPr>
           </a:p>
@@ -2620,7 +2461,7 @@
       </p:grpSpPr>
       <p:sp>
         <p:nvSpPr>
-          <p:cNvPr id="100" name="PlaceHolder 1"/>
+          <p:cNvPr id="97" name="PlaceHolder 1"/>
           <p:cNvSpPr>
             <a:spLocks noGrp="1"/>
           </p:cNvSpPr>
@@ -2631,7 +2472,7 @@
         <p:spPr>
           <a:xfrm>
             <a:off x="729360" y="1318680"/>
-            <a:ext cx="7688520" cy="2481120"/>
+            <a:ext cx="7688160" cy="2479320"/>
           </a:xfrm>
           <a:prstGeom prst="rect">
             <a:avLst/>
@@ -2673,7 +2514,7 @@
       </p:grpSpPr>
       <p:sp>
         <p:nvSpPr>
-          <p:cNvPr id="101" name="PlaceHolder 1"/>
+          <p:cNvPr id="98" name="PlaceHolder 1"/>
           <p:cNvSpPr>
             <a:spLocks noGrp="1"/>
           </p:cNvSpPr>
@@ -2683,8 +2524,8 @@
         </p:nvSpPr>
         <p:spPr>
           <a:xfrm>
-            <a:off x="729360" y="1318680"/>
-            <a:ext cx="7688520" cy="534960"/>
+            <a:off x="729360" y="1273320"/>
+            <a:ext cx="7688160" cy="625320"/>
           </a:xfrm>
           <a:prstGeom prst="rect">
             <a:avLst/>
@@ -2695,18 +2536,16 @@
             <a:noAutofit/>
           </a:bodyPr>
           <a:p>
-            <a:endParaRPr b="0" lang="en-US" sz="1400" spc="-1" strike="noStrike">
-              <a:solidFill>
-                <a:srgbClr val="000000"/>
-              </a:solidFill>
-              <a:latin typeface="Arial"/>
-            </a:endParaRPr>
-          </a:p>
-        </p:txBody>
-      </p:sp>
-      <p:sp>
-        <p:nvSpPr>
-          <p:cNvPr id="102" name="PlaceHolder 2"/>
+            <a:pPr algn="ctr"/>
+            <a:endParaRPr b="0" lang="en-US" sz="4400" spc="-1" strike="noStrike">
+              <a:latin typeface="Arial"/>
+            </a:endParaRPr>
+          </a:p>
+        </p:txBody>
+      </p:sp>
+      <p:sp>
+        <p:nvSpPr>
+          <p:cNvPr id="99" name="PlaceHolder 2"/>
           <p:cNvSpPr>
             <a:spLocks noGrp="1"/>
           </p:cNvSpPr>
@@ -2717,7 +2556,7 @@
         <p:spPr>
           <a:xfrm>
             <a:off x="729360" y="2079000"/>
-            <a:ext cx="3751920" cy="1078200"/>
+            <a:ext cx="3751560" cy="1078200"/>
           </a:xfrm>
           <a:prstGeom prst="rect">
             <a:avLst/>
@@ -2728,18 +2567,15 @@
             <a:normAutofit/>
           </a:bodyPr>
           <a:p>
-            <a:endParaRPr b="0" lang="en-US" sz="1400" spc="-1" strike="noStrike">
-              <a:solidFill>
-                <a:srgbClr val="000000"/>
-              </a:solidFill>
-              <a:latin typeface="Arial"/>
-            </a:endParaRPr>
-          </a:p>
-        </p:txBody>
-      </p:sp>
-      <p:sp>
-        <p:nvSpPr>
-          <p:cNvPr id="103" name="PlaceHolder 3"/>
+            <a:endParaRPr b="0" lang="en-US" sz="3200" spc="-1" strike="noStrike">
+              <a:latin typeface="Arial"/>
+            </a:endParaRPr>
+          </a:p>
+        </p:txBody>
+      </p:sp>
+      <p:sp>
+        <p:nvSpPr>
+          <p:cNvPr id="100" name="PlaceHolder 3"/>
           <p:cNvSpPr>
             <a:spLocks noGrp="1"/>
           </p:cNvSpPr>
@@ -2749,8 +2585,8 @@
         </p:nvSpPr>
         <p:spPr>
           <a:xfrm>
-            <a:off x="4669200" y="2079000"/>
-            <a:ext cx="3751920" cy="2260800"/>
+            <a:off x="4668840" y="2079000"/>
+            <a:ext cx="3751560" cy="2260440"/>
           </a:xfrm>
           <a:prstGeom prst="rect">
             <a:avLst/>
@@ -2761,18 +2597,15 @@
             <a:normAutofit/>
           </a:bodyPr>
           <a:p>
-            <a:endParaRPr b="0" lang="en-US" sz="1400" spc="-1" strike="noStrike">
-              <a:solidFill>
-                <a:srgbClr val="000000"/>
-              </a:solidFill>
-              <a:latin typeface="Arial"/>
-            </a:endParaRPr>
-          </a:p>
-        </p:txBody>
-      </p:sp>
-      <p:sp>
-        <p:nvSpPr>
-          <p:cNvPr id="104" name="PlaceHolder 4"/>
+            <a:endParaRPr b="0" lang="en-US" sz="3200" spc="-1" strike="noStrike">
+              <a:latin typeface="Arial"/>
+            </a:endParaRPr>
+          </a:p>
+        </p:txBody>
+      </p:sp>
+      <p:sp>
+        <p:nvSpPr>
+          <p:cNvPr id="101" name="PlaceHolder 4"/>
           <p:cNvSpPr>
             <a:spLocks noGrp="1"/>
           </p:cNvSpPr>
@@ -2783,7 +2616,7 @@
         <p:spPr>
           <a:xfrm>
             <a:off x="729360" y="3260160"/>
-            <a:ext cx="3751920" cy="1078200"/>
+            <a:ext cx="3751560" cy="1078200"/>
           </a:xfrm>
           <a:prstGeom prst="rect">
             <a:avLst/>
@@ -2794,10 +2627,7 @@
             <a:normAutofit/>
           </a:bodyPr>
           <a:p>
-            <a:endParaRPr b="0" lang="en-US" sz="1400" spc="-1" strike="noStrike">
-              <a:solidFill>
-                <a:srgbClr val="000000"/>
-              </a:solidFill>
+            <a:endParaRPr b="0" lang="en-US" sz="3200" spc="-1" strike="noStrike">
               <a:latin typeface="Arial"/>
             </a:endParaRPr>
           </a:p>
@@ -2827,7 +2657,7 @@
       </p:grpSpPr>
       <p:sp>
         <p:nvSpPr>
-          <p:cNvPr id="105" name="PlaceHolder 1"/>
+          <p:cNvPr id="102" name="PlaceHolder 1"/>
           <p:cNvSpPr>
             <a:spLocks noGrp="1"/>
           </p:cNvSpPr>
@@ -2837,8 +2667,8 @@
         </p:nvSpPr>
         <p:spPr>
           <a:xfrm>
-            <a:off x="729360" y="1318680"/>
-            <a:ext cx="7688520" cy="534960"/>
+            <a:off x="729360" y="1273320"/>
+            <a:ext cx="7688160" cy="625320"/>
           </a:xfrm>
           <a:prstGeom prst="rect">
             <a:avLst/>
@@ -2849,18 +2679,16 @@
             <a:noAutofit/>
           </a:bodyPr>
           <a:p>
-            <a:endParaRPr b="0" lang="en-US" sz="1400" spc="-1" strike="noStrike">
-              <a:solidFill>
-                <a:srgbClr val="000000"/>
-              </a:solidFill>
-              <a:latin typeface="Arial"/>
-            </a:endParaRPr>
-          </a:p>
-        </p:txBody>
-      </p:sp>
-      <p:sp>
-        <p:nvSpPr>
-          <p:cNvPr id="106" name="PlaceHolder 2"/>
+            <a:pPr algn="ctr"/>
+            <a:endParaRPr b="0" lang="en-US" sz="4400" spc="-1" strike="noStrike">
+              <a:latin typeface="Arial"/>
+            </a:endParaRPr>
+          </a:p>
+        </p:txBody>
+      </p:sp>
+      <p:sp>
+        <p:nvSpPr>
+          <p:cNvPr id="103" name="PlaceHolder 2"/>
           <p:cNvSpPr>
             <a:spLocks noGrp="1"/>
           </p:cNvSpPr>
@@ -2871,7 +2699,7 @@
         <p:spPr>
           <a:xfrm>
             <a:off x="729360" y="2079000"/>
-            <a:ext cx="3751920" cy="2260800"/>
+            <a:ext cx="3751560" cy="2260440"/>
           </a:xfrm>
           <a:prstGeom prst="rect">
             <a:avLst/>
@@ -2882,18 +2710,15 @@
             <a:normAutofit/>
           </a:bodyPr>
           <a:p>
-            <a:endParaRPr b="0" lang="en-US" sz="1400" spc="-1" strike="noStrike">
-              <a:solidFill>
-                <a:srgbClr val="000000"/>
-              </a:solidFill>
-              <a:latin typeface="Arial"/>
-            </a:endParaRPr>
-          </a:p>
-        </p:txBody>
-      </p:sp>
-      <p:sp>
-        <p:nvSpPr>
-          <p:cNvPr id="107" name="PlaceHolder 3"/>
+            <a:endParaRPr b="0" lang="en-US" sz="3200" spc="-1" strike="noStrike">
+              <a:latin typeface="Arial"/>
+            </a:endParaRPr>
+          </a:p>
+        </p:txBody>
+      </p:sp>
+      <p:sp>
+        <p:nvSpPr>
+          <p:cNvPr id="104" name="PlaceHolder 3"/>
           <p:cNvSpPr>
             <a:spLocks noGrp="1"/>
           </p:cNvSpPr>
@@ -2903,8 +2728,8 @@
         </p:nvSpPr>
         <p:spPr>
           <a:xfrm>
-            <a:off x="4669200" y="2079000"/>
-            <a:ext cx="3751920" cy="1078200"/>
+            <a:off x="4668840" y="2079000"/>
+            <a:ext cx="3751560" cy="1078200"/>
           </a:xfrm>
           <a:prstGeom prst="rect">
             <a:avLst/>
@@ -2915,18 +2740,15 @@
             <a:normAutofit/>
           </a:bodyPr>
           <a:p>
-            <a:endParaRPr b="0" lang="en-US" sz="1400" spc="-1" strike="noStrike">
-              <a:solidFill>
-                <a:srgbClr val="000000"/>
-              </a:solidFill>
-              <a:latin typeface="Arial"/>
-            </a:endParaRPr>
-          </a:p>
-        </p:txBody>
-      </p:sp>
-      <p:sp>
-        <p:nvSpPr>
-          <p:cNvPr id="108" name="PlaceHolder 4"/>
+            <a:endParaRPr b="0" lang="en-US" sz="3200" spc="-1" strike="noStrike">
+              <a:latin typeface="Arial"/>
+            </a:endParaRPr>
+          </a:p>
+        </p:txBody>
+      </p:sp>
+      <p:sp>
+        <p:nvSpPr>
+          <p:cNvPr id="105" name="PlaceHolder 4"/>
           <p:cNvSpPr>
             <a:spLocks noGrp="1"/>
           </p:cNvSpPr>
@@ -2936,8 +2758,8 @@
         </p:nvSpPr>
         <p:spPr>
           <a:xfrm>
-            <a:off x="4669200" y="3260160"/>
-            <a:ext cx="3751920" cy="1078200"/>
+            <a:off x="4668840" y="3260160"/>
+            <a:ext cx="3751560" cy="1078200"/>
           </a:xfrm>
           <a:prstGeom prst="rect">
             <a:avLst/>
@@ -2948,10 +2770,7 @@
             <a:normAutofit/>
           </a:bodyPr>
           <a:p>
-            <a:endParaRPr b="0" lang="en-US" sz="1400" spc="-1" strike="noStrike">
-              <a:solidFill>
-                <a:srgbClr val="000000"/>
-              </a:solidFill>
+            <a:endParaRPr b="0" lang="en-US" sz="3200" spc="-1" strike="noStrike">
               <a:latin typeface="Arial"/>
             </a:endParaRPr>
           </a:p>
@@ -2981,7 +2800,7 @@
       </p:grpSpPr>
       <p:sp>
         <p:nvSpPr>
-          <p:cNvPr id="109" name="PlaceHolder 1"/>
+          <p:cNvPr id="106" name="PlaceHolder 1"/>
           <p:cNvSpPr>
             <a:spLocks noGrp="1"/>
           </p:cNvSpPr>
@@ -2991,8 +2810,8 @@
         </p:nvSpPr>
         <p:spPr>
           <a:xfrm>
-            <a:off x="729360" y="1318680"/>
-            <a:ext cx="7688520" cy="534960"/>
+            <a:off x="729360" y="1273320"/>
+            <a:ext cx="7688160" cy="625320"/>
           </a:xfrm>
           <a:prstGeom prst="rect">
             <a:avLst/>
@@ -3003,18 +2822,16 @@
             <a:noAutofit/>
           </a:bodyPr>
           <a:p>
-            <a:endParaRPr b="0" lang="en-US" sz="1400" spc="-1" strike="noStrike">
-              <a:solidFill>
-                <a:srgbClr val="000000"/>
-              </a:solidFill>
-              <a:latin typeface="Arial"/>
-            </a:endParaRPr>
-          </a:p>
-        </p:txBody>
-      </p:sp>
-      <p:sp>
-        <p:nvSpPr>
-          <p:cNvPr id="110" name="PlaceHolder 2"/>
+            <a:pPr algn="ctr"/>
+            <a:endParaRPr b="0" lang="en-US" sz="4400" spc="-1" strike="noStrike">
+              <a:latin typeface="Arial"/>
+            </a:endParaRPr>
+          </a:p>
+        </p:txBody>
+      </p:sp>
+      <p:sp>
+        <p:nvSpPr>
+          <p:cNvPr id="107" name="PlaceHolder 2"/>
           <p:cNvSpPr>
             <a:spLocks noGrp="1"/>
           </p:cNvSpPr>
@@ -3025,7 +2842,7 @@
         <p:spPr>
           <a:xfrm>
             <a:off x="729360" y="2079000"/>
-            <a:ext cx="3751920" cy="1078200"/>
+            <a:ext cx="3751560" cy="1078200"/>
           </a:xfrm>
           <a:prstGeom prst="rect">
             <a:avLst/>
@@ -3036,18 +2853,15 @@
             <a:normAutofit/>
           </a:bodyPr>
           <a:p>
-            <a:endParaRPr b="0" lang="en-US" sz="1400" spc="-1" strike="noStrike">
-              <a:solidFill>
-                <a:srgbClr val="000000"/>
-              </a:solidFill>
-              <a:latin typeface="Arial"/>
-            </a:endParaRPr>
-          </a:p>
-        </p:txBody>
-      </p:sp>
-      <p:sp>
-        <p:nvSpPr>
-          <p:cNvPr id="111" name="PlaceHolder 3"/>
+            <a:endParaRPr b="0" lang="en-US" sz="3200" spc="-1" strike="noStrike">
+              <a:latin typeface="Arial"/>
+            </a:endParaRPr>
+          </a:p>
+        </p:txBody>
+      </p:sp>
+      <p:sp>
+        <p:nvSpPr>
+          <p:cNvPr id="108" name="PlaceHolder 3"/>
           <p:cNvSpPr>
             <a:spLocks noGrp="1"/>
           </p:cNvSpPr>
@@ -3057,8 +2871,8 @@
         </p:nvSpPr>
         <p:spPr>
           <a:xfrm>
-            <a:off x="4669200" y="2079000"/>
-            <a:ext cx="3751920" cy="1078200"/>
+            <a:off x="4668840" y="2079000"/>
+            <a:ext cx="3751560" cy="1078200"/>
           </a:xfrm>
           <a:prstGeom prst="rect">
             <a:avLst/>
@@ -3069,18 +2883,15 @@
             <a:normAutofit/>
           </a:bodyPr>
           <a:p>
-            <a:endParaRPr b="0" lang="en-US" sz="1400" spc="-1" strike="noStrike">
-              <a:solidFill>
-                <a:srgbClr val="000000"/>
-              </a:solidFill>
-              <a:latin typeface="Arial"/>
-            </a:endParaRPr>
-          </a:p>
-        </p:txBody>
-      </p:sp>
-      <p:sp>
-        <p:nvSpPr>
-          <p:cNvPr id="112" name="PlaceHolder 4"/>
+            <a:endParaRPr b="0" lang="en-US" sz="3200" spc="-1" strike="noStrike">
+              <a:latin typeface="Arial"/>
+            </a:endParaRPr>
+          </a:p>
+        </p:txBody>
+      </p:sp>
+      <p:sp>
+        <p:nvSpPr>
+          <p:cNvPr id="109" name="PlaceHolder 4"/>
           <p:cNvSpPr>
             <a:spLocks noGrp="1"/>
           </p:cNvSpPr>
@@ -3091,7 +2902,7 @@
         <p:spPr>
           <a:xfrm>
             <a:off x="729360" y="3260160"/>
-            <a:ext cx="7688520" cy="1078200"/>
+            <a:ext cx="7688160" cy="1078200"/>
           </a:xfrm>
           <a:prstGeom prst="rect">
             <a:avLst/>
@@ -3102,10 +2913,7 @@
             <a:normAutofit/>
           </a:bodyPr>
           <a:p>
-            <a:endParaRPr b="0" lang="en-US" sz="1400" spc="-1" strike="noStrike">
-              <a:solidFill>
-                <a:srgbClr val="000000"/>
-              </a:solidFill>
+            <a:endParaRPr b="0" lang="en-US" sz="3200" spc="-1" strike="noStrike">
               <a:latin typeface="Arial"/>
             </a:endParaRPr>
           </a:p>
@@ -3135,7 +2943,7 @@
       </p:grpSpPr>
       <p:sp>
         <p:nvSpPr>
-          <p:cNvPr id="113" name="PlaceHolder 1"/>
+          <p:cNvPr id="110" name="PlaceHolder 1"/>
           <p:cNvSpPr>
             <a:spLocks noGrp="1"/>
           </p:cNvSpPr>
@@ -3145,8 +2953,8 @@
         </p:nvSpPr>
         <p:spPr>
           <a:xfrm>
-            <a:off x="729360" y="1318680"/>
-            <a:ext cx="7688520" cy="534960"/>
+            <a:off x="729360" y="1273320"/>
+            <a:ext cx="7688160" cy="625320"/>
           </a:xfrm>
           <a:prstGeom prst="rect">
             <a:avLst/>
@@ -3157,18 +2965,16 @@
             <a:noAutofit/>
           </a:bodyPr>
           <a:p>
-            <a:endParaRPr b="0" lang="en-US" sz="1400" spc="-1" strike="noStrike">
-              <a:solidFill>
-                <a:srgbClr val="000000"/>
-              </a:solidFill>
-              <a:latin typeface="Arial"/>
-            </a:endParaRPr>
-          </a:p>
-        </p:txBody>
-      </p:sp>
-      <p:sp>
-        <p:nvSpPr>
-          <p:cNvPr id="114" name="PlaceHolder 2"/>
+            <a:pPr algn="ctr"/>
+            <a:endParaRPr b="0" lang="en-US" sz="4400" spc="-1" strike="noStrike">
+              <a:latin typeface="Arial"/>
+            </a:endParaRPr>
+          </a:p>
+        </p:txBody>
+      </p:sp>
+      <p:sp>
+        <p:nvSpPr>
+          <p:cNvPr id="111" name="PlaceHolder 2"/>
           <p:cNvSpPr>
             <a:spLocks noGrp="1"/>
           </p:cNvSpPr>
@@ -3179,7 +2985,7 @@
         <p:spPr>
           <a:xfrm>
             <a:off x="729360" y="2079000"/>
-            <a:ext cx="7688520" cy="1078200"/>
+            <a:ext cx="7688160" cy="1078200"/>
           </a:xfrm>
           <a:prstGeom prst="rect">
             <a:avLst/>
@@ -3190,18 +2996,15 @@
             <a:normAutofit/>
           </a:bodyPr>
           <a:p>
-            <a:endParaRPr b="0" lang="en-US" sz="1400" spc="-1" strike="noStrike">
-              <a:solidFill>
-                <a:srgbClr val="000000"/>
-              </a:solidFill>
-              <a:latin typeface="Arial"/>
-            </a:endParaRPr>
-          </a:p>
-        </p:txBody>
-      </p:sp>
-      <p:sp>
-        <p:nvSpPr>
-          <p:cNvPr id="115" name="PlaceHolder 3"/>
+            <a:endParaRPr b="0" lang="en-US" sz="3200" spc="-1" strike="noStrike">
+              <a:latin typeface="Arial"/>
+            </a:endParaRPr>
+          </a:p>
+        </p:txBody>
+      </p:sp>
+      <p:sp>
+        <p:nvSpPr>
+          <p:cNvPr id="112" name="PlaceHolder 3"/>
           <p:cNvSpPr>
             <a:spLocks noGrp="1"/>
           </p:cNvSpPr>
@@ -3212,7 +3015,7 @@
         <p:spPr>
           <a:xfrm>
             <a:off x="729360" y="3260160"/>
-            <a:ext cx="7688520" cy="1078200"/>
+            <a:ext cx="7688160" cy="1078200"/>
           </a:xfrm>
           <a:prstGeom prst="rect">
             <a:avLst/>
@@ -3223,10 +3026,7 @@
             <a:normAutofit/>
           </a:bodyPr>
           <a:p>
-            <a:endParaRPr b="0" lang="en-US" sz="1400" spc="-1" strike="noStrike">
-              <a:solidFill>
-                <a:srgbClr val="000000"/>
-              </a:solidFill>
+            <a:endParaRPr b="0" lang="en-US" sz="3200" spc="-1" strike="noStrike">
               <a:latin typeface="Arial"/>
             </a:endParaRPr>
           </a:p>
@@ -3256,7 +3056,7 @@
       </p:grpSpPr>
       <p:sp>
         <p:nvSpPr>
-          <p:cNvPr id="116" name="PlaceHolder 1"/>
+          <p:cNvPr id="113" name="PlaceHolder 1"/>
           <p:cNvSpPr>
             <a:spLocks noGrp="1"/>
           </p:cNvSpPr>
@@ -3266,8 +3066,8 @@
         </p:nvSpPr>
         <p:spPr>
           <a:xfrm>
-            <a:off x="729360" y="1318680"/>
-            <a:ext cx="7688520" cy="534960"/>
+            <a:off x="729360" y="1273320"/>
+            <a:ext cx="7688160" cy="625320"/>
           </a:xfrm>
           <a:prstGeom prst="rect">
             <a:avLst/>
@@ -3278,18 +3078,16 @@
             <a:noAutofit/>
           </a:bodyPr>
           <a:p>
-            <a:endParaRPr b="0" lang="en-US" sz="1400" spc="-1" strike="noStrike">
-              <a:solidFill>
-                <a:srgbClr val="000000"/>
-              </a:solidFill>
-              <a:latin typeface="Arial"/>
-            </a:endParaRPr>
-          </a:p>
-        </p:txBody>
-      </p:sp>
-      <p:sp>
-        <p:nvSpPr>
-          <p:cNvPr id="117" name="PlaceHolder 2"/>
+            <a:pPr algn="ctr"/>
+            <a:endParaRPr b="0" lang="en-US" sz="4400" spc="-1" strike="noStrike">
+              <a:latin typeface="Arial"/>
+            </a:endParaRPr>
+          </a:p>
+        </p:txBody>
+      </p:sp>
+      <p:sp>
+        <p:nvSpPr>
+          <p:cNvPr id="114" name="PlaceHolder 2"/>
           <p:cNvSpPr>
             <a:spLocks noGrp="1"/>
           </p:cNvSpPr>
@@ -3300,7 +3098,7 @@
         <p:spPr>
           <a:xfrm>
             <a:off x="729360" y="2079000"/>
-            <a:ext cx="3751920" cy="1078200"/>
+            <a:ext cx="3751560" cy="1078200"/>
           </a:xfrm>
           <a:prstGeom prst="rect">
             <a:avLst/>
@@ -3311,18 +3109,15 @@
             <a:normAutofit/>
           </a:bodyPr>
           <a:p>
-            <a:endParaRPr b="0" lang="en-US" sz="1400" spc="-1" strike="noStrike">
-              <a:solidFill>
-                <a:srgbClr val="000000"/>
-              </a:solidFill>
-              <a:latin typeface="Arial"/>
-            </a:endParaRPr>
-          </a:p>
-        </p:txBody>
-      </p:sp>
-      <p:sp>
-        <p:nvSpPr>
-          <p:cNvPr id="118" name="PlaceHolder 3"/>
+            <a:endParaRPr b="0" lang="en-US" sz="3200" spc="-1" strike="noStrike">
+              <a:latin typeface="Arial"/>
+            </a:endParaRPr>
+          </a:p>
+        </p:txBody>
+      </p:sp>
+      <p:sp>
+        <p:nvSpPr>
+          <p:cNvPr id="115" name="PlaceHolder 3"/>
           <p:cNvSpPr>
             <a:spLocks noGrp="1"/>
           </p:cNvSpPr>
@@ -3332,8 +3127,8 @@
         </p:nvSpPr>
         <p:spPr>
           <a:xfrm>
-            <a:off x="4669200" y="2079000"/>
-            <a:ext cx="3751920" cy="1078200"/>
+            <a:off x="4668840" y="2079000"/>
+            <a:ext cx="3751560" cy="1078200"/>
           </a:xfrm>
           <a:prstGeom prst="rect">
             <a:avLst/>
@@ -3344,18 +3139,15 @@
             <a:normAutofit/>
           </a:bodyPr>
           <a:p>
-            <a:endParaRPr b="0" lang="en-US" sz="1400" spc="-1" strike="noStrike">
-              <a:solidFill>
-                <a:srgbClr val="000000"/>
-              </a:solidFill>
-              <a:latin typeface="Arial"/>
-            </a:endParaRPr>
-          </a:p>
-        </p:txBody>
-      </p:sp>
-      <p:sp>
-        <p:nvSpPr>
-          <p:cNvPr id="119" name="PlaceHolder 4"/>
+            <a:endParaRPr b="0" lang="en-US" sz="3200" spc="-1" strike="noStrike">
+              <a:latin typeface="Arial"/>
+            </a:endParaRPr>
+          </a:p>
+        </p:txBody>
+      </p:sp>
+      <p:sp>
+        <p:nvSpPr>
+          <p:cNvPr id="116" name="PlaceHolder 4"/>
           <p:cNvSpPr>
             <a:spLocks noGrp="1"/>
           </p:cNvSpPr>
@@ -3366,7 +3158,7 @@
         <p:spPr>
           <a:xfrm>
             <a:off x="729360" y="3260160"/>
-            <a:ext cx="3751920" cy="1078200"/>
+            <a:ext cx="3751560" cy="1078200"/>
           </a:xfrm>
           <a:prstGeom prst="rect">
             <a:avLst/>
@@ -3377,18 +3169,15 @@
             <a:normAutofit/>
           </a:bodyPr>
           <a:p>
-            <a:endParaRPr b="0" lang="en-US" sz="1400" spc="-1" strike="noStrike">
-              <a:solidFill>
-                <a:srgbClr val="000000"/>
-              </a:solidFill>
-              <a:latin typeface="Arial"/>
-            </a:endParaRPr>
-          </a:p>
-        </p:txBody>
-      </p:sp>
-      <p:sp>
-        <p:nvSpPr>
-          <p:cNvPr id="120" name="PlaceHolder 5"/>
+            <a:endParaRPr b="0" lang="en-US" sz="3200" spc="-1" strike="noStrike">
+              <a:latin typeface="Arial"/>
+            </a:endParaRPr>
+          </a:p>
+        </p:txBody>
+      </p:sp>
+      <p:sp>
+        <p:nvSpPr>
+          <p:cNvPr id="117" name="PlaceHolder 5"/>
           <p:cNvSpPr>
             <a:spLocks noGrp="1"/>
           </p:cNvSpPr>
@@ -3398,8 +3187,8 @@
         </p:nvSpPr>
         <p:spPr>
           <a:xfrm>
-            <a:off x="4669200" y="3260160"/>
-            <a:ext cx="3751920" cy="1078200"/>
+            <a:off x="4668840" y="3260160"/>
+            <a:ext cx="3751560" cy="1078200"/>
           </a:xfrm>
           <a:prstGeom prst="rect">
             <a:avLst/>
@@ -3410,10 +3199,7 @@
             <a:normAutofit/>
           </a:bodyPr>
           <a:p>
-            <a:endParaRPr b="0" lang="en-US" sz="1400" spc="-1" strike="noStrike">
-              <a:solidFill>
-                <a:srgbClr val="000000"/>
-              </a:solidFill>
+            <a:endParaRPr b="0" lang="en-US" sz="3200" spc="-1" strike="noStrike">
               <a:latin typeface="Arial"/>
             </a:endParaRPr>
           </a:p>
@@ -3443,7 +3229,7 @@
       </p:grpSpPr>
       <p:sp>
         <p:nvSpPr>
-          <p:cNvPr id="121" name="PlaceHolder 1"/>
+          <p:cNvPr id="118" name="PlaceHolder 1"/>
           <p:cNvSpPr>
             <a:spLocks noGrp="1"/>
           </p:cNvSpPr>
@@ -3453,8 +3239,8 @@
         </p:nvSpPr>
         <p:spPr>
           <a:xfrm>
-            <a:off x="729360" y="1318680"/>
-            <a:ext cx="7688520" cy="534960"/>
+            <a:off x="729360" y="1273320"/>
+            <a:ext cx="7688160" cy="625320"/>
           </a:xfrm>
           <a:prstGeom prst="rect">
             <a:avLst/>
@@ -3465,18 +3251,16 @@
             <a:noAutofit/>
           </a:bodyPr>
           <a:p>
-            <a:endParaRPr b="0" lang="en-US" sz="1400" spc="-1" strike="noStrike">
-              <a:solidFill>
-                <a:srgbClr val="000000"/>
-              </a:solidFill>
-              <a:latin typeface="Arial"/>
-            </a:endParaRPr>
-          </a:p>
-        </p:txBody>
-      </p:sp>
-      <p:sp>
-        <p:nvSpPr>
-          <p:cNvPr id="122" name="PlaceHolder 2"/>
+            <a:pPr algn="ctr"/>
+            <a:endParaRPr b="0" lang="en-US" sz="4400" spc="-1" strike="noStrike">
+              <a:latin typeface="Arial"/>
+            </a:endParaRPr>
+          </a:p>
+        </p:txBody>
+      </p:sp>
+      <p:sp>
+        <p:nvSpPr>
+          <p:cNvPr id="119" name="PlaceHolder 2"/>
           <p:cNvSpPr>
             <a:spLocks noGrp="1"/>
           </p:cNvSpPr>
@@ -3498,18 +3282,15 @@
             <a:normAutofit/>
           </a:bodyPr>
           <a:p>
-            <a:endParaRPr b="0" lang="en-US" sz="1400" spc="-1" strike="noStrike">
-              <a:solidFill>
-                <a:srgbClr val="000000"/>
-              </a:solidFill>
-              <a:latin typeface="Arial"/>
-            </a:endParaRPr>
-          </a:p>
-        </p:txBody>
-      </p:sp>
-      <p:sp>
-        <p:nvSpPr>
-          <p:cNvPr id="123" name="PlaceHolder 3"/>
+            <a:endParaRPr b="0" lang="en-US" sz="3200" spc="-1" strike="noStrike">
+              <a:latin typeface="Arial"/>
+            </a:endParaRPr>
+          </a:p>
+        </p:txBody>
+      </p:sp>
+      <p:sp>
+        <p:nvSpPr>
+          <p:cNvPr id="120" name="PlaceHolder 3"/>
           <p:cNvSpPr>
             <a:spLocks noGrp="1"/>
           </p:cNvSpPr>
@@ -3531,18 +3312,15 @@
             <a:normAutofit/>
           </a:bodyPr>
           <a:p>
-            <a:endParaRPr b="0" lang="en-US" sz="1400" spc="-1" strike="noStrike">
-              <a:solidFill>
-                <a:srgbClr val="000000"/>
-              </a:solidFill>
-              <a:latin typeface="Arial"/>
-            </a:endParaRPr>
-          </a:p>
-        </p:txBody>
-      </p:sp>
-      <p:sp>
-        <p:nvSpPr>
-          <p:cNvPr id="124" name="PlaceHolder 4"/>
+            <a:endParaRPr b="0" lang="en-US" sz="3200" spc="-1" strike="noStrike">
+              <a:latin typeface="Arial"/>
+            </a:endParaRPr>
+          </a:p>
+        </p:txBody>
+      </p:sp>
+      <p:sp>
+        <p:nvSpPr>
+          <p:cNvPr id="121" name="PlaceHolder 4"/>
           <p:cNvSpPr>
             <a:spLocks noGrp="1"/>
           </p:cNvSpPr>
@@ -3564,18 +3342,15 @@
             <a:normAutofit/>
           </a:bodyPr>
           <a:p>
-            <a:endParaRPr b="0" lang="en-US" sz="1400" spc="-1" strike="noStrike">
-              <a:solidFill>
-                <a:srgbClr val="000000"/>
-              </a:solidFill>
-              <a:latin typeface="Arial"/>
-            </a:endParaRPr>
-          </a:p>
-        </p:txBody>
-      </p:sp>
-      <p:sp>
-        <p:nvSpPr>
-          <p:cNvPr id="125" name="PlaceHolder 5"/>
+            <a:endParaRPr b="0" lang="en-US" sz="3200" spc="-1" strike="noStrike">
+              <a:latin typeface="Arial"/>
+            </a:endParaRPr>
+          </a:p>
+        </p:txBody>
+      </p:sp>
+      <p:sp>
+        <p:nvSpPr>
+          <p:cNvPr id="122" name="PlaceHolder 5"/>
           <p:cNvSpPr>
             <a:spLocks noGrp="1"/>
           </p:cNvSpPr>
@@ -3597,18 +3372,15 @@
             <a:normAutofit/>
           </a:bodyPr>
           <a:p>
-            <a:endParaRPr b="0" lang="en-US" sz="1400" spc="-1" strike="noStrike">
-              <a:solidFill>
-                <a:srgbClr val="000000"/>
-              </a:solidFill>
-              <a:latin typeface="Arial"/>
-            </a:endParaRPr>
-          </a:p>
-        </p:txBody>
-      </p:sp>
-      <p:sp>
-        <p:nvSpPr>
-          <p:cNvPr id="126" name="PlaceHolder 6"/>
+            <a:endParaRPr b="0" lang="en-US" sz="3200" spc="-1" strike="noStrike">
+              <a:latin typeface="Arial"/>
+            </a:endParaRPr>
+          </a:p>
+        </p:txBody>
+      </p:sp>
+      <p:sp>
+        <p:nvSpPr>
+          <p:cNvPr id="123" name="PlaceHolder 6"/>
           <p:cNvSpPr>
             <a:spLocks noGrp="1"/>
           </p:cNvSpPr>
@@ -3630,18 +3402,15 @@
             <a:normAutofit/>
           </a:bodyPr>
           <a:p>
-            <a:endParaRPr b="0" lang="en-US" sz="1400" spc="-1" strike="noStrike">
-              <a:solidFill>
-                <a:srgbClr val="000000"/>
-              </a:solidFill>
-              <a:latin typeface="Arial"/>
-            </a:endParaRPr>
-          </a:p>
-        </p:txBody>
-      </p:sp>
-      <p:sp>
-        <p:nvSpPr>
-          <p:cNvPr id="127" name="PlaceHolder 7"/>
+            <a:endParaRPr b="0" lang="en-US" sz="3200" spc="-1" strike="noStrike">
+              <a:latin typeface="Arial"/>
+            </a:endParaRPr>
+          </a:p>
+        </p:txBody>
+      </p:sp>
+      <p:sp>
+        <p:nvSpPr>
+          <p:cNvPr id="124" name="PlaceHolder 7"/>
           <p:cNvSpPr>
             <a:spLocks noGrp="1"/>
           </p:cNvSpPr>
@@ -3663,206 +3432,7 @@
             <a:normAutofit/>
           </a:bodyPr>
           <a:p>
-            <a:endParaRPr b="0" lang="en-US" sz="1400" spc="-1" strike="noStrike">
-              <a:solidFill>
-                <a:srgbClr val="000000"/>
-              </a:solidFill>
-              <a:latin typeface="Arial"/>
-            </a:endParaRPr>
-          </a:p>
-        </p:txBody>
-      </p:sp>
-    </p:spTree>
-  </p:cSld>
-</p:sldLayout>
-</file>
-
-<file path=ppt/slideLayouts/slideLayout37.xml><?xml version="1.0" encoding="utf-8"?>
-<p:sldLayout xmlns:a="http://schemas.openxmlformats.org/drawingml/2006/main" xmlns:p="http://schemas.openxmlformats.org/presentationml/2006/main" xmlns:r="http://schemas.openxmlformats.org/officeDocument/2006/relationships" xmlns:p14="http://schemas.microsoft.com/office/powerpoint/2010/main" xmlns:p15="http://schemas.microsoft.com/office/powerpoint/2012/main" xmlns:mc="http://schemas.openxmlformats.org/markup-compatibility/2006" type="blank" preserve="1">
-  <p:cSld name="Blank Slide">
-    <p:spTree>
-      <p:nvGrpSpPr>
-        <p:cNvPr id="1" name=""/>
-        <p:cNvGrpSpPr/>
-        <p:nvPr/>
-      </p:nvGrpSpPr>
-      <p:grpSpPr>
-        <a:xfrm>
-          <a:off x="0" y="0"/>
-          <a:ext cx="0" cy="0"/>
-          <a:chOff x="0" y="0"/>
-          <a:chExt cx="0" cy="0"/>
-        </a:xfrm>
-      </p:grpSpPr>
-    </p:spTree>
-  </p:cSld>
-</p:sldLayout>
-</file>
-
-<file path=ppt/slideLayouts/slideLayout38.xml><?xml version="1.0" encoding="utf-8"?>
-<p:sldLayout xmlns:a="http://schemas.openxmlformats.org/drawingml/2006/main" xmlns:p="http://schemas.openxmlformats.org/presentationml/2006/main" xmlns:r="http://schemas.openxmlformats.org/officeDocument/2006/relationships" xmlns:p14="http://schemas.microsoft.com/office/powerpoint/2010/main" xmlns:p15="http://schemas.microsoft.com/office/powerpoint/2012/main" xmlns:mc="http://schemas.openxmlformats.org/markup-compatibility/2006" type="tx" preserve="1">
-  <p:cSld name="Title Slide">
-    <p:spTree>
-      <p:nvGrpSpPr>
-        <p:cNvPr id="1" name=""/>
-        <p:cNvGrpSpPr/>
-        <p:nvPr/>
-      </p:nvGrpSpPr>
-      <p:grpSpPr>
-        <a:xfrm>
-          <a:off x="0" y="0"/>
-          <a:ext cx="0" cy="0"/>
-          <a:chOff x="0" y="0"/>
-          <a:chExt cx="0" cy="0"/>
-        </a:xfrm>
-      </p:grpSpPr>
-      <p:sp>
-        <p:nvSpPr>
-          <p:cNvPr id="135" name="PlaceHolder 1"/>
-          <p:cNvSpPr>
-            <a:spLocks noGrp="1"/>
-          </p:cNvSpPr>
-          <p:nvPr>
-            <p:ph type="title"/>
-          </p:nvPr>
-        </p:nvSpPr>
-        <p:spPr>
-          <a:xfrm>
-            <a:off x="729360" y="1318680"/>
-            <a:ext cx="7688520" cy="534960"/>
-          </a:xfrm>
-          <a:prstGeom prst="rect">
-            <a:avLst/>
-          </a:prstGeom>
-        </p:spPr>
-        <p:txBody>
-          <a:bodyPr lIns="0" rIns="0" tIns="0" bIns="0" anchor="ctr">
-            <a:noAutofit/>
-          </a:bodyPr>
-          <a:p>
-            <a:endParaRPr b="0" lang="en-US" sz="1400" spc="-1" strike="noStrike">
-              <a:solidFill>
-                <a:srgbClr val="000000"/>
-              </a:solidFill>
-              <a:latin typeface="Arial"/>
-            </a:endParaRPr>
-          </a:p>
-        </p:txBody>
-      </p:sp>
-      <p:sp>
-        <p:nvSpPr>
-          <p:cNvPr id="136" name="PlaceHolder 2"/>
-          <p:cNvSpPr>
-            <a:spLocks noGrp="1"/>
-          </p:cNvSpPr>
-          <p:nvPr>
-            <p:ph type="subTitle"/>
-          </p:nvPr>
-        </p:nvSpPr>
-        <p:spPr>
-          <a:xfrm>
-            <a:off x="729360" y="2079000"/>
-            <a:ext cx="7688520" cy="2260800"/>
-          </a:xfrm>
-          <a:prstGeom prst="rect">
-            <a:avLst/>
-          </a:prstGeom>
-        </p:spPr>
-        <p:txBody>
-          <a:bodyPr lIns="0" rIns="0" tIns="0" bIns="0" anchor="ctr">
-            <a:noAutofit/>
-          </a:bodyPr>
-          <a:p>
-            <a:pPr algn="ctr"/>
             <a:endParaRPr b="0" lang="en-US" sz="3200" spc="-1" strike="noStrike">
-              <a:latin typeface="Arial"/>
-            </a:endParaRPr>
-          </a:p>
-        </p:txBody>
-      </p:sp>
-    </p:spTree>
-  </p:cSld>
-</p:sldLayout>
-</file>
-
-<file path=ppt/slideLayouts/slideLayout39.xml><?xml version="1.0" encoding="utf-8"?>
-<p:sldLayout xmlns:a="http://schemas.openxmlformats.org/drawingml/2006/main" xmlns:p="http://schemas.openxmlformats.org/presentationml/2006/main" xmlns:r="http://schemas.openxmlformats.org/officeDocument/2006/relationships" xmlns:p14="http://schemas.microsoft.com/office/powerpoint/2010/main" xmlns:p15="http://schemas.microsoft.com/office/powerpoint/2012/main" xmlns:mc="http://schemas.openxmlformats.org/markup-compatibility/2006" type="obj" preserve="1">
-  <p:cSld name="Title, Content">
-    <p:spTree>
-      <p:nvGrpSpPr>
-        <p:cNvPr id="1" name=""/>
-        <p:cNvGrpSpPr/>
-        <p:nvPr/>
-      </p:nvGrpSpPr>
-      <p:grpSpPr>
-        <a:xfrm>
-          <a:off x="0" y="0"/>
-          <a:ext cx="0" cy="0"/>
-          <a:chOff x="0" y="0"/>
-          <a:chExt cx="0" cy="0"/>
-        </a:xfrm>
-      </p:grpSpPr>
-      <p:sp>
-        <p:nvSpPr>
-          <p:cNvPr id="137" name="PlaceHolder 1"/>
-          <p:cNvSpPr>
-            <a:spLocks noGrp="1"/>
-          </p:cNvSpPr>
-          <p:nvPr>
-            <p:ph type="title"/>
-          </p:nvPr>
-        </p:nvSpPr>
-        <p:spPr>
-          <a:xfrm>
-            <a:off x="729360" y="1318680"/>
-            <a:ext cx="7688520" cy="534960"/>
-          </a:xfrm>
-          <a:prstGeom prst="rect">
-            <a:avLst/>
-          </a:prstGeom>
-        </p:spPr>
-        <p:txBody>
-          <a:bodyPr lIns="0" rIns="0" tIns="0" bIns="0" anchor="ctr">
-            <a:noAutofit/>
-          </a:bodyPr>
-          <a:p>
-            <a:endParaRPr b="0" lang="en-US" sz="1400" spc="-1" strike="noStrike">
-              <a:solidFill>
-                <a:srgbClr val="000000"/>
-              </a:solidFill>
-              <a:latin typeface="Arial"/>
-            </a:endParaRPr>
-          </a:p>
-        </p:txBody>
-      </p:sp>
-      <p:sp>
-        <p:nvSpPr>
-          <p:cNvPr id="138" name="PlaceHolder 2"/>
-          <p:cNvSpPr>
-            <a:spLocks noGrp="1"/>
-          </p:cNvSpPr>
-          <p:nvPr>
-            <p:ph type="body"/>
-          </p:nvPr>
-        </p:nvSpPr>
-        <p:spPr>
-          <a:xfrm>
-            <a:off x="729360" y="2079000"/>
-            <a:ext cx="7688520" cy="2260800"/>
-          </a:xfrm>
-          <a:prstGeom prst="rect">
-            <a:avLst/>
-          </a:prstGeom>
-        </p:spPr>
-        <p:txBody>
-          <a:bodyPr lIns="0" rIns="0" tIns="0" bIns="0">
-            <a:normAutofit/>
-          </a:bodyPr>
-          <a:p>
-            <a:endParaRPr b="0" lang="en-US" sz="1400" spc="-1" strike="noStrike">
-              <a:solidFill>
-                <a:srgbClr val="000000"/>
-              </a:solidFill>
               <a:latin typeface="Arial"/>
             </a:endParaRPr>
           </a:p>
@@ -3892,7 +3462,7 @@
       </p:grpSpPr>
       <p:sp>
         <p:nvSpPr>
-          <p:cNvPr id="11" name="PlaceHolder 1"/>
+          <p:cNvPr id="10" name="PlaceHolder 1"/>
           <p:cNvSpPr>
             <a:spLocks noGrp="1"/>
           </p:cNvSpPr>
@@ -3902,8 +3472,8 @@
         </p:nvSpPr>
         <p:spPr>
           <a:xfrm>
-            <a:off x="729360" y="1318680"/>
-            <a:ext cx="7688520" cy="534960"/>
+            <a:off x="729360" y="1273320"/>
+            <a:ext cx="7688160" cy="625320"/>
           </a:xfrm>
           <a:prstGeom prst="rect">
             <a:avLst/>
@@ -3914,18 +3484,16 @@
             <a:noAutofit/>
           </a:bodyPr>
           <a:p>
-            <a:endParaRPr b="0" lang="en-US" sz="1400" spc="-1" strike="noStrike">
-              <a:solidFill>
-                <a:srgbClr val="000000"/>
-              </a:solidFill>
-              <a:latin typeface="Arial"/>
-            </a:endParaRPr>
-          </a:p>
-        </p:txBody>
-      </p:sp>
-      <p:sp>
-        <p:nvSpPr>
-          <p:cNvPr id="12" name="PlaceHolder 2"/>
+            <a:pPr algn="ctr"/>
+            <a:endParaRPr b="0" lang="en-US" sz="4400" spc="-1" strike="noStrike">
+              <a:latin typeface="Arial"/>
+            </a:endParaRPr>
+          </a:p>
+        </p:txBody>
+      </p:sp>
+      <p:sp>
+        <p:nvSpPr>
+          <p:cNvPr id="11" name="PlaceHolder 2"/>
           <p:cNvSpPr>
             <a:spLocks noGrp="1"/>
           </p:cNvSpPr>
@@ -3936,7 +3504,7 @@
         <p:spPr>
           <a:xfrm>
             <a:off x="729360" y="2079000"/>
-            <a:ext cx="3751920" cy="2260800"/>
+            <a:ext cx="3751560" cy="2260440"/>
           </a:xfrm>
           <a:prstGeom prst="rect">
             <a:avLst/>
@@ -3947,18 +3515,15 @@
             <a:normAutofit/>
           </a:bodyPr>
           <a:p>
-            <a:endParaRPr b="0" lang="en-US" sz="1400" spc="-1" strike="noStrike">
-              <a:solidFill>
-                <a:srgbClr val="000000"/>
-              </a:solidFill>
-              <a:latin typeface="Arial"/>
-            </a:endParaRPr>
-          </a:p>
-        </p:txBody>
-      </p:sp>
-      <p:sp>
-        <p:nvSpPr>
-          <p:cNvPr id="13" name="PlaceHolder 3"/>
+            <a:endParaRPr b="0" lang="en-US" sz="3200" spc="-1" strike="noStrike">
+              <a:latin typeface="Arial"/>
+            </a:endParaRPr>
+          </a:p>
+        </p:txBody>
+      </p:sp>
+      <p:sp>
+        <p:nvSpPr>
+          <p:cNvPr id="12" name="PlaceHolder 3"/>
           <p:cNvSpPr>
             <a:spLocks noGrp="1"/>
           </p:cNvSpPr>
@@ -3968,8 +3533,8 @@
         </p:nvSpPr>
         <p:spPr>
           <a:xfrm>
-            <a:off x="4669200" y="2079000"/>
-            <a:ext cx="3751920" cy="2260800"/>
+            <a:off x="4668840" y="2079000"/>
+            <a:ext cx="3751560" cy="2260440"/>
           </a:xfrm>
           <a:prstGeom prst="rect">
             <a:avLst/>
@@ -3980,1262 +3545,7 @@
             <a:normAutofit/>
           </a:bodyPr>
           <a:p>
-            <a:endParaRPr b="0" lang="en-US" sz="1400" spc="-1" strike="noStrike">
-              <a:solidFill>
-                <a:srgbClr val="000000"/>
-              </a:solidFill>
-              <a:latin typeface="Arial"/>
-            </a:endParaRPr>
-          </a:p>
-        </p:txBody>
-      </p:sp>
-    </p:spTree>
-  </p:cSld>
-</p:sldLayout>
-</file>
-
-<file path=ppt/slideLayouts/slideLayout40.xml><?xml version="1.0" encoding="utf-8"?>
-<p:sldLayout xmlns:a="http://schemas.openxmlformats.org/drawingml/2006/main" xmlns:p="http://schemas.openxmlformats.org/presentationml/2006/main" xmlns:r="http://schemas.openxmlformats.org/officeDocument/2006/relationships" xmlns:p14="http://schemas.microsoft.com/office/powerpoint/2010/main" xmlns:p15="http://schemas.microsoft.com/office/powerpoint/2012/main" xmlns:mc="http://schemas.openxmlformats.org/markup-compatibility/2006" type="twoObj" preserve="1">
-  <p:cSld name="Title, 2 Content">
-    <p:spTree>
-      <p:nvGrpSpPr>
-        <p:cNvPr id="1" name=""/>
-        <p:cNvGrpSpPr/>
-        <p:nvPr/>
-      </p:nvGrpSpPr>
-      <p:grpSpPr>
-        <a:xfrm>
-          <a:off x="0" y="0"/>
-          <a:ext cx="0" cy="0"/>
-          <a:chOff x="0" y="0"/>
-          <a:chExt cx="0" cy="0"/>
-        </a:xfrm>
-      </p:grpSpPr>
-      <p:sp>
-        <p:nvSpPr>
-          <p:cNvPr id="139" name="PlaceHolder 1"/>
-          <p:cNvSpPr>
-            <a:spLocks noGrp="1"/>
-          </p:cNvSpPr>
-          <p:nvPr>
-            <p:ph type="title"/>
-          </p:nvPr>
-        </p:nvSpPr>
-        <p:spPr>
-          <a:xfrm>
-            <a:off x="729360" y="1318680"/>
-            <a:ext cx="7688520" cy="534960"/>
-          </a:xfrm>
-          <a:prstGeom prst="rect">
-            <a:avLst/>
-          </a:prstGeom>
-        </p:spPr>
-        <p:txBody>
-          <a:bodyPr lIns="0" rIns="0" tIns="0" bIns="0" anchor="ctr">
-            <a:noAutofit/>
-          </a:bodyPr>
-          <a:p>
-            <a:endParaRPr b="0" lang="en-US" sz="1400" spc="-1" strike="noStrike">
-              <a:solidFill>
-                <a:srgbClr val="000000"/>
-              </a:solidFill>
-              <a:latin typeface="Arial"/>
-            </a:endParaRPr>
-          </a:p>
-        </p:txBody>
-      </p:sp>
-      <p:sp>
-        <p:nvSpPr>
-          <p:cNvPr id="140" name="PlaceHolder 2"/>
-          <p:cNvSpPr>
-            <a:spLocks noGrp="1"/>
-          </p:cNvSpPr>
-          <p:nvPr>
-            <p:ph type="body"/>
-          </p:nvPr>
-        </p:nvSpPr>
-        <p:spPr>
-          <a:xfrm>
-            <a:off x="729360" y="2079000"/>
-            <a:ext cx="3751920" cy="2260800"/>
-          </a:xfrm>
-          <a:prstGeom prst="rect">
-            <a:avLst/>
-          </a:prstGeom>
-        </p:spPr>
-        <p:txBody>
-          <a:bodyPr lIns="0" rIns="0" tIns="0" bIns="0">
-            <a:normAutofit/>
-          </a:bodyPr>
-          <a:p>
-            <a:endParaRPr b="0" lang="en-US" sz="1400" spc="-1" strike="noStrike">
-              <a:solidFill>
-                <a:srgbClr val="000000"/>
-              </a:solidFill>
-              <a:latin typeface="Arial"/>
-            </a:endParaRPr>
-          </a:p>
-        </p:txBody>
-      </p:sp>
-      <p:sp>
-        <p:nvSpPr>
-          <p:cNvPr id="141" name="PlaceHolder 3"/>
-          <p:cNvSpPr>
-            <a:spLocks noGrp="1"/>
-          </p:cNvSpPr>
-          <p:nvPr>
-            <p:ph type="body"/>
-          </p:nvPr>
-        </p:nvSpPr>
-        <p:spPr>
-          <a:xfrm>
-            <a:off x="4669200" y="2079000"/>
-            <a:ext cx="3751920" cy="2260800"/>
-          </a:xfrm>
-          <a:prstGeom prst="rect">
-            <a:avLst/>
-          </a:prstGeom>
-        </p:spPr>
-        <p:txBody>
-          <a:bodyPr lIns="0" rIns="0" tIns="0" bIns="0">
-            <a:normAutofit/>
-          </a:bodyPr>
-          <a:p>
-            <a:endParaRPr b="0" lang="en-US" sz="1400" spc="-1" strike="noStrike">
-              <a:solidFill>
-                <a:srgbClr val="000000"/>
-              </a:solidFill>
-              <a:latin typeface="Arial"/>
-            </a:endParaRPr>
-          </a:p>
-        </p:txBody>
-      </p:sp>
-    </p:spTree>
-  </p:cSld>
-</p:sldLayout>
-</file>
-
-<file path=ppt/slideLayouts/slideLayout41.xml><?xml version="1.0" encoding="utf-8"?>
-<p:sldLayout xmlns:a="http://schemas.openxmlformats.org/drawingml/2006/main" xmlns:p="http://schemas.openxmlformats.org/presentationml/2006/main" xmlns:r="http://schemas.openxmlformats.org/officeDocument/2006/relationships" xmlns:p14="http://schemas.microsoft.com/office/powerpoint/2010/main" xmlns:p15="http://schemas.microsoft.com/office/powerpoint/2012/main" xmlns:mc="http://schemas.openxmlformats.org/markup-compatibility/2006" type="titleOnly" preserve="1">
-  <p:cSld name="Title Only">
-    <p:spTree>
-      <p:nvGrpSpPr>
-        <p:cNvPr id="1" name=""/>
-        <p:cNvGrpSpPr/>
-        <p:nvPr/>
-      </p:nvGrpSpPr>
-      <p:grpSpPr>
-        <a:xfrm>
-          <a:off x="0" y="0"/>
-          <a:ext cx="0" cy="0"/>
-          <a:chOff x="0" y="0"/>
-          <a:chExt cx="0" cy="0"/>
-        </a:xfrm>
-      </p:grpSpPr>
-      <p:sp>
-        <p:nvSpPr>
-          <p:cNvPr id="142" name="PlaceHolder 1"/>
-          <p:cNvSpPr>
-            <a:spLocks noGrp="1"/>
-          </p:cNvSpPr>
-          <p:nvPr>
-            <p:ph type="title"/>
-          </p:nvPr>
-        </p:nvSpPr>
-        <p:spPr>
-          <a:xfrm>
-            <a:off x="729360" y="1318680"/>
-            <a:ext cx="7688520" cy="534960"/>
-          </a:xfrm>
-          <a:prstGeom prst="rect">
-            <a:avLst/>
-          </a:prstGeom>
-        </p:spPr>
-        <p:txBody>
-          <a:bodyPr lIns="0" rIns="0" tIns="0" bIns="0" anchor="ctr">
-            <a:noAutofit/>
-          </a:bodyPr>
-          <a:p>
-            <a:endParaRPr b="0" lang="en-US" sz="1400" spc="-1" strike="noStrike">
-              <a:solidFill>
-                <a:srgbClr val="000000"/>
-              </a:solidFill>
-              <a:latin typeface="Arial"/>
-            </a:endParaRPr>
-          </a:p>
-        </p:txBody>
-      </p:sp>
-    </p:spTree>
-  </p:cSld>
-</p:sldLayout>
-</file>
-
-<file path=ppt/slideLayouts/slideLayout42.xml><?xml version="1.0" encoding="utf-8"?>
-<p:sldLayout xmlns:a="http://schemas.openxmlformats.org/drawingml/2006/main" xmlns:p="http://schemas.openxmlformats.org/presentationml/2006/main" xmlns:r="http://schemas.openxmlformats.org/officeDocument/2006/relationships" xmlns:p14="http://schemas.microsoft.com/office/powerpoint/2010/main" xmlns:p15="http://schemas.microsoft.com/office/powerpoint/2012/main" xmlns:mc="http://schemas.openxmlformats.org/markup-compatibility/2006" type="objOnly" preserve="1">
-  <p:cSld name="Centered Text">
-    <p:spTree>
-      <p:nvGrpSpPr>
-        <p:cNvPr id="1" name=""/>
-        <p:cNvGrpSpPr/>
-        <p:nvPr/>
-      </p:nvGrpSpPr>
-      <p:grpSpPr>
-        <a:xfrm>
-          <a:off x="0" y="0"/>
-          <a:ext cx="0" cy="0"/>
-          <a:chOff x="0" y="0"/>
-          <a:chExt cx="0" cy="0"/>
-        </a:xfrm>
-      </p:grpSpPr>
-      <p:sp>
-        <p:nvSpPr>
-          <p:cNvPr id="143" name="PlaceHolder 1"/>
-          <p:cNvSpPr>
-            <a:spLocks noGrp="1"/>
-          </p:cNvSpPr>
-          <p:nvPr>
-            <p:ph type="subTitle"/>
-          </p:nvPr>
-        </p:nvSpPr>
-        <p:spPr>
-          <a:xfrm>
-            <a:off x="729360" y="1318680"/>
-            <a:ext cx="7688520" cy="2481120"/>
-          </a:xfrm>
-          <a:prstGeom prst="rect">
-            <a:avLst/>
-          </a:prstGeom>
-        </p:spPr>
-        <p:txBody>
-          <a:bodyPr lIns="0" rIns="0" tIns="0" bIns="0" anchor="ctr">
-            <a:noAutofit/>
-          </a:bodyPr>
-          <a:p>
-            <a:pPr algn="ctr"/>
             <a:endParaRPr b="0" lang="en-US" sz="3200" spc="-1" strike="noStrike">
-              <a:latin typeface="Arial"/>
-            </a:endParaRPr>
-          </a:p>
-        </p:txBody>
-      </p:sp>
-    </p:spTree>
-  </p:cSld>
-</p:sldLayout>
-</file>
-
-<file path=ppt/slideLayouts/slideLayout43.xml><?xml version="1.0" encoding="utf-8"?>
-<p:sldLayout xmlns:a="http://schemas.openxmlformats.org/drawingml/2006/main" xmlns:p="http://schemas.openxmlformats.org/presentationml/2006/main" xmlns:r="http://schemas.openxmlformats.org/officeDocument/2006/relationships" xmlns:p14="http://schemas.microsoft.com/office/powerpoint/2010/main" xmlns:p15="http://schemas.microsoft.com/office/powerpoint/2012/main" xmlns:mc="http://schemas.openxmlformats.org/markup-compatibility/2006" type="twoObjAndObj" preserve="1">
-  <p:cSld name="Title, 2 Content and Content">
-    <p:spTree>
-      <p:nvGrpSpPr>
-        <p:cNvPr id="1" name=""/>
-        <p:cNvGrpSpPr/>
-        <p:nvPr/>
-      </p:nvGrpSpPr>
-      <p:grpSpPr>
-        <a:xfrm>
-          <a:off x="0" y="0"/>
-          <a:ext cx="0" cy="0"/>
-          <a:chOff x="0" y="0"/>
-          <a:chExt cx="0" cy="0"/>
-        </a:xfrm>
-      </p:grpSpPr>
-      <p:sp>
-        <p:nvSpPr>
-          <p:cNvPr id="144" name="PlaceHolder 1"/>
-          <p:cNvSpPr>
-            <a:spLocks noGrp="1"/>
-          </p:cNvSpPr>
-          <p:nvPr>
-            <p:ph type="title"/>
-          </p:nvPr>
-        </p:nvSpPr>
-        <p:spPr>
-          <a:xfrm>
-            <a:off x="729360" y="1318680"/>
-            <a:ext cx="7688520" cy="534960"/>
-          </a:xfrm>
-          <a:prstGeom prst="rect">
-            <a:avLst/>
-          </a:prstGeom>
-        </p:spPr>
-        <p:txBody>
-          <a:bodyPr lIns="0" rIns="0" tIns="0" bIns="0" anchor="ctr">
-            <a:noAutofit/>
-          </a:bodyPr>
-          <a:p>
-            <a:endParaRPr b="0" lang="en-US" sz="1400" spc="-1" strike="noStrike">
-              <a:solidFill>
-                <a:srgbClr val="000000"/>
-              </a:solidFill>
-              <a:latin typeface="Arial"/>
-            </a:endParaRPr>
-          </a:p>
-        </p:txBody>
-      </p:sp>
-      <p:sp>
-        <p:nvSpPr>
-          <p:cNvPr id="145" name="PlaceHolder 2"/>
-          <p:cNvSpPr>
-            <a:spLocks noGrp="1"/>
-          </p:cNvSpPr>
-          <p:nvPr>
-            <p:ph type="body"/>
-          </p:nvPr>
-        </p:nvSpPr>
-        <p:spPr>
-          <a:xfrm>
-            <a:off x="729360" y="2079000"/>
-            <a:ext cx="3751920" cy="1078200"/>
-          </a:xfrm>
-          <a:prstGeom prst="rect">
-            <a:avLst/>
-          </a:prstGeom>
-        </p:spPr>
-        <p:txBody>
-          <a:bodyPr lIns="0" rIns="0" tIns="0" bIns="0">
-            <a:normAutofit/>
-          </a:bodyPr>
-          <a:p>
-            <a:endParaRPr b="0" lang="en-US" sz="1400" spc="-1" strike="noStrike">
-              <a:solidFill>
-                <a:srgbClr val="000000"/>
-              </a:solidFill>
-              <a:latin typeface="Arial"/>
-            </a:endParaRPr>
-          </a:p>
-        </p:txBody>
-      </p:sp>
-      <p:sp>
-        <p:nvSpPr>
-          <p:cNvPr id="146" name="PlaceHolder 3"/>
-          <p:cNvSpPr>
-            <a:spLocks noGrp="1"/>
-          </p:cNvSpPr>
-          <p:nvPr>
-            <p:ph type="body"/>
-          </p:nvPr>
-        </p:nvSpPr>
-        <p:spPr>
-          <a:xfrm>
-            <a:off x="4669200" y="2079000"/>
-            <a:ext cx="3751920" cy="2260800"/>
-          </a:xfrm>
-          <a:prstGeom prst="rect">
-            <a:avLst/>
-          </a:prstGeom>
-        </p:spPr>
-        <p:txBody>
-          <a:bodyPr lIns="0" rIns="0" tIns="0" bIns="0">
-            <a:normAutofit/>
-          </a:bodyPr>
-          <a:p>
-            <a:endParaRPr b="0" lang="en-US" sz="1400" spc="-1" strike="noStrike">
-              <a:solidFill>
-                <a:srgbClr val="000000"/>
-              </a:solidFill>
-              <a:latin typeface="Arial"/>
-            </a:endParaRPr>
-          </a:p>
-        </p:txBody>
-      </p:sp>
-      <p:sp>
-        <p:nvSpPr>
-          <p:cNvPr id="147" name="PlaceHolder 4"/>
-          <p:cNvSpPr>
-            <a:spLocks noGrp="1"/>
-          </p:cNvSpPr>
-          <p:nvPr>
-            <p:ph type="body"/>
-          </p:nvPr>
-        </p:nvSpPr>
-        <p:spPr>
-          <a:xfrm>
-            <a:off x="729360" y="3260160"/>
-            <a:ext cx="3751920" cy="1078200"/>
-          </a:xfrm>
-          <a:prstGeom prst="rect">
-            <a:avLst/>
-          </a:prstGeom>
-        </p:spPr>
-        <p:txBody>
-          <a:bodyPr lIns="0" rIns="0" tIns="0" bIns="0">
-            <a:normAutofit/>
-          </a:bodyPr>
-          <a:p>
-            <a:endParaRPr b="0" lang="en-US" sz="1400" spc="-1" strike="noStrike">
-              <a:solidFill>
-                <a:srgbClr val="000000"/>
-              </a:solidFill>
-              <a:latin typeface="Arial"/>
-            </a:endParaRPr>
-          </a:p>
-        </p:txBody>
-      </p:sp>
-    </p:spTree>
-  </p:cSld>
-</p:sldLayout>
-</file>
-
-<file path=ppt/slideLayouts/slideLayout44.xml><?xml version="1.0" encoding="utf-8"?>
-<p:sldLayout xmlns:a="http://schemas.openxmlformats.org/drawingml/2006/main" xmlns:p="http://schemas.openxmlformats.org/presentationml/2006/main" xmlns:r="http://schemas.openxmlformats.org/officeDocument/2006/relationships" xmlns:p14="http://schemas.microsoft.com/office/powerpoint/2010/main" xmlns:p15="http://schemas.microsoft.com/office/powerpoint/2012/main" xmlns:mc="http://schemas.openxmlformats.org/markup-compatibility/2006" type="objAndTwoObj" preserve="1">
-  <p:cSld name="Title Content and 2 Content">
-    <p:spTree>
-      <p:nvGrpSpPr>
-        <p:cNvPr id="1" name=""/>
-        <p:cNvGrpSpPr/>
-        <p:nvPr/>
-      </p:nvGrpSpPr>
-      <p:grpSpPr>
-        <a:xfrm>
-          <a:off x="0" y="0"/>
-          <a:ext cx="0" cy="0"/>
-          <a:chOff x="0" y="0"/>
-          <a:chExt cx="0" cy="0"/>
-        </a:xfrm>
-      </p:grpSpPr>
-      <p:sp>
-        <p:nvSpPr>
-          <p:cNvPr id="148" name="PlaceHolder 1"/>
-          <p:cNvSpPr>
-            <a:spLocks noGrp="1"/>
-          </p:cNvSpPr>
-          <p:nvPr>
-            <p:ph type="title"/>
-          </p:nvPr>
-        </p:nvSpPr>
-        <p:spPr>
-          <a:xfrm>
-            <a:off x="729360" y="1318680"/>
-            <a:ext cx="7688520" cy="534960"/>
-          </a:xfrm>
-          <a:prstGeom prst="rect">
-            <a:avLst/>
-          </a:prstGeom>
-        </p:spPr>
-        <p:txBody>
-          <a:bodyPr lIns="0" rIns="0" tIns="0" bIns="0" anchor="ctr">
-            <a:noAutofit/>
-          </a:bodyPr>
-          <a:p>
-            <a:endParaRPr b="0" lang="en-US" sz="1400" spc="-1" strike="noStrike">
-              <a:solidFill>
-                <a:srgbClr val="000000"/>
-              </a:solidFill>
-              <a:latin typeface="Arial"/>
-            </a:endParaRPr>
-          </a:p>
-        </p:txBody>
-      </p:sp>
-      <p:sp>
-        <p:nvSpPr>
-          <p:cNvPr id="149" name="PlaceHolder 2"/>
-          <p:cNvSpPr>
-            <a:spLocks noGrp="1"/>
-          </p:cNvSpPr>
-          <p:nvPr>
-            <p:ph type="body"/>
-          </p:nvPr>
-        </p:nvSpPr>
-        <p:spPr>
-          <a:xfrm>
-            <a:off x="729360" y="2079000"/>
-            <a:ext cx="3751920" cy="2260800"/>
-          </a:xfrm>
-          <a:prstGeom prst="rect">
-            <a:avLst/>
-          </a:prstGeom>
-        </p:spPr>
-        <p:txBody>
-          <a:bodyPr lIns="0" rIns="0" tIns="0" bIns="0">
-            <a:normAutofit/>
-          </a:bodyPr>
-          <a:p>
-            <a:endParaRPr b="0" lang="en-US" sz="1400" spc="-1" strike="noStrike">
-              <a:solidFill>
-                <a:srgbClr val="000000"/>
-              </a:solidFill>
-              <a:latin typeface="Arial"/>
-            </a:endParaRPr>
-          </a:p>
-        </p:txBody>
-      </p:sp>
-      <p:sp>
-        <p:nvSpPr>
-          <p:cNvPr id="150" name="PlaceHolder 3"/>
-          <p:cNvSpPr>
-            <a:spLocks noGrp="1"/>
-          </p:cNvSpPr>
-          <p:nvPr>
-            <p:ph type="body"/>
-          </p:nvPr>
-        </p:nvSpPr>
-        <p:spPr>
-          <a:xfrm>
-            <a:off x="4669200" y="2079000"/>
-            <a:ext cx="3751920" cy="1078200"/>
-          </a:xfrm>
-          <a:prstGeom prst="rect">
-            <a:avLst/>
-          </a:prstGeom>
-        </p:spPr>
-        <p:txBody>
-          <a:bodyPr lIns="0" rIns="0" tIns="0" bIns="0">
-            <a:normAutofit/>
-          </a:bodyPr>
-          <a:p>
-            <a:endParaRPr b="0" lang="en-US" sz="1400" spc="-1" strike="noStrike">
-              <a:solidFill>
-                <a:srgbClr val="000000"/>
-              </a:solidFill>
-              <a:latin typeface="Arial"/>
-            </a:endParaRPr>
-          </a:p>
-        </p:txBody>
-      </p:sp>
-      <p:sp>
-        <p:nvSpPr>
-          <p:cNvPr id="151" name="PlaceHolder 4"/>
-          <p:cNvSpPr>
-            <a:spLocks noGrp="1"/>
-          </p:cNvSpPr>
-          <p:nvPr>
-            <p:ph type="body"/>
-          </p:nvPr>
-        </p:nvSpPr>
-        <p:spPr>
-          <a:xfrm>
-            <a:off x="4669200" y="3260160"/>
-            <a:ext cx="3751920" cy="1078200"/>
-          </a:xfrm>
-          <a:prstGeom prst="rect">
-            <a:avLst/>
-          </a:prstGeom>
-        </p:spPr>
-        <p:txBody>
-          <a:bodyPr lIns="0" rIns="0" tIns="0" bIns="0">
-            <a:normAutofit/>
-          </a:bodyPr>
-          <a:p>
-            <a:endParaRPr b="0" lang="en-US" sz="1400" spc="-1" strike="noStrike">
-              <a:solidFill>
-                <a:srgbClr val="000000"/>
-              </a:solidFill>
-              <a:latin typeface="Arial"/>
-            </a:endParaRPr>
-          </a:p>
-        </p:txBody>
-      </p:sp>
-    </p:spTree>
-  </p:cSld>
-</p:sldLayout>
-</file>
-
-<file path=ppt/slideLayouts/slideLayout45.xml><?xml version="1.0" encoding="utf-8"?>
-<p:sldLayout xmlns:a="http://schemas.openxmlformats.org/drawingml/2006/main" xmlns:p="http://schemas.openxmlformats.org/presentationml/2006/main" xmlns:r="http://schemas.openxmlformats.org/officeDocument/2006/relationships" xmlns:p14="http://schemas.microsoft.com/office/powerpoint/2010/main" xmlns:p15="http://schemas.microsoft.com/office/powerpoint/2012/main" xmlns:mc="http://schemas.openxmlformats.org/markup-compatibility/2006" type="twoObjOverTx" preserve="1">
-  <p:cSld name="Title, 2 Content over Content">
-    <p:spTree>
-      <p:nvGrpSpPr>
-        <p:cNvPr id="1" name=""/>
-        <p:cNvGrpSpPr/>
-        <p:nvPr/>
-      </p:nvGrpSpPr>
-      <p:grpSpPr>
-        <a:xfrm>
-          <a:off x="0" y="0"/>
-          <a:ext cx="0" cy="0"/>
-          <a:chOff x="0" y="0"/>
-          <a:chExt cx="0" cy="0"/>
-        </a:xfrm>
-      </p:grpSpPr>
-      <p:sp>
-        <p:nvSpPr>
-          <p:cNvPr id="152" name="PlaceHolder 1"/>
-          <p:cNvSpPr>
-            <a:spLocks noGrp="1"/>
-          </p:cNvSpPr>
-          <p:nvPr>
-            <p:ph type="title"/>
-          </p:nvPr>
-        </p:nvSpPr>
-        <p:spPr>
-          <a:xfrm>
-            <a:off x="729360" y="1318680"/>
-            <a:ext cx="7688520" cy="534960"/>
-          </a:xfrm>
-          <a:prstGeom prst="rect">
-            <a:avLst/>
-          </a:prstGeom>
-        </p:spPr>
-        <p:txBody>
-          <a:bodyPr lIns="0" rIns="0" tIns="0" bIns="0" anchor="ctr">
-            <a:noAutofit/>
-          </a:bodyPr>
-          <a:p>
-            <a:endParaRPr b="0" lang="en-US" sz="1400" spc="-1" strike="noStrike">
-              <a:solidFill>
-                <a:srgbClr val="000000"/>
-              </a:solidFill>
-              <a:latin typeface="Arial"/>
-            </a:endParaRPr>
-          </a:p>
-        </p:txBody>
-      </p:sp>
-      <p:sp>
-        <p:nvSpPr>
-          <p:cNvPr id="153" name="PlaceHolder 2"/>
-          <p:cNvSpPr>
-            <a:spLocks noGrp="1"/>
-          </p:cNvSpPr>
-          <p:nvPr>
-            <p:ph type="body"/>
-          </p:nvPr>
-        </p:nvSpPr>
-        <p:spPr>
-          <a:xfrm>
-            <a:off x="729360" y="2079000"/>
-            <a:ext cx="3751920" cy="1078200"/>
-          </a:xfrm>
-          <a:prstGeom prst="rect">
-            <a:avLst/>
-          </a:prstGeom>
-        </p:spPr>
-        <p:txBody>
-          <a:bodyPr lIns="0" rIns="0" tIns="0" bIns="0">
-            <a:normAutofit/>
-          </a:bodyPr>
-          <a:p>
-            <a:endParaRPr b="0" lang="en-US" sz="1400" spc="-1" strike="noStrike">
-              <a:solidFill>
-                <a:srgbClr val="000000"/>
-              </a:solidFill>
-              <a:latin typeface="Arial"/>
-            </a:endParaRPr>
-          </a:p>
-        </p:txBody>
-      </p:sp>
-      <p:sp>
-        <p:nvSpPr>
-          <p:cNvPr id="154" name="PlaceHolder 3"/>
-          <p:cNvSpPr>
-            <a:spLocks noGrp="1"/>
-          </p:cNvSpPr>
-          <p:nvPr>
-            <p:ph type="body"/>
-          </p:nvPr>
-        </p:nvSpPr>
-        <p:spPr>
-          <a:xfrm>
-            <a:off x="4669200" y="2079000"/>
-            <a:ext cx="3751920" cy="1078200"/>
-          </a:xfrm>
-          <a:prstGeom prst="rect">
-            <a:avLst/>
-          </a:prstGeom>
-        </p:spPr>
-        <p:txBody>
-          <a:bodyPr lIns="0" rIns="0" tIns="0" bIns="0">
-            <a:normAutofit/>
-          </a:bodyPr>
-          <a:p>
-            <a:endParaRPr b="0" lang="en-US" sz="1400" spc="-1" strike="noStrike">
-              <a:solidFill>
-                <a:srgbClr val="000000"/>
-              </a:solidFill>
-              <a:latin typeface="Arial"/>
-            </a:endParaRPr>
-          </a:p>
-        </p:txBody>
-      </p:sp>
-      <p:sp>
-        <p:nvSpPr>
-          <p:cNvPr id="155" name="PlaceHolder 4"/>
-          <p:cNvSpPr>
-            <a:spLocks noGrp="1"/>
-          </p:cNvSpPr>
-          <p:nvPr>
-            <p:ph type="body"/>
-          </p:nvPr>
-        </p:nvSpPr>
-        <p:spPr>
-          <a:xfrm>
-            <a:off x="729360" y="3260160"/>
-            <a:ext cx="7688520" cy="1078200"/>
-          </a:xfrm>
-          <a:prstGeom prst="rect">
-            <a:avLst/>
-          </a:prstGeom>
-        </p:spPr>
-        <p:txBody>
-          <a:bodyPr lIns="0" rIns="0" tIns="0" bIns="0">
-            <a:normAutofit/>
-          </a:bodyPr>
-          <a:p>
-            <a:endParaRPr b="0" lang="en-US" sz="1400" spc="-1" strike="noStrike">
-              <a:solidFill>
-                <a:srgbClr val="000000"/>
-              </a:solidFill>
-              <a:latin typeface="Arial"/>
-            </a:endParaRPr>
-          </a:p>
-        </p:txBody>
-      </p:sp>
-    </p:spTree>
-  </p:cSld>
-</p:sldLayout>
-</file>
-
-<file path=ppt/slideLayouts/slideLayout46.xml><?xml version="1.0" encoding="utf-8"?>
-<p:sldLayout xmlns:a="http://schemas.openxmlformats.org/drawingml/2006/main" xmlns:p="http://schemas.openxmlformats.org/presentationml/2006/main" xmlns:r="http://schemas.openxmlformats.org/officeDocument/2006/relationships" xmlns:p14="http://schemas.microsoft.com/office/powerpoint/2010/main" xmlns:p15="http://schemas.microsoft.com/office/powerpoint/2012/main" xmlns:mc="http://schemas.openxmlformats.org/markup-compatibility/2006" type="objOverTx" preserve="1">
-  <p:cSld name="Title, Content over Content">
-    <p:spTree>
-      <p:nvGrpSpPr>
-        <p:cNvPr id="1" name=""/>
-        <p:cNvGrpSpPr/>
-        <p:nvPr/>
-      </p:nvGrpSpPr>
-      <p:grpSpPr>
-        <a:xfrm>
-          <a:off x="0" y="0"/>
-          <a:ext cx="0" cy="0"/>
-          <a:chOff x="0" y="0"/>
-          <a:chExt cx="0" cy="0"/>
-        </a:xfrm>
-      </p:grpSpPr>
-      <p:sp>
-        <p:nvSpPr>
-          <p:cNvPr id="156" name="PlaceHolder 1"/>
-          <p:cNvSpPr>
-            <a:spLocks noGrp="1"/>
-          </p:cNvSpPr>
-          <p:nvPr>
-            <p:ph type="title"/>
-          </p:nvPr>
-        </p:nvSpPr>
-        <p:spPr>
-          <a:xfrm>
-            <a:off x="729360" y="1318680"/>
-            <a:ext cx="7688520" cy="534960"/>
-          </a:xfrm>
-          <a:prstGeom prst="rect">
-            <a:avLst/>
-          </a:prstGeom>
-        </p:spPr>
-        <p:txBody>
-          <a:bodyPr lIns="0" rIns="0" tIns="0" bIns="0" anchor="ctr">
-            <a:noAutofit/>
-          </a:bodyPr>
-          <a:p>
-            <a:endParaRPr b="0" lang="en-US" sz="1400" spc="-1" strike="noStrike">
-              <a:solidFill>
-                <a:srgbClr val="000000"/>
-              </a:solidFill>
-              <a:latin typeface="Arial"/>
-            </a:endParaRPr>
-          </a:p>
-        </p:txBody>
-      </p:sp>
-      <p:sp>
-        <p:nvSpPr>
-          <p:cNvPr id="157" name="PlaceHolder 2"/>
-          <p:cNvSpPr>
-            <a:spLocks noGrp="1"/>
-          </p:cNvSpPr>
-          <p:nvPr>
-            <p:ph type="body"/>
-          </p:nvPr>
-        </p:nvSpPr>
-        <p:spPr>
-          <a:xfrm>
-            <a:off x="729360" y="2079000"/>
-            <a:ext cx="7688520" cy="1078200"/>
-          </a:xfrm>
-          <a:prstGeom prst="rect">
-            <a:avLst/>
-          </a:prstGeom>
-        </p:spPr>
-        <p:txBody>
-          <a:bodyPr lIns="0" rIns="0" tIns="0" bIns="0">
-            <a:normAutofit/>
-          </a:bodyPr>
-          <a:p>
-            <a:endParaRPr b="0" lang="en-US" sz="1400" spc="-1" strike="noStrike">
-              <a:solidFill>
-                <a:srgbClr val="000000"/>
-              </a:solidFill>
-              <a:latin typeface="Arial"/>
-            </a:endParaRPr>
-          </a:p>
-        </p:txBody>
-      </p:sp>
-      <p:sp>
-        <p:nvSpPr>
-          <p:cNvPr id="158" name="PlaceHolder 3"/>
-          <p:cNvSpPr>
-            <a:spLocks noGrp="1"/>
-          </p:cNvSpPr>
-          <p:nvPr>
-            <p:ph type="body"/>
-          </p:nvPr>
-        </p:nvSpPr>
-        <p:spPr>
-          <a:xfrm>
-            <a:off x="729360" y="3260160"/>
-            <a:ext cx="7688520" cy="1078200"/>
-          </a:xfrm>
-          <a:prstGeom prst="rect">
-            <a:avLst/>
-          </a:prstGeom>
-        </p:spPr>
-        <p:txBody>
-          <a:bodyPr lIns="0" rIns="0" tIns="0" bIns="0">
-            <a:normAutofit/>
-          </a:bodyPr>
-          <a:p>
-            <a:endParaRPr b="0" lang="en-US" sz="1400" spc="-1" strike="noStrike">
-              <a:solidFill>
-                <a:srgbClr val="000000"/>
-              </a:solidFill>
-              <a:latin typeface="Arial"/>
-            </a:endParaRPr>
-          </a:p>
-        </p:txBody>
-      </p:sp>
-    </p:spTree>
-  </p:cSld>
-</p:sldLayout>
-</file>
-
-<file path=ppt/slideLayouts/slideLayout47.xml><?xml version="1.0" encoding="utf-8"?>
-<p:sldLayout xmlns:a="http://schemas.openxmlformats.org/drawingml/2006/main" xmlns:p="http://schemas.openxmlformats.org/presentationml/2006/main" xmlns:r="http://schemas.openxmlformats.org/officeDocument/2006/relationships" xmlns:p14="http://schemas.microsoft.com/office/powerpoint/2010/main" xmlns:p15="http://schemas.microsoft.com/office/powerpoint/2012/main" xmlns:mc="http://schemas.openxmlformats.org/markup-compatibility/2006" type="fourObj" preserve="1">
-  <p:cSld name="Title, 4 Content">
-    <p:spTree>
-      <p:nvGrpSpPr>
-        <p:cNvPr id="1" name=""/>
-        <p:cNvGrpSpPr/>
-        <p:nvPr/>
-      </p:nvGrpSpPr>
-      <p:grpSpPr>
-        <a:xfrm>
-          <a:off x="0" y="0"/>
-          <a:ext cx="0" cy="0"/>
-          <a:chOff x="0" y="0"/>
-          <a:chExt cx="0" cy="0"/>
-        </a:xfrm>
-      </p:grpSpPr>
-      <p:sp>
-        <p:nvSpPr>
-          <p:cNvPr id="159" name="PlaceHolder 1"/>
-          <p:cNvSpPr>
-            <a:spLocks noGrp="1"/>
-          </p:cNvSpPr>
-          <p:nvPr>
-            <p:ph type="title"/>
-          </p:nvPr>
-        </p:nvSpPr>
-        <p:spPr>
-          <a:xfrm>
-            <a:off x="729360" y="1318680"/>
-            <a:ext cx="7688520" cy="534960"/>
-          </a:xfrm>
-          <a:prstGeom prst="rect">
-            <a:avLst/>
-          </a:prstGeom>
-        </p:spPr>
-        <p:txBody>
-          <a:bodyPr lIns="0" rIns="0" tIns="0" bIns="0" anchor="ctr">
-            <a:noAutofit/>
-          </a:bodyPr>
-          <a:p>
-            <a:endParaRPr b="0" lang="en-US" sz="1400" spc="-1" strike="noStrike">
-              <a:solidFill>
-                <a:srgbClr val="000000"/>
-              </a:solidFill>
-              <a:latin typeface="Arial"/>
-            </a:endParaRPr>
-          </a:p>
-        </p:txBody>
-      </p:sp>
-      <p:sp>
-        <p:nvSpPr>
-          <p:cNvPr id="160" name="PlaceHolder 2"/>
-          <p:cNvSpPr>
-            <a:spLocks noGrp="1"/>
-          </p:cNvSpPr>
-          <p:nvPr>
-            <p:ph type="body"/>
-          </p:nvPr>
-        </p:nvSpPr>
-        <p:spPr>
-          <a:xfrm>
-            <a:off x="729360" y="2079000"/>
-            <a:ext cx="3751920" cy="1078200"/>
-          </a:xfrm>
-          <a:prstGeom prst="rect">
-            <a:avLst/>
-          </a:prstGeom>
-        </p:spPr>
-        <p:txBody>
-          <a:bodyPr lIns="0" rIns="0" tIns="0" bIns="0">
-            <a:normAutofit/>
-          </a:bodyPr>
-          <a:p>
-            <a:endParaRPr b="0" lang="en-US" sz="1400" spc="-1" strike="noStrike">
-              <a:solidFill>
-                <a:srgbClr val="000000"/>
-              </a:solidFill>
-              <a:latin typeface="Arial"/>
-            </a:endParaRPr>
-          </a:p>
-        </p:txBody>
-      </p:sp>
-      <p:sp>
-        <p:nvSpPr>
-          <p:cNvPr id="161" name="PlaceHolder 3"/>
-          <p:cNvSpPr>
-            <a:spLocks noGrp="1"/>
-          </p:cNvSpPr>
-          <p:nvPr>
-            <p:ph type="body"/>
-          </p:nvPr>
-        </p:nvSpPr>
-        <p:spPr>
-          <a:xfrm>
-            <a:off x="4669200" y="2079000"/>
-            <a:ext cx="3751920" cy="1078200"/>
-          </a:xfrm>
-          <a:prstGeom prst="rect">
-            <a:avLst/>
-          </a:prstGeom>
-        </p:spPr>
-        <p:txBody>
-          <a:bodyPr lIns="0" rIns="0" tIns="0" bIns="0">
-            <a:normAutofit/>
-          </a:bodyPr>
-          <a:p>
-            <a:endParaRPr b="0" lang="en-US" sz="1400" spc="-1" strike="noStrike">
-              <a:solidFill>
-                <a:srgbClr val="000000"/>
-              </a:solidFill>
-              <a:latin typeface="Arial"/>
-            </a:endParaRPr>
-          </a:p>
-        </p:txBody>
-      </p:sp>
-      <p:sp>
-        <p:nvSpPr>
-          <p:cNvPr id="162" name="PlaceHolder 4"/>
-          <p:cNvSpPr>
-            <a:spLocks noGrp="1"/>
-          </p:cNvSpPr>
-          <p:nvPr>
-            <p:ph type="body"/>
-          </p:nvPr>
-        </p:nvSpPr>
-        <p:spPr>
-          <a:xfrm>
-            <a:off x="729360" y="3260160"/>
-            <a:ext cx="3751920" cy="1078200"/>
-          </a:xfrm>
-          <a:prstGeom prst="rect">
-            <a:avLst/>
-          </a:prstGeom>
-        </p:spPr>
-        <p:txBody>
-          <a:bodyPr lIns="0" rIns="0" tIns="0" bIns="0">
-            <a:normAutofit/>
-          </a:bodyPr>
-          <a:p>
-            <a:endParaRPr b="0" lang="en-US" sz="1400" spc="-1" strike="noStrike">
-              <a:solidFill>
-                <a:srgbClr val="000000"/>
-              </a:solidFill>
-              <a:latin typeface="Arial"/>
-            </a:endParaRPr>
-          </a:p>
-        </p:txBody>
-      </p:sp>
-      <p:sp>
-        <p:nvSpPr>
-          <p:cNvPr id="163" name="PlaceHolder 5"/>
-          <p:cNvSpPr>
-            <a:spLocks noGrp="1"/>
-          </p:cNvSpPr>
-          <p:nvPr>
-            <p:ph type="body"/>
-          </p:nvPr>
-        </p:nvSpPr>
-        <p:spPr>
-          <a:xfrm>
-            <a:off x="4669200" y="3260160"/>
-            <a:ext cx="3751920" cy="1078200"/>
-          </a:xfrm>
-          <a:prstGeom prst="rect">
-            <a:avLst/>
-          </a:prstGeom>
-        </p:spPr>
-        <p:txBody>
-          <a:bodyPr lIns="0" rIns="0" tIns="0" bIns="0">
-            <a:normAutofit/>
-          </a:bodyPr>
-          <a:p>
-            <a:endParaRPr b="0" lang="en-US" sz="1400" spc="-1" strike="noStrike">
-              <a:solidFill>
-                <a:srgbClr val="000000"/>
-              </a:solidFill>
-              <a:latin typeface="Arial"/>
-            </a:endParaRPr>
-          </a:p>
-        </p:txBody>
-      </p:sp>
-    </p:spTree>
-  </p:cSld>
-</p:sldLayout>
-</file>
-
-<file path=ppt/slideLayouts/slideLayout48.xml><?xml version="1.0" encoding="utf-8"?>
-<p:sldLayout xmlns:a="http://schemas.openxmlformats.org/drawingml/2006/main" xmlns:p="http://schemas.openxmlformats.org/presentationml/2006/main" xmlns:r="http://schemas.openxmlformats.org/officeDocument/2006/relationships" xmlns:p14="http://schemas.microsoft.com/office/powerpoint/2010/main" xmlns:p15="http://schemas.microsoft.com/office/powerpoint/2012/main" xmlns:mc="http://schemas.openxmlformats.org/markup-compatibility/2006" type="blank" preserve="1">
-  <p:cSld name="Title, 6 Content">
-    <p:spTree>
-      <p:nvGrpSpPr>
-        <p:cNvPr id="1" name=""/>
-        <p:cNvGrpSpPr/>
-        <p:nvPr/>
-      </p:nvGrpSpPr>
-      <p:grpSpPr>
-        <a:xfrm>
-          <a:off x="0" y="0"/>
-          <a:ext cx="0" cy="0"/>
-          <a:chOff x="0" y="0"/>
-          <a:chExt cx="0" cy="0"/>
-        </a:xfrm>
-      </p:grpSpPr>
-      <p:sp>
-        <p:nvSpPr>
-          <p:cNvPr id="164" name="PlaceHolder 1"/>
-          <p:cNvSpPr>
-            <a:spLocks noGrp="1"/>
-          </p:cNvSpPr>
-          <p:nvPr>
-            <p:ph type="title"/>
-          </p:nvPr>
-        </p:nvSpPr>
-        <p:spPr>
-          <a:xfrm>
-            <a:off x="729360" y="1318680"/>
-            <a:ext cx="7688520" cy="534960"/>
-          </a:xfrm>
-          <a:prstGeom prst="rect">
-            <a:avLst/>
-          </a:prstGeom>
-        </p:spPr>
-        <p:txBody>
-          <a:bodyPr lIns="0" rIns="0" tIns="0" bIns="0" anchor="ctr">
-            <a:noAutofit/>
-          </a:bodyPr>
-          <a:p>
-            <a:endParaRPr b="0" lang="en-US" sz="1400" spc="-1" strike="noStrike">
-              <a:solidFill>
-                <a:srgbClr val="000000"/>
-              </a:solidFill>
-              <a:latin typeface="Arial"/>
-            </a:endParaRPr>
-          </a:p>
-        </p:txBody>
-      </p:sp>
-      <p:sp>
-        <p:nvSpPr>
-          <p:cNvPr id="165" name="PlaceHolder 2"/>
-          <p:cNvSpPr>
-            <a:spLocks noGrp="1"/>
-          </p:cNvSpPr>
-          <p:nvPr>
-            <p:ph type="body"/>
-          </p:nvPr>
-        </p:nvSpPr>
-        <p:spPr>
-          <a:xfrm>
-            <a:off x="729360" y="2079000"/>
-            <a:ext cx="2475360" cy="1078200"/>
-          </a:xfrm>
-          <a:prstGeom prst="rect">
-            <a:avLst/>
-          </a:prstGeom>
-        </p:spPr>
-        <p:txBody>
-          <a:bodyPr lIns="0" rIns="0" tIns="0" bIns="0">
-            <a:normAutofit/>
-          </a:bodyPr>
-          <a:p>
-            <a:endParaRPr b="0" lang="en-US" sz="1400" spc="-1" strike="noStrike">
-              <a:solidFill>
-                <a:srgbClr val="000000"/>
-              </a:solidFill>
-              <a:latin typeface="Arial"/>
-            </a:endParaRPr>
-          </a:p>
-        </p:txBody>
-      </p:sp>
-      <p:sp>
-        <p:nvSpPr>
-          <p:cNvPr id="166" name="PlaceHolder 3"/>
-          <p:cNvSpPr>
-            <a:spLocks noGrp="1"/>
-          </p:cNvSpPr>
-          <p:nvPr>
-            <p:ph type="body"/>
-          </p:nvPr>
-        </p:nvSpPr>
-        <p:spPr>
-          <a:xfrm>
-            <a:off x="3328920" y="2079000"/>
-            <a:ext cx="2475360" cy="1078200"/>
-          </a:xfrm>
-          <a:prstGeom prst="rect">
-            <a:avLst/>
-          </a:prstGeom>
-        </p:spPr>
-        <p:txBody>
-          <a:bodyPr lIns="0" rIns="0" tIns="0" bIns="0">
-            <a:normAutofit/>
-          </a:bodyPr>
-          <a:p>
-            <a:endParaRPr b="0" lang="en-US" sz="1400" spc="-1" strike="noStrike">
-              <a:solidFill>
-                <a:srgbClr val="000000"/>
-              </a:solidFill>
-              <a:latin typeface="Arial"/>
-            </a:endParaRPr>
-          </a:p>
-        </p:txBody>
-      </p:sp>
-      <p:sp>
-        <p:nvSpPr>
-          <p:cNvPr id="167" name="PlaceHolder 4"/>
-          <p:cNvSpPr>
-            <a:spLocks noGrp="1"/>
-          </p:cNvSpPr>
-          <p:nvPr>
-            <p:ph type="body"/>
-          </p:nvPr>
-        </p:nvSpPr>
-        <p:spPr>
-          <a:xfrm>
-            <a:off x="5928480" y="2079000"/>
-            <a:ext cx="2475360" cy="1078200"/>
-          </a:xfrm>
-          <a:prstGeom prst="rect">
-            <a:avLst/>
-          </a:prstGeom>
-        </p:spPr>
-        <p:txBody>
-          <a:bodyPr lIns="0" rIns="0" tIns="0" bIns="0">
-            <a:normAutofit/>
-          </a:bodyPr>
-          <a:p>
-            <a:endParaRPr b="0" lang="en-US" sz="1400" spc="-1" strike="noStrike">
-              <a:solidFill>
-                <a:srgbClr val="000000"/>
-              </a:solidFill>
-              <a:latin typeface="Arial"/>
-            </a:endParaRPr>
-          </a:p>
-        </p:txBody>
-      </p:sp>
-      <p:sp>
-        <p:nvSpPr>
-          <p:cNvPr id="168" name="PlaceHolder 5"/>
-          <p:cNvSpPr>
-            <a:spLocks noGrp="1"/>
-          </p:cNvSpPr>
-          <p:nvPr>
-            <p:ph type="body"/>
-          </p:nvPr>
-        </p:nvSpPr>
-        <p:spPr>
-          <a:xfrm>
-            <a:off x="729360" y="3260160"/>
-            <a:ext cx="2475360" cy="1078200"/>
-          </a:xfrm>
-          <a:prstGeom prst="rect">
-            <a:avLst/>
-          </a:prstGeom>
-        </p:spPr>
-        <p:txBody>
-          <a:bodyPr lIns="0" rIns="0" tIns="0" bIns="0">
-            <a:normAutofit/>
-          </a:bodyPr>
-          <a:p>
-            <a:endParaRPr b="0" lang="en-US" sz="1400" spc="-1" strike="noStrike">
-              <a:solidFill>
-                <a:srgbClr val="000000"/>
-              </a:solidFill>
-              <a:latin typeface="Arial"/>
-            </a:endParaRPr>
-          </a:p>
-        </p:txBody>
-      </p:sp>
-      <p:sp>
-        <p:nvSpPr>
-          <p:cNvPr id="169" name="PlaceHolder 6"/>
-          <p:cNvSpPr>
-            <a:spLocks noGrp="1"/>
-          </p:cNvSpPr>
-          <p:nvPr>
-            <p:ph type="body"/>
-          </p:nvPr>
-        </p:nvSpPr>
-        <p:spPr>
-          <a:xfrm>
-            <a:off x="3328920" y="3260160"/>
-            <a:ext cx="2475360" cy="1078200"/>
-          </a:xfrm>
-          <a:prstGeom prst="rect">
-            <a:avLst/>
-          </a:prstGeom>
-        </p:spPr>
-        <p:txBody>
-          <a:bodyPr lIns="0" rIns="0" tIns="0" bIns="0">
-            <a:normAutofit/>
-          </a:bodyPr>
-          <a:p>
-            <a:endParaRPr b="0" lang="en-US" sz="1400" spc="-1" strike="noStrike">
-              <a:solidFill>
-                <a:srgbClr val="000000"/>
-              </a:solidFill>
-              <a:latin typeface="Arial"/>
-            </a:endParaRPr>
-          </a:p>
-        </p:txBody>
-      </p:sp>
-      <p:sp>
-        <p:nvSpPr>
-          <p:cNvPr id="170" name="PlaceHolder 7"/>
-          <p:cNvSpPr>
-            <a:spLocks noGrp="1"/>
-          </p:cNvSpPr>
-          <p:nvPr>
-            <p:ph type="body"/>
-          </p:nvPr>
-        </p:nvSpPr>
-        <p:spPr>
-          <a:xfrm>
-            <a:off x="5928480" y="3260160"/>
-            <a:ext cx="2475360" cy="1078200"/>
-          </a:xfrm>
-          <a:prstGeom prst="rect">
-            <a:avLst/>
-          </a:prstGeom>
-        </p:spPr>
-        <p:txBody>
-          <a:bodyPr lIns="0" rIns="0" tIns="0" bIns="0">
-            <a:normAutofit/>
-          </a:bodyPr>
-          <a:p>
-            <a:endParaRPr b="0" lang="en-US" sz="1400" spc="-1" strike="noStrike">
-              <a:solidFill>
-                <a:srgbClr val="000000"/>
-              </a:solidFill>
               <a:latin typeface="Arial"/>
             </a:endParaRPr>
           </a:p>
@@ -5265,7 +3575,7 @@
       </p:grpSpPr>
       <p:sp>
         <p:nvSpPr>
-          <p:cNvPr id="14" name="PlaceHolder 1"/>
+          <p:cNvPr id="13" name="PlaceHolder 1"/>
           <p:cNvSpPr>
             <a:spLocks noGrp="1"/>
           </p:cNvSpPr>
@@ -5275,8 +3585,8 @@
         </p:nvSpPr>
         <p:spPr>
           <a:xfrm>
-            <a:off x="729360" y="1318680"/>
-            <a:ext cx="7688520" cy="534960"/>
+            <a:off x="729360" y="1273320"/>
+            <a:ext cx="7688160" cy="625320"/>
           </a:xfrm>
           <a:prstGeom prst="rect">
             <a:avLst/>
@@ -5287,10 +3597,8 @@
             <a:noAutofit/>
           </a:bodyPr>
           <a:p>
-            <a:endParaRPr b="0" lang="en-US" sz="1400" spc="-1" strike="noStrike">
-              <a:solidFill>
-                <a:srgbClr val="000000"/>
-              </a:solidFill>
+            <a:pPr algn="ctr"/>
+            <a:endParaRPr b="0" lang="en-US" sz="4400" spc="-1" strike="noStrike">
               <a:latin typeface="Arial"/>
             </a:endParaRPr>
           </a:p>
@@ -5320,7 +3628,7 @@
       </p:grpSpPr>
       <p:sp>
         <p:nvSpPr>
-          <p:cNvPr id="15" name="PlaceHolder 1"/>
+          <p:cNvPr id="14" name="PlaceHolder 1"/>
           <p:cNvSpPr>
             <a:spLocks noGrp="1"/>
           </p:cNvSpPr>
@@ -5331,7 +3639,7 @@
         <p:spPr>
           <a:xfrm>
             <a:off x="729360" y="1318680"/>
-            <a:ext cx="7688520" cy="2481120"/>
+            <a:ext cx="7688160" cy="2479320"/>
           </a:xfrm>
           <a:prstGeom prst="rect">
             <a:avLst/>
@@ -5373,7 +3681,7 @@
       </p:grpSpPr>
       <p:sp>
         <p:nvSpPr>
-          <p:cNvPr id="16" name="PlaceHolder 1"/>
+          <p:cNvPr id="15" name="PlaceHolder 1"/>
           <p:cNvSpPr>
             <a:spLocks noGrp="1"/>
           </p:cNvSpPr>
@@ -5383,8 +3691,8 @@
         </p:nvSpPr>
         <p:spPr>
           <a:xfrm>
-            <a:off x="729360" y="1318680"/>
-            <a:ext cx="7688520" cy="534960"/>
+            <a:off x="729360" y="1273320"/>
+            <a:ext cx="7688160" cy="625320"/>
           </a:xfrm>
           <a:prstGeom prst="rect">
             <a:avLst/>
@@ -5395,18 +3703,16 @@
             <a:noAutofit/>
           </a:bodyPr>
           <a:p>
-            <a:endParaRPr b="0" lang="en-US" sz="1400" spc="-1" strike="noStrike">
-              <a:solidFill>
-                <a:srgbClr val="000000"/>
-              </a:solidFill>
-              <a:latin typeface="Arial"/>
-            </a:endParaRPr>
-          </a:p>
-        </p:txBody>
-      </p:sp>
-      <p:sp>
-        <p:nvSpPr>
-          <p:cNvPr id="17" name="PlaceHolder 2"/>
+            <a:pPr algn="ctr"/>
+            <a:endParaRPr b="0" lang="en-US" sz="4400" spc="-1" strike="noStrike">
+              <a:latin typeface="Arial"/>
+            </a:endParaRPr>
+          </a:p>
+        </p:txBody>
+      </p:sp>
+      <p:sp>
+        <p:nvSpPr>
+          <p:cNvPr id="16" name="PlaceHolder 2"/>
           <p:cNvSpPr>
             <a:spLocks noGrp="1"/>
           </p:cNvSpPr>
@@ -5417,7 +3723,7 @@
         <p:spPr>
           <a:xfrm>
             <a:off x="729360" y="2079000"/>
-            <a:ext cx="3751920" cy="1078200"/>
+            <a:ext cx="3751560" cy="1078200"/>
           </a:xfrm>
           <a:prstGeom prst="rect">
             <a:avLst/>
@@ -5428,18 +3734,15 @@
             <a:normAutofit/>
           </a:bodyPr>
           <a:p>
-            <a:endParaRPr b="0" lang="en-US" sz="1400" spc="-1" strike="noStrike">
-              <a:solidFill>
-                <a:srgbClr val="000000"/>
-              </a:solidFill>
-              <a:latin typeface="Arial"/>
-            </a:endParaRPr>
-          </a:p>
-        </p:txBody>
-      </p:sp>
-      <p:sp>
-        <p:nvSpPr>
-          <p:cNvPr id="18" name="PlaceHolder 3"/>
+            <a:endParaRPr b="0" lang="en-US" sz="3200" spc="-1" strike="noStrike">
+              <a:latin typeface="Arial"/>
+            </a:endParaRPr>
+          </a:p>
+        </p:txBody>
+      </p:sp>
+      <p:sp>
+        <p:nvSpPr>
+          <p:cNvPr id="17" name="PlaceHolder 3"/>
           <p:cNvSpPr>
             <a:spLocks noGrp="1"/>
           </p:cNvSpPr>
@@ -5449,8 +3752,8 @@
         </p:nvSpPr>
         <p:spPr>
           <a:xfrm>
-            <a:off x="4669200" y="2079000"/>
-            <a:ext cx="3751920" cy="2260800"/>
+            <a:off x="4668840" y="2079000"/>
+            <a:ext cx="3751560" cy="2260440"/>
           </a:xfrm>
           <a:prstGeom prst="rect">
             <a:avLst/>
@@ -5461,18 +3764,15 @@
             <a:normAutofit/>
           </a:bodyPr>
           <a:p>
-            <a:endParaRPr b="0" lang="en-US" sz="1400" spc="-1" strike="noStrike">
-              <a:solidFill>
-                <a:srgbClr val="000000"/>
-              </a:solidFill>
-              <a:latin typeface="Arial"/>
-            </a:endParaRPr>
-          </a:p>
-        </p:txBody>
-      </p:sp>
-      <p:sp>
-        <p:nvSpPr>
-          <p:cNvPr id="19" name="PlaceHolder 4"/>
+            <a:endParaRPr b="0" lang="en-US" sz="3200" spc="-1" strike="noStrike">
+              <a:latin typeface="Arial"/>
+            </a:endParaRPr>
+          </a:p>
+        </p:txBody>
+      </p:sp>
+      <p:sp>
+        <p:nvSpPr>
+          <p:cNvPr id="18" name="PlaceHolder 4"/>
           <p:cNvSpPr>
             <a:spLocks noGrp="1"/>
           </p:cNvSpPr>
@@ -5483,7 +3783,7 @@
         <p:spPr>
           <a:xfrm>
             <a:off x="729360" y="3260160"/>
-            <a:ext cx="3751920" cy="1078200"/>
+            <a:ext cx="3751560" cy="1078200"/>
           </a:xfrm>
           <a:prstGeom prst="rect">
             <a:avLst/>
@@ -5494,10 +3794,7 @@
             <a:normAutofit/>
           </a:bodyPr>
           <a:p>
-            <a:endParaRPr b="0" lang="en-US" sz="1400" spc="-1" strike="noStrike">
-              <a:solidFill>
-                <a:srgbClr val="000000"/>
-              </a:solidFill>
+            <a:endParaRPr b="0" lang="en-US" sz="3200" spc="-1" strike="noStrike">
               <a:latin typeface="Arial"/>
             </a:endParaRPr>
           </a:p>
@@ -5527,7 +3824,7 @@
       </p:grpSpPr>
       <p:sp>
         <p:nvSpPr>
-          <p:cNvPr id="20" name="PlaceHolder 1"/>
+          <p:cNvPr id="19" name="PlaceHolder 1"/>
           <p:cNvSpPr>
             <a:spLocks noGrp="1"/>
           </p:cNvSpPr>
@@ -5537,8 +3834,8 @@
         </p:nvSpPr>
         <p:spPr>
           <a:xfrm>
-            <a:off x="729360" y="1318680"/>
-            <a:ext cx="7688520" cy="534960"/>
+            <a:off x="729360" y="1273320"/>
+            <a:ext cx="7688160" cy="625320"/>
           </a:xfrm>
           <a:prstGeom prst="rect">
             <a:avLst/>
@@ -5549,18 +3846,16 @@
             <a:noAutofit/>
           </a:bodyPr>
           <a:p>
-            <a:endParaRPr b="0" lang="en-US" sz="1400" spc="-1" strike="noStrike">
-              <a:solidFill>
-                <a:srgbClr val="000000"/>
-              </a:solidFill>
-              <a:latin typeface="Arial"/>
-            </a:endParaRPr>
-          </a:p>
-        </p:txBody>
-      </p:sp>
-      <p:sp>
-        <p:nvSpPr>
-          <p:cNvPr id="21" name="PlaceHolder 2"/>
+            <a:pPr algn="ctr"/>
+            <a:endParaRPr b="0" lang="en-US" sz="4400" spc="-1" strike="noStrike">
+              <a:latin typeface="Arial"/>
+            </a:endParaRPr>
+          </a:p>
+        </p:txBody>
+      </p:sp>
+      <p:sp>
+        <p:nvSpPr>
+          <p:cNvPr id="20" name="PlaceHolder 2"/>
           <p:cNvSpPr>
             <a:spLocks noGrp="1"/>
           </p:cNvSpPr>
@@ -5571,7 +3866,7 @@
         <p:spPr>
           <a:xfrm>
             <a:off x="729360" y="2079000"/>
-            <a:ext cx="3751920" cy="2260800"/>
+            <a:ext cx="3751560" cy="2260440"/>
           </a:xfrm>
           <a:prstGeom prst="rect">
             <a:avLst/>
@@ -5582,18 +3877,15 @@
             <a:normAutofit/>
           </a:bodyPr>
           <a:p>
-            <a:endParaRPr b="0" lang="en-US" sz="1400" spc="-1" strike="noStrike">
-              <a:solidFill>
-                <a:srgbClr val="000000"/>
-              </a:solidFill>
-              <a:latin typeface="Arial"/>
-            </a:endParaRPr>
-          </a:p>
-        </p:txBody>
-      </p:sp>
-      <p:sp>
-        <p:nvSpPr>
-          <p:cNvPr id="22" name="PlaceHolder 3"/>
+            <a:endParaRPr b="0" lang="en-US" sz="3200" spc="-1" strike="noStrike">
+              <a:latin typeface="Arial"/>
+            </a:endParaRPr>
+          </a:p>
+        </p:txBody>
+      </p:sp>
+      <p:sp>
+        <p:nvSpPr>
+          <p:cNvPr id="21" name="PlaceHolder 3"/>
           <p:cNvSpPr>
             <a:spLocks noGrp="1"/>
           </p:cNvSpPr>
@@ -5603,8 +3895,8 @@
         </p:nvSpPr>
         <p:spPr>
           <a:xfrm>
-            <a:off x="4669200" y="2079000"/>
-            <a:ext cx="3751920" cy="1078200"/>
+            <a:off x="4668840" y="2079000"/>
+            <a:ext cx="3751560" cy="1078200"/>
           </a:xfrm>
           <a:prstGeom prst="rect">
             <a:avLst/>
@@ -5615,18 +3907,15 @@
             <a:normAutofit/>
           </a:bodyPr>
           <a:p>
-            <a:endParaRPr b="0" lang="en-US" sz="1400" spc="-1" strike="noStrike">
-              <a:solidFill>
-                <a:srgbClr val="000000"/>
-              </a:solidFill>
-              <a:latin typeface="Arial"/>
-            </a:endParaRPr>
-          </a:p>
-        </p:txBody>
-      </p:sp>
-      <p:sp>
-        <p:nvSpPr>
-          <p:cNvPr id="23" name="PlaceHolder 4"/>
+            <a:endParaRPr b="0" lang="en-US" sz="3200" spc="-1" strike="noStrike">
+              <a:latin typeface="Arial"/>
+            </a:endParaRPr>
+          </a:p>
+        </p:txBody>
+      </p:sp>
+      <p:sp>
+        <p:nvSpPr>
+          <p:cNvPr id="22" name="PlaceHolder 4"/>
           <p:cNvSpPr>
             <a:spLocks noGrp="1"/>
           </p:cNvSpPr>
@@ -5636,8 +3925,8 @@
         </p:nvSpPr>
         <p:spPr>
           <a:xfrm>
-            <a:off x="4669200" y="3260160"/>
-            <a:ext cx="3751920" cy="1078200"/>
+            <a:off x="4668840" y="3260160"/>
+            <a:ext cx="3751560" cy="1078200"/>
           </a:xfrm>
           <a:prstGeom prst="rect">
             <a:avLst/>
@@ -5648,10 +3937,7 @@
             <a:normAutofit/>
           </a:bodyPr>
           <a:p>
-            <a:endParaRPr b="0" lang="en-US" sz="1400" spc="-1" strike="noStrike">
-              <a:solidFill>
-                <a:srgbClr val="000000"/>
-              </a:solidFill>
+            <a:endParaRPr b="0" lang="en-US" sz="3200" spc="-1" strike="noStrike">
               <a:latin typeface="Arial"/>
             </a:endParaRPr>
           </a:p>
@@ -5681,7 +3967,7 @@
       </p:grpSpPr>
       <p:sp>
         <p:nvSpPr>
-          <p:cNvPr id="24" name="PlaceHolder 1"/>
+          <p:cNvPr id="23" name="PlaceHolder 1"/>
           <p:cNvSpPr>
             <a:spLocks noGrp="1"/>
           </p:cNvSpPr>
@@ -5691,8 +3977,8 @@
         </p:nvSpPr>
         <p:spPr>
           <a:xfrm>
-            <a:off x="729360" y="1318680"/>
-            <a:ext cx="7688520" cy="534960"/>
+            <a:off x="729360" y="1273320"/>
+            <a:ext cx="7688160" cy="625320"/>
           </a:xfrm>
           <a:prstGeom prst="rect">
             <a:avLst/>
@@ -5703,18 +3989,16 @@
             <a:noAutofit/>
           </a:bodyPr>
           <a:p>
-            <a:endParaRPr b="0" lang="en-US" sz="1400" spc="-1" strike="noStrike">
-              <a:solidFill>
-                <a:srgbClr val="000000"/>
-              </a:solidFill>
-              <a:latin typeface="Arial"/>
-            </a:endParaRPr>
-          </a:p>
-        </p:txBody>
-      </p:sp>
-      <p:sp>
-        <p:nvSpPr>
-          <p:cNvPr id="25" name="PlaceHolder 2"/>
+            <a:pPr algn="ctr"/>
+            <a:endParaRPr b="0" lang="en-US" sz="4400" spc="-1" strike="noStrike">
+              <a:latin typeface="Arial"/>
+            </a:endParaRPr>
+          </a:p>
+        </p:txBody>
+      </p:sp>
+      <p:sp>
+        <p:nvSpPr>
+          <p:cNvPr id="24" name="PlaceHolder 2"/>
           <p:cNvSpPr>
             <a:spLocks noGrp="1"/>
           </p:cNvSpPr>
@@ -5725,7 +4009,7 @@
         <p:spPr>
           <a:xfrm>
             <a:off x="729360" y="2079000"/>
-            <a:ext cx="3751920" cy="1078200"/>
+            <a:ext cx="3751560" cy="1078200"/>
           </a:xfrm>
           <a:prstGeom prst="rect">
             <a:avLst/>
@@ -5736,18 +4020,15 @@
             <a:normAutofit/>
           </a:bodyPr>
           <a:p>
-            <a:endParaRPr b="0" lang="en-US" sz="1400" spc="-1" strike="noStrike">
-              <a:solidFill>
-                <a:srgbClr val="000000"/>
-              </a:solidFill>
-              <a:latin typeface="Arial"/>
-            </a:endParaRPr>
-          </a:p>
-        </p:txBody>
-      </p:sp>
-      <p:sp>
-        <p:nvSpPr>
-          <p:cNvPr id="26" name="PlaceHolder 3"/>
+            <a:endParaRPr b="0" lang="en-US" sz="3200" spc="-1" strike="noStrike">
+              <a:latin typeface="Arial"/>
+            </a:endParaRPr>
+          </a:p>
+        </p:txBody>
+      </p:sp>
+      <p:sp>
+        <p:nvSpPr>
+          <p:cNvPr id="25" name="PlaceHolder 3"/>
           <p:cNvSpPr>
             <a:spLocks noGrp="1"/>
           </p:cNvSpPr>
@@ -5757,8 +4038,8 @@
         </p:nvSpPr>
         <p:spPr>
           <a:xfrm>
-            <a:off x="4669200" y="2079000"/>
-            <a:ext cx="3751920" cy="1078200"/>
+            <a:off x="4668840" y="2079000"/>
+            <a:ext cx="3751560" cy="1078200"/>
           </a:xfrm>
           <a:prstGeom prst="rect">
             <a:avLst/>
@@ -5769,18 +4050,15 @@
             <a:normAutofit/>
           </a:bodyPr>
           <a:p>
-            <a:endParaRPr b="0" lang="en-US" sz="1400" spc="-1" strike="noStrike">
-              <a:solidFill>
-                <a:srgbClr val="000000"/>
-              </a:solidFill>
-              <a:latin typeface="Arial"/>
-            </a:endParaRPr>
-          </a:p>
-        </p:txBody>
-      </p:sp>
-      <p:sp>
-        <p:nvSpPr>
-          <p:cNvPr id="27" name="PlaceHolder 4"/>
+            <a:endParaRPr b="0" lang="en-US" sz="3200" spc="-1" strike="noStrike">
+              <a:latin typeface="Arial"/>
+            </a:endParaRPr>
+          </a:p>
+        </p:txBody>
+      </p:sp>
+      <p:sp>
+        <p:nvSpPr>
+          <p:cNvPr id="26" name="PlaceHolder 4"/>
           <p:cNvSpPr>
             <a:spLocks noGrp="1"/>
           </p:cNvSpPr>
@@ -5791,7 +4069,7 @@
         <p:spPr>
           <a:xfrm>
             <a:off x="729360" y="3260160"/>
-            <a:ext cx="7688520" cy="1078200"/>
+            <a:ext cx="7688160" cy="1078200"/>
           </a:xfrm>
           <a:prstGeom prst="rect">
             <a:avLst/>
@@ -5802,10 +4080,7 @@
             <a:normAutofit/>
           </a:bodyPr>
           <a:p>
-            <a:endParaRPr b="0" lang="en-US" sz="1400" spc="-1" strike="noStrike">
-              <a:solidFill>
-                <a:srgbClr val="000000"/>
-              </a:solidFill>
+            <a:endParaRPr b="0" lang="en-US" sz="3200" spc="-1" strike="noStrike">
               <a:latin typeface="Arial"/>
             </a:endParaRPr>
           </a:p>
@@ -5849,7 +4124,7 @@
         <p:spPr>
           <a:xfrm>
             <a:off x="0" y="0"/>
-            <a:ext cx="9143640" cy="487440"/>
+            <a:ext cx="9143280" cy="487080"/>
           </a:xfrm>
           <a:prstGeom prst="rect">
             <a:avLst/>
@@ -5877,9 +4152,9 @@
         <p:grpSpPr>
           <a:xfrm>
             <a:off x="830520" y="1191600"/>
-            <a:ext cx="745200" cy="45360"/>
+            <a:ext cx="744840" cy="45000"/>
             <a:chOff x="830520" y="1191600"/>
-            <a:chExt cx="745200" cy="45360"/>
+            <a:chExt cx="744840" cy="45000"/>
           </a:xfrm>
         </p:grpSpPr>
         <p:sp>
@@ -5891,7 +4166,7 @@
           <p:spPr>
             <a:xfrm rot="16200000">
               <a:off x="1366560" y="1027800"/>
-              <a:ext cx="45360" cy="372600"/>
+              <a:ext cx="45000" cy="372240"/>
             </a:xfrm>
             <a:prstGeom prst="rect">
               <a:avLst/>
@@ -5919,7 +4194,7 @@
           <p:spPr>
             <a:xfrm rot="16200000">
               <a:off x="995400" y="1026360"/>
-              <a:ext cx="45360" cy="375480"/>
+              <a:ext cx="45000" cy="375120"/>
             </a:xfrm>
             <a:prstGeom prst="rect">
               <a:avLst/>
@@ -5951,31 +4226,25 @@
         </p:nvSpPr>
         <p:spPr>
           <a:xfrm>
-            <a:off x="729360" y="1322280"/>
-            <a:ext cx="7687800" cy="1664280"/>
-          </a:xfrm>
-          <a:prstGeom prst="rect">
-            <a:avLst/>
-          </a:prstGeom>
-        </p:spPr>
-        <p:txBody>
-          <a:bodyPr tIns="91440" bIns="91440">
-            <a:normAutofit/>
+            <a:off x="729360" y="1318680"/>
+            <a:ext cx="7688160" cy="534600"/>
+          </a:xfrm>
+          <a:prstGeom prst="rect">
+            <a:avLst/>
+          </a:prstGeom>
+        </p:spPr>
+        <p:txBody>
+          <a:bodyPr lIns="0" rIns="0" tIns="0" bIns="0" anchor="ctr">
+            <a:noAutofit/>
           </a:bodyPr>
           <a:p>
             <a:r>
-              <a:rPr b="0" lang="en-US" sz="4200" spc="-1" strike="noStrike">
-                <a:solidFill>
-                  <a:srgbClr val="000000"/>
-                </a:solidFill>
+              <a:rPr b="0" lang="en-US" sz="1800" spc="-1" strike="noStrike">
                 <a:latin typeface="Arial"/>
               </a:rPr>
               <a:t>Click to edit the title text format</a:t>
             </a:r>
-            <a:endParaRPr b="0" lang="en-US" sz="4200" spc="-1" strike="noStrike">
-              <a:solidFill>
-                <a:srgbClr val="000000"/>
-              </a:solidFill>
+            <a:endParaRPr b="0" lang="en-US" sz="1800" spc="-1" strike="noStrike">
               <a:latin typeface="Arial"/>
             </a:endParaRPr>
           </a:p>
@@ -5984,54 +4253,6 @@
       <p:sp>
         <p:nvSpPr>
           <p:cNvPr id="5" name="PlaceHolder 6"/>
-          <p:cNvSpPr>
-            <a:spLocks noGrp="1"/>
-          </p:cNvSpPr>
-          <p:nvPr>
-            <p:ph type="sldNum"/>
-          </p:nvPr>
-        </p:nvSpPr>
-        <p:spPr>
-          <a:xfrm>
-            <a:off x="8536320" y="4749840"/>
-            <a:ext cx="548280" cy="393120"/>
-          </a:xfrm>
-          <a:prstGeom prst="rect">
-            <a:avLst/>
-          </a:prstGeom>
-        </p:spPr>
-        <p:txBody>
-          <a:bodyPr tIns="91440" bIns="91440" anchor="ctr">
-            <a:normAutofit/>
-          </a:bodyPr>
-          <a:p>
-            <a:pPr algn="r">
-              <a:lnSpc>
-                <a:spcPct val="100000"/>
-              </a:lnSpc>
-              <a:tabLst>
-                <a:tab algn="l" pos="0"/>
-              </a:tabLst>
-            </a:pPr>
-            <a:fld id="{96A1AFE8-2243-4547-9EF2-42C83730CFD2}" type="slidenum">
-              <a:rPr b="0" lang="id" sz="1000" spc="-1" strike="noStrike">
-                <a:solidFill>
-                  <a:srgbClr val="595959"/>
-                </a:solidFill>
-                <a:latin typeface="Lato"/>
-                <a:ea typeface="Lato"/>
-              </a:rPr>
-              <a:t>&lt;number&gt;</a:t>
-            </a:fld>
-            <a:endParaRPr b="0" lang="en-US" sz="1000" spc="-1" strike="noStrike">
-              <a:latin typeface="Times New Roman"/>
-            </a:endParaRPr>
-          </a:p>
-        </p:txBody>
-      </p:sp>
-      <p:sp>
-        <p:nvSpPr>
-          <p:cNvPr id="6" name="PlaceHolder 7"/>
           <p:cNvSpPr>
             <a:spLocks noGrp="1"/>
           </p:cNvSpPr>
@@ -6065,18 +4286,12 @@
               <a:buChar char=""/>
             </a:pPr>
             <a:r>
-              <a:rPr b="0" lang="en-US" sz="1400" spc="-1" strike="noStrike">
-                <a:solidFill>
-                  <a:srgbClr val="000000"/>
-                </a:solidFill>
+              <a:rPr b="0" lang="en-US" sz="3200" spc="-1" strike="noStrike">
                 <a:latin typeface="Arial"/>
               </a:rPr>
               <a:t>Click to edit the outline text format</a:t>
             </a:r>
-            <a:endParaRPr b="0" lang="en-US" sz="1400" spc="-1" strike="noStrike">
-              <a:solidFill>
-                <a:srgbClr val="000000"/>
-              </a:solidFill>
+            <a:endParaRPr b="0" lang="en-US" sz="3200" spc="-1" strike="noStrike">
               <a:latin typeface="Arial"/>
             </a:endParaRPr>
           </a:p>
@@ -6093,18 +4308,12 @@
               <a:buChar char=""/>
             </a:pPr>
             <a:r>
-              <a:rPr b="0" lang="en-US" sz="1400" spc="-1" strike="noStrike">
-                <a:solidFill>
-                  <a:srgbClr val="000000"/>
-                </a:solidFill>
+              <a:rPr b="0" lang="en-US" sz="2800" spc="-1" strike="noStrike">
                 <a:latin typeface="Arial"/>
               </a:rPr>
               <a:t>Second Outline Level</a:t>
             </a:r>
-            <a:endParaRPr b="0" lang="en-US" sz="1400" spc="-1" strike="noStrike">
-              <a:solidFill>
-                <a:srgbClr val="000000"/>
-              </a:solidFill>
+            <a:endParaRPr b="0" lang="en-US" sz="2800" spc="-1" strike="noStrike">
               <a:latin typeface="Arial"/>
             </a:endParaRPr>
           </a:p>
@@ -6121,18 +4330,12 @@
               <a:buChar char=""/>
             </a:pPr>
             <a:r>
-              <a:rPr b="0" lang="en-US" sz="1400" spc="-1" strike="noStrike">
-                <a:solidFill>
-                  <a:srgbClr val="000000"/>
-                </a:solidFill>
+              <a:rPr b="0" lang="en-US" sz="2400" spc="-1" strike="noStrike">
                 <a:latin typeface="Arial"/>
               </a:rPr>
               <a:t>Third Outline Level</a:t>
             </a:r>
-            <a:endParaRPr b="0" lang="en-US" sz="1400" spc="-1" strike="noStrike">
-              <a:solidFill>
-                <a:srgbClr val="000000"/>
-              </a:solidFill>
+            <a:endParaRPr b="0" lang="en-US" sz="2400" spc="-1" strike="noStrike">
               <a:latin typeface="Arial"/>
             </a:endParaRPr>
           </a:p>
@@ -6149,18 +4352,12 @@
               <a:buChar char=""/>
             </a:pPr>
             <a:r>
-              <a:rPr b="0" lang="en-US" sz="1400" spc="-1" strike="noStrike">
-                <a:solidFill>
-                  <a:srgbClr val="000000"/>
-                </a:solidFill>
+              <a:rPr b="0" lang="en-US" sz="2000" spc="-1" strike="noStrike">
                 <a:latin typeface="Arial"/>
               </a:rPr>
               <a:t>Fourth Outline Level</a:t>
             </a:r>
-            <a:endParaRPr b="0" lang="en-US" sz="1400" spc="-1" strike="noStrike">
-              <a:solidFill>
-                <a:srgbClr val="000000"/>
-              </a:solidFill>
+            <a:endParaRPr b="0" lang="en-US" sz="2000" spc="-1" strike="noStrike">
               <a:latin typeface="Arial"/>
             </a:endParaRPr>
           </a:p>
@@ -6178,17 +4375,11 @@
             </a:pPr>
             <a:r>
               <a:rPr b="0" lang="en-US" sz="2000" spc="-1" strike="noStrike">
-                <a:solidFill>
-                  <a:srgbClr val="000000"/>
-                </a:solidFill>
                 <a:latin typeface="Arial"/>
               </a:rPr>
               <a:t>Fifth Outline Level</a:t>
             </a:r>
             <a:endParaRPr b="0" lang="en-US" sz="2000" spc="-1" strike="noStrike">
-              <a:solidFill>
-                <a:srgbClr val="000000"/>
-              </a:solidFill>
               <a:latin typeface="Arial"/>
             </a:endParaRPr>
           </a:p>
@@ -6206,17 +4397,11 @@
             </a:pPr>
             <a:r>
               <a:rPr b="0" lang="en-US" sz="2000" spc="-1" strike="noStrike">
-                <a:solidFill>
-                  <a:srgbClr val="000000"/>
-                </a:solidFill>
                 <a:latin typeface="Arial"/>
               </a:rPr>
               <a:t>Sixth Outline Level</a:t>
             </a:r>
             <a:endParaRPr b="0" lang="en-US" sz="2000" spc="-1" strike="noStrike">
-              <a:solidFill>
-                <a:srgbClr val="000000"/>
-              </a:solidFill>
               <a:latin typeface="Arial"/>
             </a:endParaRPr>
           </a:p>
@@ -6234,17 +4419,11 @@
             </a:pPr>
             <a:r>
               <a:rPr b="0" lang="en-US" sz="2000" spc="-1" strike="noStrike">
-                <a:solidFill>
-                  <a:srgbClr val="000000"/>
-                </a:solidFill>
                 <a:latin typeface="Arial"/>
               </a:rPr>
               <a:t>Seventh Outline Level</a:t>
             </a:r>
             <a:endParaRPr b="0" lang="en-US" sz="2000" spc="-1" strike="noStrike">
-              <a:solidFill>
-                <a:srgbClr val="000000"/>
-              </a:solidFill>
               <a:latin typeface="Arial"/>
             </a:endParaRPr>
           </a:p>
@@ -6276,7 +4455,7 @@
     <p:bg>
       <p:bgPr>
         <a:solidFill>
-          <a:srgbClr val="ffffff"/>
+          <a:srgbClr val="1a9988"/>
         </a:solidFill>
       </p:bgPr>
     </p:bg>
@@ -6294,64 +4473,36 @@
           <a:chExt cx="0" cy="0"/>
         </a:xfrm>
       </p:grpSpPr>
-      <p:sp>
-        <p:nvSpPr>
-          <p:cNvPr id="43" name="CustomShape 1"/>
-          <p:cNvSpPr/>
-          <p:nvPr/>
-        </p:nvSpPr>
-        <p:spPr>
-          <a:xfrm>
-            <a:off x="0" y="0"/>
-            <a:ext cx="9143640" cy="487440"/>
-          </a:xfrm>
-          <a:prstGeom prst="rect">
-            <a:avLst/>
-          </a:prstGeom>
-          <a:solidFill>
-            <a:schemeClr val="lt2"/>
-          </a:solidFill>
-          <a:ln>
-            <a:noFill/>
-          </a:ln>
-        </p:spPr>
-        <p:style>
-          <a:lnRef idx="0"/>
-          <a:fillRef idx="0"/>
-          <a:effectRef idx="0"/>
-          <a:fontRef idx="minor"/>
-        </p:style>
-      </p:sp>
       <p:grpSp>
         <p:nvGrpSpPr>
-          <p:cNvPr id="44" name="Group 2"/>
+          <p:cNvPr id="42" name="Group 1"/>
           <p:cNvGrpSpPr/>
           <p:nvPr/>
         </p:nvGrpSpPr>
         <p:grpSpPr>
           <a:xfrm>
             <a:off x="830520" y="1191600"/>
-            <a:ext cx="745200" cy="45360"/>
+            <a:ext cx="744840" cy="45000"/>
             <a:chOff x="830520" y="1191600"/>
-            <a:chExt cx="745200" cy="45360"/>
+            <a:chExt cx="744840" cy="45000"/>
           </a:xfrm>
         </p:grpSpPr>
         <p:sp>
           <p:nvSpPr>
-            <p:cNvPr id="45" name="CustomShape 3"/>
+            <p:cNvPr id="43" name="CustomShape 2"/>
             <p:cNvSpPr/>
             <p:nvPr/>
           </p:nvSpPr>
           <p:spPr>
             <a:xfrm rot="16200000">
               <a:off x="1366560" y="1027800"/>
-              <a:ext cx="45360" cy="372600"/>
+              <a:ext cx="45000" cy="372240"/>
             </a:xfrm>
             <a:prstGeom prst="rect">
               <a:avLst/>
             </a:prstGeom>
             <a:solidFill>
-              <a:schemeClr val="accent3"/>
+              <a:schemeClr val="lt1"/>
             </a:solidFill>
             <a:ln>
               <a:noFill/>
@@ -6366,20 +4517,20 @@
         </p:sp>
         <p:sp>
           <p:nvSpPr>
-            <p:cNvPr id="46" name="CustomShape 4"/>
+            <p:cNvPr id="44" name="CustomShape 3"/>
             <p:cNvSpPr/>
             <p:nvPr/>
           </p:nvSpPr>
           <p:spPr>
             <a:xfrm rot="16200000">
               <a:off x="995400" y="1026360"/>
-              <a:ext cx="45360" cy="375480"/>
+              <a:ext cx="45000" cy="375120"/>
             </a:xfrm>
             <a:prstGeom prst="rect">
               <a:avLst/>
             </a:prstGeom>
             <a:solidFill>
-              <a:schemeClr val="dk1"/>
+              <a:schemeClr val="lt1"/>
             </a:solidFill>
             <a:ln>
               <a:noFill/>
@@ -6395,7 +4546,7 @@
       </p:grpSp>
       <p:sp>
         <p:nvSpPr>
-          <p:cNvPr id="47" name="PlaceHolder 5"/>
+          <p:cNvPr id="45" name="PlaceHolder 4"/>
           <p:cNvSpPr>
             <a:spLocks noGrp="1"/>
           </p:cNvSpPr>
@@ -6405,39 +4556,34 @@
         </p:nvSpPr>
         <p:spPr>
           <a:xfrm>
-            <a:off x="729360" y="1318680"/>
-            <a:ext cx="7688520" cy="534960"/>
-          </a:xfrm>
-          <a:prstGeom prst="rect">
-            <a:avLst/>
-          </a:prstGeom>
-        </p:spPr>
-        <p:txBody>
-          <a:bodyPr tIns="91440" bIns="91440">
+            <a:off x="457200" y="205200"/>
+            <a:ext cx="8229240" cy="858600"/>
+          </a:xfrm>
+          <a:prstGeom prst="rect">
+            <a:avLst/>
+          </a:prstGeom>
+        </p:spPr>
+        <p:txBody>
+          <a:bodyPr lIns="0" rIns="0" tIns="0" bIns="0" anchor="ctr">
             <a:noAutofit/>
           </a:bodyPr>
           <a:p>
+            <a:pPr algn="ctr"/>
             <a:r>
-              <a:rPr b="0" lang="en-US" sz="2600" spc="-1" strike="noStrike">
-                <a:solidFill>
-                  <a:srgbClr val="000000"/>
-                </a:solidFill>
+              <a:rPr b="0" lang="en-US" sz="4400" spc="-1" strike="noStrike">
                 <a:latin typeface="Arial"/>
               </a:rPr>
               <a:t>Click to edit the title text format</a:t>
             </a:r>
-            <a:endParaRPr b="0" lang="en-US" sz="2600" spc="-1" strike="noStrike">
-              <a:solidFill>
-                <a:srgbClr val="000000"/>
-              </a:solidFill>
-              <a:latin typeface="Arial"/>
-            </a:endParaRPr>
-          </a:p>
-        </p:txBody>
-      </p:sp>
-      <p:sp>
-        <p:nvSpPr>
-          <p:cNvPr id="48" name="PlaceHolder 6"/>
+            <a:endParaRPr b="0" lang="en-US" sz="4400" spc="-1" strike="noStrike">
+              <a:latin typeface="Arial"/>
+            </a:endParaRPr>
+          </a:p>
+        </p:txBody>
+      </p:sp>
+      <p:sp>
+        <p:nvSpPr>
+          <p:cNvPr id="46" name="PlaceHolder 5"/>
           <p:cNvSpPr>
             <a:spLocks noGrp="1"/>
           </p:cNvSpPr>
@@ -6447,16 +4593,16 @@
         </p:nvSpPr>
         <p:spPr>
           <a:xfrm>
-            <a:off x="729360" y="2079000"/>
-            <a:ext cx="7688520" cy="2260800"/>
-          </a:xfrm>
-          <a:prstGeom prst="rect">
-            <a:avLst/>
-          </a:prstGeom>
-        </p:spPr>
-        <p:txBody>
-          <a:bodyPr tIns="91440" bIns="91440">
-            <a:noAutofit/>
+            <a:off x="457200" y="1203480"/>
+            <a:ext cx="8229240" cy="2982960"/>
+          </a:xfrm>
+          <a:prstGeom prst="rect">
+            <a:avLst/>
+          </a:prstGeom>
+        </p:spPr>
+        <p:txBody>
+          <a:bodyPr lIns="0" rIns="0" tIns="0" bIns="0">
+            <a:normAutofit/>
           </a:bodyPr>
           <a:p>
             <a:pPr marL="432000" indent="-324000">
@@ -6471,18 +4617,12 @@
               <a:buChar char=""/>
             </a:pPr>
             <a:r>
-              <a:rPr b="0" lang="en-US" sz="1300" spc="-1" strike="noStrike">
-                <a:solidFill>
-                  <a:srgbClr val="000000"/>
-                </a:solidFill>
+              <a:rPr b="0" lang="en-US" sz="3200" spc="-1" strike="noStrike">
                 <a:latin typeface="Arial"/>
               </a:rPr>
               <a:t>Click to edit the outline text format</a:t>
             </a:r>
-            <a:endParaRPr b="0" lang="en-US" sz="1300" spc="-1" strike="noStrike">
-              <a:solidFill>
-                <a:srgbClr val="000000"/>
-              </a:solidFill>
+            <a:endParaRPr b="0" lang="en-US" sz="3200" spc="-1" strike="noStrike">
               <a:latin typeface="Arial"/>
             </a:endParaRPr>
           </a:p>
@@ -6499,18 +4639,12 @@
               <a:buChar char=""/>
             </a:pPr>
             <a:r>
-              <a:rPr b="0" lang="en-US" sz="1300" spc="-1" strike="noStrike">
-                <a:solidFill>
-                  <a:srgbClr val="000000"/>
-                </a:solidFill>
+              <a:rPr b="0" lang="en-US" sz="2800" spc="-1" strike="noStrike">
                 <a:latin typeface="Arial"/>
               </a:rPr>
               <a:t>Second Outline Level</a:t>
             </a:r>
-            <a:endParaRPr b="0" lang="en-US" sz="1300" spc="-1" strike="noStrike">
-              <a:solidFill>
-                <a:srgbClr val="000000"/>
-              </a:solidFill>
+            <a:endParaRPr b="0" lang="en-US" sz="2800" spc="-1" strike="noStrike">
               <a:latin typeface="Arial"/>
             </a:endParaRPr>
           </a:p>
@@ -6527,18 +4661,12 @@
               <a:buChar char=""/>
             </a:pPr>
             <a:r>
-              <a:rPr b="0" lang="en-US" sz="1300" spc="-1" strike="noStrike">
-                <a:solidFill>
-                  <a:srgbClr val="000000"/>
-                </a:solidFill>
+              <a:rPr b="0" lang="en-US" sz="2400" spc="-1" strike="noStrike">
                 <a:latin typeface="Arial"/>
               </a:rPr>
               <a:t>Third Outline Level</a:t>
             </a:r>
-            <a:endParaRPr b="0" lang="en-US" sz="1300" spc="-1" strike="noStrike">
-              <a:solidFill>
-                <a:srgbClr val="000000"/>
-              </a:solidFill>
+            <a:endParaRPr b="0" lang="en-US" sz="2400" spc="-1" strike="noStrike">
               <a:latin typeface="Arial"/>
             </a:endParaRPr>
           </a:p>
@@ -6555,18 +4683,12 @@
               <a:buChar char=""/>
             </a:pPr>
             <a:r>
-              <a:rPr b="0" lang="en-US" sz="1300" spc="-1" strike="noStrike">
-                <a:solidFill>
-                  <a:srgbClr val="000000"/>
-                </a:solidFill>
+              <a:rPr b="0" lang="en-US" sz="2000" spc="-1" strike="noStrike">
                 <a:latin typeface="Arial"/>
               </a:rPr>
               <a:t>Fourth Outline Level</a:t>
             </a:r>
-            <a:endParaRPr b="0" lang="en-US" sz="1300" spc="-1" strike="noStrike">
-              <a:solidFill>
-                <a:srgbClr val="000000"/>
-              </a:solidFill>
+            <a:endParaRPr b="0" lang="en-US" sz="2000" spc="-1" strike="noStrike">
               <a:latin typeface="Arial"/>
             </a:endParaRPr>
           </a:p>
@@ -6583,18 +4705,12 @@
               <a:buChar char=""/>
             </a:pPr>
             <a:r>
-              <a:rPr b="0" lang="en-US" sz="1300" spc="-1" strike="noStrike">
-                <a:solidFill>
-                  <a:srgbClr val="000000"/>
-                </a:solidFill>
+              <a:rPr b="0" lang="en-US" sz="2000" spc="-1" strike="noStrike">
                 <a:latin typeface="Arial"/>
               </a:rPr>
               <a:t>Fifth Outline Level</a:t>
             </a:r>
-            <a:endParaRPr b="0" lang="en-US" sz="1300" spc="-1" strike="noStrike">
-              <a:solidFill>
-                <a:srgbClr val="000000"/>
-              </a:solidFill>
+            <a:endParaRPr b="0" lang="en-US" sz="2000" spc="-1" strike="noStrike">
               <a:latin typeface="Arial"/>
             </a:endParaRPr>
           </a:p>
@@ -6611,18 +4727,12 @@
               <a:buChar char=""/>
             </a:pPr>
             <a:r>
-              <a:rPr b="0" lang="en-US" sz="1300" spc="-1" strike="noStrike">
-                <a:solidFill>
-                  <a:srgbClr val="000000"/>
-                </a:solidFill>
+              <a:rPr b="0" lang="en-US" sz="2000" spc="-1" strike="noStrike">
                 <a:latin typeface="Arial"/>
               </a:rPr>
               <a:t>Sixth Outline Level</a:t>
             </a:r>
-            <a:endParaRPr b="0" lang="en-US" sz="1300" spc="-1" strike="noStrike">
-              <a:solidFill>
-                <a:srgbClr val="000000"/>
-              </a:solidFill>
+            <a:endParaRPr b="0" lang="en-US" sz="2000" spc="-1" strike="noStrike">
               <a:latin typeface="Arial"/>
             </a:endParaRPr>
           </a:p>
@@ -6639,67 +4749,13 @@
               <a:buChar char=""/>
             </a:pPr>
             <a:r>
-              <a:rPr b="0" lang="en-US" sz="1300" spc="-1" strike="noStrike">
-                <a:solidFill>
-                  <a:srgbClr val="000000"/>
-                </a:solidFill>
+              <a:rPr b="0" lang="en-US" sz="2000" spc="-1" strike="noStrike">
                 <a:latin typeface="Arial"/>
               </a:rPr>
               <a:t>Seventh Outline Level</a:t>
             </a:r>
-            <a:endParaRPr b="0" lang="en-US" sz="1300" spc="-1" strike="noStrike">
-              <a:solidFill>
-                <a:srgbClr val="000000"/>
-              </a:solidFill>
-              <a:latin typeface="Arial"/>
-            </a:endParaRPr>
-          </a:p>
-        </p:txBody>
-      </p:sp>
-      <p:sp>
-        <p:nvSpPr>
-          <p:cNvPr id="49" name="PlaceHolder 7"/>
-          <p:cNvSpPr>
-            <a:spLocks noGrp="1"/>
-          </p:cNvSpPr>
-          <p:nvPr>
-            <p:ph type="sldNum"/>
-          </p:nvPr>
-        </p:nvSpPr>
-        <p:spPr>
-          <a:xfrm>
-            <a:off x="8536320" y="4749840"/>
-            <a:ext cx="548280" cy="393120"/>
-          </a:xfrm>
-          <a:prstGeom prst="rect">
-            <a:avLst/>
-          </a:prstGeom>
-        </p:spPr>
-        <p:txBody>
-          <a:bodyPr tIns="91440" bIns="91440" anchor="ctr">
-            <a:noAutofit/>
-          </a:bodyPr>
-          <a:p>
-            <a:pPr algn="r">
-              <a:lnSpc>
-                <a:spcPct val="100000"/>
-              </a:lnSpc>
-              <a:tabLst>
-                <a:tab algn="l" pos="0"/>
-              </a:tabLst>
-            </a:pPr>
-            <a:fld id="{70ED0C43-98A8-4FA6-BA02-C64FC079ACED}" type="slidenum">
-              <a:rPr b="0" lang="id" sz="1000" spc="-1" strike="noStrike">
-                <a:solidFill>
-                  <a:srgbClr val="595959"/>
-                </a:solidFill>
-                <a:latin typeface="Lato"/>
-                <a:ea typeface="Lato"/>
-              </a:rPr>
-              <a:t>&lt;number&gt;</a:t>
-            </a:fld>
-            <a:endParaRPr b="0" lang="en-US" sz="1000" spc="-1" strike="noStrike">
-              <a:latin typeface="Times New Roman"/>
+            <a:endParaRPr b="0" lang="en-US" sz="2000" spc="-1" strike="noStrike">
+              <a:latin typeface="Arial"/>
             </a:endParaRPr>
           </a:p>
         </p:txBody>
@@ -6730,432 +4786,6 @@
     <p:bg>
       <p:bgPr>
         <a:solidFill>
-          <a:srgbClr val="1a9988"/>
-        </a:solidFill>
-      </p:bgPr>
-    </p:bg>
-    <p:spTree>
-      <p:nvGrpSpPr>
-        <p:cNvPr id="1" name=""/>
-        <p:cNvGrpSpPr/>
-        <p:nvPr/>
-      </p:nvGrpSpPr>
-      <p:grpSpPr>
-        <a:xfrm>
-          <a:off x="0" y="0"/>
-          <a:ext cx="0" cy="0"/>
-          <a:chOff x="0" y="0"/>
-          <a:chExt cx="0" cy="0"/>
-        </a:xfrm>
-      </p:grpSpPr>
-      <p:grpSp>
-        <p:nvGrpSpPr>
-          <p:cNvPr id="86" name="Group 1"/>
-          <p:cNvGrpSpPr/>
-          <p:nvPr/>
-        </p:nvGrpSpPr>
-        <p:grpSpPr>
-          <a:xfrm>
-            <a:off x="830520" y="1191600"/>
-            <a:ext cx="745200" cy="45360"/>
-            <a:chOff x="830520" y="1191600"/>
-            <a:chExt cx="745200" cy="45360"/>
-          </a:xfrm>
-        </p:grpSpPr>
-        <p:sp>
-          <p:nvSpPr>
-            <p:cNvPr id="87" name="CustomShape 2"/>
-            <p:cNvSpPr/>
-            <p:nvPr/>
-          </p:nvSpPr>
-          <p:spPr>
-            <a:xfrm rot="16200000">
-              <a:off x="1366560" y="1027800"/>
-              <a:ext cx="45360" cy="372600"/>
-            </a:xfrm>
-            <a:prstGeom prst="rect">
-              <a:avLst/>
-            </a:prstGeom>
-            <a:solidFill>
-              <a:schemeClr val="lt1"/>
-            </a:solidFill>
-            <a:ln>
-              <a:noFill/>
-            </a:ln>
-          </p:spPr>
-          <p:style>
-            <a:lnRef idx="0"/>
-            <a:fillRef idx="0"/>
-            <a:effectRef idx="0"/>
-            <a:fontRef idx="minor"/>
-          </p:style>
-        </p:sp>
-        <p:sp>
-          <p:nvSpPr>
-            <p:cNvPr id="88" name="CustomShape 3"/>
-            <p:cNvSpPr/>
-            <p:nvPr/>
-          </p:nvSpPr>
-          <p:spPr>
-            <a:xfrm rot="16200000">
-              <a:off x="995400" y="1026360"/>
-              <a:ext cx="45360" cy="375480"/>
-            </a:xfrm>
-            <a:prstGeom prst="rect">
-              <a:avLst/>
-            </a:prstGeom>
-            <a:solidFill>
-              <a:schemeClr val="lt1"/>
-            </a:solidFill>
-            <a:ln>
-              <a:noFill/>
-            </a:ln>
-          </p:spPr>
-          <p:style>
-            <a:lnRef idx="0"/>
-            <a:fillRef idx="0"/>
-            <a:effectRef idx="0"/>
-            <a:fontRef idx="minor"/>
-          </p:style>
-        </p:sp>
-      </p:grpSp>
-      <p:sp>
-        <p:nvSpPr>
-          <p:cNvPr id="89" name="PlaceHolder 4"/>
-          <p:cNvSpPr>
-            <a:spLocks noGrp="1"/>
-          </p:cNvSpPr>
-          <p:nvPr>
-            <p:ph type="title"/>
-          </p:nvPr>
-        </p:nvSpPr>
-        <p:spPr>
-          <a:xfrm>
-            <a:off x="729360" y="1322280"/>
-            <a:ext cx="7688160" cy="1518120"/>
-          </a:xfrm>
-          <a:prstGeom prst="rect">
-            <a:avLst/>
-          </a:prstGeom>
-        </p:spPr>
-        <p:txBody>
-          <a:bodyPr tIns="91440" bIns="91440">
-            <a:noAutofit/>
-          </a:bodyPr>
-          <a:p>
-            <a:r>
-              <a:rPr b="0" lang="en-US" sz="3600" spc="-1" strike="noStrike">
-                <a:solidFill>
-                  <a:srgbClr val="000000"/>
-                </a:solidFill>
-                <a:latin typeface="Arial"/>
-              </a:rPr>
-              <a:t>Click to edit the title text format</a:t>
-            </a:r>
-            <a:endParaRPr b="0" lang="en-US" sz="3600" spc="-1" strike="noStrike">
-              <a:solidFill>
-                <a:srgbClr val="000000"/>
-              </a:solidFill>
-              <a:latin typeface="Arial"/>
-            </a:endParaRPr>
-          </a:p>
-        </p:txBody>
-      </p:sp>
-      <p:sp>
-        <p:nvSpPr>
-          <p:cNvPr id="90" name="PlaceHolder 5"/>
-          <p:cNvSpPr>
-            <a:spLocks noGrp="1"/>
-          </p:cNvSpPr>
-          <p:nvPr>
-            <p:ph type="sldNum"/>
-          </p:nvPr>
-        </p:nvSpPr>
-        <p:spPr>
-          <a:xfrm>
-            <a:off x="8536320" y="4749840"/>
-            <a:ext cx="548280" cy="393120"/>
-          </a:xfrm>
-          <a:prstGeom prst="rect">
-            <a:avLst/>
-          </a:prstGeom>
-        </p:spPr>
-        <p:txBody>
-          <a:bodyPr tIns="91440" bIns="91440" anchor="ctr">
-            <a:noAutofit/>
-          </a:bodyPr>
-          <a:p>
-            <a:pPr algn="r">
-              <a:lnSpc>
-                <a:spcPct val="100000"/>
-              </a:lnSpc>
-              <a:tabLst>
-                <a:tab algn="l" pos="0"/>
-              </a:tabLst>
-            </a:pPr>
-            <a:fld id="{E3273675-00A0-48FE-8397-D8AC7F7093D9}" type="slidenum">
-              <a:rPr b="0" lang="id" sz="1000" spc="-1" strike="noStrike">
-                <a:solidFill>
-                  <a:srgbClr val="ffffff"/>
-                </a:solidFill>
-                <a:latin typeface="Lato"/>
-                <a:ea typeface="Lato"/>
-              </a:rPr>
-              <a:t>&lt;number&gt;</a:t>
-            </a:fld>
-            <a:endParaRPr b="0" lang="en-US" sz="1000" spc="-1" strike="noStrike">
-              <a:latin typeface="Times New Roman"/>
-            </a:endParaRPr>
-          </a:p>
-        </p:txBody>
-      </p:sp>
-      <p:sp>
-        <p:nvSpPr>
-          <p:cNvPr id="91" name="PlaceHolder 6"/>
-          <p:cNvSpPr>
-            <a:spLocks noGrp="1"/>
-          </p:cNvSpPr>
-          <p:nvPr>
-            <p:ph type="body"/>
-          </p:nvPr>
-        </p:nvSpPr>
-        <p:spPr>
-          <a:xfrm>
-            <a:off x="457200" y="1203480"/>
-            <a:ext cx="8229240" cy="2982960"/>
-          </a:xfrm>
-          <a:prstGeom prst="rect">
-            <a:avLst/>
-          </a:prstGeom>
-        </p:spPr>
-        <p:txBody>
-          <a:bodyPr lIns="0" rIns="0" tIns="0" bIns="0">
-            <a:normAutofit/>
-          </a:bodyPr>
-          <a:p>
-            <a:pPr marL="432000" indent="-324000">
-              <a:spcBef>
-                <a:spcPts val="1417"/>
-              </a:spcBef>
-              <a:buClr>
-                <a:srgbClr val="000000"/>
-              </a:buClr>
-              <a:buSzPct val="45000"/>
-              <a:buFont typeface="Wingdings" charset="2"/>
-              <a:buChar char=""/>
-            </a:pPr>
-            <a:r>
-              <a:rPr b="0" lang="en-US" sz="1400" spc="-1" strike="noStrike">
-                <a:solidFill>
-                  <a:srgbClr val="000000"/>
-                </a:solidFill>
-                <a:latin typeface="Arial"/>
-              </a:rPr>
-              <a:t>Click to edit the outline text format</a:t>
-            </a:r>
-            <a:endParaRPr b="0" lang="en-US" sz="1400" spc="-1" strike="noStrike">
-              <a:solidFill>
-                <a:srgbClr val="000000"/>
-              </a:solidFill>
-              <a:latin typeface="Arial"/>
-            </a:endParaRPr>
-          </a:p>
-          <a:p>
-            <a:pPr lvl="1" marL="864000" indent="-324000">
-              <a:spcBef>
-                <a:spcPts val="1134"/>
-              </a:spcBef>
-              <a:buClr>
-                <a:srgbClr val="000000"/>
-              </a:buClr>
-              <a:buSzPct val="75000"/>
-              <a:buFont typeface="Symbol" charset="2"/>
-              <a:buChar char=""/>
-            </a:pPr>
-            <a:r>
-              <a:rPr b="0" lang="en-US" sz="1400" spc="-1" strike="noStrike">
-                <a:solidFill>
-                  <a:srgbClr val="000000"/>
-                </a:solidFill>
-                <a:latin typeface="Arial"/>
-              </a:rPr>
-              <a:t>Second Outline Level</a:t>
-            </a:r>
-            <a:endParaRPr b="0" lang="en-US" sz="1400" spc="-1" strike="noStrike">
-              <a:solidFill>
-                <a:srgbClr val="000000"/>
-              </a:solidFill>
-              <a:latin typeface="Arial"/>
-            </a:endParaRPr>
-          </a:p>
-          <a:p>
-            <a:pPr lvl="2" marL="1296000" indent="-288000">
-              <a:spcBef>
-                <a:spcPts val="850"/>
-              </a:spcBef>
-              <a:buClr>
-                <a:srgbClr val="000000"/>
-              </a:buClr>
-              <a:buSzPct val="45000"/>
-              <a:buFont typeface="Wingdings" charset="2"/>
-              <a:buChar char=""/>
-            </a:pPr>
-            <a:r>
-              <a:rPr b="0" lang="en-US" sz="1400" spc="-1" strike="noStrike">
-                <a:solidFill>
-                  <a:srgbClr val="000000"/>
-                </a:solidFill>
-                <a:latin typeface="Arial"/>
-              </a:rPr>
-              <a:t>Third Outline Level</a:t>
-            </a:r>
-            <a:endParaRPr b="0" lang="en-US" sz="1400" spc="-1" strike="noStrike">
-              <a:solidFill>
-                <a:srgbClr val="000000"/>
-              </a:solidFill>
-              <a:latin typeface="Arial"/>
-            </a:endParaRPr>
-          </a:p>
-          <a:p>
-            <a:pPr lvl="3" marL="1728000" indent="-216000">
-              <a:spcBef>
-                <a:spcPts val="567"/>
-              </a:spcBef>
-              <a:buClr>
-                <a:srgbClr val="000000"/>
-              </a:buClr>
-              <a:buSzPct val="75000"/>
-              <a:buFont typeface="Symbol" charset="2"/>
-              <a:buChar char=""/>
-            </a:pPr>
-            <a:r>
-              <a:rPr b="0" lang="en-US" sz="1400" spc="-1" strike="noStrike">
-                <a:solidFill>
-                  <a:srgbClr val="000000"/>
-                </a:solidFill>
-                <a:latin typeface="Arial"/>
-              </a:rPr>
-              <a:t>Fourth Outline Level</a:t>
-            </a:r>
-            <a:endParaRPr b="0" lang="en-US" sz="1400" spc="-1" strike="noStrike">
-              <a:solidFill>
-                <a:srgbClr val="000000"/>
-              </a:solidFill>
-              <a:latin typeface="Arial"/>
-            </a:endParaRPr>
-          </a:p>
-          <a:p>
-            <a:pPr lvl="4" marL="2160000" indent="-216000">
-              <a:spcBef>
-                <a:spcPts val="283"/>
-              </a:spcBef>
-              <a:buClr>
-                <a:srgbClr val="000000"/>
-              </a:buClr>
-              <a:buSzPct val="45000"/>
-              <a:buFont typeface="Wingdings" charset="2"/>
-              <a:buChar char=""/>
-            </a:pPr>
-            <a:r>
-              <a:rPr b="0" lang="en-US" sz="2000" spc="-1" strike="noStrike">
-                <a:solidFill>
-                  <a:srgbClr val="000000"/>
-                </a:solidFill>
-                <a:latin typeface="Arial"/>
-              </a:rPr>
-              <a:t>Fifth Outline Level</a:t>
-            </a:r>
-            <a:endParaRPr b="0" lang="en-US" sz="2000" spc="-1" strike="noStrike">
-              <a:solidFill>
-                <a:srgbClr val="000000"/>
-              </a:solidFill>
-              <a:latin typeface="Arial"/>
-            </a:endParaRPr>
-          </a:p>
-          <a:p>
-            <a:pPr lvl="5" marL="2592000" indent="-216000">
-              <a:spcBef>
-                <a:spcPts val="283"/>
-              </a:spcBef>
-              <a:buClr>
-                <a:srgbClr val="000000"/>
-              </a:buClr>
-              <a:buSzPct val="45000"/>
-              <a:buFont typeface="Wingdings" charset="2"/>
-              <a:buChar char=""/>
-            </a:pPr>
-            <a:r>
-              <a:rPr b="0" lang="en-US" sz="2000" spc="-1" strike="noStrike">
-                <a:solidFill>
-                  <a:srgbClr val="000000"/>
-                </a:solidFill>
-                <a:latin typeface="Arial"/>
-              </a:rPr>
-              <a:t>Sixth Outline Level</a:t>
-            </a:r>
-            <a:endParaRPr b="0" lang="en-US" sz="2000" spc="-1" strike="noStrike">
-              <a:solidFill>
-                <a:srgbClr val="000000"/>
-              </a:solidFill>
-              <a:latin typeface="Arial"/>
-            </a:endParaRPr>
-          </a:p>
-          <a:p>
-            <a:pPr lvl="6" marL="3024000" indent="-216000">
-              <a:spcBef>
-                <a:spcPts val="283"/>
-              </a:spcBef>
-              <a:buClr>
-                <a:srgbClr val="000000"/>
-              </a:buClr>
-              <a:buSzPct val="45000"/>
-              <a:buFont typeface="Wingdings" charset="2"/>
-              <a:buChar char=""/>
-            </a:pPr>
-            <a:r>
-              <a:rPr b="0" lang="en-US" sz="2000" spc="-1" strike="noStrike">
-                <a:solidFill>
-                  <a:srgbClr val="000000"/>
-                </a:solidFill>
-                <a:latin typeface="Arial"/>
-              </a:rPr>
-              <a:t>Seventh Outline Level</a:t>
-            </a:r>
-            <a:endParaRPr b="0" lang="en-US" sz="2000" spc="-1" strike="noStrike">
-              <a:solidFill>
-                <a:srgbClr val="000000"/>
-              </a:solidFill>
-              <a:latin typeface="Arial"/>
-            </a:endParaRPr>
-          </a:p>
-        </p:txBody>
-      </p:sp>
-    </p:spTree>
-  </p:cSld>
-  <p:clrMap bg1="lt1" bg2="lt2" tx1="dk1" tx2="dk2" accent1="accent1" accent2="accent2" accent3="accent3" accent4="accent4" accent5="accent5" accent6="accent6" hlink="hlink" folHlink="folHlink"/>
-  <p:sldLayoutIdLst>
-    <p:sldLayoutId id="2147483675" r:id="rId2"/>
-    <p:sldLayoutId id="2147483676" r:id="rId3"/>
-    <p:sldLayoutId id="2147483677" r:id="rId4"/>
-    <p:sldLayoutId id="2147483678" r:id="rId5"/>
-    <p:sldLayoutId id="2147483679" r:id="rId6"/>
-    <p:sldLayoutId id="2147483680" r:id="rId7"/>
-    <p:sldLayoutId id="2147483681" r:id="rId8"/>
-    <p:sldLayoutId id="2147483682" r:id="rId9"/>
-    <p:sldLayoutId id="2147483683" r:id="rId10"/>
-    <p:sldLayoutId id="2147483684" r:id="rId11"/>
-    <p:sldLayoutId id="2147483685" r:id="rId12"/>
-    <p:sldLayoutId id="2147483686" r:id="rId13"/>
-  </p:sldLayoutIdLst>
-</p:sldMaster>
-</file>
-
-<file path=ppt/slideMasters/slideMaster4.xml><?xml version="1.0" encoding="utf-8"?>
-<p:sldMaster xmlns:a="http://schemas.openxmlformats.org/drawingml/2006/main" xmlns:p="http://schemas.openxmlformats.org/presentationml/2006/main" xmlns:r="http://schemas.openxmlformats.org/officeDocument/2006/relationships" xmlns:p14="http://schemas.microsoft.com/office/powerpoint/2010/main" xmlns:p15="http://schemas.microsoft.com/office/powerpoint/2012/main" xmlns:mc="http://schemas.openxmlformats.org/markup-compatibility/2006">
-  <p:cSld>
-    <p:bg>
-      <p:bgPr>
-        <a:solidFill>
           <a:srgbClr val="ffffff"/>
         </a:solidFill>
       </p:bgPr>
@@ -7176,14 +4806,14 @@
       </p:grpSpPr>
       <p:sp>
         <p:nvSpPr>
-          <p:cNvPr id="128" name="CustomShape 1"/>
+          <p:cNvPr id="83" name="CustomShape 1"/>
           <p:cNvSpPr/>
           <p:nvPr/>
         </p:nvSpPr>
         <p:spPr>
           <a:xfrm>
             <a:off x="0" y="0"/>
-            <a:ext cx="9143640" cy="487440"/>
+            <a:ext cx="9143280" cy="487080"/>
           </a:xfrm>
           <a:prstGeom prst="rect">
             <a:avLst/>
@@ -7204,28 +4834,28 @@
       </p:sp>
       <p:grpSp>
         <p:nvGrpSpPr>
-          <p:cNvPr id="129" name="Group 2"/>
+          <p:cNvPr id="84" name="Group 2"/>
           <p:cNvGrpSpPr/>
           <p:nvPr/>
         </p:nvGrpSpPr>
         <p:grpSpPr>
           <a:xfrm>
             <a:off x="830520" y="1191600"/>
-            <a:ext cx="745200" cy="45360"/>
+            <a:ext cx="744840" cy="45000"/>
             <a:chOff x="830520" y="1191600"/>
-            <a:chExt cx="745200" cy="45360"/>
+            <a:chExt cx="744840" cy="45000"/>
           </a:xfrm>
         </p:grpSpPr>
         <p:sp>
           <p:nvSpPr>
-            <p:cNvPr id="130" name="CustomShape 3"/>
+            <p:cNvPr id="85" name="CustomShape 3"/>
             <p:cNvSpPr/>
             <p:nvPr/>
           </p:nvSpPr>
           <p:spPr>
             <a:xfrm rot="16200000">
               <a:off x="1366560" y="1027800"/>
-              <a:ext cx="45360" cy="372600"/>
+              <a:ext cx="45000" cy="372240"/>
             </a:xfrm>
             <a:prstGeom prst="rect">
               <a:avLst/>
@@ -7246,14 +4876,14 @@
         </p:sp>
         <p:sp>
           <p:nvSpPr>
-            <p:cNvPr id="131" name="CustomShape 4"/>
+            <p:cNvPr id="86" name="CustomShape 4"/>
             <p:cNvSpPr/>
             <p:nvPr/>
           </p:nvSpPr>
           <p:spPr>
             <a:xfrm rot="16200000">
               <a:off x="995400" y="1026360"/>
-              <a:ext cx="45360" cy="375480"/>
+              <a:ext cx="45000" cy="375120"/>
             </a:xfrm>
             <a:prstGeom prst="rect">
               <a:avLst/>
@@ -7275,7 +4905,7 @@
       </p:grpSp>
       <p:sp>
         <p:nvSpPr>
-          <p:cNvPr id="132" name="PlaceHolder 5"/>
+          <p:cNvPr id="87" name="PlaceHolder 5"/>
           <p:cNvSpPr>
             <a:spLocks noGrp="1"/>
           </p:cNvSpPr>
@@ -7286,38 +4916,32 @@
         <p:spPr>
           <a:xfrm>
             <a:off x="729360" y="1318680"/>
-            <a:ext cx="7688520" cy="534960"/>
-          </a:xfrm>
-          <a:prstGeom prst="rect">
-            <a:avLst/>
-          </a:prstGeom>
-        </p:spPr>
-        <p:txBody>
-          <a:bodyPr tIns="91440" bIns="91440">
+            <a:ext cx="7688160" cy="534600"/>
+          </a:xfrm>
+          <a:prstGeom prst="rect">
+            <a:avLst/>
+          </a:prstGeom>
+        </p:spPr>
+        <p:txBody>
+          <a:bodyPr lIns="0" rIns="0" tIns="0" bIns="0" anchor="ctr">
             <a:noAutofit/>
           </a:bodyPr>
           <a:p>
             <a:r>
-              <a:rPr b="0" lang="en-US" sz="2600" spc="-1" strike="noStrike">
-                <a:solidFill>
-                  <a:srgbClr val="000000"/>
-                </a:solidFill>
+              <a:rPr b="0" lang="en-US" sz="1800" spc="-1" strike="noStrike">
                 <a:latin typeface="Arial"/>
               </a:rPr>
               <a:t>Click to edit the title text format</a:t>
             </a:r>
-            <a:endParaRPr b="0" lang="en-US" sz="2600" spc="-1" strike="noStrike">
-              <a:solidFill>
-                <a:srgbClr val="000000"/>
-              </a:solidFill>
-              <a:latin typeface="Arial"/>
-            </a:endParaRPr>
-          </a:p>
-        </p:txBody>
-      </p:sp>
-      <p:sp>
-        <p:nvSpPr>
-          <p:cNvPr id="133" name="PlaceHolder 6"/>
+            <a:endParaRPr b="0" lang="en-US" sz="1800" spc="-1" strike="noStrike">
+              <a:latin typeface="Arial"/>
+            </a:endParaRPr>
+          </a:p>
+        </p:txBody>
+      </p:sp>
+      <p:sp>
+        <p:nvSpPr>
+          <p:cNvPr id="88" name="PlaceHolder 6"/>
           <p:cNvSpPr>
             <a:spLocks noGrp="1"/>
           </p:cNvSpPr>
@@ -7328,15 +4952,15 @@
         <p:spPr>
           <a:xfrm>
             <a:off x="729360" y="2079000"/>
-            <a:ext cx="7688520" cy="2260800"/>
-          </a:xfrm>
-          <a:prstGeom prst="rect">
-            <a:avLst/>
-          </a:prstGeom>
-        </p:spPr>
-        <p:txBody>
-          <a:bodyPr tIns="91440" bIns="91440">
-            <a:noAutofit/>
+            <a:ext cx="7688160" cy="2260440"/>
+          </a:xfrm>
+          <a:prstGeom prst="rect">
+            <a:avLst/>
+          </a:prstGeom>
+        </p:spPr>
+        <p:txBody>
+          <a:bodyPr lIns="0" rIns="0" tIns="0" bIns="0">
+            <a:normAutofit/>
           </a:bodyPr>
           <a:p>
             <a:pPr marL="432000" indent="-324000">
@@ -7351,18 +4975,12 @@
               <a:buChar char=""/>
             </a:pPr>
             <a:r>
-              <a:rPr b="0" lang="en-US" sz="1300" spc="-1" strike="noStrike">
-                <a:solidFill>
-                  <a:srgbClr val="000000"/>
-                </a:solidFill>
+              <a:rPr b="0" lang="en-US" sz="1800" spc="-1" strike="noStrike">
                 <a:latin typeface="Arial"/>
               </a:rPr>
               <a:t>Click to edit the outline text format</a:t>
             </a:r>
-            <a:endParaRPr b="0" lang="en-US" sz="1300" spc="-1" strike="noStrike">
-              <a:solidFill>
-                <a:srgbClr val="000000"/>
-              </a:solidFill>
+            <a:endParaRPr b="0" lang="en-US" sz="1800" spc="-1" strike="noStrike">
               <a:latin typeface="Arial"/>
             </a:endParaRPr>
           </a:p>
@@ -7379,18 +4997,12 @@
               <a:buChar char=""/>
             </a:pPr>
             <a:r>
-              <a:rPr b="0" lang="en-US" sz="1300" spc="-1" strike="noStrike">
-                <a:solidFill>
-                  <a:srgbClr val="000000"/>
-                </a:solidFill>
+              <a:rPr b="0" lang="en-US" sz="1800" spc="-1" strike="noStrike">
                 <a:latin typeface="Arial"/>
               </a:rPr>
               <a:t>Second Outline Level</a:t>
             </a:r>
-            <a:endParaRPr b="0" lang="en-US" sz="1300" spc="-1" strike="noStrike">
-              <a:solidFill>
-                <a:srgbClr val="000000"/>
-              </a:solidFill>
+            <a:endParaRPr b="0" lang="en-US" sz="1800" spc="-1" strike="noStrike">
               <a:latin typeface="Arial"/>
             </a:endParaRPr>
           </a:p>
@@ -7407,18 +5019,12 @@
               <a:buChar char=""/>
             </a:pPr>
             <a:r>
-              <a:rPr b="0" lang="en-US" sz="1300" spc="-1" strike="noStrike">
-                <a:solidFill>
-                  <a:srgbClr val="000000"/>
-                </a:solidFill>
+              <a:rPr b="0" lang="en-US" sz="1800" spc="-1" strike="noStrike">
                 <a:latin typeface="Arial"/>
               </a:rPr>
               <a:t>Third Outline Level</a:t>
             </a:r>
-            <a:endParaRPr b="0" lang="en-US" sz="1300" spc="-1" strike="noStrike">
-              <a:solidFill>
-                <a:srgbClr val="000000"/>
-              </a:solidFill>
+            <a:endParaRPr b="0" lang="en-US" sz="1800" spc="-1" strike="noStrike">
               <a:latin typeface="Arial"/>
             </a:endParaRPr>
           </a:p>
@@ -7435,18 +5041,12 @@
               <a:buChar char=""/>
             </a:pPr>
             <a:r>
-              <a:rPr b="0" lang="en-US" sz="1300" spc="-1" strike="noStrike">
-                <a:solidFill>
-                  <a:srgbClr val="000000"/>
-                </a:solidFill>
+              <a:rPr b="0" lang="en-US" sz="1800" spc="-1" strike="noStrike">
                 <a:latin typeface="Arial"/>
               </a:rPr>
               <a:t>Fourth Outline Level</a:t>
             </a:r>
-            <a:endParaRPr b="0" lang="en-US" sz="1300" spc="-1" strike="noStrike">
-              <a:solidFill>
-                <a:srgbClr val="000000"/>
-              </a:solidFill>
+            <a:endParaRPr b="0" lang="en-US" sz="1800" spc="-1" strike="noStrike">
               <a:latin typeface="Arial"/>
             </a:endParaRPr>
           </a:p>
@@ -7463,18 +5063,12 @@
               <a:buChar char=""/>
             </a:pPr>
             <a:r>
-              <a:rPr b="0" lang="en-US" sz="1300" spc="-1" strike="noStrike">
-                <a:solidFill>
-                  <a:srgbClr val="000000"/>
-                </a:solidFill>
+              <a:rPr b="0" lang="en-US" sz="1800" spc="-1" strike="noStrike">
                 <a:latin typeface="Arial"/>
               </a:rPr>
               <a:t>Fifth Outline Level</a:t>
             </a:r>
-            <a:endParaRPr b="0" lang="en-US" sz="1300" spc="-1" strike="noStrike">
-              <a:solidFill>
-                <a:srgbClr val="000000"/>
-              </a:solidFill>
+            <a:endParaRPr b="0" lang="en-US" sz="1800" spc="-1" strike="noStrike">
               <a:latin typeface="Arial"/>
             </a:endParaRPr>
           </a:p>
@@ -7491,18 +5085,12 @@
               <a:buChar char=""/>
             </a:pPr>
             <a:r>
-              <a:rPr b="0" lang="en-US" sz="1300" spc="-1" strike="noStrike">
-                <a:solidFill>
-                  <a:srgbClr val="000000"/>
-                </a:solidFill>
+              <a:rPr b="0" lang="en-US" sz="1800" spc="-1" strike="noStrike">
                 <a:latin typeface="Arial"/>
               </a:rPr>
               <a:t>Sixth Outline Level</a:t>
             </a:r>
-            <a:endParaRPr b="0" lang="en-US" sz="1300" spc="-1" strike="noStrike">
-              <a:solidFill>
-                <a:srgbClr val="000000"/>
-              </a:solidFill>
+            <a:endParaRPr b="0" lang="en-US" sz="1800" spc="-1" strike="noStrike">
               <a:latin typeface="Arial"/>
             </a:endParaRPr>
           </a:p>
@@ -7519,67 +5107,13 @@
               <a:buChar char=""/>
             </a:pPr>
             <a:r>
-              <a:rPr b="0" lang="en-US" sz="1300" spc="-1" strike="noStrike">
-                <a:solidFill>
-                  <a:srgbClr val="000000"/>
-                </a:solidFill>
+              <a:rPr b="0" lang="en-US" sz="1800" spc="-1" strike="noStrike">
                 <a:latin typeface="Arial"/>
               </a:rPr>
               <a:t>Seventh Outline Level</a:t>
             </a:r>
-            <a:endParaRPr b="0" lang="en-US" sz="1300" spc="-1" strike="noStrike">
-              <a:solidFill>
-                <a:srgbClr val="000000"/>
-              </a:solidFill>
-              <a:latin typeface="Arial"/>
-            </a:endParaRPr>
-          </a:p>
-        </p:txBody>
-      </p:sp>
-      <p:sp>
-        <p:nvSpPr>
-          <p:cNvPr id="134" name="PlaceHolder 7"/>
-          <p:cNvSpPr>
-            <a:spLocks noGrp="1"/>
-          </p:cNvSpPr>
-          <p:nvPr>
-            <p:ph type="sldNum"/>
-          </p:nvPr>
-        </p:nvSpPr>
-        <p:spPr>
-          <a:xfrm>
-            <a:off x="8536320" y="4749840"/>
-            <a:ext cx="548280" cy="393120"/>
-          </a:xfrm>
-          <a:prstGeom prst="rect">
-            <a:avLst/>
-          </a:prstGeom>
-        </p:spPr>
-        <p:txBody>
-          <a:bodyPr tIns="91440" bIns="91440" anchor="ctr">
-            <a:noAutofit/>
-          </a:bodyPr>
-          <a:p>
-            <a:pPr algn="r">
-              <a:lnSpc>
-                <a:spcPct val="100000"/>
-              </a:lnSpc>
-              <a:tabLst>
-                <a:tab algn="l" pos="0"/>
-              </a:tabLst>
-            </a:pPr>
-            <a:fld id="{2DB220A4-9FF9-433A-A57C-2BACC61B2CE6}" type="slidenum">
-              <a:rPr b="0" lang="id" sz="1000" spc="-1" strike="noStrike">
-                <a:solidFill>
-                  <a:srgbClr val="595959"/>
-                </a:solidFill>
-                <a:latin typeface="Lato"/>
-                <a:ea typeface="Lato"/>
-              </a:rPr>
-              <a:t>&lt;number&gt;</a:t>
-            </a:fld>
-            <a:endParaRPr b="0" lang="en-US" sz="1000" spc="-1" strike="noStrike">
-              <a:latin typeface="Times New Roman"/>
+            <a:endParaRPr b="0" lang="en-US" sz="1800" spc="-1" strike="noStrike">
+              <a:latin typeface="Arial"/>
             </a:endParaRPr>
           </a:p>
         </p:txBody>
@@ -7588,18 +5122,18 @@
   </p:cSld>
   <p:clrMap bg1="lt1" bg2="lt2" tx1="dk1" tx2="dk2" accent1="accent1" accent2="accent2" accent3="accent3" accent4="accent4" accent5="accent5" accent6="accent6" hlink="hlink" folHlink="folHlink"/>
   <p:sldLayoutIdLst>
-    <p:sldLayoutId id="2147483688" r:id="rId2"/>
-    <p:sldLayoutId id="2147483689" r:id="rId3"/>
-    <p:sldLayoutId id="2147483690" r:id="rId4"/>
-    <p:sldLayoutId id="2147483691" r:id="rId5"/>
-    <p:sldLayoutId id="2147483692" r:id="rId6"/>
-    <p:sldLayoutId id="2147483693" r:id="rId7"/>
-    <p:sldLayoutId id="2147483694" r:id="rId8"/>
-    <p:sldLayoutId id="2147483695" r:id="rId9"/>
-    <p:sldLayoutId id="2147483696" r:id="rId10"/>
-    <p:sldLayoutId id="2147483697" r:id="rId11"/>
-    <p:sldLayoutId id="2147483698" r:id="rId12"/>
-    <p:sldLayoutId id="2147483699" r:id="rId13"/>
+    <p:sldLayoutId id="2147483675" r:id="rId2"/>
+    <p:sldLayoutId id="2147483676" r:id="rId3"/>
+    <p:sldLayoutId id="2147483677" r:id="rId4"/>
+    <p:sldLayoutId id="2147483678" r:id="rId5"/>
+    <p:sldLayoutId id="2147483679" r:id="rId6"/>
+    <p:sldLayoutId id="2147483680" r:id="rId7"/>
+    <p:sldLayoutId id="2147483681" r:id="rId8"/>
+    <p:sldLayoutId id="2147483682" r:id="rId9"/>
+    <p:sldLayoutId id="2147483683" r:id="rId10"/>
+    <p:sldLayoutId id="2147483684" r:id="rId11"/>
+    <p:sldLayoutId id="2147483685" r:id="rId12"/>
+    <p:sldLayoutId id="2147483686" r:id="rId13"/>
   </p:sldLayoutIdLst>
 </p:sldMaster>
 </file>
@@ -7623,14 +5157,14 @@
       </p:grpSpPr>
       <p:sp>
         <p:nvSpPr>
-          <p:cNvPr id="171" name="TextShape 1"/>
-          <p:cNvSpPr txBox="1"/>
+          <p:cNvPr id="125" name="CustomShape 1"/>
+          <p:cNvSpPr/>
           <p:nvPr/>
         </p:nvSpPr>
         <p:spPr>
           <a:xfrm>
             <a:off x="729360" y="1322280"/>
-            <a:ext cx="7687800" cy="1664280"/>
+            <a:ext cx="7687440" cy="1663920"/>
           </a:xfrm>
           <a:prstGeom prst="rect">
             <a:avLst/>
@@ -7640,8 +5174,14 @@
             <a:noFill/>
           </a:ln>
         </p:spPr>
-        <p:txBody>
-          <a:bodyPr tIns="91440" bIns="91440">
+        <p:style>
+          <a:lnRef idx="0"/>
+          <a:fillRef idx="0"/>
+          <a:effectRef idx="0"/>
+          <a:fontRef idx="minor"/>
+        </p:style>
+        <p:txBody>
+          <a:bodyPr lIns="90000" rIns="90000" tIns="91440" bIns="91440">
             <a:normAutofit/>
           </a:bodyPr>
           <a:p>
@@ -7664,24 +5204,21 @@
               <a:t>Git Remote</a:t>
             </a:r>
             <a:endParaRPr b="0" lang="en-US" sz="4200" spc="-1" strike="noStrike">
-              <a:solidFill>
-                <a:srgbClr val="000000"/>
-              </a:solidFill>
-              <a:latin typeface="Arial"/>
-            </a:endParaRPr>
-          </a:p>
-        </p:txBody>
-      </p:sp>
-      <p:sp>
-        <p:nvSpPr>
-          <p:cNvPr id="172" name="TextShape 2"/>
-          <p:cNvSpPr txBox="1"/>
+              <a:latin typeface="Arial"/>
+            </a:endParaRPr>
+          </a:p>
+        </p:txBody>
+      </p:sp>
+      <p:sp>
+        <p:nvSpPr>
+          <p:cNvPr id="126" name="CustomShape 2"/>
+          <p:cNvSpPr/>
           <p:nvPr/>
         </p:nvSpPr>
         <p:spPr>
           <a:xfrm>
             <a:off x="729720" y="3173040"/>
-            <a:ext cx="7687800" cy="540720"/>
+            <a:ext cx="7687440" cy="540360"/>
           </a:xfrm>
           <a:prstGeom prst="rect">
             <a:avLst/>
@@ -7691,8 +5228,14 @@
             <a:noFill/>
           </a:ln>
         </p:spPr>
-        <p:txBody>
-          <a:bodyPr tIns="91440" bIns="91440">
+        <p:style>
+          <a:lnRef idx="0"/>
+          <a:fillRef idx="0"/>
+          <a:effectRef idx="0"/>
+          <a:fontRef idx="minor"/>
+        </p:style>
+        <p:txBody>
+          <a:bodyPr lIns="90000" rIns="90000" tIns="91440" bIns="91440">
             <a:normAutofit/>
           </a:bodyPr>
           <a:p>
@@ -7712,7 +5255,7 @@
                 <a:latin typeface="Lato"/>
                 <a:ea typeface="Lato"/>
               </a:rPr>
-              <a:t>Eko Kurniawan Khannedy</a:t>
+              <a:t>Programmer zaman now</a:t>
             </a:r>
             <a:endParaRPr b="0" lang="en-US" sz="1600" spc="-1" strike="noStrike">
               <a:latin typeface="Arial"/>
@@ -7752,14 +5295,14 @@
       </p:grpSpPr>
       <p:sp>
         <p:nvSpPr>
-          <p:cNvPr id="186" name="TextShape 1"/>
-          <p:cNvSpPr txBox="1"/>
+          <p:cNvPr id="140" name="CustomShape 1"/>
+          <p:cNvSpPr/>
           <p:nvPr/>
         </p:nvSpPr>
         <p:spPr>
           <a:xfrm>
             <a:off x="729360" y="1318680"/>
-            <a:ext cx="7688520" cy="534960"/>
+            <a:ext cx="7688160" cy="534600"/>
           </a:xfrm>
           <a:prstGeom prst="rect">
             <a:avLst/>
@@ -7769,8 +5312,14 @@
             <a:noFill/>
           </a:ln>
         </p:spPr>
-        <p:txBody>
-          <a:bodyPr tIns="91440" bIns="91440">
+        <p:style>
+          <a:lnRef idx="0"/>
+          <a:fillRef idx="0"/>
+          <a:effectRef idx="0"/>
+          <a:fontRef idx="minor"/>
+        </p:style>
+        <p:txBody>
+          <a:bodyPr lIns="90000" rIns="90000" tIns="91440" bIns="91440">
             <a:noAutofit/>
           </a:bodyPr>
           <a:p>
@@ -7793,24 +5342,21 @@
               <a:t>Clone Repository</a:t>
             </a:r>
             <a:endParaRPr b="0" lang="en-US" sz="2600" spc="-1" strike="noStrike">
-              <a:solidFill>
-                <a:srgbClr val="000000"/>
-              </a:solidFill>
-              <a:latin typeface="Arial"/>
-            </a:endParaRPr>
-          </a:p>
-        </p:txBody>
-      </p:sp>
-      <p:sp>
-        <p:nvSpPr>
-          <p:cNvPr id="187" name="TextShape 2"/>
-          <p:cNvSpPr txBox="1"/>
+              <a:latin typeface="Arial"/>
+            </a:endParaRPr>
+          </a:p>
+        </p:txBody>
+      </p:sp>
+      <p:sp>
+        <p:nvSpPr>
+          <p:cNvPr id="141" name="CustomShape 2"/>
+          <p:cNvSpPr/>
           <p:nvPr/>
         </p:nvSpPr>
         <p:spPr>
           <a:xfrm>
             <a:off x="729360" y="2079000"/>
-            <a:ext cx="7688520" cy="2260800"/>
+            <a:ext cx="7688160" cy="2260440"/>
           </a:xfrm>
           <a:prstGeom prst="rect">
             <a:avLst/>
@@ -7820,12 +5366,18 @@
             <a:noFill/>
           </a:ln>
         </p:spPr>
-        <p:txBody>
-          <a:bodyPr tIns="91440" bIns="91440">
+        <p:style>
+          <a:lnRef idx="0"/>
+          <a:fillRef idx="0"/>
+          <a:effectRef idx="0"/>
+          <a:fontRef idx="minor"/>
+        </p:style>
+        <p:txBody>
+          <a:bodyPr lIns="90000" rIns="90000" tIns="91440" bIns="91440">
             <a:noAutofit/>
           </a:bodyPr>
           <a:p>
-            <a:pPr marL="457200" indent="-310680">
+            <a:pPr marL="457200" indent="-310320">
               <a:lnSpc>
                 <a:spcPct val="115000"/>
               </a:lnSpc>
@@ -7846,14 +5398,14 @@
               <a:t>Untuk melakukan Colen repository dari GitServer ke Gitlocal</a:t>
             </a:r>
             <a:endParaRPr b="0" lang="en-US" sz="1200" spc="-1" strike="noStrike">
-              <a:solidFill>
-                <a:srgbClr val="000000"/>
-              </a:solidFill>
-              <a:latin typeface="Arial"/>
-            </a:endParaRPr>
-          </a:p>
-          <a:p>
-            <a:pPr lvl="1" marL="864000" indent="-324000">
+              <a:latin typeface="Arial"/>
+            </a:endParaRPr>
+          </a:p>
+          <a:p>
+            <a:pPr lvl="1" marL="864000" indent="-323640">
+              <a:lnSpc>
+                <a:spcPct val="100000"/>
+              </a:lnSpc>
               <a:spcBef>
                 <a:spcPts val="1134"/>
               </a:spcBef>
@@ -7861,7 +5413,7 @@
                 <a:srgbClr val="000000"/>
               </a:buClr>
               <a:buSzPct val="75000"/>
-              <a:buFont typeface="Symbol" charset="2"/>
+              <a:buFont typeface="Symbol"/>
               <a:buChar char=""/>
             </a:pPr>
             <a:r>
@@ -7875,14 +5427,11 @@
               <a:t>git clone [url_repo_git_server]</a:t>
             </a:r>
             <a:endParaRPr b="0" lang="en-US" sz="1200" spc="-1" strike="noStrike">
-              <a:solidFill>
-                <a:srgbClr val="000000"/>
-              </a:solidFill>
-              <a:latin typeface="Arial"/>
-            </a:endParaRPr>
-          </a:p>
-          <a:p>
-            <a:pPr lvl="1" marL="864000" indent="-324000">
+              <a:latin typeface="Arial"/>
+            </a:endParaRPr>
+          </a:p>
+          <a:p>
+            <a:pPr lvl="1" marL="864000" indent="-323640">
               <a:lnSpc>
                 <a:spcPct val="100000"/>
               </a:lnSpc>
@@ -7893,7 +5442,7 @@
                 <a:srgbClr val="000000"/>
               </a:buClr>
               <a:buSzPct val="75000"/>
-              <a:buFont typeface="Symbol" charset="2"/>
+              <a:buFont typeface="Symbol"/>
               <a:buChar char=""/>
             </a:pPr>
             <a:r>
@@ -7904,27 +5453,14 @@
                 <a:latin typeface="Lato"/>
                 <a:ea typeface="Lato"/>
               </a:rPr>
-              <a:t>Ex: git clone </a:t>
-            </a:r>
-            <a:r>
-              <a:rPr b="1" lang="id" sz="1200" spc="-1" strike="noStrike">
-                <a:solidFill>
-                  <a:srgbClr val="595959"/>
-                </a:solidFill>
-                <a:latin typeface="Lato"/>
-                <a:ea typeface="Lato"/>
-              </a:rPr>
-              <a:t>git@gitlab.com:meaku00000/repo-git.git</a:t>
+              <a:t>Ex: git clone git@gitlab.com:meaku00000/repo-git.git</a:t>
             </a:r>
             <a:endParaRPr b="0" lang="en-US" sz="1200" spc="-1" strike="noStrike">
-              <a:solidFill>
-                <a:srgbClr val="000000"/>
-              </a:solidFill>
-              <a:latin typeface="Arial"/>
-            </a:endParaRPr>
-          </a:p>
-          <a:p>
-            <a:pPr marL="457200" indent="-310680">
+              <a:latin typeface="Arial"/>
+            </a:endParaRPr>
+          </a:p>
+          <a:p>
+            <a:pPr marL="457200" indent="-310320">
               <a:lnSpc>
                 <a:spcPct val="115000"/>
               </a:lnSpc>
@@ -7955,27 +5491,16 @@
               <a:t> </a:t>
             </a:r>
             <a:endParaRPr b="0" lang="en-US" sz="1200" spc="-1" strike="noStrike">
-              <a:solidFill>
-                <a:srgbClr val="000000"/>
-              </a:solidFill>
-              <a:latin typeface="Arial"/>
-            </a:endParaRPr>
-          </a:p>
-          <a:p>
-            <a:pPr marL="457200" indent="-310680">
+              <a:latin typeface="Arial"/>
+            </a:endParaRPr>
+          </a:p>
+          <a:p>
+            <a:pPr>
               <a:lnSpc>
                 <a:spcPct val="115000"/>
               </a:lnSpc>
-              <a:buClr>
-                <a:srgbClr val="595959"/>
-              </a:buClr>
-              <a:buFont typeface="Lato"/>
-              <a:buChar char="●"/>
             </a:pPr>
             <a:endParaRPr b="0" lang="en-US" sz="1200" spc="-1" strike="noStrike">
-              <a:solidFill>
-                <a:srgbClr val="000000"/>
-              </a:solidFill>
               <a:latin typeface="Arial"/>
             </a:endParaRPr>
           </a:p>
@@ -8013,14 +5538,14 @@
       </p:grpSpPr>
       <p:sp>
         <p:nvSpPr>
-          <p:cNvPr id="173" name="TextShape 1"/>
-          <p:cNvSpPr txBox="1"/>
+          <p:cNvPr id="127" name="CustomShape 1"/>
+          <p:cNvSpPr/>
           <p:nvPr/>
         </p:nvSpPr>
         <p:spPr>
           <a:xfrm>
             <a:off x="729360" y="1322280"/>
-            <a:ext cx="7688160" cy="1518120"/>
+            <a:ext cx="7687800" cy="1517760"/>
           </a:xfrm>
           <a:prstGeom prst="rect">
             <a:avLst/>
@@ -8030,8 +5555,14 @@
             <a:noFill/>
           </a:ln>
         </p:spPr>
-        <p:txBody>
-          <a:bodyPr tIns="91440" bIns="91440">
+        <p:style>
+          <a:lnRef idx="0"/>
+          <a:fillRef idx="0"/>
+          <a:effectRef idx="0"/>
+          <a:fontRef idx="minor"/>
+        </p:style>
+        <p:txBody>
+          <a:bodyPr lIns="90000" rIns="90000" tIns="91440" bIns="91440">
             <a:noAutofit/>
           </a:bodyPr>
           <a:p>
@@ -8054,9 +5585,6 @@
               <a:t>Git Remote</a:t>
             </a:r>
             <a:endParaRPr b="0" lang="en-US" sz="3600" spc="-1" strike="noStrike">
-              <a:solidFill>
-                <a:srgbClr val="000000"/>
-              </a:solidFill>
               <a:latin typeface="Arial"/>
             </a:endParaRPr>
           </a:p>
@@ -8094,14 +5622,14 @@
       </p:grpSpPr>
       <p:sp>
         <p:nvSpPr>
-          <p:cNvPr id="174" name="TextShape 1"/>
-          <p:cNvSpPr txBox="1"/>
+          <p:cNvPr id="128" name="CustomShape 1"/>
+          <p:cNvSpPr/>
           <p:nvPr/>
         </p:nvSpPr>
         <p:spPr>
           <a:xfrm>
             <a:off x="729360" y="1318680"/>
-            <a:ext cx="7688520" cy="534960"/>
+            <a:ext cx="7688160" cy="534600"/>
           </a:xfrm>
           <a:prstGeom prst="rect">
             <a:avLst/>
@@ -8111,8 +5639,14 @@
             <a:noFill/>
           </a:ln>
         </p:spPr>
-        <p:txBody>
-          <a:bodyPr tIns="91440" bIns="91440">
+        <p:style>
+          <a:lnRef idx="0"/>
+          <a:fillRef idx="0"/>
+          <a:effectRef idx="0"/>
+          <a:fontRef idx="minor"/>
+        </p:style>
+        <p:txBody>
+          <a:bodyPr lIns="90000" rIns="90000" tIns="91440" bIns="91440">
             <a:noAutofit/>
           </a:bodyPr>
           <a:p>
@@ -8135,24 +5669,21 @@
               <a:t>Git SSH</a:t>
             </a:r>
             <a:endParaRPr b="0" lang="en-US" sz="2600" spc="-1" strike="noStrike">
-              <a:solidFill>
-                <a:srgbClr val="000000"/>
-              </a:solidFill>
-              <a:latin typeface="Arial"/>
-            </a:endParaRPr>
-          </a:p>
-        </p:txBody>
-      </p:sp>
-      <p:sp>
-        <p:nvSpPr>
-          <p:cNvPr id="175" name="TextShape 2"/>
-          <p:cNvSpPr txBox="1"/>
+              <a:latin typeface="Arial"/>
+            </a:endParaRPr>
+          </a:p>
+        </p:txBody>
+      </p:sp>
+      <p:sp>
+        <p:nvSpPr>
+          <p:cNvPr id="129" name="CustomShape 2"/>
+          <p:cNvSpPr/>
           <p:nvPr/>
         </p:nvSpPr>
         <p:spPr>
           <a:xfrm>
             <a:off x="729360" y="2079000"/>
-            <a:ext cx="7688520" cy="2260800"/>
+            <a:ext cx="7688160" cy="2260440"/>
           </a:xfrm>
           <a:prstGeom prst="rect">
             <a:avLst/>
@@ -8162,12 +5693,18 @@
             <a:noFill/>
           </a:ln>
         </p:spPr>
-        <p:txBody>
-          <a:bodyPr tIns="91440" bIns="91440">
+        <p:style>
+          <a:lnRef idx="0"/>
+          <a:fillRef idx="0"/>
+          <a:effectRef idx="0"/>
+          <a:fontRef idx="minor"/>
+        </p:style>
+        <p:txBody>
+          <a:bodyPr lIns="90000" rIns="90000" tIns="91440" bIns="91440">
             <a:noAutofit/>
           </a:bodyPr>
           <a:p>
-            <a:pPr marL="457200" indent="-310680">
+            <a:pPr marL="457200" indent="-310320">
               <a:lnSpc>
                 <a:spcPct val="115000"/>
               </a:lnSpc>
@@ -8188,14 +5725,11 @@
               <a:t>Keuntungan menggunakan SSH kita tidak akan diminta lagi memasukan id dan pass</a:t>
             </a:r>
             <a:endParaRPr b="0" lang="en-US" sz="1200" spc="-1" strike="noStrike">
-              <a:solidFill>
-                <a:srgbClr val="000000"/>
-              </a:solidFill>
-              <a:latin typeface="Arial"/>
-            </a:endParaRPr>
-          </a:p>
-          <a:p>
-            <a:pPr marL="457200" indent="-310680">
+              <a:latin typeface="Arial"/>
+            </a:endParaRPr>
+          </a:p>
+          <a:p>
+            <a:pPr marL="457200" indent="-310320">
               <a:lnSpc>
                 <a:spcPct val="115000"/>
               </a:lnSpc>
@@ -8216,14 +5750,11 @@
               <a:t>GitHub, GitLab, GitBucket dll. Itu merupakan SSH server, sedangkan SSH clientnya itu leptop kita</a:t>
             </a:r>
             <a:endParaRPr b="0" lang="en-US" sz="1200" spc="-1" strike="noStrike">
-              <a:solidFill>
-                <a:srgbClr val="000000"/>
-              </a:solidFill>
-              <a:latin typeface="Arial"/>
-            </a:endParaRPr>
-          </a:p>
-          <a:p>
-            <a:pPr marL="457200" indent="-310680">
+              <a:latin typeface="Arial"/>
+            </a:endParaRPr>
+          </a:p>
+          <a:p>
+            <a:pPr marL="457200" indent="-310320">
               <a:lnSpc>
                 <a:spcPct val="115000"/>
               </a:lnSpc>
@@ -8244,14 +5775,14 @@
               <a:t>Untuk membuat SSH Key perintahnya di terminalnya:</a:t>
             </a:r>
             <a:endParaRPr b="0" lang="en-US" sz="1200" spc="-1" strike="noStrike">
-              <a:solidFill>
-                <a:srgbClr val="000000"/>
-              </a:solidFill>
-              <a:latin typeface="Arial"/>
-            </a:endParaRPr>
-          </a:p>
-          <a:p>
-            <a:pPr lvl="1" marL="864000" indent="-324000">
+              <a:latin typeface="Arial"/>
+            </a:endParaRPr>
+          </a:p>
+          <a:p>
+            <a:pPr lvl="1" marL="864000" indent="-323640">
+              <a:lnSpc>
+                <a:spcPct val="100000"/>
+              </a:lnSpc>
               <a:spcBef>
                 <a:spcPts val="1134"/>
               </a:spcBef>
@@ -8259,7 +5790,7 @@
                 <a:srgbClr val="000000"/>
               </a:buClr>
               <a:buSzPct val="75000"/>
-              <a:buFont typeface="Symbol" charset="2"/>
+              <a:buFont typeface="Symbol"/>
               <a:buChar char=""/>
             </a:pPr>
             <a:r>
@@ -8273,14 +5804,11 @@
               <a:t>ssh-keygen</a:t>
             </a:r>
             <a:endParaRPr b="0" lang="en-US" sz="1200" spc="-1" strike="noStrike">
-              <a:solidFill>
-                <a:srgbClr val="000000"/>
-              </a:solidFill>
-              <a:latin typeface="Arial"/>
-            </a:endParaRPr>
-          </a:p>
-          <a:p>
-            <a:pPr marL="457200" indent="-310680">
+              <a:latin typeface="Arial"/>
+            </a:endParaRPr>
+          </a:p>
+          <a:p>
+            <a:pPr marL="457200" indent="-310320">
               <a:lnSpc>
                 <a:spcPct val="115000"/>
               </a:lnSpc>
@@ -8301,14 +5829,11 @@
               <a:t>id_rsa adalah private key, sedangkan id_rsa.pub adalah public key</a:t>
             </a:r>
             <a:endParaRPr b="0" lang="en-US" sz="1200" spc="-1" strike="noStrike">
-              <a:solidFill>
-                <a:srgbClr val="000000"/>
-              </a:solidFill>
-              <a:latin typeface="Arial"/>
-            </a:endParaRPr>
-          </a:p>
-          <a:p>
-            <a:pPr marL="457200" indent="-310680">
+              <a:latin typeface="Arial"/>
+            </a:endParaRPr>
+          </a:p>
+          <a:p>
+            <a:pPr marL="457200" indent="-310320">
               <a:lnSpc>
                 <a:spcPct val="115000"/>
               </a:lnSpc>
@@ -8329,14 +5854,11 @@
               <a:t>Untuk melihat folder dari SSH-nya biasanya terletak pada /user/home/.shh/</a:t>
             </a:r>
             <a:endParaRPr b="0" lang="en-US" sz="1200" spc="-1" strike="noStrike">
-              <a:solidFill>
-                <a:srgbClr val="000000"/>
-              </a:solidFill>
-              <a:latin typeface="Arial"/>
-            </a:endParaRPr>
-          </a:p>
-          <a:p>
-            <a:pPr marL="457200" indent="-310680">
+              <a:latin typeface="Arial"/>
+            </a:endParaRPr>
+          </a:p>
+          <a:p>
+            <a:pPr marL="457200" indent="-310320">
               <a:lnSpc>
                 <a:spcPct val="115000"/>
               </a:lnSpc>
@@ -8357,14 +5879,11 @@
               <a:t>Setelah SSH-Key nya terbuat, kita harus meregistrasikan SSH public key ke GitServer</a:t>
             </a:r>
             <a:endParaRPr b="0" lang="en-US" sz="1200" spc="-1" strike="noStrike">
-              <a:solidFill>
-                <a:srgbClr val="000000"/>
-              </a:solidFill>
-              <a:latin typeface="Arial"/>
-            </a:endParaRPr>
-          </a:p>
-          <a:p>
-            <a:pPr marL="457200" indent="-310680">
+              <a:latin typeface="Arial"/>
+            </a:endParaRPr>
+          </a:p>
+          <a:p>
+            <a:pPr marL="457200" indent="-310320">
               <a:lnSpc>
                 <a:spcPct val="115000"/>
               </a:lnSpc>
@@ -8385,14 +5904,14 @@
               <a:t>Untuk mengecek kita sudah terhubuh ke GitServer printah terminalnya:</a:t>
             </a:r>
             <a:endParaRPr b="0" lang="en-US" sz="1200" spc="-1" strike="noStrike">
-              <a:solidFill>
-                <a:srgbClr val="000000"/>
-              </a:solidFill>
-              <a:latin typeface="Arial"/>
-            </a:endParaRPr>
-          </a:p>
-          <a:p>
-            <a:pPr lvl="1" marL="864000" indent="-324000">
+              <a:latin typeface="Arial"/>
+            </a:endParaRPr>
+          </a:p>
+          <a:p>
+            <a:pPr lvl="1" marL="864000" indent="-323640">
+              <a:lnSpc>
+                <a:spcPct val="100000"/>
+              </a:lnSpc>
               <a:spcBef>
                 <a:spcPts val="1134"/>
               </a:spcBef>
@@ -8400,7 +5919,7 @@
                 <a:srgbClr val="000000"/>
               </a:buClr>
               <a:buSzPct val="75000"/>
-              <a:buFont typeface="Symbol" charset="2"/>
+              <a:buFont typeface="Symbol"/>
               <a:buChar char=""/>
             </a:pPr>
             <a:r>
@@ -8414,45 +5933,6 @@
               <a:t>ssh -T git@github.com</a:t>
             </a:r>
             <a:endParaRPr b="0" lang="en-US" sz="1200" spc="-1" strike="noStrike">
-              <a:solidFill>
-                <a:srgbClr val="000000"/>
-              </a:solidFill>
-              <a:latin typeface="Arial"/>
-            </a:endParaRPr>
-          </a:p>
-          <a:p>
-            <a:pPr marL="457200" indent="-310680">
-              <a:lnSpc>
-                <a:spcPct val="115000"/>
-              </a:lnSpc>
-              <a:buClr>
-                <a:srgbClr val="595959"/>
-              </a:buClr>
-              <a:buFont typeface="Lato"/>
-              <a:buChar char="●"/>
-            </a:pPr>
-            <a:endParaRPr b="0" lang="en-US" sz="1200" spc="-1" strike="noStrike">
-              <a:solidFill>
-                <a:srgbClr val="000000"/>
-              </a:solidFill>
-              <a:latin typeface="Arial"/>
-            </a:endParaRPr>
-          </a:p>
-          <a:p>
-            <a:pPr marL="457200" indent="-310680">
-              <a:lnSpc>
-                <a:spcPct val="115000"/>
-              </a:lnSpc>
-              <a:buClr>
-                <a:srgbClr val="595959"/>
-              </a:buClr>
-              <a:buFont typeface="Lato"/>
-              <a:buChar char="●"/>
-            </a:pPr>
-            <a:endParaRPr b="0" lang="en-US" sz="1200" spc="-1" strike="noStrike">
-              <a:solidFill>
-                <a:srgbClr val="000000"/>
-              </a:solidFill>
               <a:latin typeface="Arial"/>
             </a:endParaRPr>
           </a:p>
@@ -8463,9 +5943,26 @@
               </a:lnSpc>
             </a:pPr>
             <a:endParaRPr b="0" lang="en-US" sz="1200" spc="-1" strike="noStrike">
-              <a:solidFill>
-                <a:srgbClr val="000000"/>
-              </a:solidFill>
+              <a:latin typeface="Arial"/>
+            </a:endParaRPr>
+          </a:p>
+          <a:p>
+            <a:pPr>
+              <a:lnSpc>
+                <a:spcPct val="115000"/>
+              </a:lnSpc>
+            </a:pPr>
+            <a:endParaRPr b="0" lang="en-US" sz="1200" spc="-1" strike="noStrike">
+              <a:latin typeface="Arial"/>
+            </a:endParaRPr>
+          </a:p>
+          <a:p>
+            <a:pPr>
+              <a:lnSpc>
+                <a:spcPct val="115000"/>
+              </a:lnSpc>
+            </a:pPr>
+            <a:endParaRPr b="0" lang="en-US" sz="1200" spc="-1" strike="noStrike">
               <a:latin typeface="Arial"/>
             </a:endParaRPr>
           </a:p>
@@ -8503,14 +6000,14 @@
       </p:grpSpPr>
       <p:sp>
         <p:nvSpPr>
-          <p:cNvPr id="176" name="TextShape 1"/>
-          <p:cNvSpPr txBox="1"/>
+          <p:cNvPr id="130" name="CustomShape 1"/>
+          <p:cNvSpPr/>
           <p:nvPr/>
         </p:nvSpPr>
         <p:spPr>
           <a:xfrm>
             <a:off x="729360" y="1318680"/>
-            <a:ext cx="7688520" cy="534960"/>
+            <a:ext cx="7688160" cy="534600"/>
           </a:xfrm>
           <a:prstGeom prst="rect">
             <a:avLst/>
@@ -8520,8 +6017,14 @@
             <a:noFill/>
           </a:ln>
         </p:spPr>
-        <p:txBody>
-          <a:bodyPr tIns="91440" bIns="91440">
+        <p:style>
+          <a:lnRef idx="0"/>
+          <a:fillRef idx="0"/>
+          <a:effectRef idx="0"/>
+          <a:fontRef idx="minor"/>
+        </p:style>
+        <p:txBody>
+          <a:bodyPr lIns="90000" rIns="90000" tIns="91440" bIns="91440">
             <a:noAutofit/>
           </a:bodyPr>
           <a:p>
@@ -8544,24 +6047,21 @@
               <a:t>Menghubungkan GitLocal dan GitServer</a:t>
             </a:r>
             <a:endParaRPr b="0" lang="en-US" sz="2600" spc="-1" strike="noStrike">
-              <a:solidFill>
-                <a:srgbClr val="000000"/>
-              </a:solidFill>
-              <a:latin typeface="Arial"/>
-            </a:endParaRPr>
-          </a:p>
-        </p:txBody>
-      </p:sp>
-      <p:sp>
-        <p:nvSpPr>
-          <p:cNvPr id="177" name="TextShape 2"/>
-          <p:cNvSpPr txBox="1"/>
+              <a:latin typeface="Arial"/>
+            </a:endParaRPr>
+          </a:p>
+        </p:txBody>
+      </p:sp>
+      <p:sp>
+        <p:nvSpPr>
+          <p:cNvPr id="131" name="CustomShape 2"/>
+          <p:cNvSpPr/>
           <p:nvPr/>
         </p:nvSpPr>
         <p:spPr>
           <a:xfrm>
             <a:off x="729360" y="2079000"/>
-            <a:ext cx="7688520" cy="2260800"/>
+            <a:ext cx="7688160" cy="2260440"/>
           </a:xfrm>
           <a:prstGeom prst="rect">
             <a:avLst/>
@@ -8571,12 +6071,18 @@
             <a:noFill/>
           </a:ln>
         </p:spPr>
-        <p:txBody>
-          <a:bodyPr tIns="91440" bIns="91440">
+        <p:style>
+          <a:lnRef idx="0"/>
+          <a:fillRef idx="0"/>
+          <a:effectRef idx="0"/>
+          <a:fontRef idx="minor"/>
+        </p:style>
+        <p:txBody>
+          <a:bodyPr lIns="90000" rIns="90000" tIns="91440" bIns="91440">
             <a:noAutofit/>
           </a:bodyPr>
           <a:p>
-            <a:pPr marL="457200" indent="-310680">
+            <a:pPr marL="457200" indent="-310320">
               <a:lnSpc>
                 <a:spcPct val="115000"/>
               </a:lnSpc>
@@ -8597,14 +6103,14 @@
               <a:t>Untuk menghubungkan repository local ke gitServer kita bisa menggunakan printah:</a:t>
             </a:r>
             <a:endParaRPr b="0" lang="en-US" sz="1200" spc="-1" strike="noStrike">
-              <a:solidFill>
-                <a:srgbClr val="000000"/>
-              </a:solidFill>
-              <a:latin typeface="Arial"/>
-            </a:endParaRPr>
-          </a:p>
-          <a:p>
-            <a:pPr lvl="1" marL="864000" indent="-324000">
+              <a:latin typeface="Arial"/>
+            </a:endParaRPr>
+          </a:p>
+          <a:p>
+            <a:pPr lvl="1" marL="864000" indent="-323640">
+              <a:lnSpc>
+                <a:spcPct val="100000"/>
+              </a:lnSpc>
               <a:spcBef>
                 <a:spcPts val="1134"/>
               </a:spcBef>
@@ -8612,7 +6118,7 @@
                 <a:srgbClr val="000000"/>
               </a:buClr>
               <a:buSzPct val="75000"/>
-              <a:buFont typeface="Symbol" charset="2"/>
+              <a:buFont typeface="Symbol"/>
               <a:buChar char=""/>
             </a:pPr>
             <a:r>
@@ -8626,14 +6132,14 @@
               <a:t>git remote add [name] [ssh-url]</a:t>
             </a:r>
             <a:endParaRPr b="0" lang="en-US" sz="1200" spc="-1" strike="noStrike">
-              <a:solidFill>
-                <a:srgbClr val="000000"/>
-              </a:solidFill>
-              <a:latin typeface="Arial"/>
-            </a:endParaRPr>
-          </a:p>
-          <a:p>
-            <a:pPr lvl="1" marL="864000" indent="-324000">
+              <a:latin typeface="Arial"/>
+            </a:endParaRPr>
+          </a:p>
+          <a:p>
+            <a:pPr lvl="1" marL="864000" indent="-323640">
+              <a:lnSpc>
+                <a:spcPct val="100000"/>
+              </a:lnSpc>
               <a:spcBef>
                 <a:spcPts val="1134"/>
               </a:spcBef>
@@ -8641,7 +6147,7 @@
                 <a:srgbClr val="000000"/>
               </a:buClr>
               <a:buSzPct val="75000"/>
-              <a:buFont typeface="Symbol" charset="2"/>
+              <a:buFont typeface="Symbol"/>
               <a:buChar char=""/>
             </a:pPr>
             <a:r>
@@ -8665,14 +6171,11 @@
               <a:t>git remote add origin git@gitlab.com:meaku00000/repo-git.git</a:t>
             </a:r>
             <a:endParaRPr b="0" lang="en-US" sz="1200" spc="-1" strike="noStrike">
-              <a:solidFill>
-                <a:srgbClr val="000000"/>
-              </a:solidFill>
-              <a:latin typeface="Arial"/>
-            </a:endParaRPr>
-          </a:p>
-          <a:p>
-            <a:pPr marL="457200" indent="-310680">
+              <a:latin typeface="Arial"/>
+            </a:endParaRPr>
+          </a:p>
+          <a:p>
+            <a:pPr marL="457200" indent="-310320">
               <a:lnSpc>
                 <a:spcPct val="115000"/>
               </a:lnSpc>
@@ -8693,14 +6196,14 @@
               <a:t>Untuk mengecek remote yang tersedia:</a:t>
             </a:r>
             <a:endParaRPr b="0" lang="en-US" sz="1200" spc="-1" strike="noStrike">
-              <a:solidFill>
-                <a:srgbClr val="000000"/>
-              </a:solidFill>
-              <a:latin typeface="Arial"/>
-            </a:endParaRPr>
-          </a:p>
-          <a:p>
-            <a:pPr lvl="1" marL="864000" indent="-324000">
+              <a:latin typeface="Arial"/>
+            </a:endParaRPr>
+          </a:p>
+          <a:p>
+            <a:pPr lvl="1" marL="864000" indent="-323640">
+              <a:lnSpc>
+                <a:spcPct val="100000"/>
+              </a:lnSpc>
               <a:spcBef>
                 <a:spcPts val="1134"/>
               </a:spcBef>
@@ -8708,7 +6211,7 @@
                 <a:srgbClr val="000000"/>
               </a:buClr>
               <a:buSzPct val="75000"/>
-              <a:buFont typeface="Symbol" charset="2"/>
+              <a:buFont typeface="Symbol"/>
               <a:buChar char=""/>
             </a:pPr>
             <a:r>
@@ -8722,14 +6225,11 @@
               <a:t>git remote</a:t>
             </a:r>
             <a:endParaRPr b="0" lang="en-US" sz="1200" spc="-1" strike="noStrike">
-              <a:solidFill>
-                <a:srgbClr val="000000"/>
-              </a:solidFill>
-              <a:latin typeface="Arial"/>
-            </a:endParaRPr>
-          </a:p>
-          <a:p>
-            <a:pPr marL="457200" indent="-310680">
+              <a:latin typeface="Arial"/>
+            </a:endParaRPr>
+          </a:p>
+          <a:p>
+            <a:pPr marL="457200" indent="-310320">
               <a:lnSpc>
                 <a:spcPct val="115000"/>
               </a:lnSpc>
@@ -8750,14 +6250,14 @@
               <a:t>Untuk Mengecek url dari remote local</a:t>
             </a:r>
             <a:endParaRPr b="0" lang="en-US" sz="1200" spc="-1" strike="noStrike">
-              <a:solidFill>
-                <a:srgbClr val="000000"/>
-              </a:solidFill>
-              <a:latin typeface="Arial"/>
-            </a:endParaRPr>
-          </a:p>
-          <a:p>
-            <a:pPr lvl="1" marL="864000" indent="-324000">
+              <a:latin typeface="Arial"/>
+            </a:endParaRPr>
+          </a:p>
+          <a:p>
+            <a:pPr lvl="1" marL="864000" indent="-323640">
+              <a:lnSpc>
+                <a:spcPct val="100000"/>
+              </a:lnSpc>
               <a:spcBef>
                 <a:spcPts val="1134"/>
               </a:spcBef>
@@ -8765,7 +6265,7 @@
                 <a:srgbClr val="000000"/>
               </a:buClr>
               <a:buSzPct val="75000"/>
-              <a:buFont typeface="Symbol" charset="2"/>
+              <a:buFont typeface="Symbol"/>
               <a:buChar char=""/>
             </a:pPr>
             <a:r>
@@ -8779,63 +6279,6 @@
               <a:t>git remote get-url [name-remote]</a:t>
             </a:r>
             <a:endParaRPr b="0" lang="en-US" sz="1200" spc="-1" strike="noStrike">
-              <a:solidFill>
-                <a:srgbClr val="000000"/>
-              </a:solidFill>
-              <a:latin typeface="Arial"/>
-            </a:endParaRPr>
-          </a:p>
-          <a:p>
-            <a:pPr marL="457200" indent="-310680">
-              <a:lnSpc>
-                <a:spcPct val="115000"/>
-              </a:lnSpc>
-              <a:buClr>
-                <a:srgbClr val="595959"/>
-              </a:buClr>
-              <a:buFont typeface="Lato"/>
-              <a:buChar char="●"/>
-            </a:pPr>
-            <a:endParaRPr b="0" lang="en-US" sz="1200" spc="-1" strike="noStrike">
-              <a:solidFill>
-                <a:srgbClr val="000000"/>
-              </a:solidFill>
-              <a:latin typeface="Arial"/>
-            </a:endParaRPr>
-          </a:p>
-          <a:p>
-            <a:pPr marL="457200" indent="-310680">
-              <a:lnSpc>
-                <a:spcPct val="115000"/>
-              </a:lnSpc>
-              <a:buClr>
-                <a:srgbClr val="595959"/>
-              </a:buClr>
-              <a:buFont typeface="Lato"/>
-              <a:buChar char="●"/>
-            </a:pPr>
-            <a:endParaRPr b="0" lang="en-US" sz="1200" spc="-1" strike="noStrike">
-              <a:solidFill>
-                <a:srgbClr val="000000"/>
-              </a:solidFill>
-              <a:latin typeface="Arial"/>
-            </a:endParaRPr>
-          </a:p>
-          <a:p>
-            <a:pPr marL="457200" indent="-310680">
-              <a:lnSpc>
-                <a:spcPct val="115000"/>
-              </a:lnSpc>
-              <a:buClr>
-                <a:srgbClr val="595959"/>
-              </a:buClr>
-              <a:buFont typeface="Lato"/>
-              <a:buChar char="●"/>
-            </a:pPr>
-            <a:endParaRPr b="0" lang="en-US" sz="1200" spc="-1" strike="noStrike">
-              <a:solidFill>
-                <a:srgbClr val="000000"/>
-              </a:solidFill>
               <a:latin typeface="Arial"/>
             </a:endParaRPr>
           </a:p>
@@ -8846,9 +6289,36 @@
               </a:lnSpc>
             </a:pPr>
             <a:endParaRPr b="0" lang="en-US" sz="1200" spc="-1" strike="noStrike">
-              <a:solidFill>
-                <a:srgbClr val="000000"/>
-              </a:solidFill>
+              <a:latin typeface="Arial"/>
+            </a:endParaRPr>
+          </a:p>
+          <a:p>
+            <a:pPr>
+              <a:lnSpc>
+                <a:spcPct val="115000"/>
+              </a:lnSpc>
+            </a:pPr>
+            <a:endParaRPr b="0" lang="en-US" sz="1200" spc="-1" strike="noStrike">
+              <a:latin typeface="Arial"/>
+            </a:endParaRPr>
+          </a:p>
+          <a:p>
+            <a:pPr>
+              <a:lnSpc>
+                <a:spcPct val="115000"/>
+              </a:lnSpc>
+            </a:pPr>
+            <a:endParaRPr b="0" lang="en-US" sz="1200" spc="-1" strike="noStrike">
+              <a:latin typeface="Arial"/>
+            </a:endParaRPr>
+          </a:p>
+          <a:p>
+            <a:pPr>
+              <a:lnSpc>
+                <a:spcPct val="115000"/>
+              </a:lnSpc>
+            </a:pPr>
+            <a:endParaRPr b="0" lang="en-US" sz="1200" spc="-1" strike="noStrike">
               <a:latin typeface="Arial"/>
             </a:endParaRPr>
           </a:p>
@@ -8886,14 +6356,14 @@
       </p:grpSpPr>
       <p:sp>
         <p:nvSpPr>
-          <p:cNvPr id="178" name="TextShape 1"/>
-          <p:cNvSpPr txBox="1"/>
+          <p:cNvPr id="132" name="CustomShape 1"/>
+          <p:cNvSpPr/>
           <p:nvPr/>
         </p:nvSpPr>
         <p:spPr>
           <a:xfrm>
             <a:off x="729360" y="1318680"/>
-            <a:ext cx="7688520" cy="534960"/>
+            <a:ext cx="7688160" cy="534600"/>
           </a:xfrm>
           <a:prstGeom prst="rect">
             <a:avLst/>
@@ -8903,8 +6373,14 @@
             <a:noFill/>
           </a:ln>
         </p:spPr>
-        <p:txBody>
-          <a:bodyPr tIns="91440" bIns="91440">
+        <p:style>
+          <a:lnRef idx="0"/>
+          <a:fillRef idx="0"/>
+          <a:effectRef idx="0"/>
+          <a:fontRef idx="minor"/>
+        </p:style>
+        <p:txBody>
+          <a:bodyPr lIns="90000" rIns="90000" tIns="91440" bIns="91440">
             <a:noAutofit/>
           </a:bodyPr>
           <a:p>
@@ -8927,24 +6403,21 @@
               <a:t>Menghapus Remote</a:t>
             </a:r>
             <a:endParaRPr b="0" lang="en-US" sz="2600" spc="-1" strike="noStrike">
-              <a:solidFill>
-                <a:srgbClr val="000000"/>
-              </a:solidFill>
-              <a:latin typeface="Arial"/>
-            </a:endParaRPr>
-          </a:p>
-        </p:txBody>
-      </p:sp>
-      <p:sp>
-        <p:nvSpPr>
-          <p:cNvPr id="179" name="TextShape 2"/>
-          <p:cNvSpPr txBox="1"/>
+              <a:latin typeface="Arial"/>
+            </a:endParaRPr>
+          </a:p>
+        </p:txBody>
+      </p:sp>
+      <p:sp>
+        <p:nvSpPr>
+          <p:cNvPr id="133" name="CustomShape 2"/>
+          <p:cNvSpPr/>
           <p:nvPr/>
         </p:nvSpPr>
         <p:spPr>
           <a:xfrm>
             <a:off x="729360" y="2079000"/>
-            <a:ext cx="7688520" cy="2260800"/>
+            <a:ext cx="7688160" cy="2260440"/>
           </a:xfrm>
           <a:prstGeom prst="rect">
             <a:avLst/>
@@ -8954,12 +6427,18 @@
             <a:noFill/>
           </a:ln>
         </p:spPr>
-        <p:txBody>
-          <a:bodyPr tIns="91440" bIns="91440">
+        <p:style>
+          <a:lnRef idx="0"/>
+          <a:fillRef idx="0"/>
+          <a:effectRef idx="0"/>
+          <a:fontRef idx="minor"/>
+        </p:style>
+        <p:txBody>
+          <a:bodyPr lIns="90000" rIns="90000" tIns="91440" bIns="91440">
             <a:noAutofit/>
           </a:bodyPr>
           <a:p>
-            <a:pPr marL="457200" indent="-310680">
+            <a:pPr marL="457200" indent="-310320">
               <a:lnSpc>
                 <a:spcPct val="115000"/>
               </a:lnSpc>
@@ -8980,14 +6459,14 @@
               <a:t>Untuk menghapus remote</a:t>
             </a:r>
             <a:endParaRPr b="0" lang="en-US" sz="1200" spc="-1" strike="noStrike">
-              <a:solidFill>
-                <a:srgbClr val="000000"/>
-              </a:solidFill>
-              <a:latin typeface="Arial"/>
-            </a:endParaRPr>
-          </a:p>
-          <a:p>
-            <a:pPr lvl="1" marL="864000" indent="-324000">
+              <a:latin typeface="Arial"/>
+            </a:endParaRPr>
+          </a:p>
+          <a:p>
+            <a:pPr lvl="1" marL="864000" indent="-323640">
+              <a:lnSpc>
+                <a:spcPct val="100000"/>
+              </a:lnSpc>
               <a:spcBef>
                 <a:spcPts val="1134"/>
               </a:spcBef>
@@ -8995,7 +6474,7 @@
                 <a:srgbClr val="000000"/>
               </a:buClr>
               <a:buSzPct val="75000"/>
-              <a:buFont typeface="Symbol" charset="2"/>
+              <a:buFont typeface="Symbol"/>
               <a:buChar char=""/>
             </a:pPr>
             <a:r>
@@ -9009,63 +6488,6 @@
               <a:t>git remote rm origin</a:t>
             </a:r>
             <a:endParaRPr b="0" lang="en-US" sz="1200" spc="-1" strike="noStrike">
-              <a:solidFill>
-                <a:srgbClr val="000000"/>
-              </a:solidFill>
-              <a:latin typeface="Arial"/>
-            </a:endParaRPr>
-          </a:p>
-          <a:p>
-            <a:pPr marL="457200" indent="-310680">
-              <a:lnSpc>
-                <a:spcPct val="115000"/>
-              </a:lnSpc>
-              <a:buClr>
-                <a:srgbClr val="595959"/>
-              </a:buClr>
-              <a:buFont typeface="Lato"/>
-              <a:buChar char="●"/>
-            </a:pPr>
-            <a:endParaRPr b="0" lang="en-US" sz="1200" spc="-1" strike="noStrike">
-              <a:solidFill>
-                <a:srgbClr val="000000"/>
-              </a:solidFill>
-              <a:latin typeface="Arial"/>
-            </a:endParaRPr>
-          </a:p>
-          <a:p>
-            <a:pPr marL="457200" indent="-310680">
-              <a:lnSpc>
-                <a:spcPct val="115000"/>
-              </a:lnSpc>
-              <a:buClr>
-                <a:srgbClr val="595959"/>
-              </a:buClr>
-              <a:buFont typeface="Lato"/>
-              <a:buChar char="●"/>
-            </a:pPr>
-            <a:endParaRPr b="0" lang="en-US" sz="1200" spc="-1" strike="noStrike">
-              <a:solidFill>
-                <a:srgbClr val="000000"/>
-              </a:solidFill>
-              <a:latin typeface="Arial"/>
-            </a:endParaRPr>
-          </a:p>
-          <a:p>
-            <a:pPr marL="457200" indent="-310680">
-              <a:lnSpc>
-                <a:spcPct val="115000"/>
-              </a:lnSpc>
-              <a:buClr>
-                <a:srgbClr val="595959"/>
-              </a:buClr>
-              <a:buFont typeface="Lato"/>
-              <a:buChar char="●"/>
-            </a:pPr>
-            <a:endParaRPr b="0" lang="en-US" sz="1200" spc="-1" strike="noStrike">
-              <a:solidFill>
-                <a:srgbClr val="000000"/>
-              </a:solidFill>
               <a:latin typeface="Arial"/>
             </a:endParaRPr>
           </a:p>
@@ -9076,9 +6498,36 @@
               </a:lnSpc>
             </a:pPr>
             <a:endParaRPr b="0" lang="en-US" sz="1200" spc="-1" strike="noStrike">
-              <a:solidFill>
-                <a:srgbClr val="000000"/>
-              </a:solidFill>
+              <a:latin typeface="Arial"/>
+            </a:endParaRPr>
+          </a:p>
+          <a:p>
+            <a:pPr>
+              <a:lnSpc>
+                <a:spcPct val="115000"/>
+              </a:lnSpc>
+            </a:pPr>
+            <a:endParaRPr b="0" lang="en-US" sz="1200" spc="-1" strike="noStrike">
+              <a:latin typeface="Arial"/>
+            </a:endParaRPr>
+          </a:p>
+          <a:p>
+            <a:pPr>
+              <a:lnSpc>
+                <a:spcPct val="115000"/>
+              </a:lnSpc>
+            </a:pPr>
+            <a:endParaRPr b="0" lang="en-US" sz="1200" spc="-1" strike="noStrike">
+              <a:latin typeface="Arial"/>
+            </a:endParaRPr>
+          </a:p>
+          <a:p>
+            <a:pPr>
+              <a:lnSpc>
+                <a:spcPct val="115000"/>
+              </a:lnSpc>
+            </a:pPr>
+            <a:endParaRPr b="0" lang="en-US" sz="1200" spc="-1" strike="noStrike">
               <a:latin typeface="Arial"/>
             </a:endParaRPr>
           </a:p>
@@ -9116,14 +6565,14 @@
       </p:grpSpPr>
       <p:sp>
         <p:nvSpPr>
-          <p:cNvPr id="180" name="TextShape 1"/>
-          <p:cNvSpPr txBox="1"/>
+          <p:cNvPr id="134" name="CustomShape 1"/>
+          <p:cNvSpPr/>
           <p:nvPr/>
         </p:nvSpPr>
         <p:spPr>
           <a:xfrm>
             <a:off x="729360" y="1322280"/>
-            <a:ext cx="7688160" cy="1518120"/>
+            <a:ext cx="7687800" cy="1517760"/>
           </a:xfrm>
           <a:prstGeom prst="rect">
             <a:avLst/>
@@ -9133,8 +6582,14 @@
             <a:noFill/>
           </a:ln>
         </p:spPr>
-        <p:txBody>
-          <a:bodyPr tIns="91440" bIns="91440">
+        <p:style>
+          <a:lnRef idx="0"/>
+          <a:fillRef idx="0"/>
+          <a:effectRef idx="0"/>
+          <a:fontRef idx="minor"/>
+        </p:style>
+        <p:txBody>
+          <a:bodyPr lIns="90000" rIns="90000" tIns="91440" bIns="91440">
             <a:noAutofit/>
           </a:bodyPr>
           <a:p>
@@ -9157,9 +6612,6 @@
               <a:t>Git Push</a:t>
             </a:r>
             <a:endParaRPr b="0" lang="en-US" sz="3600" spc="-1" strike="noStrike">
-              <a:solidFill>
-                <a:srgbClr val="000000"/>
-              </a:solidFill>
               <a:latin typeface="Arial"/>
             </a:endParaRPr>
           </a:p>
@@ -9197,14 +6649,14 @@
       </p:grpSpPr>
       <p:sp>
         <p:nvSpPr>
-          <p:cNvPr id="181" name="TextShape 1"/>
-          <p:cNvSpPr txBox="1"/>
+          <p:cNvPr id="135" name="CustomShape 1"/>
+          <p:cNvSpPr/>
           <p:nvPr/>
         </p:nvSpPr>
         <p:spPr>
           <a:xfrm>
             <a:off x="729360" y="1318680"/>
-            <a:ext cx="7688520" cy="534960"/>
+            <a:ext cx="7688160" cy="534600"/>
           </a:xfrm>
           <a:prstGeom prst="rect">
             <a:avLst/>
@@ -9214,8 +6666,14 @@
             <a:noFill/>
           </a:ln>
         </p:spPr>
-        <p:txBody>
-          <a:bodyPr tIns="91440" bIns="91440">
+        <p:style>
+          <a:lnRef idx="0"/>
+          <a:fillRef idx="0"/>
+          <a:effectRef idx="0"/>
+          <a:fontRef idx="minor"/>
+        </p:style>
+        <p:txBody>
+          <a:bodyPr lIns="90000" rIns="90000" tIns="91440" bIns="91440">
             <a:noAutofit/>
           </a:bodyPr>
           <a:p>
@@ -9238,24 +6696,21 @@
               <a:t>Git Push</a:t>
             </a:r>
             <a:endParaRPr b="0" lang="en-US" sz="2600" spc="-1" strike="noStrike">
-              <a:solidFill>
-                <a:srgbClr val="000000"/>
-              </a:solidFill>
-              <a:latin typeface="Arial"/>
-            </a:endParaRPr>
-          </a:p>
-        </p:txBody>
-      </p:sp>
-      <p:sp>
-        <p:nvSpPr>
-          <p:cNvPr id="182" name="TextShape 2"/>
-          <p:cNvSpPr txBox="1"/>
+              <a:latin typeface="Arial"/>
+            </a:endParaRPr>
+          </a:p>
+        </p:txBody>
+      </p:sp>
+      <p:sp>
+        <p:nvSpPr>
+          <p:cNvPr id="136" name="CustomShape 2"/>
+          <p:cNvSpPr/>
           <p:nvPr/>
         </p:nvSpPr>
         <p:spPr>
           <a:xfrm>
             <a:off x="729360" y="2079000"/>
-            <a:ext cx="7688520" cy="2260800"/>
+            <a:ext cx="7688160" cy="2260440"/>
           </a:xfrm>
           <a:prstGeom prst="rect">
             <a:avLst/>
@@ -9265,12 +6720,18 @@
             <a:noFill/>
           </a:ln>
         </p:spPr>
-        <p:txBody>
-          <a:bodyPr tIns="91440" bIns="91440">
+        <p:style>
+          <a:lnRef idx="0"/>
+          <a:fillRef idx="0"/>
+          <a:effectRef idx="0"/>
+          <a:fontRef idx="minor"/>
+        </p:style>
+        <p:txBody>
+          <a:bodyPr lIns="90000" rIns="90000" tIns="91440" bIns="91440">
             <a:noAutofit/>
           </a:bodyPr>
           <a:p>
-            <a:pPr marL="457200" indent="-310680">
+            <a:pPr marL="457200" indent="-310320">
               <a:lnSpc>
                 <a:spcPct val="115000"/>
               </a:lnSpc>
@@ -9291,14 +6752,14 @@
               <a:t>Untuk mengirim perubahan branch ke remote dengan nama branch yang sama</a:t>
             </a:r>
             <a:endParaRPr b="0" lang="en-US" sz="1200" spc="-1" strike="noStrike">
-              <a:solidFill>
-                <a:srgbClr val="000000"/>
-              </a:solidFill>
-              <a:latin typeface="Arial"/>
-            </a:endParaRPr>
-          </a:p>
-          <a:p>
-            <a:pPr lvl="1" marL="864000" indent="-324000">
+              <a:latin typeface="Arial"/>
+            </a:endParaRPr>
+          </a:p>
+          <a:p>
+            <a:pPr lvl="1" marL="864000" indent="-323640">
+              <a:lnSpc>
+                <a:spcPct val="100000"/>
+              </a:lnSpc>
               <a:spcBef>
                 <a:spcPts val="1134"/>
               </a:spcBef>
@@ -9306,7 +6767,7 @@
                 <a:srgbClr val="000000"/>
               </a:buClr>
               <a:buSzPct val="75000"/>
-              <a:buFont typeface="Symbol" charset="2"/>
+              <a:buFont typeface="Symbol"/>
               <a:buChar char=""/>
             </a:pPr>
             <a:r>
@@ -9320,14 +6781,11 @@
               <a:t>git push [nama_remote] [local_branch]</a:t>
             </a:r>
             <a:endParaRPr b="0" lang="en-US" sz="1200" spc="-1" strike="noStrike">
-              <a:solidFill>
-                <a:srgbClr val="000000"/>
-              </a:solidFill>
-              <a:latin typeface="Arial"/>
-            </a:endParaRPr>
-          </a:p>
-          <a:p>
-            <a:pPr marL="457200" indent="-310680">
+              <a:latin typeface="Arial"/>
+            </a:endParaRPr>
+          </a:p>
+          <a:p>
+            <a:pPr marL="457200" indent="-310320">
               <a:lnSpc>
                 <a:spcPct val="115000"/>
               </a:lnSpc>
@@ -9348,14 +6806,14 @@
               <a:t>Untuk mengirim perubahan branch ke remote dnegnan nama branch yang beda</a:t>
             </a:r>
             <a:endParaRPr b="0" lang="en-US" sz="1200" spc="-1" strike="noStrike">
-              <a:solidFill>
-                <a:srgbClr val="000000"/>
-              </a:solidFill>
-              <a:latin typeface="Arial"/>
-            </a:endParaRPr>
-          </a:p>
-          <a:p>
-            <a:pPr lvl="1" marL="864000" indent="-324000">
+              <a:latin typeface="Arial"/>
+            </a:endParaRPr>
+          </a:p>
+          <a:p>
+            <a:pPr lvl="1" marL="864000" indent="-323640">
+              <a:lnSpc>
+                <a:spcPct val="100000"/>
+              </a:lnSpc>
               <a:spcBef>
                 <a:spcPts val="1134"/>
               </a:spcBef>
@@ -9363,7 +6821,7 @@
                 <a:srgbClr val="000000"/>
               </a:buClr>
               <a:buSzPct val="75000"/>
-              <a:buFont typeface="Symbol" charset="2"/>
+              <a:buFont typeface="Symbol"/>
               <a:buChar char=""/>
             </a:pPr>
             <a:r>
@@ -9377,14 +6835,11 @@
               <a:t>git push [nama_remote] [local_branch]:[nama_branch_baru]</a:t>
             </a:r>
             <a:endParaRPr b="0" lang="en-US" sz="1200" spc="-1" strike="noStrike">
-              <a:solidFill>
-                <a:srgbClr val="000000"/>
-              </a:solidFill>
-              <a:latin typeface="Arial"/>
-            </a:endParaRPr>
-          </a:p>
-          <a:p>
-            <a:pPr marL="457200" indent="-310680">
+              <a:latin typeface="Arial"/>
+            </a:endParaRPr>
+          </a:p>
+          <a:p>
+            <a:pPr marL="457200" indent="-310320">
               <a:lnSpc>
                 <a:spcPct val="115000"/>
               </a:lnSpc>
@@ -9405,14 +6860,14 @@
               <a:t>Untuk mengirim perubahan semua branch dari local ke server</a:t>
             </a:r>
             <a:endParaRPr b="0" lang="en-US" sz="1200" spc="-1" strike="noStrike">
-              <a:solidFill>
-                <a:srgbClr val="000000"/>
-              </a:solidFill>
-              <a:latin typeface="Arial"/>
-            </a:endParaRPr>
-          </a:p>
-          <a:p>
-            <a:pPr lvl="1" marL="864000" indent="-324000">
+              <a:latin typeface="Arial"/>
+            </a:endParaRPr>
+          </a:p>
+          <a:p>
+            <a:pPr lvl="1" marL="864000" indent="-323640">
+              <a:lnSpc>
+                <a:spcPct val="100000"/>
+              </a:lnSpc>
               <a:spcBef>
                 <a:spcPts val="1134"/>
               </a:spcBef>
@@ -9420,7 +6875,7 @@
                 <a:srgbClr val="000000"/>
               </a:buClr>
               <a:buSzPct val="75000"/>
-              <a:buFont typeface="Symbol" charset="2"/>
+              <a:buFont typeface="Symbol"/>
               <a:buChar char=""/>
             </a:pPr>
             <a:r>
@@ -9434,9 +6889,6 @@
               <a:t>git push [nama_remote] --all</a:t>
             </a:r>
             <a:endParaRPr b="0" lang="en-US" sz="1200" spc="-1" strike="noStrike">
-              <a:solidFill>
-                <a:srgbClr val="000000"/>
-              </a:solidFill>
               <a:latin typeface="Arial"/>
             </a:endParaRPr>
           </a:p>
@@ -9474,14 +6926,14 @@
       </p:grpSpPr>
       <p:sp>
         <p:nvSpPr>
-          <p:cNvPr id="183" name="TextShape 1"/>
-          <p:cNvSpPr txBox="1"/>
+          <p:cNvPr id="137" name="CustomShape 1"/>
+          <p:cNvSpPr/>
           <p:nvPr/>
         </p:nvSpPr>
         <p:spPr>
           <a:xfrm>
             <a:off x="729360" y="1318680"/>
-            <a:ext cx="7688520" cy="534960"/>
+            <a:ext cx="7688160" cy="534600"/>
           </a:xfrm>
           <a:prstGeom prst="rect">
             <a:avLst/>
@@ -9491,8 +6943,14 @@
             <a:noFill/>
           </a:ln>
         </p:spPr>
-        <p:txBody>
-          <a:bodyPr tIns="91440" bIns="91440">
+        <p:style>
+          <a:lnRef idx="0"/>
+          <a:fillRef idx="0"/>
+          <a:effectRef idx="0"/>
+          <a:fontRef idx="minor"/>
+        </p:style>
+        <p:txBody>
+          <a:bodyPr lIns="90000" rIns="90000" tIns="91440" bIns="91440">
             <a:noAutofit/>
           </a:bodyPr>
           <a:p>
@@ -9515,24 +6973,21 @@
               <a:t>Delete Branch di remote repository</a:t>
             </a:r>
             <a:endParaRPr b="0" lang="en-US" sz="2600" spc="-1" strike="noStrike">
-              <a:solidFill>
-                <a:srgbClr val="000000"/>
-              </a:solidFill>
-              <a:latin typeface="Arial"/>
-            </a:endParaRPr>
-          </a:p>
-        </p:txBody>
-      </p:sp>
-      <p:sp>
-        <p:nvSpPr>
-          <p:cNvPr id="184" name="TextShape 2"/>
-          <p:cNvSpPr txBox="1"/>
+              <a:latin typeface="Arial"/>
+            </a:endParaRPr>
+          </a:p>
+        </p:txBody>
+      </p:sp>
+      <p:sp>
+        <p:nvSpPr>
+          <p:cNvPr id="138" name="CustomShape 2"/>
+          <p:cNvSpPr/>
           <p:nvPr/>
         </p:nvSpPr>
         <p:spPr>
           <a:xfrm>
             <a:off x="729360" y="2079000"/>
-            <a:ext cx="7688520" cy="2260800"/>
+            <a:ext cx="7688160" cy="2260440"/>
           </a:xfrm>
           <a:prstGeom prst="rect">
             <a:avLst/>
@@ -9542,12 +6997,18 @@
             <a:noFill/>
           </a:ln>
         </p:spPr>
-        <p:txBody>
-          <a:bodyPr tIns="91440" bIns="91440">
+        <p:style>
+          <a:lnRef idx="0"/>
+          <a:fillRef idx="0"/>
+          <a:effectRef idx="0"/>
+          <a:fontRef idx="minor"/>
+        </p:style>
+        <p:txBody>
+          <a:bodyPr lIns="90000" rIns="90000" tIns="91440" bIns="91440">
             <a:noAutofit/>
           </a:bodyPr>
           <a:p>
-            <a:pPr marL="457200" indent="-310680">
+            <a:pPr marL="457200" indent="-310320">
               <a:lnSpc>
                 <a:spcPct val="115000"/>
               </a:lnSpc>
@@ -9568,14 +7029,14 @@
               <a:t>Untuk menghapus branch dari local ke server menggunakan perintah:</a:t>
             </a:r>
             <a:endParaRPr b="0" lang="en-US" sz="1200" spc="-1" strike="noStrike">
-              <a:solidFill>
-                <a:srgbClr val="000000"/>
-              </a:solidFill>
-              <a:latin typeface="Arial"/>
-            </a:endParaRPr>
-          </a:p>
-          <a:p>
-            <a:pPr lvl="1" marL="864000" indent="-324000">
+              <a:latin typeface="Arial"/>
+            </a:endParaRPr>
+          </a:p>
+          <a:p>
+            <a:pPr lvl="1" marL="864000" indent="-323640">
+              <a:lnSpc>
+                <a:spcPct val="100000"/>
+              </a:lnSpc>
               <a:spcBef>
                 <a:spcPts val="1134"/>
               </a:spcBef>
@@ -9583,7 +7044,7 @@
                 <a:srgbClr val="000000"/>
               </a:buClr>
               <a:buSzPct val="75000"/>
-              <a:buFont typeface="Symbol" charset="2"/>
+              <a:buFont typeface="Symbol"/>
               <a:buChar char=""/>
             </a:pPr>
             <a:r>
@@ -9597,14 +7058,14 @@
               <a:t>git push –-delete [namremote] [nama_branch]</a:t>
             </a:r>
             <a:endParaRPr b="0" lang="en-US" sz="1200" spc="-1" strike="noStrike">
-              <a:solidFill>
-                <a:srgbClr val="000000"/>
-              </a:solidFill>
-              <a:latin typeface="Arial"/>
-            </a:endParaRPr>
-          </a:p>
-          <a:p>
-            <a:pPr lvl="1" marL="864000" indent="-324000">
+              <a:latin typeface="Arial"/>
+            </a:endParaRPr>
+          </a:p>
+          <a:p>
+            <a:pPr lvl="1" marL="864000" indent="-323640">
+              <a:lnSpc>
+                <a:spcPct val="100000"/>
+              </a:lnSpc>
               <a:spcBef>
                 <a:spcPts val="1134"/>
               </a:spcBef>
@@ -9612,7 +7073,7 @@
                 <a:srgbClr val="000000"/>
               </a:buClr>
               <a:buSzPct val="75000"/>
-              <a:buFont typeface="Symbol" charset="2"/>
+              <a:buFont typeface="Symbol"/>
               <a:buChar char=""/>
             </a:pPr>
             <a:r>
@@ -9626,14 +7087,11 @@
               <a:t>Ex: git push –-delete repohub fiture</a:t>
             </a:r>
             <a:endParaRPr b="0" lang="en-US" sz="1200" spc="-1" strike="noStrike">
-              <a:solidFill>
-                <a:srgbClr val="000000"/>
-              </a:solidFill>
-              <a:latin typeface="Arial"/>
-            </a:endParaRPr>
-          </a:p>
-          <a:p>
-            <a:pPr marL="457200" indent="-310680">
+              <a:latin typeface="Arial"/>
+            </a:endParaRPr>
+          </a:p>
+          <a:p>
+            <a:pPr marL="457200" indent="-310320">
               <a:lnSpc>
                 <a:spcPct val="115000"/>
               </a:lnSpc>
@@ -9684,27 +7142,16 @@
               <a:t>repohub </a:t>
             </a:r>
             <a:endParaRPr b="0" lang="en-US" sz="1200" spc="-1" strike="noStrike">
-              <a:solidFill>
-                <a:srgbClr val="000000"/>
-              </a:solidFill>
-              <a:latin typeface="Arial"/>
-            </a:endParaRPr>
-          </a:p>
-          <a:p>
-            <a:pPr marL="457200" indent="-310680">
+              <a:latin typeface="Arial"/>
+            </a:endParaRPr>
+          </a:p>
+          <a:p>
+            <a:pPr>
               <a:lnSpc>
                 <a:spcPct val="115000"/>
               </a:lnSpc>
-              <a:buClr>
-                <a:srgbClr val="595959"/>
-              </a:buClr>
-              <a:buFont typeface="Lato"/>
-              <a:buChar char="●"/>
             </a:pPr>
             <a:endParaRPr b="0" lang="en-US" sz="1200" spc="-1" strike="noStrike">
-              <a:solidFill>
-                <a:srgbClr val="000000"/>
-              </a:solidFill>
               <a:latin typeface="Arial"/>
             </a:endParaRPr>
           </a:p>
@@ -9742,14 +7189,14 @@
       </p:grpSpPr>
       <p:sp>
         <p:nvSpPr>
-          <p:cNvPr id="185" name="TextShape 1"/>
-          <p:cNvSpPr txBox="1"/>
+          <p:cNvPr id="139" name="CustomShape 1"/>
+          <p:cNvSpPr/>
           <p:nvPr/>
         </p:nvSpPr>
         <p:spPr>
           <a:xfrm>
             <a:off x="729360" y="1322280"/>
-            <a:ext cx="7688160" cy="1518120"/>
+            <a:ext cx="7687800" cy="1517760"/>
           </a:xfrm>
           <a:prstGeom prst="rect">
             <a:avLst/>
@@ -9759,8 +7206,14 @@
             <a:noFill/>
           </a:ln>
         </p:spPr>
-        <p:txBody>
-          <a:bodyPr tIns="91440" bIns="91440">
+        <p:style>
+          <a:lnRef idx="0"/>
+          <a:fillRef idx="0"/>
+          <a:effectRef idx="0"/>
+          <a:fontRef idx="minor"/>
+        </p:style>
+        <p:txBody>
+          <a:bodyPr lIns="90000" rIns="90000" tIns="91440" bIns="91440">
             <a:noAutofit/>
           </a:bodyPr>
           <a:p>
@@ -9783,9 +7236,6 @@
               <a:t>Git Clone</a:t>
             </a:r>
             <a:endParaRPr b="0" lang="en-US" sz="3600" spc="-1" strike="noStrike">
-              <a:solidFill>
-                <a:srgbClr val="000000"/>
-              </a:solidFill>
               <a:latin typeface="Arial"/>
             </a:endParaRPr>
           </a:p>
@@ -10480,230 +7930,4 @@
     </a:fmtScheme>
   </a:themeElements>
 </a:theme>
-</file>
-
-<file path=ppt/theme/theme4.xml><?xml version="1.0" encoding="utf-8"?>
-<a:theme xmlns:a="http://schemas.openxmlformats.org/drawingml/2006/main" name="Office Theme">
-  <a:themeElements>
-    <a:clrScheme name="Office">
-      <a:dk1>
-        <a:sysClr val="windowText" lastClr="000000"/>
-      </a:dk1>
-      <a:lt1>
-        <a:sysClr val="window" lastClr="FFFFFF"/>
-      </a:lt1>
-      <a:dk2>
-        <a:srgbClr val="1a1a1a"/>
-      </a:dk2>
-      <a:lt2>
-        <a:srgbClr val="e9edee"/>
-      </a:lt2>
-      <a:accent1>
-        <a:srgbClr val="595959"/>
-      </a:accent1>
-      <a:accent2>
-        <a:srgbClr val="6aa4c8"/>
-      </a:accent2>
-      <a:accent3>
-        <a:srgbClr val="eb5600"/>
-      </a:accent3>
-      <a:accent4>
-        <a:srgbClr val="a2ffe8"/>
-      </a:accent4>
-      <a:accent5>
-        <a:srgbClr val="1c3678"/>
-      </a:accent5>
-      <a:accent6>
-        <a:srgbClr val="ffb8a2"/>
-      </a:accent6>
-      <a:hlink>
-        <a:srgbClr val="1c3678"/>
-      </a:hlink>
-      <a:folHlink>
-        <a:srgbClr val="1c3678"/>
-      </a:folHlink>
-    </a:clrScheme>
-    <a:fontScheme name="Office">
-      <a:majorFont>
-        <a:latin typeface="Arial"/>
-        <a:ea typeface="DejaVu Sans"/>
-        <a:cs typeface="DejaVu Sans"/>
-      </a:majorFont>
-      <a:minorFont>
-        <a:latin typeface="Arial"/>
-        <a:ea typeface="DejaVu Sans"/>
-        <a:cs typeface="DejaVu Sans"/>
-      </a:minorFont>
-    </a:fontScheme>
-    <a:fmtScheme name="Office">
-      <a:fillStyleLst>
-        <a:solidFill>
-          <a:schemeClr val="phClr"/>
-        </a:solidFill>
-        <a:gradFill rotWithShape="1">
-          <a:gsLst>
-            <a:gs pos="0">
-              <a:schemeClr val="phClr">
-                <a:tint val="50000"/>
-                <a:satMod val="300000"/>
-              </a:schemeClr>
-            </a:gs>
-            <a:gs pos="35000">
-              <a:schemeClr val="phClr">
-                <a:tint val="37000"/>
-                <a:satMod val="300000"/>
-              </a:schemeClr>
-            </a:gs>
-            <a:gs pos="100000">
-              <a:schemeClr val="phClr">
-                <a:tint val="15000"/>
-                <a:satMod val="350000"/>
-              </a:schemeClr>
-            </a:gs>
-          </a:gsLst>
-          <a:lin ang="16200000" scaled="1"/>
-        </a:gradFill>
-        <a:gradFill rotWithShape="1">
-          <a:gsLst>
-            <a:gs pos="0">
-              <a:schemeClr val="phClr">
-                <a:shade val="51000"/>
-                <a:satMod val="130000"/>
-              </a:schemeClr>
-            </a:gs>
-            <a:gs pos="80000">
-              <a:schemeClr val="phClr">
-                <a:shade val="93000"/>
-                <a:satMod val="130000"/>
-              </a:schemeClr>
-            </a:gs>
-            <a:gs pos="100000">
-              <a:schemeClr val="phClr">
-                <a:shade val="94000"/>
-                <a:satMod val="135000"/>
-              </a:schemeClr>
-            </a:gs>
-          </a:gsLst>
-          <a:lin ang="16200000" scaled="0"/>
-        </a:gradFill>
-      </a:fillStyleLst>
-      <a:lnStyleLst>
-        <a:ln w="9525" cap="flat" cmpd="sng" algn="ctr">
-          <a:solidFill>
-            <a:schemeClr val="phClr">
-              <a:shade val="95000"/>
-              <a:satMod val="105000"/>
-            </a:schemeClr>
-          </a:solidFill>
-          <a:prstDash val="solid"/>
-          <a:miter/>
-        </a:ln>
-        <a:ln w="25400" cap="flat" cmpd="sng" algn="ctr">
-          <a:solidFill>
-            <a:schemeClr val="phClr"/>
-          </a:solidFill>
-          <a:prstDash val="solid"/>
-          <a:miter/>
-        </a:ln>
-        <a:ln w="38100" cap="flat" cmpd="sng" algn="ctr">
-          <a:solidFill>
-            <a:schemeClr val="phClr"/>
-          </a:solidFill>
-          <a:prstDash val="solid"/>
-          <a:miter/>
-        </a:ln>
-      </a:lnStyleLst>
-      <a:effectStyleLst>
-        <a:effectStyle>
-          <a:effectLst>
-            <a:outerShdw blurRad="40000" dist="20000" dir="5400000" rotWithShape="0">
-              <a:srgbClr val="000000">
-                <a:alpha val="38000"/>
-              </a:srgbClr>
-            </a:outerShdw>
-          </a:effectLst>
-        </a:effectStyle>
-        <a:effectStyle>
-          <a:effectLst>
-            <a:outerShdw blurRad="40000" dist="23000" dir="5400000" rotWithShape="0">
-              <a:srgbClr val="000000">
-                <a:alpha val="35000"/>
-              </a:srgbClr>
-            </a:outerShdw>
-          </a:effectLst>
-        </a:effectStyle>
-        <a:effectStyle>
-          <a:effectLst>
-            <a:outerShdw blurRad="40000" dist="23000" dir="5400000" rotWithShape="0">
-              <a:srgbClr val="000000">
-                <a:alpha val="35000"/>
-              </a:srgbClr>
-            </a:outerShdw>
-          </a:effectLst>
-          <a:scene3d>
-            <a:camera prst="orthographicFront">
-              <a:rot lat="0" lon="0" rev="0"/>
-            </a:camera>
-            <a:lightRig rig="threePt" dir="t">
-              <a:rot lat="0" lon="0" rev="1200000"/>
-            </a:lightRig>
-          </a:scene3d>
-          <a:sp3d>
-            <a:bevelT w="63500" h="25400"/>
-          </a:sp3d>
-        </a:effectStyle>
-      </a:effectStyleLst>
-      <a:bgFillStyleLst>
-        <a:solidFill>
-          <a:schemeClr val="phClr"/>
-        </a:solidFill>
-        <a:gradFill rotWithShape="1">
-          <a:gsLst>
-            <a:gs pos="0">
-              <a:schemeClr val="phClr">
-                <a:tint val="40000"/>
-                <a:satMod val="350000"/>
-              </a:schemeClr>
-            </a:gs>
-            <a:gs pos="40000">
-              <a:schemeClr val="phClr">
-                <a:tint val="45000"/>
-                <a:shade val="99000"/>
-                <a:satMod val="350000"/>
-              </a:schemeClr>
-            </a:gs>
-            <a:gs pos="100000">
-              <a:schemeClr val="phClr">
-                <a:shade val="20000"/>
-                <a:satMod val="255000"/>
-              </a:schemeClr>
-            </a:gs>
-          </a:gsLst>
-          <a:path path="circle">
-            <a:fillToRect l="50000" t="-80000" r="50000" b="180000"/>
-          </a:path>
-        </a:gradFill>
-        <a:gradFill rotWithShape="1">
-          <a:gsLst>
-            <a:gs pos="0">
-              <a:schemeClr val="phClr">
-                <a:tint val="80000"/>
-                <a:satMod val="300000"/>
-              </a:schemeClr>
-            </a:gs>
-            <a:gs pos="100000">
-              <a:schemeClr val="phClr">
-                <a:shade val="30000"/>
-                <a:satMod val="200000"/>
-              </a:schemeClr>
-            </a:gs>
-          </a:gsLst>
-          <a:path path="circle">
-            <a:fillToRect l="50000" t="50000" r="50000" b="50000"/>
-          </a:path>
-        </a:gradFill>
-      </a:bgFillStyleLst>
-    </a:fmtScheme>
-  </a:themeElements>
-</a:theme>
 </file>